--- a/recording-architectural-decisions-ignite.pptx
+++ b/recording-architectural-decisions-ignite.pptx
@@ -5,7 +5,7 @@
     <p:sldMasterId id="2147483648" r:id="rId1"/>
   </p:sldMasterIdLst>
   <p:notesMasterIdLst>
-    <p:notesMasterId r:id="rId23"/>
+    <p:notesMasterId r:id="rId22"/>
   </p:notesMasterIdLst>
   <p:sldIdLst>
     <p:sldId id="256" r:id="rId2"/>
@@ -13,22 +13,21 @@
     <p:sldId id="263" r:id="rId4"/>
     <p:sldId id="291" r:id="rId5"/>
     <p:sldId id="265" r:id="rId6"/>
-    <p:sldId id="273" r:id="rId7"/>
-    <p:sldId id="299" r:id="rId8"/>
-    <p:sldId id="302" r:id="rId9"/>
-    <p:sldId id="303" r:id="rId10"/>
-    <p:sldId id="304" r:id="rId11"/>
-    <p:sldId id="305" r:id="rId12"/>
-    <p:sldId id="306" r:id="rId13"/>
-    <p:sldId id="307" r:id="rId14"/>
-    <p:sldId id="268" r:id="rId15"/>
-    <p:sldId id="311" r:id="rId16"/>
-    <p:sldId id="301" r:id="rId17"/>
-    <p:sldId id="270" r:id="rId18"/>
-    <p:sldId id="266" r:id="rId19"/>
-    <p:sldId id="312" r:id="rId20"/>
-    <p:sldId id="308" r:id="rId21"/>
-    <p:sldId id="257" r:id="rId22"/>
+    <p:sldId id="299" r:id="rId7"/>
+    <p:sldId id="302" r:id="rId8"/>
+    <p:sldId id="303" r:id="rId9"/>
+    <p:sldId id="304" r:id="rId10"/>
+    <p:sldId id="305" r:id="rId11"/>
+    <p:sldId id="306" r:id="rId12"/>
+    <p:sldId id="307" r:id="rId13"/>
+    <p:sldId id="268" r:id="rId14"/>
+    <p:sldId id="311" r:id="rId15"/>
+    <p:sldId id="301" r:id="rId16"/>
+    <p:sldId id="270" r:id="rId17"/>
+    <p:sldId id="266" r:id="rId18"/>
+    <p:sldId id="312" r:id="rId19"/>
+    <p:sldId id="308" r:id="rId20"/>
+    <p:sldId id="257" r:id="rId21"/>
   </p:sldIdLst>
   <p:sldSz cx="12192000" cy="6858000"/>
   <p:notesSz cx="6858000" cy="9144000"/>
@@ -530,51 +529,25 @@
           <a:p>
             <a:r>
               <a:rPr lang="en-US" dirty="0"/>
-              <a:t>As technologists, we make important architectural decisions every day</a:t>
-            </a:r>
+              <a:t>Hi! I’m David Ayers, Principal Architect with Credera, a full service technology and management consulting firm.</a:t>
+            </a:r>
+          </a:p>
+          <a:p>
+            <a:endParaRPr lang="en-US" dirty="0"/>
           </a:p>
           <a:p>
             <a:r>
               <a:rPr lang="en-US" dirty="0"/>
-              <a:t>These decisions can range from far reaching (Angular vs. React) to mundane (Infinite scroll vs. pagination for search results)</a:t>
-            </a:r>
+              <a:t>I’m here to talk about a problem that we all have. </a:t>
+            </a:r>
+          </a:p>
+          <a:p>
+            <a:endParaRPr lang="en-US" dirty="0"/>
           </a:p>
           <a:p>
             <a:r>
               <a:rPr lang="en-US" dirty="0"/>
-              <a:t>These decisions can be made by one person, or made by the team</a:t>
-            </a:r>
-          </a:p>
-          <a:p>
-            <a:r>
-              <a:rPr lang="en-US" dirty="0"/>
-              <a:t>Most of us do a great job and carefully thinking through these decisions:</a:t>
-            </a:r>
-          </a:p>
-          <a:p>
-            <a:r>
-              <a:rPr lang="en-US" dirty="0"/>
-              <a:t>Taking into account all of the pros and cons of the many different options</a:t>
-            </a:r>
-          </a:p>
-          <a:p>
-            <a:r>
-              <a:rPr lang="en-US" dirty="0"/>
-              <a:t>Discussing these options with the team</a:t>
-            </a:r>
-          </a:p>
-          <a:p>
-            <a:r>
-              <a:rPr lang="en-US" dirty="0"/>
-              <a:t>Perhaps doing a spike or a "</a:t>
-            </a:r>
-            <a:r>
-              <a:rPr lang="en-US" dirty="0" err="1"/>
-              <a:t>pepsi</a:t>
-            </a:r>
-            <a:r>
-              <a:rPr lang="en-US" dirty="0"/>
-              <a:t> challenge" to determine a "best fit" for a particular decision</a:t>
+              <a:t>We made decisions every day, some big, some small, that effect to overall architecture of whatever we’re working on. </a:t>
             </a:r>
           </a:p>
         </p:txBody>
@@ -596,7 +569,7 @@
           <a:p>
             <a:fld id="{E42DF656-43DD-C647-8193-729F56EE6E13}" type="slidenum">
               <a:rPr lang="en-US" smtClean="0"/>
-              <a:t>2</a:t>
+              <a:t>1</a:t>
             </a:fld>
             <a:endParaRPr lang="en-US"/>
           </a:p>
@@ -605,7 +578,7 @@
     </p:spTree>
     <p:extLst>
       <p:ext uri="{BB962C8B-B14F-4D97-AF65-F5344CB8AC3E}">
-        <p14:creationId xmlns:p14="http://schemas.microsoft.com/office/powerpoint/2010/main" val="2566387134"/>
+        <p14:creationId xmlns:p14="http://schemas.microsoft.com/office/powerpoint/2010/main" val="151811750"/>
       </p:ext>
     </p:extLst>
   </p:cSld>
@@ -700,7 +673,7 @@
           <a:p>
             <a:fld id="{096F4AFB-61BD-1340-90B6-0FECED04B0A2}" type="slidenum">
               <a:rPr lang="en-US" smtClean="0"/>
-              <a:t>11</a:t>
+              <a:t>10</a:t>
             </a:fld>
             <a:endParaRPr lang="en-US"/>
           </a:p>
@@ -804,7 +777,7 @@
           <a:p>
             <a:fld id="{096F4AFB-61BD-1340-90B6-0FECED04B0A2}" type="slidenum">
               <a:rPr lang="en-US" smtClean="0"/>
-              <a:t>12</a:t>
+              <a:t>11</a:t>
             </a:fld>
             <a:endParaRPr lang="en-US"/>
           </a:p>
@@ -908,7 +881,7 @@
           <a:p>
             <a:fld id="{096F4AFB-61BD-1340-90B6-0FECED04B0A2}" type="slidenum">
               <a:rPr lang="en-US" smtClean="0"/>
-              <a:t>13</a:t>
+              <a:t>12</a:t>
             </a:fld>
             <a:endParaRPr lang="en-US"/>
           </a:p>
@@ -1009,7 +982,7 @@
           <a:p>
             <a:fld id="{E42DF656-43DD-C647-8193-729F56EE6E13}" type="slidenum">
               <a:rPr lang="en-US" smtClean="0"/>
-              <a:t>14</a:t>
+              <a:t>13</a:t>
             </a:fld>
             <a:endParaRPr lang="en-US"/>
           </a:p>
@@ -1117,7 +1090,7 @@
           <a:p>
             <a:fld id="{E42DF656-43DD-C647-8193-729F56EE6E13}" type="slidenum">
               <a:rPr lang="en-US" smtClean="0"/>
-              <a:t>15</a:t>
+              <a:t>14</a:t>
             </a:fld>
             <a:endParaRPr lang="en-US"/>
           </a:p>
@@ -1445,7 +1418,7 @@
           <a:p>
             <a:fld id="{096F4AFB-61BD-1340-90B6-0FECED04B0A2}" type="slidenum">
               <a:rPr lang="en-US" smtClean="0"/>
-              <a:t>16</a:t>
+              <a:t>15</a:t>
             </a:fld>
             <a:endParaRPr lang="en-US"/>
           </a:p>
@@ -1550,7 +1523,7 @@
           <a:p>
             <a:fld id="{E42DF656-43DD-C647-8193-729F56EE6E13}" type="slidenum">
               <a:rPr lang="en-US" smtClean="0"/>
-              <a:t>17</a:t>
+              <a:t>16</a:t>
             </a:fld>
             <a:endParaRPr lang="en-US"/>
           </a:p>
@@ -1718,7 +1691,7 @@
           <a:p>
             <a:fld id="{E42DF656-43DD-C647-8193-729F56EE6E13}" type="slidenum">
               <a:rPr lang="en-US" smtClean="0"/>
-              <a:t>18</a:t>
+              <a:t>17</a:t>
             </a:fld>
             <a:endParaRPr lang="en-US"/>
           </a:p>
@@ -1860,7 +1833,7 @@
           <a:p>
             <a:fld id="{E42DF656-43DD-C647-8193-729F56EE6E13}" type="slidenum">
               <a:rPr lang="en-US" smtClean="0"/>
-              <a:t>19</a:t>
+              <a:t>18</a:t>
             </a:fld>
             <a:endParaRPr lang="en-US"/>
           </a:p>
@@ -2018,7 +1991,7 @@
           <a:p>
             <a:fld id="{096F4AFB-61BD-1340-90B6-0FECED04B0A2}" type="slidenum">
               <a:rPr lang="en-US" smtClean="0"/>
-              <a:t>20</a:t>
+              <a:t>19</a:t>
             </a:fld>
             <a:endParaRPr lang="en-US"/>
           </a:p>
@@ -2083,7 +2056,7 @@
           <a:p>
             <a:r>
               <a:rPr lang="en-US" dirty="0"/>
-              <a:t>And then we go about implementing it</a:t>
+              <a:t>These decisions can range from far reaching (Angular vs. React) to mundane (Infinite scroll vs. pagination for search results)</a:t>
             </a:r>
           </a:p>
           <a:p>
@@ -2092,54 +2065,43 @@
           <a:p>
             <a:r>
               <a:rPr lang="en-US" dirty="0"/>
-              <a:t>Maybe we update a user story with some of the information that led to the decision (usually not though)</a:t>
-            </a:r>
-          </a:p>
-          <a:p>
-            <a:pPr marL="0" marR="0" lvl="0" indent="0" algn="l" defTabSz="914400" rtl="0" eaLnBrk="1" fontAlgn="auto" latinLnBrk="0" hangingPunct="1">
-              <a:lnSpc>
-                <a:spcPct val="100000"/>
-              </a:lnSpc>
-              <a:spcBef>
-                <a:spcPts val="0"/>
-              </a:spcBef>
-              <a:spcAft>
-                <a:spcPts val="0"/>
-              </a:spcAft>
-              <a:buClrTx/>
-              <a:buSzTx/>
-              <a:buFontTx/>
-              <a:buNone/>
-              <a:tabLst/>
-              <a:defRPr/>
-            </a:pPr>
+              <a:t>These decisions can be made by one person, or made by the team</a:t>
+            </a:r>
+          </a:p>
+          <a:p>
             <a:endParaRPr lang="en-US" dirty="0"/>
           </a:p>
           <a:p>
-            <a:pPr marL="0" marR="0" lvl="0" indent="0" algn="l" defTabSz="914400" rtl="0" eaLnBrk="1" fontAlgn="auto" latinLnBrk="0" hangingPunct="1">
-              <a:lnSpc>
-                <a:spcPct val="100000"/>
-              </a:lnSpc>
-              <a:spcBef>
-                <a:spcPts val="0"/>
-              </a:spcBef>
-              <a:spcAft>
-                <a:spcPts val="0"/>
-              </a:spcAft>
-              <a:buClrTx/>
-              <a:buSzTx/>
-              <a:buFontTx/>
-              <a:buNone/>
-              <a:tabLst/>
-              <a:defRPr/>
-            </a:pPr>
             <a:r>
               <a:rPr lang="en-US" dirty="0"/>
-              <a:t>And all of that context is lost</a:t>
-            </a:r>
-          </a:p>
-          <a:p>
-            <a:endParaRPr lang="en-US" dirty="0"/>
+              <a:t>Most of us do a great job and carefully thinking through these decisions:</a:t>
+            </a:r>
+          </a:p>
+          <a:p>
+            <a:r>
+              <a:rPr lang="en-US" dirty="0"/>
+              <a:t>	Taking into account all of the pros and cons of the many different options</a:t>
+            </a:r>
+          </a:p>
+          <a:p>
+            <a:r>
+              <a:rPr lang="en-US" dirty="0"/>
+              <a:t>	Discussing these options with the team</a:t>
+            </a:r>
+          </a:p>
+          <a:p>
+            <a:r>
+              <a:rPr lang="en-US" dirty="0"/>
+              <a:t>	Perhaps doing a spike or a "</a:t>
+            </a:r>
+            <a:r>
+              <a:rPr lang="en-US" dirty="0" err="1"/>
+              <a:t>pepsi</a:t>
+            </a:r>
+            <a:r>
+              <a:rPr lang="en-US" dirty="0"/>
+              <a:t> challenge" to determine a "best fit" for a particular decision</a:t>
+            </a:r>
           </a:p>
         </p:txBody>
       </p:sp>
@@ -2160,7 +2122,7 @@
           <a:p>
             <a:fld id="{E42DF656-43DD-C647-8193-729F56EE6E13}" type="slidenum">
               <a:rPr lang="en-US" smtClean="0"/>
-              <a:t>3</a:t>
+              <a:t>2</a:t>
             </a:fld>
             <a:endParaRPr lang="en-US"/>
           </a:p>
@@ -2169,7 +2131,103 @@
     </p:spTree>
     <p:extLst>
       <p:ext uri="{BB962C8B-B14F-4D97-AF65-F5344CB8AC3E}">
-        <p14:creationId xmlns:p14="http://schemas.microsoft.com/office/powerpoint/2010/main" val="2367754036"/>
+        <p14:creationId xmlns:p14="http://schemas.microsoft.com/office/powerpoint/2010/main" val="2566387134"/>
+      </p:ext>
+    </p:extLst>
+  </p:cSld>
+  <p:clrMapOvr>
+    <a:masterClrMapping/>
+  </p:clrMapOvr>
+</p:notes>
+</file>
+
+<file path=ppt/notesSlides/notesSlide20.xml><?xml version="1.0" encoding="utf-8"?>
+<p:notes xmlns:a="http://schemas.openxmlformats.org/drawingml/2006/main" xmlns:r="http://schemas.openxmlformats.org/officeDocument/2006/relationships" xmlns:p="http://schemas.openxmlformats.org/presentationml/2006/main">
+  <p:cSld>
+    <p:spTree>
+      <p:nvGrpSpPr>
+        <p:cNvPr id="1" name=""/>
+        <p:cNvGrpSpPr/>
+        <p:nvPr/>
+      </p:nvGrpSpPr>
+      <p:grpSpPr>
+        <a:xfrm>
+          <a:off x="0" y="0"/>
+          <a:ext cx="0" cy="0"/>
+          <a:chOff x="0" y="0"/>
+          <a:chExt cx="0" cy="0"/>
+        </a:xfrm>
+      </p:grpSpPr>
+      <p:sp>
+        <p:nvSpPr>
+          <p:cNvPr id="2" name="Slide Image Placeholder 1"/>
+          <p:cNvSpPr>
+            <a:spLocks noGrp="1" noRot="1" noChangeAspect="1"/>
+          </p:cNvSpPr>
+          <p:nvPr>
+            <p:ph type="sldImg"/>
+          </p:nvPr>
+        </p:nvSpPr>
+        <p:spPr/>
+      </p:sp>
+      <p:sp>
+        <p:nvSpPr>
+          <p:cNvPr id="3" name="Notes Placeholder 2"/>
+          <p:cNvSpPr>
+            <a:spLocks noGrp="1"/>
+          </p:cNvSpPr>
+          <p:nvPr>
+            <p:ph type="body" idx="1"/>
+          </p:nvPr>
+        </p:nvSpPr>
+        <p:spPr/>
+        <p:txBody>
+          <a:bodyPr/>
+          <a:lstStyle/>
+          <a:p>
+            <a:r>
+              <a:rPr lang="en-US" dirty="0"/>
+              <a:t>In the repo listed on this slide, you’ll find links to more information about ADRs and some tools that people have written to help create ADRs.</a:t>
+            </a:r>
+          </a:p>
+          <a:p>
+            <a:endParaRPr lang="en-US" dirty="0"/>
+          </a:p>
+          <a:p>
+            <a:r>
+              <a:rPr lang="en-US" dirty="0"/>
+              <a:t>Thanks everyone for your time, have a great rest of the conference!</a:t>
+            </a:r>
+          </a:p>
+        </p:txBody>
+      </p:sp>
+      <p:sp>
+        <p:nvSpPr>
+          <p:cNvPr id="4" name="Slide Number Placeholder 3"/>
+          <p:cNvSpPr>
+            <a:spLocks noGrp="1"/>
+          </p:cNvSpPr>
+          <p:nvPr>
+            <p:ph type="sldNum" sz="quarter" idx="5"/>
+          </p:nvPr>
+        </p:nvSpPr>
+        <p:spPr/>
+        <p:txBody>
+          <a:bodyPr/>
+          <a:lstStyle/>
+          <a:p>
+            <a:fld id="{E42DF656-43DD-C647-8193-729F56EE6E13}" type="slidenum">
+              <a:rPr lang="en-US" smtClean="0"/>
+              <a:t>20</a:t>
+            </a:fld>
+            <a:endParaRPr lang="en-US"/>
+          </a:p>
+        </p:txBody>
+      </p:sp>
+    </p:spTree>
+    <p:extLst>
+      <p:ext uri="{BB962C8B-B14F-4D97-AF65-F5344CB8AC3E}">
+        <p14:creationId xmlns:p14="http://schemas.microsoft.com/office/powerpoint/2010/main" val="3737030522"/>
       </p:ext>
     </p:extLst>
   </p:cSld>
@@ -2206,6 +2264,166 @@
             <p:ph type="sldImg"/>
           </p:nvPr>
         </p:nvSpPr>
+        <p:spPr/>
+      </p:sp>
+      <p:sp>
+        <p:nvSpPr>
+          <p:cNvPr id="3" name="Notes Placeholder 2"/>
+          <p:cNvSpPr>
+            <a:spLocks noGrp="1"/>
+          </p:cNvSpPr>
+          <p:nvPr>
+            <p:ph type="body" idx="1"/>
+          </p:nvPr>
+        </p:nvSpPr>
+        <p:spPr/>
+        <p:txBody>
+          <a:bodyPr/>
+          <a:lstStyle/>
+          <a:p>
+            <a:r>
+              <a:rPr lang="en-US" dirty="0"/>
+              <a:t>And then we go about implementing it</a:t>
+            </a:r>
+          </a:p>
+          <a:p>
+            <a:endParaRPr lang="en-US" dirty="0"/>
+          </a:p>
+          <a:p>
+            <a:r>
+              <a:rPr lang="en-US" dirty="0"/>
+              <a:t>Maybe we update a user story with some of the information that led to the decision.</a:t>
+            </a:r>
+          </a:p>
+          <a:p>
+            <a:endParaRPr lang="en-US" dirty="0"/>
+          </a:p>
+          <a:p>
+            <a:r>
+              <a:rPr lang="en-US" dirty="0"/>
+              <a:t>Maybe we put some information on a wiki page.</a:t>
+            </a:r>
+          </a:p>
+          <a:p>
+            <a:endParaRPr lang="en-US" dirty="0"/>
+          </a:p>
+          <a:p>
+            <a:r>
+              <a:rPr lang="en-US" dirty="0"/>
+              <a:t>Usually though, none of these things are done.</a:t>
+            </a:r>
+          </a:p>
+          <a:p>
+            <a:pPr marL="0" marR="0" lvl="0" indent="0" algn="l" defTabSz="914400" rtl="0" eaLnBrk="1" fontAlgn="auto" latinLnBrk="0" hangingPunct="1">
+              <a:lnSpc>
+                <a:spcPct val="100000"/>
+              </a:lnSpc>
+              <a:spcBef>
+                <a:spcPts val="0"/>
+              </a:spcBef>
+              <a:spcAft>
+                <a:spcPts val="0"/>
+              </a:spcAft>
+              <a:buClrTx/>
+              <a:buSzTx/>
+              <a:buFontTx/>
+              <a:buNone/>
+              <a:tabLst/>
+              <a:defRPr/>
+            </a:pPr>
+            <a:endParaRPr lang="en-US" dirty="0"/>
+          </a:p>
+          <a:p>
+            <a:pPr marL="0" marR="0" lvl="0" indent="0" algn="l" defTabSz="914400" rtl="0" eaLnBrk="1" fontAlgn="auto" latinLnBrk="0" hangingPunct="1">
+              <a:lnSpc>
+                <a:spcPct val="100000"/>
+              </a:lnSpc>
+              <a:spcBef>
+                <a:spcPts val="0"/>
+              </a:spcBef>
+              <a:spcAft>
+                <a:spcPts val="0"/>
+              </a:spcAft>
+              <a:buClrTx/>
+              <a:buSzTx/>
+              <a:buFontTx/>
+              <a:buNone/>
+              <a:tabLst/>
+              <a:defRPr/>
+            </a:pPr>
+            <a:r>
+              <a:rPr lang="en-US" dirty="0"/>
+              <a:t>And all of that context is lost</a:t>
+            </a:r>
+          </a:p>
+          <a:p>
+            <a:endParaRPr lang="en-US" dirty="0"/>
+          </a:p>
+        </p:txBody>
+      </p:sp>
+      <p:sp>
+        <p:nvSpPr>
+          <p:cNvPr id="4" name="Slide Number Placeholder 3"/>
+          <p:cNvSpPr>
+            <a:spLocks noGrp="1"/>
+          </p:cNvSpPr>
+          <p:nvPr>
+            <p:ph type="sldNum" sz="quarter" idx="5"/>
+          </p:nvPr>
+        </p:nvSpPr>
+        <p:spPr/>
+        <p:txBody>
+          <a:bodyPr/>
+          <a:lstStyle/>
+          <a:p>
+            <a:fld id="{E42DF656-43DD-C647-8193-729F56EE6E13}" type="slidenum">
+              <a:rPr lang="en-US" smtClean="0"/>
+              <a:t>3</a:t>
+            </a:fld>
+            <a:endParaRPr lang="en-US"/>
+          </a:p>
+        </p:txBody>
+      </p:sp>
+    </p:spTree>
+    <p:extLst>
+      <p:ext uri="{BB962C8B-B14F-4D97-AF65-F5344CB8AC3E}">
+        <p14:creationId xmlns:p14="http://schemas.microsoft.com/office/powerpoint/2010/main" val="2367754036"/>
+      </p:ext>
+    </p:extLst>
+  </p:cSld>
+  <p:clrMapOvr>
+    <a:masterClrMapping/>
+  </p:clrMapOvr>
+</p:notes>
+</file>
+
+<file path=ppt/notesSlides/notesSlide4.xml><?xml version="1.0" encoding="utf-8"?>
+<p:notes xmlns:a="http://schemas.openxmlformats.org/drawingml/2006/main" xmlns:r="http://schemas.openxmlformats.org/officeDocument/2006/relationships" xmlns:p="http://schemas.openxmlformats.org/presentationml/2006/main">
+  <p:cSld>
+    <p:spTree>
+      <p:nvGrpSpPr>
+        <p:cNvPr id="1" name=""/>
+        <p:cNvGrpSpPr/>
+        <p:nvPr/>
+      </p:nvGrpSpPr>
+      <p:grpSpPr>
+        <a:xfrm>
+          <a:off x="0" y="0"/>
+          <a:ext cx="0" cy="0"/>
+          <a:chOff x="0" y="0"/>
+          <a:chExt cx="0" cy="0"/>
+        </a:xfrm>
+      </p:grpSpPr>
+      <p:sp>
+        <p:nvSpPr>
+          <p:cNvPr id="2" name="Slide Image Placeholder 1"/>
+          <p:cNvSpPr>
+            <a:spLocks noGrp="1" noRot="1" noChangeAspect="1"/>
+          </p:cNvSpPr>
+          <p:nvPr>
+            <p:ph type="sldImg"/>
+          </p:nvPr>
+        </p:nvSpPr>
         <p:spPr>
           <a:xfrm>
             <a:off x="685800" y="1143000"/>
@@ -2491,190 +2709,6 @@
 </p:notes>
 </file>
 
-<file path=ppt/notesSlides/notesSlide4.xml><?xml version="1.0" encoding="utf-8"?>
-<p:notes xmlns:a="http://schemas.openxmlformats.org/drawingml/2006/main" xmlns:r="http://schemas.openxmlformats.org/officeDocument/2006/relationships" xmlns:p="http://schemas.openxmlformats.org/presentationml/2006/main">
-  <p:cSld>
-    <p:spTree>
-      <p:nvGrpSpPr>
-        <p:cNvPr id="1" name=""/>
-        <p:cNvGrpSpPr/>
-        <p:nvPr/>
-      </p:nvGrpSpPr>
-      <p:grpSpPr>
-        <a:xfrm>
-          <a:off x="0" y="0"/>
-          <a:ext cx="0" cy="0"/>
-          <a:chOff x="0" y="0"/>
-          <a:chExt cx="0" cy="0"/>
-        </a:xfrm>
-      </p:grpSpPr>
-      <p:sp>
-        <p:nvSpPr>
-          <p:cNvPr id="2" name="Slide Image Placeholder 1"/>
-          <p:cNvSpPr>
-            <a:spLocks noGrp="1" noRot="1" noChangeAspect="1"/>
-          </p:cNvSpPr>
-          <p:nvPr>
-            <p:ph type="sldImg"/>
-          </p:nvPr>
-        </p:nvSpPr>
-        <p:spPr/>
-      </p:sp>
-      <p:sp>
-        <p:nvSpPr>
-          <p:cNvPr id="3" name="Notes Placeholder 2"/>
-          <p:cNvSpPr>
-            <a:spLocks noGrp="1"/>
-          </p:cNvSpPr>
-          <p:nvPr>
-            <p:ph type="body" idx="1"/>
-          </p:nvPr>
-        </p:nvSpPr>
-        <p:spPr/>
-        <p:txBody>
-          <a:bodyPr/>
-          <a:lstStyle/>
-          <a:p>
-            <a:pPr rtl="0"/>
-            <a:r>
-              <a:rPr lang="en-US" sz="1200" b="0" i="0" u="none" strike="noStrike" kern="1200" dirty="0">
-                <a:solidFill>
-                  <a:schemeClr val="tx1"/>
-                </a:solidFill>
-                <a:effectLst/>
-                <a:latin typeface="+mn-lt"/>
-                <a:ea typeface="+mn-ea"/>
-                <a:cs typeface="+mn-cs"/>
-              </a:rPr>
-              <a:t>First proposed by Michael Nygard (consultant, author, speaker), Architectural Decision Records provide a way to capture these decisions as part of the codebase that's being working on; where the rubber meets the road.</a:t>
-            </a:r>
-          </a:p>
-          <a:p>
-            <a:pPr rtl="0"/>
-            <a:endParaRPr lang="en-US" sz="1200" b="0" i="0" u="none" strike="noStrike" kern="1200" dirty="0">
-              <a:solidFill>
-                <a:schemeClr val="tx1"/>
-              </a:solidFill>
-              <a:effectLst/>
-              <a:latin typeface="+mn-lt"/>
-              <a:ea typeface="+mn-ea"/>
-              <a:cs typeface="+mn-cs"/>
-            </a:endParaRPr>
-          </a:p>
-          <a:p>
-            <a:pPr rtl="0"/>
-            <a:r>
-              <a:rPr lang="en-US" sz="1200" b="0" i="0" u="none" strike="noStrike" kern="1200" dirty="0">
-                <a:solidFill>
-                  <a:schemeClr val="tx1"/>
-                </a:solidFill>
-                <a:effectLst/>
-                <a:latin typeface="+mn-lt"/>
-                <a:ea typeface="+mn-ea"/>
-                <a:cs typeface="+mn-cs"/>
-              </a:rPr>
-              <a:t>There’s a special case for decisions that span projects or the entire enterprise, I’ll get to that in a few minutes.</a:t>
-            </a:r>
-            <a:endParaRPr lang="en-US" dirty="0"/>
-          </a:p>
-          <a:p>
-            <a:endParaRPr lang="en-US" dirty="0"/>
-          </a:p>
-          <a:p>
-            <a:pPr rtl="0"/>
-            <a:r>
-              <a:rPr lang="en-US" sz="1200" b="0" i="0" u="none" strike="noStrike" kern="1200" dirty="0">
-                <a:solidFill>
-                  <a:schemeClr val="tx1"/>
-                </a:solidFill>
-                <a:effectLst/>
-                <a:latin typeface="+mn-lt"/>
-                <a:ea typeface="+mn-ea"/>
-                <a:cs typeface="+mn-cs"/>
-              </a:rPr>
-              <a:t>- Lightweight, text based solution, usually written in Markdown</a:t>
-            </a:r>
-          </a:p>
-          <a:p>
-            <a:pPr rtl="0"/>
-            <a:r>
-              <a:rPr lang="en-US" sz="1200" b="0" i="0" u="none" strike="noStrike" kern="1200" dirty="0">
-                <a:solidFill>
-                  <a:schemeClr val="tx1"/>
-                </a:solidFill>
-                <a:effectLst/>
-                <a:latin typeface="+mn-lt"/>
-                <a:ea typeface="+mn-ea"/>
-                <a:cs typeface="+mn-cs"/>
-              </a:rPr>
-              <a:t>Markdown allows "pretty" rendering when used with </a:t>
-            </a:r>
-            <a:r>
-              <a:rPr lang="en-US" sz="1200" b="0" i="0" u="none" strike="noStrike" kern="1200" dirty="0" err="1">
-                <a:solidFill>
-                  <a:schemeClr val="tx1"/>
-                </a:solidFill>
-                <a:effectLst/>
-                <a:latin typeface="+mn-lt"/>
-                <a:ea typeface="+mn-ea"/>
-                <a:cs typeface="+mn-cs"/>
-              </a:rPr>
-              <a:t>Github</a:t>
-            </a:r>
-            <a:r>
-              <a:rPr lang="en-US" sz="1200" b="0" i="0" u="none" strike="noStrike" kern="1200" dirty="0">
-                <a:solidFill>
-                  <a:schemeClr val="tx1"/>
-                </a:solidFill>
-                <a:effectLst/>
-                <a:latin typeface="+mn-lt"/>
-                <a:ea typeface="+mn-ea"/>
-                <a:cs typeface="+mn-cs"/>
-              </a:rPr>
-              <a:t>, Gitlab &amp; others, still human readable</a:t>
-            </a:r>
-          </a:p>
-          <a:p>
-            <a:endParaRPr lang="en-US" dirty="0"/>
-          </a:p>
-        </p:txBody>
-      </p:sp>
-      <p:sp>
-        <p:nvSpPr>
-          <p:cNvPr id="4" name="Slide Number Placeholder 3"/>
-          <p:cNvSpPr>
-            <a:spLocks noGrp="1"/>
-          </p:cNvSpPr>
-          <p:nvPr>
-            <p:ph type="sldNum" sz="quarter" idx="5"/>
-          </p:nvPr>
-        </p:nvSpPr>
-        <p:spPr/>
-        <p:txBody>
-          <a:bodyPr/>
-          <a:lstStyle/>
-          <a:p>
-            <a:fld id="{E42DF656-43DD-C647-8193-729F56EE6E13}" type="slidenum">
-              <a:rPr lang="en-US" smtClean="0"/>
-              <a:t>5</a:t>
-            </a:fld>
-            <a:endParaRPr lang="en-US"/>
-          </a:p>
-        </p:txBody>
-      </p:sp>
-    </p:spTree>
-    <p:extLst>
-      <p:ext uri="{BB962C8B-B14F-4D97-AF65-F5344CB8AC3E}">
-        <p14:creationId xmlns:p14="http://schemas.microsoft.com/office/powerpoint/2010/main" val="1426769949"/>
-      </p:ext>
-    </p:extLst>
-  </p:cSld>
-  <p:clrMapOvr>
-    <a:masterClrMapping/>
-  </p:clrMapOvr>
-</p:notes>
-</file>
-
 <file path=ppt/notesSlides/notesSlide5.xml><?xml version="1.0" encoding="utf-8"?>
 <p:notes xmlns:a="http://schemas.openxmlformats.org/drawingml/2006/main" xmlns:r="http://schemas.openxmlformats.org/officeDocument/2006/relationships" xmlns:p="http://schemas.openxmlformats.org/presentationml/2006/main">
   <p:cSld>
@@ -2720,6 +2754,21 @@
           <a:lstStyle/>
           <a:p>
             <a:pPr rtl="0"/>
+            <a:r>
+              <a:rPr lang="en-US" sz="1200" b="0" i="0" u="none" strike="noStrike" kern="1200" dirty="0">
+                <a:solidFill>
+                  <a:schemeClr val="tx1"/>
+                </a:solidFill>
+                <a:effectLst/>
+                <a:latin typeface="+mn-lt"/>
+                <a:ea typeface="+mn-ea"/>
+                <a:cs typeface="+mn-cs"/>
+              </a:rPr>
+              <a:t>First proposed by Michael Nygard (consultant, author, speaker), Architectural Decision Records provide a way to capture these decisions as part of the codebase that's being working on; where the rubber meets the road.</a:t>
+            </a:r>
+          </a:p>
+          <a:p>
+            <a:pPr rtl="0"/>
             <a:endParaRPr lang="en-US" sz="1200" b="0" i="0" u="none" strike="noStrike" kern="1200" dirty="0">
               <a:solidFill>
                 <a:schemeClr val="tx1"/>
@@ -2730,6 +2779,106 @@
               <a:cs typeface="+mn-cs"/>
             </a:endParaRPr>
           </a:p>
+          <a:p>
+            <a:pPr marL="0" marR="0" lvl="0" indent="0" algn="l" defTabSz="914400" rtl="0" eaLnBrk="1" fontAlgn="auto" latinLnBrk="0" hangingPunct="1">
+              <a:lnSpc>
+                <a:spcPct val="100000"/>
+              </a:lnSpc>
+              <a:spcBef>
+                <a:spcPts val="0"/>
+              </a:spcBef>
+              <a:spcAft>
+                <a:spcPts val="0"/>
+              </a:spcAft>
+              <a:buClrTx/>
+              <a:buSzTx/>
+              <a:buFontTx/>
+              <a:buNone/>
+              <a:tabLst/>
+              <a:defRPr/>
+            </a:pPr>
+            <a:r>
+              <a:rPr lang="en-US" dirty="0"/>
+              <a:t>In the blog post introducing ADRs, Michael said: “</a:t>
+            </a:r>
+            <a:r>
+              <a:rPr lang="en-US" i="1" dirty="0">
+                <a:solidFill>
+                  <a:schemeClr val="bg1"/>
+                </a:solidFill>
+              </a:rPr>
+              <a:t>“Large documents are never kept up to date. Small, modular documents have at least a chance at being updated.” </a:t>
+            </a:r>
+            <a:r>
+              <a:rPr lang="en-US" i="0" dirty="0">
+                <a:solidFill>
+                  <a:schemeClr val="bg1"/>
+                </a:solidFill>
+              </a:rPr>
+              <a:t>And he’s right.</a:t>
+            </a:r>
+            <a:endParaRPr lang="en-US" dirty="0"/>
+          </a:p>
+          <a:p>
+            <a:endParaRPr lang="en-US" dirty="0"/>
+          </a:p>
+          <a:p>
+            <a:pPr rtl="0"/>
+            <a:r>
+              <a:rPr lang="en-US" sz="1200" b="0" i="0" u="none" strike="noStrike" kern="1200" dirty="0">
+                <a:solidFill>
+                  <a:schemeClr val="tx1"/>
+                </a:solidFill>
+                <a:effectLst/>
+                <a:latin typeface="+mn-lt"/>
+                <a:ea typeface="+mn-ea"/>
+                <a:cs typeface="+mn-cs"/>
+              </a:rPr>
+              <a:t>- Lightweight, text based solution, usually written in Markdown</a:t>
+            </a:r>
+          </a:p>
+          <a:p>
+            <a:pPr rtl="0"/>
+            <a:r>
+              <a:rPr lang="en-US" sz="1200" b="0" i="0" u="none" strike="noStrike" kern="1200" dirty="0">
+                <a:solidFill>
+                  <a:schemeClr val="tx1"/>
+                </a:solidFill>
+                <a:effectLst/>
+                <a:latin typeface="+mn-lt"/>
+                <a:ea typeface="+mn-ea"/>
+                <a:cs typeface="+mn-cs"/>
+              </a:rPr>
+              <a:t>Markdown allows "pretty" rendering when used with </a:t>
+            </a:r>
+            <a:r>
+              <a:rPr lang="en-US" sz="1200" b="0" i="0" u="none" strike="noStrike" kern="1200" dirty="0" err="1">
+                <a:solidFill>
+                  <a:schemeClr val="tx1"/>
+                </a:solidFill>
+                <a:effectLst/>
+                <a:latin typeface="+mn-lt"/>
+                <a:ea typeface="+mn-ea"/>
+                <a:cs typeface="+mn-cs"/>
+              </a:rPr>
+              <a:t>Github</a:t>
+            </a:r>
+            <a:r>
+              <a:rPr lang="en-US" sz="1200" b="0" i="0" u="none" strike="noStrike" kern="1200" dirty="0">
+                <a:solidFill>
+                  <a:schemeClr val="tx1"/>
+                </a:solidFill>
+                <a:effectLst/>
+                <a:latin typeface="+mn-lt"/>
+                <a:ea typeface="+mn-ea"/>
+                <a:cs typeface="+mn-cs"/>
+              </a:rPr>
+              <a:t>, Gitlab &amp; others, still human readable</a:t>
+            </a:r>
+          </a:p>
+          <a:p>
+            <a:endParaRPr lang="en-US" dirty="0"/>
+          </a:p>
         </p:txBody>
       </p:sp>
       <p:sp>
@@ -2749,7 +2898,7 @@
           <a:p>
             <a:fld id="{E42DF656-43DD-C647-8193-729F56EE6E13}" type="slidenum">
               <a:rPr lang="en-US" smtClean="0"/>
-              <a:t>6</a:t>
+              <a:t>5</a:t>
             </a:fld>
             <a:endParaRPr lang="en-US"/>
           </a:p>
@@ -2758,7 +2907,7 @@
     </p:spTree>
     <p:extLst>
       <p:ext uri="{BB962C8B-B14F-4D97-AF65-F5344CB8AC3E}">
-        <p14:creationId xmlns:p14="http://schemas.microsoft.com/office/powerpoint/2010/main" val="4233849582"/>
+        <p14:creationId xmlns:p14="http://schemas.microsoft.com/office/powerpoint/2010/main" val="1426769949"/>
       </p:ext>
     </p:extLst>
   </p:cSld>
@@ -2896,7 +3045,7 @@
           <a:p>
             <a:fld id="{096F4AFB-61BD-1340-90B6-0FECED04B0A2}" type="slidenum">
               <a:rPr lang="en-US" smtClean="0"/>
-              <a:t>7</a:t>
+              <a:t>6</a:t>
             </a:fld>
             <a:endParaRPr lang="en-US"/>
           </a:p>
@@ -2988,7 +3137,7 @@
           <a:p>
             <a:fld id="{096F4AFB-61BD-1340-90B6-0FECED04B0A2}" type="slidenum">
               <a:rPr lang="en-US" smtClean="0"/>
-              <a:t>8</a:t>
+              <a:t>7</a:t>
             </a:fld>
             <a:endParaRPr lang="en-US"/>
           </a:p>
@@ -3155,7 +3304,7 @@
           <a:p>
             <a:fld id="{096F4AFB-61BD-1340-90B6-0FECED04B0A2}" type="slidenum">
               <a:rPr lang="en-US" smtClean="0"/>
-              <a:t>9</a:t>
+              <a:t>8</a:t>
             </a:fld>
             <a:endParaRPr lang="en-US"/>
           </a:p>
@@ -3376,7 +3525,7 @@
           <a:p>
             <a:fld id="{096F4AFB-61BD-1340-90B6-0FECED04B0A2}" type="slidenum">
               <a:rPr lang="en-US" smtClean="0"/>
-              <a:t>10</a:t>
+              <a:t>9</a:t>
             </a:fld>
             <a:endParaRPr lang="en-US"/>
           </a:p>
@@ -6734,7 +6883,7 @@
         </p:nvGrpSpPr>
         <p:grpSpPr>
           <a:xfrm>
-            <a:off x="7863501" y="914391"/>
+            <a:off x="7422063" y="819797"/>
             <a:ext cx="4006187" cy="962571"/>
             <a:chOff x="6318469" y="914391"/>
             <a:chExt cx="4006187" cy="962571"/>
@@ -6755,7 +6904,7 @@
             <p:nvPr/>
           </p:nvPicPr>
           <p:blipFill>
-            <a:blip r:embed="rId2">
+            <a:blip r:embed="rId3">
               <a:clrChange>
                 <a:clrFrom>
                   <a:srgbClr val="282F36">
@@ -6799,7 +6948,7 @@
           <p:spPr>
             <a:xfrm>
               <a:off x="7267898" y="1173833"/>
-              <a:ext cx="3056758" cy="369332"/>
+              <a:ext cx="3056758" cy="461665"/>
             </a:xfrm>
             <a:prstGeom prst="rect">
               <a:avLst/>
@@ -6813,7 +6962,7 @@
             <a:lstStyle/>
             <a:p>
               <a:r>
-                <a:rPr lang="en-US" dirty="0">
+                <a:rPr lang="en-US" sz="2400" dirty="0">
                   <a:solidFill>
                     <a:schemeClr val="bg1"/>
                   </a:solidFill>
@@ -6821,14 +6970,14 @@
                 <a:t>@</a:t>
               </a:r>
               <a:r>
-                <a:rPr lang="en-US" dirty="0" err="1">
+                <a:rPr lang="en-US" sz="2400" dirty="0" err="1">
                   <a:solidFill>
                     <a:schemeClr val="bg1"/>
                   </a:solidFill>
                 </a:rPr>
                 <a:t>iamagiantnerd</a:t>
               </a:r>
-              <a:endParaRPr lang="en-US" dirty="0">
+              <a:endParaRPr lang="en-US" sz="2400" dirty="0">
                 <a:solidFill>
                   <a:schemeClr val="bg1"/>
                 </a:solidFill>
@@ -7193,13 +7342,13 @@
         </p:nvPicPr>
         <p:blipFill rotWithShape="1">
           <a:blip r:embed="rId4"/>
-          <a:srcRect t="14410" b="72687"/>
+          <a:srcRect t="27313" b="36774"/>
           <a:stretch/>
         </p:blipFill>
         <p:spPr>
           <a:xfrm>
-            <a:off x="2202831" y="988142"/>
-            <a:ext cx="7786339" cy="884903"/>
+            <a:off x="2202831" y="1873044"/>
+            <a:ext cx="7786339" cy="2462981"/>
           </a:xfrm>
           <a:prstGeom prst="rect">
             <a:avLst/>
@@ -7220,8 +7369,8 @@
         </p:nvSpPr>
         <p:spPr>
           <a:xfrm>
-            <a:off x="5592523" y="824016"/>
-            <a:ext cx="1556836" cy="769441"/>
+            <a:off x="7996510" y="1805415"/>
+            <a:ext cx="2105063" cy="769441"/>
           </a:xfrm>
           <a:prstGeom prst="rect">
             <a:avLst/>
@@ -7236,7 +7385,7 @@
           <a:p>
             <a:r>
               <a:rPr lang="en-US" sz="4400" dirty="0"/>
-              <a:t>Status</a:t>
+              <a:t>Context</a:t>
             </a:r>
           </a:p>
         </p:txBody>
@@ -7255,7 +7404,7 @@
         </p:nvSpPr>
         <p:spPr>
           <a:xfrm>
-            <a:off x="3536342" y="544429"/>
+            <a:off x="5969826" y="1525828"/>
             <a:ext cx="1917291" cy="1328616"/>
           </a:xfrm>
           <a:prstGeom prst="leftArrow">
@@ -7290,7 +7439,7 @@
     </p:spTree>
     <p:extLst>
       <p:ext uri="{BB962C8B-B14F-4D97-AF65-F5344CB8AC3E}">
-        <p14:creationId xmlns:p14="http://schemas.microsoft.com/office/powerpoint/2010/main" val="982979819"/>
+        <p14:creationId xmlns:p14="http://schemas.microsoft.com/office/powerpoint/2010/main" val="2698434900"/>
       </p:ext>
     </p:extLst>
   </p:cSld>
@@ -7375,13 +7524,13 @@
         </p:nvPicPr>
         <p:blipFill rotWithShape="1">
           <a:blip r:embed="rId4"/>
-          <a:srcRect t="27313" b="36774"/>
+          <a:srcRect t="63871" b="24086"/>
           <a:stretch/>
         </p:blipFill>
         <p:spPr>
           <a:xfrm>
-            <a:off x="2202831" y="1873044"/>
-            <a:ext cx="7786339" cy="2462981"/>
+            <a:off x="2202831" y="4380271"/>
+            <a:ext cx="7786339" cy="825910"/>
           </a:xfrm>
           <a:prstGeom prst="rect">
             <a:avLst/>
@@ -7402,8 +7551,8 @@
         </p:nvSpPr>
         <p:spPr>
           <a:xfrm>
-            <a:off x="7996510" y="1805415"/>
-            <a:ext cx="2105063" cy="769441"/>
+            <a:off x="5563026" y="2875789"/>
+            <a:ext cx="2182008" cy="769441"/>
           </a:xfrm>
           <a:prstGeom prst="rect">
             <a:avLst/>
@@ -7418,7 +7567,7 @@
           <a:p>
             <a:r>
               <a:rPr lang="en-US" sz="4400" dirty="0"/>
-              <a:t>Context</a:t>
+              <a:t>Decision</a:t>
             </a:r>
           </a:p>
         </p:txBody>
@@ -7436,8 +7585,8 @@
           <p:nvPr/>
         </p:nvSpPr>
         <p:spPr>
-          <a:xfrm>
-            <a:off x="5969826" y="1525828"/>
+          <a:xfrm rot="19817367">
+            <a:off x="3728072" y="3263582"/>
             <a:ext cx="1917291" cy="1328616"/>
           </a:xfrm>
           <a:prstGeom prst="leftArrow">
@@ -7472,7 +7621,7 @@
     </p:spTree>
     <p:extLst>
       <p:ext uri="{BB962C8B-B14F-4D97-AF65-F5344CB8AC3E}">
-        <p14:creationId xmlns:p14="http://schemas.microsoft.com/office/powerpoint/2010/main" val="2698434900"/>
+        <p14:creationId xmlns:p14="http://schemas.microsoft.com/office/powerpoint/2010/main" val="3289402013"/>
       </p:ext>
     </p:extLst>
   </p:cSld>
@@ -7557,13 +7706,13 @@
         </p:nvPicPr>
         <p:blipFill rotWithShape="1">
           <a:blip r:embed="rId4"/>
-          <a:srcRect t="63871" b="24086"/>
+          <a:srcRect t="76560" b="2365"/>
           <a:stretch/>
         </p:blipFill>
         <p:spPr>
           <a:xfrm>
-            <a:off x="2202831" y="4380271"/>
-            <a:ext cx="7786339" cy="825910"/>
+            <a:off x="2202831" y="5250426"/>
+            <a:ext cx="7786339" cy="1445341"/>
           </a:xfrm>
           <a:prstGeom prst="rect">
             <a:avLst/>
@@ -7584,8 +7733,8 @@
         </p:nvSpPr>
         <p:spPr>
           <a:xfrm>
-            <a:off x="5563026" y="2875789"/>
-            <a:ext cx="2182008" cy="769441"/>
+            <a:off x="6096000" y="3880942"/>
+            <a:ext cx="3515706" cy="769441"/>
           </a:xfrm>
           <a:prstGeom prst="rect">
             <a:avLst/>
@@ -7600,7 +7749,7 @@
           <a:p>
             <a:r>
               <a:rPr lang="en-US" sz="4400" dirty="0"/>
-              <a:t>Decision</a:t>
+              <a:t>Consequences</a:t>
             </a:r>
           </a:p>
         </p:txBody>
@@ -7619,7 +7768,7 @@
         </p:nvSpPr>
         <p:spPr>
           <a:xfrm rot="19817367">
-            <a:off x="3728072" y="3263582"/>
+            <a:off x="3975489" y="4170607"/>
             <a:ext cx="1917291" cy="1328616"/>
           </a:xfrm>
           <a:prstGeom prst="leftArrow">
@@ -7654,7 +7803,7 @@
     </p:spTree>
     <p:extLst>
       <p:ext uri="{BB962C8B-B14F-4D97-AF65-F5344CB8AC3E}">
-        <p14:creationId xmlns:p14="http://schemas.microsoft.com/office/powerpoint/2010/main" val="3289402013"/>
+        <p14:creationId xmlns:p14="http://schemas.microsoft.com/office/powerpoint/2010/main" val="3896413311"/>
       </p:ext>
     </p:extLst>
   </p:cSld>
@@ -7681,93 +7830,22 @@
           <a:chExt cx="0" cy="0"/>
         </a:xfrm>
       </p:grpSpPr>
-      <p:pic>
-        <p:nvPicPr>
-          <p:cNvPr id="4" name="Picture 3">
-            <a:extLst>
-              <a:ext uri="{FF2B5EF4-FFF2-40B4-BE49-F238E27FC236}">
-                <a16:creationId xmlns:a16="http://schemas.microsoft.com/office/drawing/2014/main" id="{B66986D0-EB48-794D-BB7E-C84315408B86}"/>
-              </a:ext>
-            </a:extLst>
-          </p:cNvPr>
-          <p:cNvPicPr>
-            <a:picLocks noChangeAspect="1"/>
-          </p:cNvPicPr>
+      <p:sp>
+        <p:nvSpPr>
+          <p:cNvPr id="4" name="TextBox 3">
+            <a:extLst>
+              <a:ext uri="{FF2B5EF4-FFF2-40B4-BE49-F238E27FC236}">
+                <a16:creationId xmlns:a16="http://schemas.microsoft.com/office/drawing/2014/main" id="{D9E06190-A811-FA4A-8DFF-25F7864A68C3}"/>
+              </a:ext>
+            </a:extLst>
+          </p:cNvPr>
+          <p:cNvSpPr txBox="1"/>
           <p:nvPr/>
-        </p:nvPicPr>
-        <p:blipFill>
-          <a:blip r:embed="rId3">
-            <a:extLst>
-              <a:ext uri="{BEBA8EAE-BF5A-486C-A8C5-ECC9F3942E4B}">
-                <a14:imgProps xmlns:a14="http://schemas.microsoft.com/office/drawing/2010/main">
-                  <a14:imgLayer>
-                    <a14:imgEffect>
-                      <a14:artisticBlur/>
-                    </a14:imgEffect>
-                  </a14:imgLayer>
-                </a14:imgProps>
-              </a:ext>
-            </a:extLst>
-          </a:blip>
-          <a:stretch>
-            <a:fillRect/>
-          </a:stretch>
-        </p:blipFill>
+        </p:nvSpPr>
         <p:spPr>
           <a:xfrm>
-            <a:off x="2202831" y="0"/>
-            <a:ext cx="7786339" cy="6858000"/>
-          </a:xfrm>
-          <a:prstGeom prst="rect">
-            <a:avLst/>
-          </a:prstGeom>
-        </p:spPr>
-      </p:pic>
-      <p:pic>
-        <p:nvPicPr>
-          <p:cNvPr id="2" name="Picture 1">
-            <a:extLst>
-              <a:ext uri="{FF2B5EF4-FFF2-40B4-BE49-F238E27FC236}">
-                <a16:creationId xmlns:a16="http://schemas.microsoft.com/office/drawing/2014/main" id="{BD0230DF-A64A-E947-8F63-21C8D2534883}"/>
-              </a:ext>
-            </a:extLst>
-          </p:cNvPr>
-          <p:cNvPicPr>
-            <a:picLocks noChangeAspect="1"/>
-          </p:cNvPicPr>
-          <p:nvPr/>
-        </p:nvPicPr>
-        <p:blipFill rotWithShape="1">
-          <a:blip r:embed="rId4"/>
-          <a:srcRect t="76560" b="2365"/>
-          <a:stretch/>
-        </p:blipFill>
-        <p:spPr>
-          <a:xfrm>
-            <a:off x="2202831" y="5250426"/>
-            <a:ext cx="7786339" cy="1445341"/>
-          </a:xfrm>
-          <a:prstGeom prst="rect">
-            <a:avLst/>
-          </a:prstGeom>
-        </p:spPr>
-      </p:pic>
-      <p:sp>
-        <p:nvSpPr>
-          <p:cNvPr id="5" name="TextBox 4">
-            <a:extLst>
-              <a:ext uri="{FF2B5EF4-FFF2-40B4-BE49-F238E27FC236}">
-                <a16:creationId xmlns:a16="http://schemas.microsoft.com/office/drawing/2014/main" id="{D84897DD-3562-C143-A690-430146840081}"/>
-              </a:ext>
-            </a:extLst>
-          </p:cNvPr>
-          <p:cNvSpPr txBox="1"/>
-          <p:nvPr/>
-        </p:nvSpPr>
-        <p:spPr>
-          <a:xfrm>
-            <a:off x="6096000" y="3880942"/>
-            <a:ext cx="3515706" cy="769441"/>
+            <a:off x="2855013" y="2515913"/>
+            <a:ext cx="6420026" cy="1754326"/>
           </a:xfrm>
           <a:prstGeom prst="rect">
             <a:avLst/>
@@ -7780,63 +7858,33 @@
           </a:bodyPr>
           <a:lstStyle/>
           <a:p>
-            <a:r>
-              <a:rPr lang="en-US" sz="4400" dirty="0"/>
-              <a:t>Consequences</a:t>
-            </a:r>
-          </a:p>
-        </p:txBody>
-      </p:sp>
-      <p:sp>
-        <p:nvSpPr>
-          <p:cNvPr id="8" name="Left Arrow 7">
-            <a:extLst>
-              <a:ext uri="{FF2B5EF4-FFF2-40B4-BE49-F238E27FC236}">
-                <a16:creationId xmlns:a16="http://schemas.microsoft.com/office/drawing/2014/main" id="{F5BA64AF-9A79-5E4C-8FDC-FB51331AE991}"/>
-              </a:ext>
-            </a:extLst>
-          </p:cNvPr>
-          <p:cNvSpPr/>
-          <p:nvPr/>
-        </p:nvSpPr>
-        <p:spPr>
-          <a:xfrm rot="19817367">
-            <a:off x="3975489" y="4170607"/>
-            <a:ext cx="1917291" cy="1328616"/>
-          </a:xfrm>
-          <a:prstGeom prst="leftArrow">
-            <a:avLst/>
-          </a:prstGeom>
-        </p:spPr>
-        <p:style>
-          <a:lnRef idx="2">
-            <a:schemeClr val="accent1">
-              <a:shade val="50000"/>
-            </a:schemeClr>
-          </a:lnRef>
-          <a:fillRef idx="1">
-            <a:schemeClr val="accent1"/>
-          </a:fillRef>
-          <a:effectRef idx="0">
-            <a:schemeClr val="accent1"/>
-          </a:effectRef>
-          <a:fontRef idx="minor">
-            <a:schemeClr val="lt1"/>
-          </a:fontRef>
-        </p:style>
-        <p:txBody>
-          <a:bodyPr rtlCol="0" anchor="ctr"/>
-          <a:lstStyle/>
-          <a:p>
             <a:pPr algn="ctr"/>
-            <a:endParaRPr lang="en-US"/>
+            <a:r>
+              <a:rPr lang="en-US" sz="5400" dirty="0">
+                <a:solidFill>
+                  <a:schemeClr val="bg1"/>
+                </a:solidFill>
+              </a:rPr>
+              <a:t>Leverage your existing</a:t>
+            </a:r>
+          </a:p>
+          <a:p>
+            <a:pPr algn="ctr"/>
+            <a:r>
+              <a:rPr lang="en-US" sz="5400" dirty="0">
+                <a:solidFill>
+                  <a:schemeClr val="bg1"/>
+                </a:solidFill>
+              </a:rPr>
+              <a:t>workflow!</a:t>
+            </a:r>
           </a:p>
         </p:txBody>
       </p:sp>
     </p:spTree>
     <p:extLst>
       <p:ext uri="{BB962C8B-B14F-4D97-AF65-F5344CB8AC3E}">
-        <p14:creationId xmlns:p14="http://schemas.microsoft.com/office/powerpoint/2010/main" val="3896413311"/>
+        <p14:creationId xmlns:p14="http://schemas.microsoft.com/office/powerpoint/2010/main" val="1655217425"/>
       </p:ext>
     </p:extLst>
   </p:cSld>
@@ -7877,8 +7925,8 @@
         </p:nvSpPr>
         <p:spPr>
           <a:xfrm>
-            <a:off x="2855013" y="2515913"/>
-            <a:ext cx="6420026" cy="1754326"/>
+            <a:off x="2950456" y="2515913"/>
+            <a:ext cx="6229141" cy="1754326"/>
           </a:xfrm>
           <a:prstGeom prst="rect">
             <a:avLst/>
@@ -7898,7 +7946,7 @@
                   <a:schemeClr val="bg1"/>
                 </a:solidFill>
               </a:rPr>
-              <a:t>Leverage your existing</a:t>
+              <a:t>What should require </a:t>
             </a:r>
           </a:p>
           <a:p>
@@ -7909,7 +7957,7 @@
                   <a:schemeClr val="bg1"/>
                 </a:solidFill>
               </a:rPr>
-              <a:t>workflow!</a:t>
+              <a:t>an ADR?</a:t>
             </a:r>
           </a:p>
         </p:txBody>
@@ -7917,7 +7965,7 @@
     </p:spTree>
     <p:extLst>
       <p:ext uri="{BB962C8B-B14F-4D97-AF65-F5344CB8AC3E}">
-        <p14:creationId xmlns:p14="http://schemas.microsoft.com/office/powerpoint/2010/main" val="1655217425"/>
+        <p14:creationId xmlns:p14="http://schemas.microsoft.com/office/powerpoint/2010/main" val="3831942716"/>
       </p:ext>
     </p:extLst>
   </p:cSld>
@@ -7946,51 +7994,36 @@
       </p:grpSpPr>
       <p:sp>
         <p:nvSpPr>
-          <p:cNvPr id="4" name="TextBox 3">
-            <a:extLst>
-              <a:ext uri="{FF2B5EF4-FFF2-40B4-BE49-F238E27FC236}">
-                <a16:creationId xmlns:a16="http://schemas.microsoft.com/office/drawing/2014/main" id="{D9E06190-A811-FA4A-8DFF-25F7864A68C3}"/>
-              </a:ext>
-            </a:extLst>
-          </p:cNvPr>
-          <p:cNvSpPr txBox="1"/>
-          <p:nvPr/>
+          <p:cNvPr id="2" name="Title 1">
+            <a:extLst>
+              <a:ext uri="{FF2B5EF4-FFF2-40B4-BE49-F238E27FC236}">
+                <a16:creationId xmlns:a16="http://schemas.microsoft.com/office/drawing/2014/main" id="{C409FD33-6233-7C49-9918-532E7EC05AB5}"/>
+              </a:ext>
+            </a:extLst>
+          </p:cNvPr>
+          <p:cNvSpPr>
+            <a:spLocks noGrp="1"/>
+          </p:cNvSpPr>
+          <p:nvPr>
+            <p:ph type="title"/>
+          </p:nvPr>
         </p:nvSpPr>
         <p:spPr>
           <a:xfrm>
-            <a:off x="2950456" y="2515913"/>
-            <a:ext cx="6229141" cy="1754326"/>
+            <a:off x="838200" y="2365324"/>
+            <a:ext cx="10515600" cy="2127352"/>
           </a:xfrm>
-          <a:prstGeom prst="rect">
-            <a:avLst/>
-          </a:prstGeom>
-          <a:noFill/>
         </p:spPr>
         <p:txBody>
-          <a:bodyPr wrap="none" rtlCol="0">
-            <a:spAutoFit/>
+          <a:bodyPr>
+            <a:noAutofit/>
           </a:bodyPr>
           <a:lstStyle/>
           <a:p>
             <a:pPr algn="ctr"/>
             <a:r>
-              <a:rPr lang="en-US" sz="5400" dirty="0">
-                <a:solidFill>
-                  <a:schemeClr val="bg1"/>
-                </a:solidFill>
-              </a:rPr>
-              <a:t>What should require </a:t>
-            </a:r>
-          </a:p>
-          <a:p>
-            <a:pPr algn="ctr"/>
-            <a:r>
-              <a:rPr lang="en-US" sz="5400" dirty="0">
-                <a:solidFill>
-                  <a:schemeClr val="bg1"/>
-                </a:solidFill>
-              </a:rPr>
-              <a:t>an ADR?</a:t>
+              <a:rPr lang="en-US" sz="5400" dirty="0"/>
+              <a:t>But what about overarching concerns that apply to more than one project?</a:t>
             </a:r>
           </a:p>
         </p:txBody>
@@ -7998,7 +8031,7 @@
     </p:spTree>
     <p:extLst>
       <p:ext uri="{BB962C8B-B14F-4D97-AF65-F5344CB8AC3E}">
-        <p14:creationId xmlns:p14="http://schemas.microsoft.com/office/powerpoint/2010/main" val="3831942716"/>
+        <p14:creationId xmlns:p14="http://schemas.microsoft.com/office/powerpoint/2010/main" val="2868284583"/>
       </p:ext>
     </p:extLst>
   </p:cSld>
@@ -8027,36 +8060,51 @@
       </p:grpSpPr>
       <p:sp>
         <p:nvSpPr>
-          <p:cNvPr id="2" name="Title 1">
-            <a:extLst>
-              <a:ext uri="{FF2B5EF4-FFF2-40B4-BE49-F238E27FC236}">
-                <a16:creationId xmlns:a16="http://schemas.microsoft.com/office/drawing/2014/main" id="{C409FD33-6233-7C49-9918-532E7EC05AB5}"/>
-              </a:ext>
-            </a:extLst>
-          </p:cNvPr>
-          <p:cNvSpPr>
-            <a:spLocks noGrp="1"/>
-          </p:cNvSpPr>
-          <p:nvPr>
-            <p:ph type="title"/>
-          </p:nvPr>
+          <p:cNvPr id="4" name="TextBox 3">
+            <a:extLst>
+              <a:ext uri="{FF2B5EF4-FFF2-40B4-BE49-F238E27FC236}">
+                <a16:creationId xmlns:a16="http://schemas.microsoft.com/office/drawing/2014/main" id="{D9E06190-A811-FA4A-8DFF-25F7864A68C3}"/>
+              </a:ext>
+            </a:extLst>
+          </p:cNvPr>
+          <p:cNvSpPr txBox="1"/>
+          <p:nvPr/>
         </p:nvSpPr>
         <p:spPr>
           <a:xfrm>
-            <a:off x="838200" y="2365324"/>
-            <a:ext cx="10515600" cy="2127352"/>
+            <a:off x="2928304" y="2159451"/>
+            <a:ext cx="6335452" cy="1754326"/>
           </a:xfrm>
+          <a:prstGeom prst="rect">
+            <a:avLst/>
+          </a:prstGeom>
+          <a:noFill/>
         </p:spPr>
         <p:txBody>
-          <a:bodyPr>
-            <a:noAutofit/>
+          <a:bodyPr wrap="none" rtlCol="0">
+            <a:spAutoFit/>
           </a:bodyPr>
           <a:lstStyle/>
           <a:p>
             <a:pPr algn="ctr"/>
             <a:r>
-              <a:rPr lang="en-US" sz="5400" dirty="0"/>
-              <a:t>But what about overarching concerns that apply to more than one project?</a:t>
+              <a:rPr lang="en-US" sz="5400" dirty="0">
+                <a:solidFill>
+                  <a:schemeClr val="bg1"/>
+                </a:solidFill>
+              </a:rPr>
+              <a:t>Wait, but what about </a:t>
+            </a:r>
+          </a:p>
+          <a:p>
+            <a:pPr algn="ctr"/>
+            <a:r>
+              <a:rPr lang="en-US" sz="5400" dirty="0">
+                <a:solidFill>
+                  <a:schemeClr val="bg1"/>
+                </a:solidFill>
+              </a:rPr>
+              <a:t>Wikis?</a:t>
             </a:r>
           </a:p>
         </p:txBody>
@@ -8064,7 +8112,7 @@
     </p:spTree>
     <p:extLst>
       <p:ext uri="{BB962C8B-B14F-4D97-AF65-F5344CB8AC3E}">
-        <p14:creationId xmlns:p14="http://schemas.microsoft.com/office/powerpoint/2010/main" val="2868284583"/>
+        <p14:creationId xmlns:p14="http://schemas.microsoft.com/office/powerpoint/2010/main" val="3070033270"/>
       </p:ext>
     </p:extLst>
   </p:cSld>
@@ -8093,59 +8141,157 @@
       </p:grpSpPr>
       <p:sp>
         <p:nvSpPr>
-          <p:cNvPr id="4" name="TextBox 3">
-            <a:extLst>
-              <a:ext uri="{FF2B5EF4-FFF2-40B4-BE49-F238E27FC236}">
-                <a16:creationId xmlns:a16="http://schemas.microsoft.com/office/drawing/2014/main" id="{D9E06190-A811-FA4A-8DFF-25F7864A68C3}"/>
-              </a:ext>
-            </a:extLst>
-          </p:cNvPr>
-          <p:cNvSpPr txBox="1"/>
-          <p:nvPr/>
+          <p:cNvPr id="2" name="Title 1">
+            <a:extLst>
+              <a:ext uri="{FF2B5EF4-FFF2-40B4-BE49-F238E27FC236}">
+                <a16:creationId xmlns:a16="http://schemas.microsoft.com/office/drawing/2014/main" id="{CF233AD3-CDB6-CE4C-A630-82980BA1D0E8}"/>
+              </a:ext>
+            </a:extLst>
+          </p:cNvPr>
+          <p:cNvSpPr>
+            <a:spLocks noGrp="1"/>
+          </p:cNvSpPr>
+          <p:nvPr>
+            <p:ph type="title"/>
+          </p:nvPr>
         </p:nvSpPr>
         <p:spPr>
           <a:xfrm>
-            <a:off x="2928304" y="2159451"/>
-            <a:ext cx="6335452" cy="1754326"/>
+            <a:off x="831850" y="914399"/>
+            <a:ext cx="10515600" cy="1596326"/>
+          </a:xfrm>
+        </p:spPr>
+        <p:txBody>
+          <a:bodyPr>
+            <a:normAutofit/>
+          </a:bodyPr>
+          <a:lstStyle/>
+          <a:p>
+            <a:pPr algn="ctr"/>
+            <a:r>
+              <a:rPr lang="en-US" sz="8000" b="1" dirty="0">
+                <a:solidFill>
+                  <a:schemeClr val="accent4"/>
+                </a:solidFill>
+              </a:rPr>
+              <a:t>The Benefits</a:t>
+            </a:r>
+          </a:p>
+        </p:txBody>
+      </p:sp>
+      <p:sp>
+        <p:nvSpPr>
+          <p:cNvPr id="3" name="Text Placeholder 2">
+            <a:extLst>
+              <a:ext uri="{FF2B5EF4-FFF2-40B4-BE49-F238E27FC236}">
+                <a16:creationId xmlns:a16="http://schemas.microsoft.com/office/drawing/2014/main" id="{F3EFA1D7-5C02-5C46-8D14-AC78C6316567}"/>
+              </a:ext>
+            </a:extLst>
+          </p:cNvPr>
+          <p:cNvSpPr>
+            <a:spLocks noGrp="1"/>
+          </p:cNvSpPr>
+          <p:nvPr>
+            <p:ph type="body" idx="1"/>
+          </p:nvPr>
+        </p:nvSpPr>
+        <p:spPr>
+          <a:xfrm>
+            <a:off x="1747595" y="3225612"/>
+            <a:ext cx="8684109" cy="1500187"/>
+          </a:xfrm>
+        </p:spPr>
+        <p:txBody>
+          <a:bodyPr/>
+          <a:lstStyle/>
+          <a:p>
+            <a:pPr fontAlgn="base"/>
+            <a:r>
+              <a:rPr lang="en-US" i="1" dirty="0">
+                <a:solidFill>
+                  <a:schemeClr val="bg1"/>
+                </a:solidFill>
+              </a:rPr>
+              <a:t>“Incorrect documentation is often worse than no documentation.”</a:t>
+            </a:r>
+          </a:p>
+          <a:p>
+            <a:pPr fontAlgn="base"/>
+            <a:r>
+              <a:rPr lang="en-US" dirty="0">
+                <a:solidFill>
+                  <a:schemeClr val="bg1"/>
+                </a:solidFill>
+              </a:rPr>
+              <a:t>— Bertrand Meyer</a:t>
+            </a:r>
+          </a:p>
+        </p:txBody>
+      </p:sp>
+      <p:sp>
+        <p:nvSpPr>
+          <p:cNvPr id="4" name="Title 1">
+            <a:extLst>
+              <a:ext uri="{FF2B5EF4-FFF2-40B4-BE49-F238E27FC236}">
+                <a16:creationId xmlns:a16="http://schemas.microsoft.com/office/drawing/2014/main" id="{E5E145E0-8A6D-BA43-ABD6-2C9CAE44E411}"/>
+              </a:ext>
+            </a:extLst>
+          </p:cNvPr>
+          <p:cNvSpPr txBox="1">
+            <a:spLocks/>
+          </p:cNvSpPr>
+          <p:nvPr/>
+        </p:nvSpPr>
+        <p:spPr>
+          <a:xfrm>
+            <a:off x="838200" y="4162593"/>
+            <a:ext cx="10515600" cy="2127352"/>
           </a:xfrm>
           <a:prstGeom prst="rect">
             <a:avLst/>
           </a:prstGeom>
-          <a:noFill/>
         </p:spPr>
         <p:txBody>
-          <a:bodyPr wrap="none" rtlCol="0">
-            <a:spAutoFit/>
+          <a:bodyPr vert="horz" lIns="91440" tIns="45720" rIns="91440" bIns="45720" rtlCol="0" anchor="b">
+            <a:noAutofit/>
           </a:bodyPr>
-          <a:lstStyle/>
+          <a:lstStyle>
+            <a:lvl1pPr algn="l" defTabSz="914400" rtl="0" eaLnBrk="1" latinLnBrk="0" hangingPunct="1">
+              <a:lnSpc>
+                <a:spcPct val="90000"/>
+              </a:lnSpc>
+              <a:spcBef>
+                <a:spcPct val="0"/>
+              </a:spcBef>
+              <a:buNone/>
+              <a:defRPr sz="6000" kern="1200">
+                <a:solidFill>
+                  <a:schemeClr val="bg1"/>
+                </a:solidFill>
+                <a:latin typeface="+mj-lt"/>
+                <a:ea typeface="+mj-ea"/>
+                <a:cs typeface="+mj-cs"/>
+              </a:defRPr>
+            </a:lvl1pPr>
+          </a:lstStyle>
           <a:p>
             <a:pPr algn="ctr"/>
             <a:r>
-              <a:rPr lang="en-US" sz="5400" dirty="0">
-                <a:solidFill>
-                  <a:schemeClr val="bg1"/>
-                </a:solidFill>
-              </a:rPr>
-              <a:t>Wait, but what about </a:t>
-            </a:r>
-          </a:p>
-          <a:p>
-            <a:pPr algn="ctr"/>
-            <a:r>
-              <a:rPr lang="en-US" sz="5400" dirty="0">
-                <a:solidFill>
-                  <a:schemeClr val="bg1"/>
-                </a:solidFill>
-              </a:rPr>
-              <a:t>Wikis?</a:t>
-            </a:r>
+              <a:rPr lang="en-US" sz="6600"/>
+              <a:t>ADRs = </a:t>
+            </a:r>
+            <a:r>
+              <a:rPr lang="en-US" sz="9600"/>
+              <a:t>👍🏽</a:t>
+            </a:r>
+            <a:endParaRPr lang="en-US" sz="9600" dirty="0"/>
           </a:p>
         </p:txBody>
       </p:sp>
     </p:spTree>
     <p:extLst>
       <p:ext uri="{BB962C8B-B14F-4D97-AF65-F5344CB8AC3E}">
-        <p14:creationId xmlns:p14="http://schemas.microsoft.com/office/powerpoint/2010/main" val="3070033270"/>
+        <p14:creationId xmlns:p14="http://schemas.microsoft.com/office/powerpoint/2010/main" val="2346709893"/>
       </p:ext>
     </p:extLst>
   </p:cSld>
@@ -8174,157 +8320,79 @@
       </p:grpSpPr>
       <p:sp>
         <p:nvSpPr>
-          <p:cNvPr id="2" name="Title 1">
-            <a:extLst>
-              <a:ext uri="{FF2B5EF4-FFF2-40B4-BE49-F238E27FC236}">
-                <a16:creationId xmlns:a16="http://schemas.microsoft.com/office/drawing/2014/main" id="{CF233AD3-CDB6-CE4C-A630-82980BA1D0E8}"/>
-              </a:ext>
-            </a:extLst>
-          </p:cNvPr>
-          <p:cNvSpPr>
-            <a:spLocks noGrp="1"/>
-          </p:cNvSpPr>
-          <p:nvPr>
-            <p:ph type="title"/>
-          </p:nvPr>
+          <p:cNvPr id="4" name="TextBox 3">
+            <a:extLst>
+              <a:ext uri="{FF2B5EF4-FFF2-40B4-BE49-F238E27FC236}">
+                <a16:creationId xmlns:a16="http://schemas.microsoft.com/office/drawing/2014/main" id="{D9E06190-A811-FA4A-8DFF-25F7864A68C3}"/>
+              </a:ext>
+            </a:extLst>
+          </p:cNvPr>
+          <p:cNvSpPr txBox="1"/>
+          <p:nvPr/>
         </p:nvSpPr>
         <p:spPr>
           <a:xfrm>
-            <a:off x="831850" y="914399"/>
-            <a:ext cx="10515600" cy="1596326"/>
-          </a:xfrm>
-        </p:spPr>
-        <p:txBody>
-          <a:bodyPr>
-            <a:normAutofit/>
-          </a:bodyPr>
-          <a:lstStyle/>
-          <a:p>
-            <a:pPr algn="ctr"/>
-            <a:r>
-              <a:rPr lang="en-US" sz="8000" b="1" dirty="0">
-                <a:solidFill>
-                  <a:schemeClr val="accent4"/>
-                </a:solidFill>
-              </a:rPr>
-              <a:t>The Benefits</a:t>
-            </a:r>
-          </a:p>
-        </p:txBody>
-      </p:sp>
-      <p:sp>
-        <p:nvSpPr>
-          <p:cNvPr id="3" name="Text Placeholder 2">
-            <a:extLst>
-              <a:ext uri="{FF2B5EF4-FFF2-40B4-BE49-F238E27FC236}">
-                <a16:creationId xmlns:a16="http://schemas.microsoft.com/office/drawing/2014/main" id="{F3EFA1D7-5C02-5C46-8D14-AC78C6316567}"/>
-              </a:ext>
-            </a:extLst>
-          </p:cNvPr>
-          <p:cNvSpPr>
-            <a:spLocks noGrp="1"/>
-          </p:cNvSpPr>
-          <p:nvPr>
-            <p:ph type="body" idx="1"/>
-          </p:nvPr>
-        </p:nvSpPr>
-        <p:spPr>
-          <a:xfrm>
-            <a:off x="1747595" y="3225612"/>
-            <a:ext cx="8684109" cy="1500187"/>
-          </a:xfrm>
-        </p:spPr>
-        <p:txBody>
-          <a:bodyPr/>
-          <a:lstStyle/>
-          <a:p>
-            <a:pPr fontAlgn="base"/>
-            <a:r>
-              <a:rPr lang="en-US" i="1" dirty="0">
-                <a:solidFill>
-                  <a:schemeClr val="bg1"/>
-                </a:solidFill>
-              </a:rPr>
-              <a:t>“Incorrect documentation is often worse than no documentation.”</a:t>
-            </a:r>
-          </a:p>
-          <a:p>
-            <a:pPr fontAlgn="base"/>
-            <a:r>
-              <a:rPr lang="en-US" dirty="0">
-                <a:solidFill>
-                  <a:schemeClr val="bg1"/>
-                </a:solidFill>
-              </a:rPr>
-              <a:t>— Bertrand Meyer</a:t>
-            </a:r>
-          </a:p>
-        </p:txBody>
-      </p:sp>
-      <p:sp>
-        <p:nvSpPr>
-          <p:cNvPr id="4" name="Title 1">
-            <a:extLst>
-              <a:ext uri="{FF2B5EF4-FFF2-40B4-BE49-F238E27FC236}">
-                <a16:creationId xmlns:a16="http://schemas.microsoft.com/office/drawing/2014/main" id="{E5E145E0-8A6D-BA43-ABD6-2C9CAE44E411}"/>
-              </a:ext>
-            </a:extLst>
-          </p:cNvPr>
-          <p:cNvSpPr txBox="1">
-            <a:spLocks/>
-          </p:cNvSpPr>
-          <p:nvPr/>
-        </p:nvSpPr>
-        <p:spPr>
-          <a:xfrm>
-            <a:off x="838200" y="4162593"/>
-            <a:ext cx="10515600" cy="2127352"/>
+            <a:off x="499365" y="482161"/>
+            <a:ext cx="11193270" cy="5170646"/>
           </a:xfrm>
           <a:prstGeom prst="rect">
             <a:avLst/>
           </a:prstGeom>
+          <a:noFill/>
         </p:spPr>
         <p:txBody>
-          <a:bodyPr vert="horz" lIns="91440" tIns="45720" rIns="91440" bIns="45720" rtlCol="0" anchor="b">
-            <a:noAutofit/>
+          <a:bodyPr wrap="square" rtlCol="0">
+            <a:spAutoFit/>
           </a:bodyPr>
-          <a:lstStyle>
-            <a:lvl1pPr algn="l" defTabSz="914400" rtl="0" eaLnBrk="1" latinLnBrk="0" hangingPunct="1">
-              <a:lnSpc>
-                <a:spcPct val="90000"/>
-              </a:lnSpc>
-              <a:spcBef>
-                <a:spcPct val="0"/>
-              </a:spcBef>
-              <a:buNone/>
-              <a:defRPr sz="6000" kern="1200">
+          <a:lstStyle/>
+          <a:p>
+            <a:pPr marL="685800" indent="-685800">
+              <a:buFont typeface="Arial" panose="020B0604020202020204" pitchFamily="34" charset="0"/>
+              <a:buChar char="•"/>
+            </a:pPr>
+            <a:r>
+              <a:rPr lang="en-US" sz="6600" dirty="0">
                 <a:solidFill>
                   <a:schemeClr val="bg1"/>
                 </a:solidFill>
-                <a:latin typeface="+mj-lt"/>
-                <a:ea typeface="+mj-ea"/>
-                <a:cs typeface="+mj-cs"/>
-              </a:defRPr>
-            </a:lvl1pPr>
-          </a:lstStyle>
-          <a:p>
-            <a:pPr algn="ctr"/>
-            <a:r>
-              <a:rPr lang="en-US" sz="6600"/>
-              <a:t>ADRs = </a:t>
-            </a:r>
-            <a:r>
-              <a:rPr lang="en-US" sz="9600"/>
-              <a:t>👍🏽</a:t>
-            </a:r>
-            <a:endParaRPr lang="en-US" sz="9600" dirty="0"/>
+              </a:rPr>
+              <a:t>New team member onboarding</a:t>
+            </a:r>
+          </a:p>
+          <a:p>
+            <a:pPr marL="685800" indent="-685800">
+              <a:buFont typeface="Arial" panose="020B0604020202020204" pitchFamily="34" charset="0"/>
+              <a:buChar char="•"/>
+            </a:pPr>
+            <a:r>
+              <a:rPr lang="en-US" sz="6600" dirty="0">
+                <a:solidFill>
+                  <a:schemeClr val="bg1"/>
+                </a:solidFill>
+              </a:rPr>
+              <a:t>Save people from themselves</a:t>
+            </a:r>
+          </a:p>
+          <a:p>
+            <a:pPr marL="685800" indent="-685800">
+              <a:buFont typeface="Arial" panose="020B0604020202020204" pitchFamily="34" charset="0"/>
+              <a:buChar char="•"/>
+            </a:pPr>
+            <a:r>
+              <a:rPr lang="en-US" sz="6600" dirty="0">
+                <a:solidFill>
+                  <a:schemeClr val="bg1"/>
+                </a:solidFill>
+              </a:rPr>
+              <a:t>Informs decision making process</a:t>
+            </a:r>
           </a:p>
         </p:txBody>
       </p:sp>
     </p:spTree>
     <p:extLst>
       <p:ext uri="{BB962C8B-B14F-4D97-AF65-F5344CB8AC3E}">
-        <p14:creationId xmlns:p14="http://schemas.microsoft.com/office/powerpoint/2010/main" val="2346709893"/>
+        <p14:creationId xmlns:p14="http://schemas.microsoft.com/office/powerpoint/2010/main" val="459259026"/>
       </p:ext>
     </p:extLst>
   </p:cSld>
@@ -8353,10 +8421,87 @@
       </p:grpSpPr>
       <p:sp>
         <p:nvSpPr>
+          <p:cNvPr id="2" name="Title 1">
+            <a:extLst>
+              <a:ext uri="{FF2B5EF4-FFF2-40B4-BE49-F238E27FC236}">
+                <a16:creationId xmlns:a16="http://schemas.microsoft.com/office/drawing/2014/main" id="{C409FD33-6233-7C49-9918-532E7EC05AB5}"/>
+              </a:ext>
+            </a:extLst>
+          </p:cNvPr>
+          <p:cNvSpPr>
+            <a:spLocks noGrp="1"/>
+          </p:cNvSpPr>
+          <p:nvPr>
+            <p:ph type="title"/>
+          </p:nvPr>
+        </p:nvSpPr>
+        <p:spPr>
+          <a:xfrm>
+            <a:off x="838199" y="44735"/>
+            <a:ext cx="10515600" cy="1090382"/>
+          </a:xfrm>
+        </p:spPr>
+        <p:txBody>
+          <a:bodyPr>
+            <a:noAutofit/>
+          </a:bodyPr>
+          <a:lstStyle/>
+          <a:p>
+            <a:pPr algn="ctr"/>
+            <a:r>
+              <a:rPr lang="en-US" sz="3600" dirty="0"/>
+              <a:t>More praise for ADRs:</a:t>
+            </a:r>
+            <a:br>
+              <a:rPr lang="en-US" sz="3600" dirty="0"/>
+            </a:br>
+            <a:r>
+              <a:rPr lang="en-US" sz="3600" dirty="0" err="1"/>
+              <a:t>ThoughtWorks</a:t>
+            </a:r>
+            <a:r>
+              <a:rPr lang="en-US" sz="3600" dirty="0"/>
+              <a:t> Technology Radar</a:t>
+            </a:r>
+          </a:p>
+        </p:txBody>
+      </p:sp>
+      <p:pic>
+        <p:nvPicPr>
+          <p:cNvPr id="3" name="Picture 2">
+            <a:extLst>
+              <a:ext uri="{FF2B5EF4-FFF2-40B4-BE49-F238E27FC236}">
+                <a16:creationId xmlns:a16="http://schemas.microsoft.com/office/drawing/2014/main" id="{745EEC11-94B0-9944-A277-0EE4A9EC1456}"/>
+              </a:ext>
+            </a:extLst>
+          </p:cNvPr>
+          <p:cNvPicPr>
+            <a:picLocks noChangeAspect="1"/>
+          </p:cNvPicPr>
+          <p:nvPr/>
+        </p:nvPicPr>
+        <p:blipFill>
+          <a:blip r:embed="rId3"/>
+          <a:stretch>
+            <a:fillRect/>
+          </a:stretch>
+        </p:blipFill>
+        <p:spPr>
+          <a:xfrm>
+            <a:off x="2923983" y="1135117"/>
+            <a:ext cx="6344034" cy="5308816"/>
+          </a:xfrm>
+          <a:prstGeom prst="rect">
+            <a:avLst/>
+          </a:prstGeom>
+        </p:spPr>
+      </p:pic>
+      <p:sp>
+        <p:nvSpPr>
           <p:cNvPr id="4" name="TextBox 3">
             <a:extLst>
               <a:ext uri="{FF2B5EF4-FFF2-40B4-BE49-F238E27FC236}">
-                <a16:creationId xmlns:a16="http://schemas.microsoft.com/office/drawing/2014/main" id="{D9E06190-A811-FA4A-8DFF-25F7864A68C3}"/>
+                <a16:creationId xmlns:a16="http://schemas.microsoft.com/office/drawing/2014/main" id="{B34BF978-8B84-984D-BC27-943E5A8E16E1}"/>
               </a:ext>
             </a:extLst>
           </p:cNvPr>
@@ -8365,8 +8510,8 @@
         </p:nvSpPr>
         <p:spPr>
           <a:xfrm>
-            <a:off x="499365" y="482161"/>
-            <a:ext cx="11193270" cy="5170646"/>
+            <a:off x="3707364" y="6443933"/>
+            <a:ext cx="4777270" cy="369332"/>
           </a:xfrm>
           <a:prstGeom prst="rect">
             <a:avLst/>
@@ -8374,50 +8519,35 @@
           <a:noFill/>
         </p:spPr>
         <p:txBody>
-          <a:bodyPr wrap="square" rtlCol="0">
+          <a:bodyPr wrap="none" rtlCol="0">
             <a:spAutoFit/>
           </a:bodyPr>
           <a:lstStyle/>
           <a:p>
-            <a:pPr marL="685800" indent="-685800">
-              <a:buFont typeface="Arial" panose="020B0604020202020204" pitchFamily="34" charset="0"/>
-              <a:buChar char="•"/>
-            </a:pPr>
-            <a:r>
-              <a:rPr lang="en-US" sz="6600" dirty="0">
+            <a:pPr algn="ctr"/>
+            <a:r>
+              <a:rPr lang="en-US" dirty="0">
                 <a:solidFill>
                   <a:schemeClr val="bg1"/>
                 </a:solidFill>
               </a:rPr>
-              <a:t>New team member onboarding</a:t>
-            </a:r>
-          </a:p>
-          <a:p>
-            <a:pPr marL="685800" indent="-685800">
-              <a:buFont typeface="Arial" panose="020B0604020202020204" pitchFamily="34" charset="0"/>
-              <a:buChar char="•"/>
-            </a:pPr>
-            <a:r>
-              <a:rPr lang="en-US" sz="6600" dirty="0">
+              <a:t>https://</a:t>
+            </a:r>
+            <a:r>
+              <a:rPr lang="en-US" dirty="0" err="1">
                 <a:solidFill>
                   <a:schemeClr val="bg1"/>
                 </a:solidFill>
               </a:rPr>
-              <a:t>Save people from themselves</a:t>
-            </a:r>
-          </a:p>
-          <a:p>
-            <a:pPr marL="685800" indent="-685800">
-              <a:buFont typeface="Arial" panose="020B0604020202020204" pitchFamily="34" charset="0"/>
-              <a:buChar char="•"/>
-            </a:pPr>
-            <a:r>
-              <a:rPr lang="en-US" sz="6600" dirty="0">
+              <a:t>www.thoughtworks.com</a:t>
+            </a:r>
+            <a:r>
+              <a:rPr lang="en-US" dirty="0">
                 <a:solidFill>
                   <a:schemeClr val="bg1"/>
                 </a:solidFill>
               </a:rPr>
-              <a:t>Informs decision making process</a:t>
+              <a:t>/radar/techniques</a:t>
             </a:r>
           </a:p>
         </p:txBody>
@@ -8425,7 +8555,7 @@
     </p:spTree>
     <p:extLst>
       <p:ext uri="{BB962C8B-B14F-4D97-AF65-F5344CB8AC3E}">
-        <p14:creationId xmlns:p14="http://schemas.microsoft.com/office/powerpoint/2010/main" val="459259026"/>
+        <p14:creationId xmlns:p14="http://schemas.microsoft.com/office/powerpoint/2010/main" val="1477915063"/>
       </p:ext>
     </p:extLst>
   </p:cSld>
@@ -8466,7 +8596,7 @@
         </p:nvSpPr>
         <p:spPr>
           <a:xfrm>
-            <a:off x="3166352" y="1290179"/>
+            <a:off x="3166352" y="1069455"/>
             <a:ext cx="5859296" cy="1754326"/>
           </a:xfrm>
           <a:prstGeom prst="rect">
@@ -8589,169 +8719,6 @@
           <p:cNvPr id="2" name="Title 1">
             <a:extLst>
               <a:ext uri="{FF2B5EF4-FFF2-40B4-BE49-F238E27FC236}">
-                <a16:creationId xmlns:a16="http://schemas.microsoft.com/office/drawing/2014/main" id="{C409FD33-6233-7C49-9918-532E7EC05AB5}"/>
-              </a:ext>
-            </a:extLst>
-          </p:cNvPr>
-          <p:cNvSpPr>
-            <a:spLocks noGrp="1"/>
-          </p:cNvSpPr>
-          <p:nvPr>
-            <p:ph type="title"/>
-          </p:nvPr>
-        </p:nvSpPr>
-        <p:spPr>
-          <a:xfrm>
-            <a:off x="838199" y="44735"/>
-            <a:ext cx="10515600" cy="1090382"/>
-          </a:xfrm>
-        </p:spPr>
-        <p:txBody>
-          <a:bodyPr>
-            <a:noAutofit/>
-          </a:bodyPr>
-          <a:lstStyle/>
-          <a:p>
-            <a:pPr algn="ctr"/>
-            <a:r>
-              <a:rPr lang="en-US" sz="3600" dirty="0"/>
-              <a:t>More praise for ADRs:</a:t>
-            </a:r>
-            <a:br>
-              <a:rPr lang="en-US" sz="3600" dirty="0"/>
-            </a:br>
-            <a:r>
-              <a:rPr lang="en-US" sz="3600" dirty="0" err="1"/>
-              <a:t>ThoughtWorks</a:t>
-            </a:r>
-            <a:r>
-              <a:rPr lang="en-US" sz="3600" dirty="0"/>
-              <a:t> Technology Radar</a:t>
-            </a:r>
-          </a:p>
-        </p:txBody>
-      </p:sp>
-      <p:pic>
-        <p:nvPicPr>
-          <p:cNvPr id="3" name="Picture 2">
-            <a:extLst>
-              <a:ext uri="{FF2B5EF4-FFF2-40B4-BE49-F238E27FC236}">
-                <a16:creationId xmlns:a16="http://schemas.microsoft.com/office/drawing/2014/main" id="{745EEC11-94B0-9944-A277-0EE4A9EC1456}"/>
-              </a:ext>
-            </a:extLst>
-          </p:cNvPr>
-          <p:cNvPicPr>
-            <a:picLocks noChangeAspect="1"/>
-          </p:cNvPicPr>
-          <p:nvPr/>
-        </p:nvPicPr>
-        <p:blipFill>
-          <a:blip r:embed="rId3"/>
-          <a:stretch>
-            <a:fillRect/>
-          </a:stretch>
-        </p:blipFill>
-        <p:spPr>
-          <a:xfrm>
-            <a:off x="2923983" y="1135117"/>
-            <a:ext cx="6344034" cy="5308816"/>
-          </a:xfrm>
-          <a:prstGeom prst="rect">
-            <a:avLst/>
-          </a:prstGeom>
-        </p:spPr>
-      </p:pic>
-      <p:sp>
-        <p:nvSpPr>
-          <p:cNvPr id="4" name="TextBox 3">
-            <a:extLst>
-              <a:ext uri="{FF2B5EF4-FFF2-40B4-BE49-F238E27FC236}">
-                <a16:creationId xmlns:a16="http://schemas.microsoft.com/office/drawing/2014/main" id="{B34BF978-8B84-984D-BC27-943E5A8E16E1}"/>
-              </a:ext>
-            </a:extLst>
-          </p:cNvPr>
-          <p:cNvSpPr txBox="1"/>
-          <p:nvPr/>
-        </p:nvSpPr>
-        <p:spPr>
-          <a:xfrm>
-            <a:off x="3707364" y="6443933"/>
-            <a:ext cx="4777270" cy="369332"/>
-          </a:xfrm>
-          <a:prstGeom prst="rect">
-            <a:avLst/>
-          </a:prstGeom>
-          <a:noFill/>
-        </p:spPr>
-        <p:txBody>
-          <a:bodyPr wrap="none" rtlCol="0">
-            <a:spAutoFit/>
-          </a:bodyPr>
-          <a:lstStyle/>
-          <a:p>
-            <a:pPr algn="ctr"/>
-            <a:r>
-              <a:rPr lang="en-US" dirty="0">
-                <a:solidFill>
-                  <a:schemeClr val="bg1"/>
-                </a:solidFill>
-              </a:rPr>
-              <a:t>https://</a:t>
-            </a:r>
-            <a:r>
-              <a:rPr lang="en-US" dirty="0" err="1">
-                <a:solidFill>
-                  <a:schemeClr val="bg1"/>
-                </a:solidFill>
-              </a:rPr>
-              <a:t>www.thoughtworks.com</a:t>
-            </a:r>
-            <a:r>
-              <a:rPr lang="en-US" dirty="0">
-                <a:solidFill>
-                  <a:schemeClr val="bg1"/>
-                </a:solidFill>
-              </a:rPr>
-              <a:t>/radar/techniques</a:t>
-            </a:r>
-          </a:p>
-        </p:txBody>
-      </p:sp>
-    </p:spTree>
-    <p:extLst>
-      <p:ext uri="{BB962C8B-B14F-4D97-AF65-F5344CB8AC3E}">
-        <p14:creationId xmlns:p14="http://schemas.microsoft.com/office/powerpoint/2010/main" val="1477915063"/>
-      </p:ext>
-    </p:extLst>
-  </p:cSld>
-  <p:clrMapOvr>
-    <a:masterClrMapping/>
-  </p:clrMapOvr>
-</p:sld>
-</file>
-
-<file path=ppt/slides/slide21.xml><?xml version="1.0" encoding="utf-8"?>
-<p:sld xmlns:a="http://schemas.openxmlformats.org/drawingml/2006/main" xmlns:r="http://schemas.openxmlformats.org/officeDocument/2006/relationships" xmlns:p="http://schemas.openxmlformats.org/presentationml/2006/main">
-  <p:cSld>
-    <p:spTree>
-      <p:nvGrpSpPr>
-        <p:cNvPr id="1" name=""/>
-        <p:cNvGrpSpPr/>
-        <p:nvPr/>
-      </p:nvGrpSpPr>
-      <p:grpSpPr>
-        <a:xfrm>
-          <a:off x="0" y="0"/>
-          <a:ext cx="0" cy="0"/>
-          <a:chOff x="0" y="0"/>
-          <a:chExt cx="0" cy="0"/>
-        </a:xfrm>
-      </p:grpSpPr>
-      <p:sp>
-        <p:nvSpPr>
-          <p:cNvPr id="2" name="Title 1">
-            <a:extLst>
-              <a:ext uri="{FF2B5EF4-FFF2-40B4-BE49-F238E27FC236}">
                 <a16:creationId xmlns:a16="http://schemas.microsoft.com/office/drawing/2014/main" id="{9F053D3E-4961-4145-82AD-E2410D863096}"/>
               </a:ext>
             </a:extLst>
@@ -8806,7 +8773,7 @@
         </p:spPr>
         <p:txBody>
           <a:bodyPr>
-            <a:normAutofit lnSpcReduction="10000"/>
+            <a:normAutofit fontScale="92500" lnSpcReduction="20000"/>
           </a:bodyPr>
           <a:lstStyle/>
           <a:p>
@@ -8818,7 +8785,7 @@
           <a:p>
             <a:r>
               <a:rPr lang="en-US" sz="3200" dirty="0">
-                <a:hlinkClick r:id="rId2">
+                <a:hlinkClick r:id="rId3">
                   <a:extLst>
                     <a:ext uri="{A12FA001-AC4F-418D-AE19-62706E023703}">
                       <ahyp:hlinkClr xmlns:ahyp="http://schemas.microsoft.com/office/drawing/2018/hyperlinkcolor" val="tx"/>
@@ -8849,15 +8816,20 @@
           </a:p>
           <a:p>
             <a:r>
-              <a:rPr lang="en-US" sz="3200" dirty="0" err="1"/>
+              <a:rPr lang="en-US" sz="3200" dirty="0">
+                <a:hlinkClick r:id="rId4"/>
+              </a:rPr>
               <a:t>david.ayers@credera.com</a:t>
             </a:r>
             <a:endParaRPr lang="en-US" sz="3200" dirty="0"/>
           </a:p>
           <a:p>
+            <a:endParaRPr lang="en-US" sz="3200" dirty="0"/>
+          </a:p>
+          <a:p>
             <a:r>
               <a:rPr lang="en-US" sz="3200" dirty="0"/>
-              <a:t>@</a:t>
+              <a:t>        @</a:t>
             </a:r>
             <a:r>
               <a:rPr lang="en-US" sz="3200" dirty="0" err="1"/>
@@ -8867,6 +8839,50 @@
           </a:p>
         </p:txBody>
       </p:sp>
+      <p:pic>
+        <p:nvPicPr>
+          <p:cNvPr id="5" name="Picture 4">
+            <a:extLst>
+              <a:ext uri="{FF2B5EF4-FFF2-40B4-BE49-F238E27FC236}">
+                <a16:creationId xmlns:a16="http://schemas.microsoft.com/office/drawing/2014/main" id="{C0E9D5B8-2BDF-6741-AAEA-75DD1637B1E8}"/>
+              </a:ext>
+            </a:extLst>
+          </p:cNvPr>
+          <p:cNvPicPr>
+            <a:picLocks noChangeAspect="1"/>
+          </p:cNvPicPr>
+          <p:nvPr/>
+        </p:nvPicPr>
+        <p:blipFill>
+          <a:blip r:embed="rId5">
+            <a:clrChange>
+              <a:clrFrom>
+                <a:srgbClr val="282F36">
+                  <a:alpha val="14902"/>
+                </a:srgbClr>
+              </a:clrFrom>
+              <a:clrTo>
+                <a:srgbClr val="282F36">
+                  <a:alpha val="0"/>
+                </a:srgbClr>
+              </a:clrTo>
+            </a:clrChange>
+            <a:alphaModFix/>
+          </a:blip>
+          <a:stretch>
+            <a:fillRect/>
+          </a:stretch>
+        </p:blipFill>
+        <p:spPr>
+          <a:xfrm>
+            <a:off x="4205907" y="4956875"/>
+            <a:ext cx="962571" cy="962571"/>
+          </a:xfrm>
+          <a:prstGeom prst="rect">
+            <a:avLst/>
+          </a:prstGeom>
+        </p:spPr>
+      </p:pic>
     </p:spTree>
     <p:extLst>
       <p:ext uri="{BB962C8B-B14F-4D97-AF65-F5344CB8AC3E}">
@@ -8948,14 +8964,6 @@
           </a:p>
           <a:p>
             <a:pPr algn="ctr"/>
-            <a:r>
-              <a:rPr lang="en-US" sz="16600" dirty="0">
-                <a:solidFill>
-                  <a:schemeClr val="bg1"/>
-                </a:solidFill>
-              </a:rPr>
-              <a:t>😪</a:t>
-            </a:r>
             <a:endParaRPr lang="en-US" sz="5400" dirty="0">
               <a:solidFill>
                 <a:schemeClr val="bg1"/>
@@ -8964,6 +8972,14 @@
           </a:p>
           <a:p>
             <a:pPr algn="ctr"/>
+            <a:r>
+              <a:rPr lang="en-US" sz="16600" dirty="0">
+                <a:solidFill>
+                  <a:schemeClr val="bg1"/>
+                </a:solidFill>
+              </a:rPr>
+              <a:t>😪</a:t>
+            </a:r>
             <a:endParaRPr lang="en-US" sz="5400" dirty="0">
               <a:solidFill>
                 <a:schemeClr val="bg1"/>
@@ -9022,7 +9038,7 @@
           <a:prstGeom prst="cloudCallout">
             <a:avLst>
               <a:gd name="adj1" fmla="val -671"/>
-              <a:gd name="adj2" fmla="val 74745"/>
+              <a:gd name="adj2" fmla="val 93636"/>
             </a:avLst>
           </a:prstGeom>
         </p:spPr>
@@ -9073,7 +9089,7 @@
         </p:nvSpPr>
         <p:spPr>
           <a:xfrm>
-            <a:off x="5426586" y="2220396"/>
+            <a:off x="5426586" y="2709142"/>
             <a:ext cx="1338828" cy="1477328"/>
           </a:xfrm>
           <a:prstGeom prst="rect">
@@ -9497,117 +9513,6 @@
 </file>
 
 <file path=ppt/slides/slide6.xml><?xml version="1.0" encoding="utf-8"?>
-<p:sld xmlns:a="http://schemas.openxmlformats.org/drawingml/2006/main" xmlns:r="http://schemas.openxmlformats.org/officeDocument/2006/relationships" xmlns:p="http://schemas.openxmlformats.org/presentationml/2006/main">
-  <p:cSld>
-    <p:spTree>
-      <p:nvGrpSpPr>
-        <p:cNvPr id="1" name=""/>
-        <p:cNvGrpSpPr/>
-        <p:nvPr/>
-      </p:nvGrpSpPr>
-      <p:grpSpPr>
-        <a:xfrm>
-          <a:off x="0" y="0"/>
-          <a:ext cx="0" cy="0"/>
-          <a:chOff x="0" y="0"/>
-          <a:chExt cx="0" cy="0"/>
-        </a:xfrm>
-      </p:grpSpPr>
-      <p:sp>
-        <p:nvSpPr>
-          <p:cNvPr id="4" name="TextBox 3">
-            <a:extLst>
-              <a:ext uri="{FF2B5EF4-FFF2-40B4-BE49-F238E27FC236}">
-                <a16:creationId xmlns:a16="http://schemas.microsoft.com/office/drawing/2014/main" id="{D9E06190-A811-FA4A-8DFF-25F7864A68C3}"/>
-              </a:ext>
-            </a:extLst>
-          </p:cNvPr>
-          <p:cNvSpPr txBox="1"/>
-          <p:nvPr/>
-        </p:nvSpPr>
-        <p:spPr>
-          <a:xfrm>
-            <a:off x="1008777" y="1446530"/>
-            <a:ext cx="10360530" cy="4247317"/>
-          </a:xfrm>
-          <a:prstGeom prst="rect">
-            <a:avLst/>
-          </a:prstGeom>
-          <a:noFill/>
-        </p:spPr>
-        <p:txBody>
-          <a:bodyPr wrap="none" rtlCol="0">
-            <a:spAutoFit/>
-          </a:bodyPr>
-          <a:lstStyle/>
-          <a:p>
-            <a:pPr algn="ctr"/>
-            <a:r>
-              <a:rPr lang="en-US" sz="5400" i="1" dirty="0">
-                <a:solidFill>
-                  <a:schemeClr val="bg1"/>
-                </a:solidFill>
-              </a:rPr>
-              <a:t>ADRs are:</a:t>
-            </a:r>
-          </a:p>
-          <a:p>
-            <a:pPr algn="ctr"/>
-            <a:r>
-              <a:rPr lang="en-US" sz="5400" dirty="0">
-                <a:solidFill>
-                  <a:schemeClr val="bg1"/>
-                </a:solidFill>
-              </a:rPr>
-              <a:t>Saved in a file with an </a:t>
-            </a:r>
-          </a:p>
-          <a:p>
-            <a:pPr algn="ctr"/>
-            <a:r>
-              <a:rPr lang="en-US" sz="5400" dirty="0">
-                <a:solidFill>
-                  <a:schemeClr val="bg1"/>
-                </a:solidFill>
-              </a:rPr>
-              <a:t>incrementing sequence:</a:t>
-            </a:r>
-          </a:p>
-          <a:p>
-            <a:pPr algn="ctr"/>
-            <a:r>
-              <a:rPr lang="en-US" sz="5400" b="1" dirty="0">
-                <a:solidFill>
-                  <a:schemeClr val="bg1"/>
-                </a:solidFill>
-              </a:rPr>
-              <a:t>0001-git-for-version-control.md</a:t>
-            </a:r>
-          </a:p>
-          <a:p>
-            <a:pPr algn="ctr"/>
-            <a:endParaRPr lang="en-US" sz="5400" dirty="0">
-              <a:solidFill>
-                <a:schemeClr val="bg1"/>
-              </a:solidFill>
-            </a:endParaRPr>
-          </a:p>
-        </p:txBody>
-      </p:sp>
-    </p:spTree>
-    <p:extLst>
-      <p:ext uri="{BB962C8B-B14F-4D97-AF65-F5344CB8AC3E}">
-        <p14:creationId xmlns:p14="http://schemas.microsoft.com/office/powerpoint/2010/main" val="3387562561"/>
-      </p:ext>
-    </p:extLst>
-  </p:cSld>
-  <p:clrMapOvr>
-    <a:masterClrMapping/>
-  </p:clrMapOvr>
-</p:sld>
-</file>
-
-<file path=ppt/slides/slide7.xml><?xml version="1.0" encoding="utf-8"?>
 <p:sld xmlns:a="http://schemas.openxmlformats.org/drawingml/2006/main" xmlns:r="http://schemas.openxmlformats.org/officeDocument/2006/relationships" xmlns:p="http://schemas.openxmlformats.org/presentationml/2006/main">
   <p:cSld>
     <p:spTree>
@@ -9733,7 +9638,7 @@
 </p:sld>
 </file>
 
-<file path=ppt/slides/slide8.xml><?xml version="1.0" encoding="utf-8"?>
+<file path=ppt/slides/slide7.xml><?xml version="1.0" encoding="utf-8"?>
 <p:sld xmlns:a="http://schemas.openxmlformats.org/drawingml/2006/main" xmlns:r="http://schemas.openxmlformats.org/officeDocument/2006/relationships" xmlns:p="http://schemas.openxmlformats.org/presentationml/2006/main">
   <p:cSld>
     <p:spTree>
@@ -9793,7 +9698,7 @@
 </p:sld>
 </file>
 
-<file path=ppt/slides/slide9.xml><?xml version="1.0" encoding="utf-8"?>
+<file path=ppt/slides/slide8.xml><?xml version="1.0" encoding="utf-8"?>
 <p:sld xmlns:a="http://schemas.openxmlformats.org/drawingml/2006/main" xmlns:r="http://schemas.openxmlformats.org/officeDocument/2006/relationships" xmlns:p="http://schemas.openxmlformats.org/presentationml/2006/main">
   <p:cSld>
     <p:spTree>
@@ -9966,6 +9871,188 @@
     <p:extLst>
       <p:ext uri="{BB962C8B-B14F-4D97-AF65-F5344CB8AC3E}">
         <p14:creationId xmlns:p14="http://schemas.microsoft.com/office/powerpoint/2010/main" val="18341643"/>
+      </p:ext>
+    </p:extLst>
+  </p:cSld>
+  <p:clrMapOvr>
+    <a:masterClrMapping/>
+  </p:clrMapOvr>
+</p:sld>
+</file>
+
+<file path=ppt/slides/slide9.xml><?xml version="1.0" encoding="utf-8"?>
+<p:sld xmlns:a="http://schemas.openxmlformats.org/drawingml/2006/main" xmlns:r="http://schemas.openxmlformats.org/officeDocument/2006/relationships" xmlns:p="http://schemas.openxmlformats.org/presentationml/2006/main">
+  <p:cSld>
+    <p:spTree>
+      <p:nvGrpSpPr>
+        <p:cNvPr id="1" name=""/>
+        <p:cNvGrpSpPr/>
+        <p:nvPr/>
+      </p:nvGrpSpPr>
+      <p:grpSpPr>
+        <a:xfrm>
+          <a:off x="0" y="0"/>
+          <a:ext cx="0" cy="0"/>
+          <a:chOff x="0" y="0"/>
+          <a:chExt cx="0" cy="0"/>
+        </a:xfrm>
+      </p:grpSpPr>
+      <p:pic>
+        <p:nvPicPr>
+          <p:cNvPr id="4" name="Picture 3">
+            <a:extLst>
+              <a:ext uri="{FF2B5EF4-FFF2-40B4-BE49-F238E27FC236}">
+                <a16:creationId xmlns:a16="http://schemas.microsoft.com/office/drawing/2014/main" id="{B66986D0-EB48-794D-BB7E-C84315408B86}"/>
+              </a:ext>
+            </a:extLst>
+          </p:cNvPr>
+          <p:cNvPicPr>
+            <a:picLocks noChangeAspect="1"/>
+          </p:cNvPicPr>
+          <p:nvPr/>
+        </p:nvPicPr>
+        <p:blipFill>
+          <a:blip r:embed="rId3">
+            <a:extLst>
+              <a:ext uri="{BEBA8EAE-BF5A-486C-A8C5-ECC9F3942E4B}">
+                <a14:imgProps xmlns:a14="http://schemas.microsoft.com/office/drawing/2010/main">
+                  <a14:imgLayer>
+                    <a14:imgEffect>
+                      <a14:artisticBlur/>
+                    </a14:imgEffect>
+                  </a14:imgLayer>
+                </a14:imgProps>
+              </a:ext>
+            </a:extLst>
+          </a:blip>
+          <a:stretch>
+            <a:fillRect/>
+          </a:stretch>
+        </p:blipFill>
+        <p:spPr>
+          <a:xfrm>
+            <a:off x="2202831" y="0"/>
+            <a:ext cx="7786339" cy="6858000"/>
+          </a:xfrm>
+          <a:prstGeom prst="rect">
+            <a:avLst/>
+          </a:prstGeom>
+        </p:spPr>
+      </p:pic>
+      <p:pic>
+        <p:nvPicPr>
+          <p:cNvPr id="2" name="Picture 1">
+            <a:extLst>
+              <a:ext uri="{FF2B5EF4-FFF2-40B4-BE49-F238E27FC236}">
+                <a16:creationId xmlns:a16="http://schemas.microsoft.com/office/drawing/2014/main" id="{BD0230DF-A64A-E947-8F63-21C8D2534883}"/>
+              </a:ext>
+            </a:extLst>
+          </p:cNvPr>
+          <p:cNvPicPr>
+            <a:picLocks noChangeAspect="1"/>
+          </p:cNvPicPr>
+          <p:nvPr/>
+        </p:nvPicPr>
+        <p:blipFill rotWithShape="1">
+          <a:blip r:embed="rId4"/>
+          <a:srcRect t="14410" b="72687"/>
+          <a:stretch/>
+        </p:blipFill>
+        <p:spPr>
+          <a:xfrm>
+            <a:off x="2202831" y="988142"/>
+            <a:ext cx="7786339" cy="884903"/>
+          </a:xfrm>
+          <a:prstGeom prst="rect">
+            <a:avLst/>
+          </a:prstGeom>
+        </p:spPr>
+      </p:pic>
+      <p:sp>
+        <p:nvSpPr>
+          <p:cNvPr id="5" name="TextBox 4">
+            <a:extLst>
+              <a:ext uri="{FF2B5EF4-FFF2-40B4-BE49-F238E27FC236}">
+                <a16:creationId xmlns:a16="http://schemas.microsoft.com/office/drawing/2014/main" id="{D84897DD-3562-C143-A690-430146840081}"/>
+              </a:ext>
+            </a:extLst>
+          </p:cNvPr>
+          <p:cNvSpPr txBox="1"/>
+          <p:nvPr/>
+        </p:nvSpPr>
+        <p:spPr>
+          <a:xfrm>
+            <a:off x="5592523" y="824016"/>
+            <a:ext cx="1556836" cy="769441"/>
+          </a:xfrm>
+          <a:prstGeom prst="rect">
+            <a:avLst/>
+          </a:prstGeom>
+          <a:noFill/>
+        </p:spPr>
+        <p:txBody>
+          <a:bodyPr wrap="none" rtlCol="0">
+            <a:spAutoFit/>
+          </a:bodyPr>
+          <a:lstStyle/>
+          <a:p>
+            <a:r>
+              <a:rPr lang="en-US" sz="4400" dirty="0"/>
+              <a:t>Status</a:t>
+            </a:r>
+          </a:p>
+        </p:txBody>
+      </p:sp>
+      <p:sp>
+        <p:nvSpPr>
+          <p:cNvPr id="8" name="Left Arrow 7">
+            <a:extLst>
+              <a:ext uri="{FF2B5EF4-FFF2-40B4-BE49-F238E27FC236}">
+                <a16:creationId xmlns:a16="http://schemas.microsoft.com/office/drawing/2014/main" id="{F5BA64AF-9A79-5E4C-8FDC-FB51331AE991}"/>
+              </a:ext>
+            </a:extLst>
+          </p:cNvPr>
+          <p:cNvSpPr/>
+          <p:nvPr/>
+        </p:nvSpPr>
+        <p:spPr>
+          <a:xfrm>
+            <a:off x="3536342" y="544429"/>
+            <a:ext cx="1917291" cy="1328616"/>
+          </a:xfrm>
+          <a:prstGeom prst="leftArrow">
+            <a:avLst/>
+          </a:prstGeom>
+        </p:spPr>
+        <p:style>
+          <a:lnRef idx="2">
+            <a:schemeClr val="accent1">
+              <a:shade val="50000"/>
+            </a:schemeClr>
+          </a:lnRef>
+          <a:fillRef idx="1">
+            <a:schemeClr val="accent1"/>
+          </a:fillRef>
+          <a:effectRef idx="0">
+            <a:schemeClr val="accent1"/>
+          </a:effectRef>
+          <a:fontRef idx="minor">
+            <a:schemeClr val="lt1"/>
+          </a:fontRef>
+        </p:style>
+        <p:txBody>
+          <a:bodyPr rtlCol="0" anchor="ctr"/>
+          <a:lstStyle/>
+          <a:p>
+            <a:pPr algn="ctr"/>
+            <a:endParaRPr lang="en-US"/>
+          </a:p>
+        </p:txBody>
+      </p:sp>
+    </p:spTree>
+    <p:extLst>
+      <p:ext uri="{BB962C8B-B14F-4D97-AF65-F5344CB8AC3E}">
+        <p14:creationId xmlns:p14="http://schemas.microsoft.com/office/powerpoint/2010/main" val="982979819"/>
       </p:ext>
     </p:extLst>
   </p:cSld>

--- a/recording-architectural-decisions-ignite.pptx
+++ b/recording-architectural-decisions-ignite.pptx
@@ -10,32 +10,32 @@
   <p:sldIdLst>
     <p:sldId id="256" r:id="rId2"/>
     <p:sldId id="261" r:id="rId3"/>
-    <p:sldId id="263" r:id="rId4"/>
-    <p:sldId id="291" r:id="rId5"/>
-    <p:sldId id="265" r:id="rId6"/>
-    <p:sldId id="299" r:id="rId7"/>
-    <p:sldId id="302" r:id="rId8"/>
-    <p:sldId id="303" r:id="rId9"/>
-    <p:sldId id="304" r:id="rId10"/>
-    <p:sldId id="305" r:id="rId11"/>
-    <p:sldId id="306" r:id="rId12"/>
-    <p:sldId id="307" r:id="rId13"/>
-    <p:sldId id="268" r:id="rId14"/>
-    <p:sldId id="311" r:id="rId15"/>
-    <p:sldId id="301" r:id="rId16"/>
-    <p:sldId id="270" r:id="rId17"/>
-    <p:sldId id="266" r:id="rId18"/>
-    <p:sldId id="312" r:id="rId19"/>
-    <p:sldId id="308" r:id="rId20"/>
-    <p:sldId id="257" r:id="rId21"/>
+    <p:sldId id="313" r:id="rId4"/>
+    <p:sldId id="263" r:id="rId5"/>
+    <p:sldId id="291" r:id="rId6"/>
+    <p:sldId id="265" r:id="rId7"/>
+    <p:sldId id="299" r:id="rId8"/>
+    <p:sldId id="302" r:id="rId9"/>
+    <p:sldId id="303" r:id="rId10"/>
+    <p:sldId id="304" r:id="rId11"/>
+    <p:sldId id="305" r:id="rId12"/>
+    <p:sldId id="306" r:id="rId13"/>
+    <p:sldId id="307" r:id="rId14"/>
+    <p:sldId id="268" r:id="rId15"/>
+    <p:sldId id="311" r:id="rId16"/>
+    <p:sldId id="301" r:id="rId17"/>
+    <p:sldId id="270" r:id="rId18"/>
+    <p:sldId id="266" r:id="rId19"/>
+    <p:sldId id="312" r:id="rId20"/>
+    <p:sldId id="308" r:id="rId21"/>
   </p:sldIdLst>
-  <p:sldSz cx="12192000" cy="6858000"/>
+  <p:sldSz cx="9144000" cy="6858000" type="screen4x3"/>
   <p:notesSz cx="6858000" cy="9144000"/>
   <p:defaultTextStyle>
     <a:defPPr>
       <a:defRPr lang="en-US"/>
     </a:defPPr>
-    <a:lvl1pPr marL="0" algn="l" defTabSz="914400" rtl="0" eaLnBrk="1" latinLnBrk="0" hangingPunct="1">
+    <a:lvl1pPr marL="0" algn="l" defTabSz="914340" rtl="0" eaLnBrk="1" latinLnBrk="0" hangingPunct="1">
       <a:defRPr sz="1800" kern="1200">
         <a:solidFill>
           <a:schemeClr val="tx1"/>
@@ -45,7 +45,7 @@
         <a:cs typeface="+mn-cs"/>
       </a:defRPr>
     </a:lvl1pPr>
-    <a:lvl2pPr marL="457200" algn="l" defTabSz="914400" rtl="0" eaLnBrk="1" latinLnBrk="0" hangingPunct="1">
+    <a:lvl2pPr marL="457171" algn="l" defTabSz="914340" rtl="0" eaLnBrk="1" latinLnBrk="0" hangingPunct="1">
       <a:defRPr sz="1800" kern="1200">
         <a:solidFill>
           <a:schemeClr val="tx1"/>
@@ -55,7 +55,7 @@
         <a:cs typeface="+mn-cs"/>
       </a:defRPr>
     </a:lvl2pPr>
-    <a:lvl3pPr marL="914400" algn="l" defTabSz="914400" rtl="0" eaLnBrk="1" latinLnBrk="0" hangingPunct="1">
+    <a:lvl3pPr marL="914340" algn="l" defTabSz="914340" rtl="0" eaLnBrk="1" latinLnBrk="0" hangingPunct="1">
       <a:defRPr sz="1800" kern="1200">
         <a:solidFill>
           <a:schemeClr val="tx1"/>
@@ -65,7 +65,7 @@
         <a:cs typeface="+mn-cs"/>
       </a:defRPr>
     </a:lvl3pPr>
-    <a:lvl4pPr marL="1371600" algn="l" defTabSz="914400" rtl="0" eaLnBrk="1" latinLnBrk="0" hangingPunct="1">
+    <a:lvl4pPr marL="1371511" algn="l" defTabSz="914340" rtl="0" eaLnBrk="1" latinLnBrk="0" hangingPunct="1">
       <a:defRPr sz="1800" kern="1200">
         <a:solidFill>
           <a:schemeClr val="tx1"/>
@@ -75,7 +75,7 @@
         <a:cs typeface="+mn-cs"/>
       </a:defRPr>
     </a:lvl4pPr>
-    <a:lvl5pPr marL="1828800" algn="l" defTabSz="914400" rtl="0" eaLnBrk="1" latinLnBrk="0" hangingPunct="1">
+    <a:lvl5pPr marL="1828681" algn="l" defTabSz="914340" rtl="0" eaLnBrk="1" latinLnBrk="0" hangingPunct="1">
       <a:defRPr sz="1800" kern="1200">
         <a:solidFill>
           <a:schemeClr val="tx1"/>
@@ -85,7 +85,7 @@
         <a:cs typeface="+mn-cs"/>
       </a:defRPr>
     </a:lvl5pPr>
-    <a:lvl6pPr marL="2286000" algn="l" defTabSz="914400" rtl="0" eaLnBrk="1" latinLnBrk="0" hangingPunct="1">
+    <a:lvl6pPr marL="2285852" algn="l" defTabSz="914340" rtl="0" eaLnBrk="1" latinLnBrk="0" hangingPunct="1">
       <a:defRPr sz="1800" kern="1200">
         <a:solidFill>
           <a:schemeClr val="tx1"/>
@@ -95,7 +95,7 @@
         <a:cs typeface="+mn-cs"/>
       </a:defRPr>
     </a:lvl6pPr>
-    <a:lvl7pPr marL="2743200" algn="l" defTabSz="914400" rtl="0" eaLnBrk="1" latinLnBrk="0" hangingPunct="1">
+    <a:lvl7pPr marL="2743022" algn="l" defTabSz="914340" rtl="0" eaLnBrk="1" latinLnBrk="0" hangingPunct="1">
       <a:defRPr sz="1800" kern="1200">
         <a:solidFill>
           <a:schemeClr val="tx1"/>
@@ -105,7 +105,7 @@
         <a:cs typeface="+mn-cs"/>
       </a:defRPr>
     </a:lvl7pPr>
-    <a:lvl8pPr marL="3200400" algn="l" defTabSz="914400" rtl="0" eaLnBrk="1" latinLnBrk="0" hangingPunct="1">
+    <a:lvl8pPr marL="3200192" algn="l" defTabSz="914340" rtl="0" eaLnBrk="1" latinLnBrk="0" hangingPunct="1">
       <a:defRPr sz="1800" kern="1200">
         <a:solidFill>
           <a:schemeClr val="tx1"/>
@@ -115,7 +115,7 @@
         <a:cs typeface="+mn-cs"/>
       </a:defRPr>
     </a:lvl8pPr>
-    <a:lvl9pPr marL="3657600" algn="l" defTabSz="914400" rtl="0" eaLnBrk="1" latinLnBrk="0" hangingPunct="1">
+    <a:lvl9pPr marL="3657363" algn="l" defTabSz="914340" rtl="0" eaLnBrk="1" latinLnBrk="0" hangingPunct="1">
       <a:defRPr sz="1800" kern="1200">
         <a:solidFill>
           <a:schemeClr val="tx1"/>
@@ -216,7 +216,7 @@
           <a:p>
             <a:fld id="{A6566DB2-42AF-8C42-9886-7B81646A09AD}" type="datetimeFigureOut">
               <a:rPr lang="en-US" smtClean="0"/>
-              <a:t>1/11/19</a:t>
+              <a:t>1/21/19</a:t>
             </a:fld>
             <a:endParaRPr lang="en-US"/>
           </a:p>
@@ -234,8 +234,8 @@
         </p:nvSpPr>
         <p:spPr>
           <a:xfrm>
-            <a:off x="685800" y="1143000"/>
-            <a:ext cx="5486400" cy="3086100"/>
+            <a:off x="1371600" y="1143000"/>
+            <a:ext cx="4114800" cy="3086100"/>
           </a:xfrm>
           <a:prstGeom prst="rect">
             <a:avLst/>
@@ -389,7 +389,7 @@
   </p:cSld>
   <p:clrMap bg1="lt1" tx1="dk1" bg2="lt2" tx2="dk2" accent1="accent1" accent2="accent2" accent3="accent3" accent4="accent4" accent5="accent5" accent6="accent6" hlink="hlink" folHlink="folHlink"/>
   <p:notesStyle>
-    <a:lvl1pPr marL="0" algn="l" defTabSz="914400" rtl="0" eaLnBrk="1" latinLnBrk="0" hangingPunct="1">
+    <a:lvl1pPr marL="0" algn="l" defTabSz="914340" rtl="0" eaLnBrk="1" latinLnBrk="0" hangingPunct="1">
       <a:defRPr sz="1200" kern="1200">
         <a:solidFill>
           <a:schemeClr val="tx1"/>
@@ -399,7 +399,7 @@
         <a:cs typeface="+mn-cs"/>
       </a:defRPr>
     </a:lvl1pPr>
-    <a:lvl2pPr marL="457200" algn="l" defTabSz="914400" rtl="0" eaLnBrk="1" latinLnBrk="0" hangingPunct="1">
+    <a:lvl2pPr marL="457171" algn="l" defTabSz="914340" rtl="0" eaLnBrk="1" latinLnBrk="0" hangingPunct="1">
       <a:defRPr sz="1200" kern="1200">
         <a:solidFill>
           <a:schemeClr val="tx1"/>
@@ -409,7 +409,7 @@
         <a:cs typeface="+mn-cs"/>
       </a:defRPr>
     </a:lvl2pPr>
-    <a:lvl3pPr marL="914400" algn="l" defTabSz="914400" rtl="0" eaLnBrk="1" latinLnBrk="0" hangingPunct="1">
+    <a:lvl3pPr marL="914340" algn="l" defTabSz="914340" rtl="0" eaLnBrk="1" latinLnBrk="0" hangingPunct="1">
       <a:defRPr sz="1200" kern="1200">
         <a:solidFill>
           <a:schemeClr val="tx1"/>
@@ -419,7 +419,7 @@
         <a:cs typeface="+mn-cs"/>
       </a:defRPr>
     </a:lvl3pPr>
-    <a:lvl4pPr marL="1371600" algn="l" defTabSz="914400" rtl="0" eaLnBrk="1" latinLnBrk="0" hangingPunct="1">
+    <a:lvl4pPr marL="1371511" algn="l" defTabSz="914340" rtl="0" eaLnBrk="1" latinLnBrk="0" hangingPunct="1">
       <a:defRPr sz="1200" kern="1200">
         <a:solidFill>
           <a:schemeClr val="tx1"/>
@@ -429,7 +429,7 @@
         <a:cs typeface="+mn-cs"/>
       </a:defRPr>
     </a:lvl4pPr>
-    <a:lvl5pPr marL="1828800" algn="l" defTabSz="914400" rtl="0" eaLnBrk="1" latinLnBrk="0" hangingPunct="1">
+    <a:lvl5pPr marL="1828681" algn="l" defTabSz="914340" rtl="0" eaLnBrk="1" latinLnBrk="0" hangingPunct="1">
       <a:defRPr sz="1200" kern="1200">
         <a:solidFill>
           <a:schemeClr val="tx1"/>
@@ -439,7 +439,7 @@
         <a:cs typeface="+mn-cs"/>
       </a:defRPr>
     </a:lvl5pPr>
-    <a:lvl6pPr marL="2286000" algn="l" defTabSz="914400" rtl="0" eaLnBrk="1" latinLnBrk="0" hangingPunct="1">
+    <a:lvl6pPr marL="2285852" algn="l" defTabSz="914340" rtl="0" eaLnBrk="1" latinLnBrk="0" hangingPunct="1">
       <a:defRPr sz="1200" kern="1200">
         <a:solidFill>
           <a:schemeClr val="tx1"/>
@@ -449,7 +449,7 @@
         <a:cs typeface="+mn-cs"/>
       </a:defRPr>
     </a:lvl6pPr>
-    <a:lvl7pPr marL="2743200" algn="l" defTabSz="914400" rtl="0" eaLnBrk="1" latinLnBrk="0" hangingPunct="1">
+    <a:lvl7pPr marL="2743022" algn="l" defTabSz="914340" rtl="0" eaLnBrk="1" latinLnBrk="0" hangingPunct="1">
       <a:defRPr sz="1200" kern="1200">
         <a:solidFill>
           <a:schemeClr val="tx1"/>
@@ -459,7 +459,7 @@
         <a:cs typeface="+mn-cs"/>
       </a:defRPr>
     </a:lvl7pPr>
-    <a:lvl8pPr marL="3200400" algn="l" defTabSz="914400" rtl="0" eaLnBrk="1" latinLnBrk="0" hangingPunct="1">
+    <a:lvl8pPr marL="3200192" algn="l" defTabSz="914340" rtl="0" eaLnBrk="1" latinLnBrk="0" hangingPunct="1">
       <a:defRPr sz="1200" kern="1200">
         <a:solidFill>
           <a:schemeClr val="tx1"/>
@@ -469,7 +469,7 @@
         <a:cs typeface="+mn-cs"/>
       </a:defRPr>
     </a:lvl8pPr>
-    <a:lvl9pPr marL="3657600" algn="l" defTabSz="914400" rtl="0" eaLnBrk="1" latinLnBrk="0" hangingPunct="1">
+    <a:lvl9pPr marL="3657363" algn="l" defTabSz="914340" rtl="0" eaLnBrk="1" latinLnBrk="0" hangingPunct="1">
       <a:defRPr sz="1200" kern="1200">
         <a:solidFill>
           <a:schemeClr val="tx1"/>
@@ -510,7 +510,12 @@
             <p:ph type="sldImg"/>
           </p:nvPr>
         </p:nvSpPr>
-        <p:spPr/>
+        <p:spPr>
+          <a:xfrm>
+            <a:off x="1371600" y="1143000"/>
+            <a:ext cx="4114800" cy="3086100"/>
+          </a:xfrm>
+        </p:spPr>
       </p:sp>
       <p:sp>
         <p:nvSpPr>
@@ -617,8 +622,8 @@
         </p:nvSpPr>
         <p:spPr>
           <a:xfrm>
-            <a:off x="685800" y="1143000"/>
-            <a:ext cx="5486400" cy="3086100"/>
+            <a:off x="1371600" y="1143000"/>
+            <a:ext cx="4114800" cy="3086100"/>
           </a:xfrm>
         </p:spPr>
       </p:sp>
@@ -648,7 +653,124 @@
                 <a:ea typeface="+mn-ea"/>
                 <a:cs typeface="+mn-cs"/>
               </a:rPr>
-              <a:t>Describes the forces at play, in a factual way. These forces can be technology-based, politically-based, culturally-based, project-based, etc. There is likely tension, and if so, the context should reflect that tension in a non-biased way.</a:t>
+              <a:t>One of</a:t>
+            </a:r>
+          </a:p>
+          <a:p>
+            <a:pPr marL="171450" indent="-171450" rtl="0">
+              <a:buFont typeface="Arial" panose="020B0604020202020204" pitchFamily="34" charset="0"/>
+              <a:buChar char="•"/>
+            </a:pPr>
+            <a:r>
+              <a:rPr lang="en-US" sz="1200" b="0" i="0" u="none" strike="noStrike" kern="1200" dirty="0">
+                <a:solidFill>
+                  <a:schemeClr val="tx1"/>
+                </a:solidFill>
+                <a:effectLst/>
+                <a:latin typeface="+mn-lt"/>
+                <a:ea typeface="+mn-ea"/>
+                <a:cs typeface="+mn-cs"/>
+              </a:rPr>
+              <a:t>Proposed</a:t>
+            </a:r>
+          </a:p>
+          <a:p>
+            <a:pPr marL="171450" indent="-171450" rtl="0">
+              <a:buFont typeface="Arial" panose="020B0604020202020204" pitchFamily="34" charset="0"/>
+              <a:buChar char="•"/>
+            </a:pPr>
+            <a:r>
+              <a:rPr lang="en-US" sz="1200" b="0" i="0" u="none" strike="noStrike" kern="1200" dirty="0">
+                <a:solidFill>
+                  <a:schemeClr val="tx1"/>
+                </a:solidFill>
+                <a:effectLst/>
+                <a:latin typeface="+mn-lt"/>
+                <a:ea typeface="+mn-ea"/>
+                <a:cs typeface="+mn-cs"/>
+              </a:rPr>
+              <a:t>Accepted</a:t>
+            </a:r>
+          </a:p>
+          <a:p>
+            <a:pPr marL="171450" indent="-171450" rtl="0">
+              <a:buFont typeface="Arial" panose="020B0604020202020204" pitchFamily="34" charset="0"/>
+              <a:buChar char="•"/>
+            </a:pPr>
+            <a:r>
+              <a:rPr lang="en-US" sz="1200" b="0" i="0" u="none" strike="noStrike" kern="1200" dirty="0">
+                <a:solidFill>
+                  <a:schemeClr val="tx1"/>
+                </a:solidFill>
+                <a:effectLst/>
+                <a:latin typeface="+mn-lt"/>
+                <a:ea typeface="+mn-ea"/>
+                <a:cs typeface="+mn-cs"/>
+              </a:rPr>
+              <a:t>Superseded</a:t>
+            </a:r>
+          </a:p>
+          <a:p>
+            <a:pPr marL="171450" indent="-171450" rtl="0">
+              <a:buFont typeface="Arial" panose="020B0604020202020204" pitchFamily="34" charset="0"/>
+              <a:buChar char="•"/>
+            </a:pPr>
+            <a:r>
+              <a:rPr lang="en-US" sz="1200" b="0" i="0" u="none" strike="noStrike" kern="1200" dirty="0">
+                <a:solidFill>
+                  <a:schemeClr val="tx1"/>
+                </a:solidFill>
+                <a:effectLst/>
+                <a:latin typeface="+mn-lt"/>
+                <a:ea typeface="+mn-ea"/>
+                <a:cs typeface="+mn-cs"/>
+              </a:rPr>
+              <a:t>Deprecated</a:t>
+            </a:r>
+          </a:p>
+          <a:p>
+            <a:pPr marL="171450" indent="-171450" rtl="0">
+              <a:buFont typeface="Arial" panose="020B0604020202020204" pitchFamily="34" charset="0"/>
+              <a:buChar char="•"/>
+            </a:pPr>
+            <a:endParaRPr lang="en-US" sz="1200" b="0" i="0" u="none" strike="noStrike" kern="1200" dirty="0">
+              <a:solidFill>
+                <a:schemeClr val="tx1"/>
+              </a:solidFill>
+              <a:effectLst/>
+              <a:latin typeface="+mn-lt"/>
+              <a:ea typeface="+mn-ea"/>
+              <a:cs typeface="+mn-cs"/>
+            </a:endParaRPr>
+          </a:p>
+          <a:p>
+            <a:pPr rtl="0"/>
+            <a:r>
+              <a:rPr lang="en-US" sz="1200" b="0" i="0" u="none" strike="noStrike" kern="1200" dirty="0">
+                <a:solidFill>
+                  <a:schemeClr val="tx1"/>
+                </a:solidFill>
+                <a:effectLst/>
+                <a:latin typeface="+mn-lt"/>
+                <a:ea typeface="+mn-ea"/>
+                <a:cs typeface="+mn-cs"/>
+              </a:rPr>
+              <a:t>Side note: The original idea around ADRs was that they were immutable.</a:t>
+            </a:r>
+          </a:p>
+          <a:p>
+            <a:pPr rtl="0"/>
+            <a:r>
+              <a:rPr lang="en-US" sz="1200" b="0" i="0" u="none" strike="noStrike" kern="1200" dirty="0">
+                <a:solidFill>
+                  <a:schemeClr val="tx1"/>
+                </a:solidFill>
+                <a:effectLst/>
+                <a:latin typeface="+mn-lt"/>
+                <a:ea typeface="+mn-ea"/>
+                <a:cs typeface="+mn-cs"/>
+              </a:rPr>
+              <a:t>This is one area where, in the past, we have deviated from the original ideas around ADRs. For superseded &amp; deprecated ADRs, we either just changed the ADR itself, or moved it to an "archive" directory, to reduce the signal-to-noise ratio. Changing ADRs is fine, if you're storing them in source control.</a:t>
             </a:r>
             <a:endParaRPr lang="en-US" b="0" dirty="0">
               <a:effectLst/>
@@ -682,7 +804,7 @@
     </p:spTree>
     <p:extLst>
       <p:ext uri="{BB962C8B-B14F-4D97-AF65-F5344CB8AC3E}">
-        <p14:creationId xmlns:p14="http://schemas.microsoft.com/office/powerpoint/2010/main" val="2471353891"/>
+        <p14:creationId xmlns:p14="http://schemas.microsoft.com/office/powerpoint/2010/main" val="350237593"/>
       </p:ext>
     </p:extLst>
   </p:cSld>
@@ -721,8 +843,8 @@
         </p:nvSpPr>
         <p:spPr>
           <a:xfrm>
-            <a:off x="685800" y="1143000"/>
-            <a:ext cx="5486400" cy="3086100"/>
+            <a:off x="1371600" y="1143000"/>
+            <a:ext cx="4114800" cy="3086100"/>
           </a:xfrm>
         </p:spPr>
       </p:sp>
@@ -752,7 +874,7 @@
                 <a:ea typeface="+mn-ea"/>
                 <a:cs typeface="+mn-cs"/>
               </a:rPr>
-              <a:t>Most commonly stated as "We will..." and then the decision, or just a statement of the decision itself.</a:t>
+              <a:t>Describes the forces at play, in a factual way. These forces can be technology-based, politically-based, culturally-based, project-based, etc. There is likely tension, and if so, the context should reflect that tension in a non-biased way.</a:t>
             </a:r>
             <a:endParaRPr lang="en-US" b="0" dirty="0">
               <a:effectLst/>
@@ -786,7 +908,7 @@
     </p:spTree>
     <p:extLst>
       <p:ext uri="{BB962C8B-B14F-4D97-AF65-F5344CB8AC3E}">
-        <p14:creationId xmlns:p14="http://schemas.microsoft.com/office/powerpoint/2010/main" val="1972115208"/>
+        <p14:creationId xmlns:p14="http://schemas.microsoft.com/office/powerpoint/2010/main" val="2471353891"/>
       </p:ext>
     </p:extLst>
   </p:cSld>
@@ -825,8 +947,8 @@
         </p:nvSpPr>
         <p:spPr>
           <a:xfrm>
-            <a:off x="685800" y="1143000"/>
-            <a:ext cx="5486400" cy="3086100"/>
+            <a:off x="1371600" y="1143000"/>
+            <a:ext cx="4114800" cy="3086100"/>
           </a:xfrm>
         </p:spPr>
       </p:sp>
@@ -856,7 +978,7 @@
                 <a:ea typeface="+mn-ea"/>
                 <a:cs typeface="+mn-cs"/>
               </a:rPr>
-              <a:t>Every decision has consequences, for good or ill. Record them here. Again, pay attention to the language used; these aren't value judgements, they are statements of fact, or as close as you can get.</a:t>
+              <a:t>Most commonly stated as "We will..." and then the decision, or just a statement of the decision itself.</a:t>
             </a:r>
             <a:endParaRPr lang="en-US" b="0" dirty="0">
               <a:effectLst/>
@@ -890,7 +1012,7 @@
     </p:spTree>
     <p:extLst>
       <p:ext uri="{BB962C8B-B14F-4D97-AF65-F5344CB8AC3E}">
-        <p14:creationId xmlns:p14="http://schemas.microsoft.com/office/powerpoint/2010/main" val="2214453304"/>
+        <p14:creationId xmlns:p14="http://schemas.microsoft.com/office/powerpoint/2010/main" val="1972115208"/>
       </p:ext>
     </p:extLst>
   </p:cSld>
@@ -927,16 +1049,55 @@
             <p:ph type="sldImg"/>
           </p:nvPr>
         </p:nvSpPr>
+        <p:spPr>
+          <a:xfrm>
+            <a:off x="1371600" y="1143000"/>
+            <a:ext cx="4114800" cy="3086100"/>
+          </a:xfrm>
+        </p:spPr>
+      </p:sp>
+      <p:sp>
+        <p:nvSpPr>
+          <p:cNvPr id="3" name="Notes Placeholder 2"/>
+          <p:cNvSpPr>
+            <a:spLocks noGrp="1"/>
+          </p:cNvSpPr>
+          <p:nvPr>
+            <p:ph type="body" idx="1"/>
+          </p:nvPr>
+        </p:nvSpPr>
         <p:spPr/>
-      </p:sp>
-      <p:sp>
-        <p:nvSpPr>
-          <p:cNvPr id="3" name="Notes Placeholder 2"/>
-          <p:cNvSpPr>
-            <a:spLocks noGrp="1"/>
-          </p:cNvSpPr>
-          <p:nvPr>
-            <p:ph type="body" idx="1"/>
+        <p:txBody>
+          <a:bodyPr/>
+          <a:lstStyle/>
+          <a:p>
+            <a:pPr rtl="0"/>
+            <a:r>
+              <a:rPr lang="en-US" sz="1200" b="0" i="0" u="none" strike="noStrike" kern="1200" dirty="0">
+                <a:solidFill>
+                  <a:schemeClr val="tx1"/>
+                </a:solidFill>
+                <a:effectLst/>
+                <a:latin typeface="+mn-lt"/>
+                <a:ea typeface="+mn-ea"/>
+                <a:cs typeface="+mn-cs"/>
+              </a:rPr>
+              <a:t>Every decision has consequences, for good or ill. Record them here. Again, pay attention to the language used; these aren't value judgements, they are statements of fact, or as close as you can get.</a:t>
+            </a:r>
+            <a:endParaRPr lang="en-US" b="0" dirty="0">
+              <a:effectLst/>
+            </a:endParaRPr>
+          </a:p>
+        </p:txBody>
+      </p:sp>
+      <p:sp>
+        <p:nvSpPr>
+          <p:cNvPr id="4" name="Slide Number Placeholder 3"/>
+          <p:cNvSpPr>
+            <a:spLocks noGrp="1"/>
+          </p:cNvSpPr>
+          <p:nvPr>
+            <p:ph type="sldNum" sz="quarter" idx="10"/>
           </p:nvPr>
         </p:nvSpPr>
         <p:spPr/>
@@ -944,43 +1105,7 @@
           <a:bodyPr/>
           <a:lstStyle/>
           <a:p>
-            <a:r>
-              <a:rPr lang="en-US" dirty="0"/>
-              <a:t>If you are using a PR/MR workflow for the project, you can leverage that for ADRs too!</a:t>
-            </a:r>
-          </a:p>
-          <a:p>
-            <a:r>
-              <a:rPr lang="en-US" dirty="0"/>
-              <a:t>Architectural decisions can be proposed via a Pull Request, and any discussion related to what goes into the ADR itself is captured as part of the repo in </a:t>
-            </a:r>
-            <a:r>
-              <a:rPr lang="en-US" dirty="0" err="1"/>
-              <a:t>Github</a:t>
-            </a:r>
-            <a:r>
-              <a:rPr lang="en-US" dirty="0"/>
-              <a:t>/Gitlab/etc.</a:t>
-            </a:r>
-          </a:p>
-        </p:txBody>
-      </p:sp>
-      <p:sp>
-        <p:nvSpPr>
-          <p:cNvPr id="4" name="Slide Number Placeholder 3"/>
-          <p:cNvSpPr>
-            <a:spLocks noGrp="1"/>
-          </p:cNvSpPr>
-          <p:nvPr>
-            <p:ph type="sldNum" sz="quarter" idx="5"/>
-          </p:nvPr>
-        </p:nvSpPr>
-        <p:spPr/>
-        <p:txBody>
-          <a:bodyPr/>
-          <a:lstStyle/>
-          <a:p>
-            <a:fld id="{E42DF656-43DD-C647-8193-729F56EE6E13}" type="slidenum">
+            <a:fld id="{096F4AFB-61BD-1340-90B6-0FECED04B0A2}" type="slidenum">
               <a:rPr lang="en-US" smtClean="0"/>
               <a:t>13</a:t>
             </a:fld>
@@ -991,7 +1116,7 @@
     </p:spTree>
     <p:extLst>
       <p:ext uri="{BB962C8B-B14F-4D97-AF65-F5344CB8AC3E}">
-        <p14:creationId xmlns:p14="http://schemas.microsoft.com/office/powerpoint/2010/main" val="2275036796"/>
+        <p14:creationId xmlns:p14="http://schemas.microsoft.com/office/powerpoint/2010/main" val="2214453304"/>
       </p:ext>
     </p:extLst>
   </p:cSld>
@@ -1028,47 +1153,45 @@
             <p:ph type="sldImg"/>
           </p:nvPr>
         </p:nvSpPr>
+        <p:spPr>
+          <a:xfrm>
+            <a:off x="1371600" y="1143000"/>
+            <a:ext cx="4114800" cy="3086100"/>
+          </a:xfrm>
+        </p:spPr>
+      </p:sp>
+      <p:sp>
+        <p:nvSpPr>
+          <p:cNvPr id="3" name="Notes Placeholder 2"/>
+          <p:cNvSpPr>
+            <a:spLocks noGrp="1"/>
+          </p:cNvSpPr>
+          <p:nvPr>
+            <p:ph type="body" idx="1"/>
+          </p:nvPr>
+        </p:nvSpPr>
         <p:spPr/>
-      </p:sp>
-      <p:sp>
-        <p:nvSpPr>
-          <p:cNvPr id="3" name="Notes Placeholder 2"/>
-          <p:cNvSpPr>
-            <a:spLocks noGrp="1"/>
-          </p:cNvSpPr>
-          <p:nvPr>
-            <p:ph type="body" idx="1"/>
-          </p:nvPr>
-        </p:nvSpPr>
-        <p:spPr/>
         <p:txBody>
           <a:bodyPr/>
           <a:lstStyle/>
           <a:p>
             <a:r>
               <a:rPr lang="en-US" dirty="0"/>
-              <a:t>Don't sweat the details — if you’re not sure if you should create an ADR, create one. You’ll learn to start to know it when you see it. Until then, if you even think you might need one, make one!</a:t>
-            </a:r>
-          </a:p>
-          <a:p>
-            <a:endParaRPr lang="en-US" dirty="0"/>
+              <a:t>If you are using a PR/MR workflow for the project, you can leverage that for ADRs too!</a:t>
+            </a:r>
           </a:p>
           <a:p>
             <a:r>
               <a:rPr lang="en-US" dirty="0"/>
-              <a:t>* Can be as simple as choice of IDE (eclipse vs. IntelliJ)</a:t>
-            </a:r>
-          </a:p>
-          <a:p>
+              <a:t>Architectural decisions can be proposed via a Pull Request, and any discussion related to what goes into the ADR itself is captured as part of the repo in </a:t>
+            </a:r>
+            <a:r>
+              <a:rPr lang="en-US" dirty="0" err="1"/>
+              <a:t>Github</a:t>
+            </a:r>
             <a:r>
               <a:rPr lang="en-US" dirty="0"/>
-              <a:t>* Or as complex as documenting a spike done to validate an architectural approach</a:t>
-            </a:r>
-          </a:p>
-          <a:p>
-            <a:r>
-              <a:rPr lang="en-US" dirty="0"/>
-              <a:t>* Can also document feature decisions: Infinite scroll vs. pagination</a:t>
+              <a:t>/Gitlab/etc.</a:t>
             </a:r>
           </a:p>
         </p:txBody>
@@ -1099,7 +1222,7 @@
     </p:spTree>
     <p:extLst>
       <p:ext uri="{BB962C8B-B14F-4D97-AF65-F5344CB8AC3E}">
-        <p14:creationId xmlns:p14="http://schemas.microsoft.com/office/powerpoint/2010/main" val="421649427"/>
+        <p14:creationId xmlns:p14="http://schemas.microsoft.com/office/powerpoint/2010/main" val="2275036796"/>
       </p:ext>
     </p:extLst>
   </p:cSld>
@@ -1138,8 +1261,8 @@
         </p:nvSpPr>
         <p:spPr>
           <a:xfrm>
-            <a:off x="685800" y="1143000"/>
-            <a:ext cx="5486400" cy="3086100"/>
+            <a:off x="1371600" y="1143000"/>
+            <a:ext cx="4114800" cy="3086100"/>
           </a:xfrm>
         </p:spPr>
       </p:sp>
@@ -1158,246 +1281,31 @@
           <a:bodyPr/>
           <a:lstStyle/>
           <a:p>
-            <a:pPr rtl="0"/>
-            <a:r>
-              <a:rPr lang="en-US" sz="1200" b="0" i="0" u="none" strike="noStrike" kern="1200" dirty="0">
-                <a:solidFill>
-                  <a:schemeClr val="tx1"/>
-                </a:solidFill>
-                <a:effectLst/>
-                <a:latin typeface="+mn-lt"/>
-                <a:ea typeface="+mn-ea"/>
-                <a:cs typeface="+mn-cs"/>
-              </a:rPr>
-              <a:t>We also used ADRs to document and socialize Technical Architecture decisions. Sure, there are lots of ways that companies can do this, lots of systems to capture these kinds of things. But using the tools that most of the technology team was *already* using (i.e. text editors, source control, </a:t>
-            </a:r>
-            <a:r>
-              <a:rPr lang="en-US" sz="1200" b="0" i="0" u="none" strike="noStrike" kern="1200" dirty="0" err="1">
-                <a:solidFill>
-                  <a:schemeClr val="tx1"/>
-                </a:solidFill>
-                <a:effectLst/>
-                <a:latin typeface="+mn-lt"/>
-                <a:ea typeface="+mn-ea"/>
-                <a:cs typeface="+mn-cs"/>
-              </a:rPr>
-              <a:t>github</a:t>
-            </a:r>
-            <a:r>
-              <a:rPr lang="en-US" sz="1200" b="0" i="0" u="none" strike="noStrike" kern="1200" dirty="0">
-                <a:solidFill>
-                  <a:schemeClr val="tx1"/>
-                </a:solidFill>
-                <a:effectLst/>
-                <a:latin typeface="+mn-lt"/>
-                <a:ea typeface="+mn-ea"/>
-                <a:cs typeface="+mn-cs"/>
-              </a:rPr>
-              <a:t>), we exposed the decisions in a way that we hadn’t seen before. In this context, the ADRs were things like:</a:t>
-            </a:r>
-            <a:endParaRPr lang="en-US" b="0" dirty="0">
-              <a:effectLst/>
-            </a:endParaRPr>
-          </a:p>
-          <a:p>
-            <a:pPr marL="171450" indent="-171450" rtl="0">
-              <a:buFont typeface="Arial" panose="020B0604020202020204" pitchFamily="34" charset="0"/>
-              <a:buChar char="•"/>
-            </a:pPr>
-            <a:r>
-              <a:rPr lang="en-US" sz="1200" b="0" i="0" u="none" strike="noStrike" kern="1200" dirty="0">
-                <a:solidFill>
-                  <a:schemeClr val="tx1"/>
-                </a:solidFill>
-                <a:effectLst/>
-                <a:latin typeface="+mn-lt"/>
-                <a:ea typeface="+mn-ea"/>
-                <a:cs typeface="+mn-cs"/>
-              </a:rPr>
-              <a:t>"Git for version control"</a:t>
-            </a:r>
-            <a:endParaRPr lang="en-US" b="0" dirty="0">
-              <a:effectLst/>
-            </a:endParaRPr>
-          </a:p>
-          <a:p>
-            <a:pPr marL="171450" indent="-171450" rtl="0">
-              <a:buFont typeface="Arial" panose="020B0604020202020204" pitchFamily="34" charset="0"/>
-              <a:buChar char="•"/>
-            </a:pPr>
-            <a:r>
-              <a:rPr lang="en-US" sz="1200" b="0" i="0" u="none" strike="noStrike" kern="1200" dirty="0">
-                <a:solidFill>
-                  <a:schemeClr val="tx1"/>
-                </a:solidFill>
-                <a:effectLst/>
-                <a:latin typeface="+mn-lt"/>
-                <a:ea typeface="+mn-ea"/>
-                <a:cs typeface="+mn-cs"/>
-              </a:rPr>
-              <a:t>"Code commit formatting"</a:t>
-            </a:r>
-            <a:endParaRPr lang="en-US" b="0" dirty="0">
-              <a:effectLst/>
-            </a:endParaRPr>
-          </a:p>
-          <a:p>
-            <a:pPr marL="171450" indent="-171450" rtl="0">
-              <a:buFont typeface="Arial" panose="020B0604020202020204" pitchFamily="34" charset="0"/>
-              <a:buChar char="•"/>
-            </a:pPr>
-            <a:r>
-              <a:rPr lang="en-US" sz="1200" b="0" i="0" u="none" strike="noStrike" kern="1200" dirty="0">
-                <a:solidFill>
-                  <a:schemeClr val="tx1"/>
-                </a:solidFill>
-                <a:effectLst/>
-                <a:latin typeface="+mn-lt"/>
-                <a:ea typeface="+mn-ea"/>
-                <a:cs typeface="+mn-cs"/>
-              </a:rPr>
-              <a:t>"Docker for deployments"</a:t>
-            </a:r>
-            <a:endParaRPr lang="en-US" b="0" dirty="0">
-              <a:effectLst/>
-            </a:endParaRPr>
-          </a:p>
-          <a:p>
-            <a:pPr marL="171450" indent="-171450" rtl="0">
-              <a:buFont typeface="Arial" panose="020B0604020202020204" pitchFamily="34" charset="0"/>
-              <a:buChar char="•"/>
-            </a:pPr>
-            <a:r>
-              <a:rPr lang="en-US" sz="1200" b="0" i="0" u="none" strike="noStrike" kern="1200" dirty="0">
-                <a:solidFill>
-                  <a:schemeClr val="tx1"/>
-                </a:solidFill>
-                <a:effectLst/>
-                <a:latin typeface="+mn-lt"/>
-                <a:ea typeface="+mn-ea"/>
-                <a:cs typeface="+mn-cs"/>
-              </a:rPr>
-              <a:t>"Ansible for orchestration"</a:t>
-            </a:r>
-            <a:endParaRPr lang="en-US" b="0" dirty="0">
-              <a:effectLst/>
-            </a:endParaRPr>
-          </a:p>
-          <a:p>
-            <a:pPr marL="171450" indent="-171450" rtl="0">
-              <a:buFont typeface="Arial" panose="020B0604020202020204" pitchFamily="34" charset="0"/>
-              <a:buChar char="•"/>
-            </a:pPr>
-            <a:r>
-              <a:rPr lang="en-US" sz="1200" b="0" i="0" u="none" strike="noStrike" kern="1200" dirty="0">
-                <a:solidFill>
-                  <a:schemeClr val="tx1"/>
-                </a:solidFill>
-                <a:effectLst/>
-                <a:latin typeface="+mn-lt"/>
-                <a:ea typeface="+mn-ea"/>
-                <a:cs typeface="+mn-cs"/>
-              </a:rPr>
-              <a:t>"Vault for secret management"</a:t>
-            </a:r>
-            <a:endParaRPr lang="en-US" b="0" dirty="0">
-              <a:effectLst/>
-            </a:endParaRPr>
-          </a:p>
-          <a:p>
-            <a:pPr rtl="0"/>
-            <a:br>
-              <a:rPr lang="en-US" b="0" dirty="0">
-                <a:effectLst/>
-              </a:rPr>
-            </a:br>
-            <a:r>
-              <a:rPr lang="en-US" sz="1200" b="0" i="0" u="none" strike="noStrike" kern="1200" dirty="0">
-                <a:solidFill>
-                  <a:schemeClr val="tx1"/>
-                </a:solidFill>
-                <a:effectLst/>
-                <a:latin typeface="+mn-lt"/>
-                <a:ea typeface="+mn-ea"/>
-                <a:cs typeface="+mn-cs"/>
-              </a:rPr>
-              <a:t>These were kept in a special repo on </a:t>
-            </a:r>
-            <a:r>
-              <a:rPr lang="en-US" sz="1200" b="0" i="0" u="none" strike="noStrike" kern="1200" dirty="0" err="1">
-                <a:solidFill>
-                  <a:schemeClr val="tx1"/>
-                </a:solidFill>
-                <a:effectLst/>
-                <a:latin typeface="+mn-lt"/>
-                <a:ea typeface="+mn-ea"/>
-                <a:cs typeface="+mn-cs"/>
-              </a:rPr>
-              <a:t>github</a:t>
-            </a:r>
-            <a:r>
-              <a:rPr lang="en-US" sz="1200" b="0" i="0" u="none" strike="noStrike" kern="1200" dirty="0">
-                <a:solidFill>
-                  <a:schemeClr val="tx1"/>
-                </a:solidFill>
-                <a:effectLst/>
-                <a:latin typeface="+mn-lt"/>
-                <a:ea typeface="+mn-ea"/>
-                <a:cs typeface="+mn-cs"/>
-              </a:rPr>
-              <a:t> that existed just for Technical Architecture ADRs. Other stuff, like architectural diagrams were also stored there [</a:t>
-            </a:r>
-            <a:r>
-              <a:rPr lang="en-US" sz="1200" b="0" i="0" u="none" strike="noStrike" kern="1200" dirty="0" err="1">
-                <a:solidFill>
-                  <a:schemeClr val="tx1"/>
-                </a:solidFill>
-                <a:effectLst/>
-                <a:latin typeface="+mn-lt"/>
-                <a:ea typeface="+mn-ea"/>
-                <a:cs typeface="+mn-cs"/>
-              </a:rPr>
-              <a:t>PlantUML</a:t>
-            </a:r>
-            <a:r>
-              <a:rPr lang="en-US" sz="1200" b="0" i="0" u="none" strike="noStrike" kern="1200" dirty="0">
-                <a:solidFill>
-                  <a:schemeClr val="tx1"/>
-                </a:solidFill>
-                <a:effectLst/>
-                <a:latin typeface="+mn-lt"/>
-                <a:ea typeface="+mn-ea"/>
-                <a:cs typeface="+mn-cs"/>
-              </a:rPr>
-              <a:t>](http://</a:t>
-            </a:r>
-            <a:r>
-              <a:rPr lang="en-US" sz="1200" b="0" i="0" u="none" strike="noStrike" kern="1200" dirty="0" err="1">
-                <a:solidFill>
-                  <a:schemeClr val="tx1"/>
-                </a:solidFill>
-                <a:effectLst/>
-                <a:latin typeface="+mn-lt"/>
-                <a:ea typeface="+mn-ea"/>
-                <a:cs typeface="+mn-cs"/>
-              </a:rPr>
-              <a:t>plantuml.com</a:t>
-            </a:r>
-            <a:r>
-              <a:rPr lang="en-US" sz="1200" b="0" i="0" u="none" strike="noStrike" kern="1200" dirty="0">
-                <a:solidFill>
-                  <a:schemeClr val="tx1"/>
-                </a:solidFill>
-                <a:effectLst/>
-                <a:latin typeface="+mn-lt"/>
-                <a:ea typeface="+mn-ea"/>
-                <a:cs typeface="+mn-cs"/>
-              </a:rPr>
-              <a:t>/) is a good tool for text-based architecture diagrams.</a:t>
-            </a:r>
-            <a:endParaRPr lang="en-US" b="0" dirty="0">
-              <a:effectLst/>
-            </a:endParaRPr>
+            <a:r>
+              <a:rPr lang="en-US" dirty="0"/>
+              <a:t>Don't sweat the details — if you’re not sure if you should create an ADR, create one. You’ll learn to start to know it when you see it. Until then, if you even think you might need one, make one!</a:t>
+            </a:r>
+          </a:p>
+          <a:p>
+            <a:endParaRPr lang="en-US" dirty="0"/>
+          </a:p>
+          <a:p>
+            <a:r>
+              <a:rPr lang="en-US" dirty="0"/>
+              <a:t>* Can be as simple as choice of IDE (eclipse vs. IntelliJ)</a:t>
+            </a:r>
+          </a:p>
+          <a:p>
+            <a:r>
+              <a:rPr lang="en-US" dirty="0"/>
+              <a:t>* Or as complex as documenting a spike done to validate an architectural approach</a:t>
+            </a:r>
+          </a:p>
+          <a:p>
+            <a:r>
+              <a:rPr lang="en-US" dirty="0"/>
+              <a:t>* Can also document feature decisions: Infinite scroll vs. pagination</a:t>
+            </a:r>
           </a:p>
         </p:txBody>
       </p:sp>
@@ -1408,7 +1316,7 @@
             <a:spLocks noGrp="1"/>
           </p:cNvSpPr>
           <p:nvPr>
-            <p:ph type="sldNum" sz="quarter" idx="10"/>
+            <p:ph type="sldNum" sz="quarter" idx="5"/>
           </p:nvPr>
         </p:nvSpPr>
         <p:spPr/>
@@ -1416,7 +1324,7 @@
           <a:bodyPr/>
           <a:lstStyle/>
           <a:p>
-            <a:fld id="{096F4AFB-61BD-1340-90B6-0FECED04B0A2}" type="slidenum">
+            <a:fld id="{E42DF656-43DD-C647-8193-729F56EE6E13}" type="slidenum">
               <a:rPr lang="en-US" smtClean="0"/>
               <a:t>15</a:t>
             </a:fld>
@@ -1427,7 +1335,7 @@
     </p:spTree>
     <p:extLst>
       <p:ext uri="{BB962C8B-B14F-4D97-AF65-F5344CB8AC3E}">
-        <p14:creationId xmlns:p14="http://schemas.microsoft.com/office/powerpoint/2010/main" val="1951235224"/>
+        <p14:creationId xmlns:p14="http://schemas.microsoft.com/office/powerpoint/2010/main" val="421649427"/>
       </p:ext>
     </p:extLst>
   </p:cSld>
@@ -1464,16 +1372,237 @@
             <p:ph type="sldImg"/>
           </p:nvPr>
         </p:nvSpPr>
+        <p:spPr>
+          <a:xfrm>
+            <a:off x="1371600" y="1143000"/>
+            <a:ext cx="4114800" cy="3086100"/>
+          </a:xfrm>
+        </p:spPr>
+      </p:sp>
+      <p:sp>
+        <p:nvSpPr>
+          <p:cNvPr id="3" name="Notes Placeholder 2"/>
+          <p:cNvSpPr>
+            <a:spLocks noGrp="1"/>
+          </p:cNvSpPr>
+          <p:nvPr>
+            <p:ph type="body" idx="1"/>
+          </p:nvPr>
+        </p:nvSpPr>
         <p:spPr/>
-      </p:sp>
-      <p:sp>
-        <p:nvSpPr>
-          <p:cNvPr id="3" name="Notes Placeholder 2"/>
-          <p:cNvSpPr>
-            <a:spLocks noGrp="1"/>
-          </p:cNvSpPr>
-          <p:nvPr>
-            <p:ph type="body" idx="1"/>
+        <p:txBody>
+          <a:bodyPr/>
+          <a:lstStyle/>
+          <a:p>
+            <a:pPr rtl="0"/>
+            <a:r>
+              <a:rPr lang="en-US" sz="1200" b="0" i="0" u="none" strike="noStrike" kern="1200" dirty="0">
+                <a:solidFill>
+                  <a:schemeClr val="tx1"/>
+                </a:solidFill>
+                <a:effectLst/>
+                <a:latin typeface="+mn-lt"/>
+                <a:ea typeface="+mn-ea"/>
+                <a:cs typeface="+mn-cs"/>
+              </a:rPr>
+              <a:t>We also used ADRs to document and socialize Technical Architecture decisions. Sure, there are lots of ways that companies can do this, lots of systems to capture these kinds of things. But using the tools that most of the technology team was *already* using (i.e. text editors, source control, </a:t>
+            </a:r>
+            <a:r>
+              <a:rPr lang="en-US" sz="1200" b="0" i="0" u="none" strike="noStrike" kern="1200" dirty="0" err="1">
+                <a:solidFill>
+                  <a:schemeClr val="tx1"/>
+                </a:solidFill>
+                <a:effectLst/>
+                <a:latin typeface="+mn-lt"/>
+                <a:ea typeface="+mn-ea"/>
+                <a:cs typeface="+mn-cs"/>
+              </a:rPr>
+              <a:t>github</a:t>
+            </a:r>
+            <a:r>
+              <a:rPr lang="en-US" sz="1200" b="0" i="0" u="none" strike="noStrike" kern="1200" dirty="0">
+                <a:solidFill>
+                  <a:schemeClr val="tx1"/>
+                </a:solidFill>
+                <a:effectLst/>
+                <a:latin typeface="+mn-lt"/>
+                <a:ea typeface="+mn-ea"/>
+                <a:cs typeface="+mn-cs"/>
+              </a:rPr>
+              <a:t>), we exposed the decisions in a way that we hadn’t seen before. In this context, the ADRs were things like:</a:t>
+            </a:r>
+            <a:endParaRPr lang="en-US" b="0" dirty="0">
+              <a:effectLst/>
+            </a:endParaRPr>
+          </a:p>
+          <a:p>
+            <a:pPr marL="171450" indent="-171450" rtl="0">
+              <a:buFont typeface="Arial" panose="020B0604020202020204" pitchFamily="34" charset="0"/>
+              <a:buChar char="•"/>
+            </a:pPr>
+            <a:r>
+              <a:rPr lang="en-US" sz="1200" b="0" i="0" u="none" strike="noStrike" kern="1200" dirty="0">
+                <a:solidFill>
+                  <a:schemeClr val="tx1"/>
+                </a:solidFill>
+                <a:effectLst/>
+                <a:latin typeface="+mn-lt"/>
+                <a:ea typeface="+mn-ea"/>
+                <a:cs typeface="+mn-cs"/>
+              </a:rPr>
+              <a:t>"Git for version control"</a:t>
+            </a:r>
+            <a:endParaRPr lang="en-US" b="0" dirty="0">
+              <a:effectLst/>
+            </a:endParaRPr>
+          </a:p>
+          <a:p>
+            <a:pPr marL="171450" indent="-171450" rtl="0">
+              <a:buFont typeface="Arial" panose="020B0604020202020204" pitchFamily="34" charset="0"/>
+              <a:buChar char="•"/>
+            </a:pPr>
+            <a:r>
+              <a:rPr lang="en-US" sz="1200" b="0" i="0" u="none" strike="noStrike" kern="1200" dirty="0">
+                <a:solidFill>
+                  <a:schemeClr val="tx1"/>
+                </a:solidFill>
+                <a:effectLst/>
+                <a:latin typeface="+mn-lt"/>
+                <a:ea typeface="+mn-ea"/>
+                <a:cs typeface="+mn-cs"/>
+              </a:rPr>
+              <a:t>"Code commit formatting"</a:t>
+            </a:r>
+            <a:endParaRPr lang="en-US" b="0" dirty="0">
+              <a:effectLst/>
+            </a:endParaRPr>
+          </a:p>
+          <a:p>
+            <a:pPr marL="171450" indent="-171450" rtl="0">
+              <a:buFont typeface="Arial" panose="020B0604020202020204" pitchFamily="34" charset="0"/>
+              <a:buChar char="•"/>
+            </a:pPr>
+            <a:r>
+              <a:rPr lang="en-US" sz="1200" b="0" i="0" u="none" strike="noStrike" kern="1200" dirty="0">
+                <a:solidFill>
+                  <a:schemeClr val="tx1"/>
+                </a:solidFill>
+                <a:effectLst/>
+                <a:latin typeface="+mn-lt"/>
+                <a:ea typeface="+mn-ea"/>
+                <a:cs typeface="+mn-cs"/>
+              </a:rPr>
+              <a:t>"Docker for deployments"</a:t>
+            </a:r>
+            <a:endParaRPr lang="en-US" b="0" dirty="0">
+              <a:effectLst/>
+            </a:endParaRPr>
+          </a:p>
+          <a:p>
+            <a:pPr rtl="0"/>
+            <a:br>
+              <a:rPr lang="en-US" b="0" dirty="0">
+                <a:effectLst/>
+              </a:rPr>
+            </a:br>
+            <a:r>
+              <a:rPr lang="en-US" sz="1200" b="0" i="0" u="none" strike="noStrike" kern="1200" dirty="0">
+                <a:solidFill>
+                  <a:schemeClr val="tx1"/>
+                </a:solidFill>
+                <a:effectLst/>
+                <a:latin typeface="+mn-lt"/>
+                <a:ea typeface="+mn-ea"/>
+                <a:cs typeface="+mn-cs"/>
+              </a:rPr>
+              <a:t>These were kept in a special repo on </a:t>
+            </a:r>
+            <a:r>
+              <a:rPr lang="en-US" sz="1200" b="0" i="0" u="none" strike="noStrike" kern="1200" dirty="0" err="1">
+                <a:solidFill>
+                  <a:schemeClr val="tx1"/>
+                </a:solidFill>
+                <a:effectLst/>
+                <a:latin typeface="+mn-lt"/>
+                <a:ea typeface="+mn-ea"/>
+                <a:cs typeface="+mn-cs"/>
+              </a:rPr>
+              <a:t>github</a:t>
+            </a:r>
+            <a:r>
+              <a:rPr lang="en-US" sz="1200" b="0" i="0" u="none" strike="noStrike" kern="1200" dirty="0">
+                <a:solidFill>
+                  <a:schemeClr val="tx1"/>
+                </a:solidFill>
+                <a:effectLst/>
+                <a:latin typeface="+mn-lt"/>
+                <a:ea typeface="+mn-ea"/>
+                <a:cs typeface="+mn-cs"/>
+              </a:rPr>
+              <a:t> that existed just for Technical Architecture ADRs. Other stuff, like architectural diagrams were also stored there [</a:t>
+            </a:r>
+            <a:r>
+              <a:rPr lang="en-US" sz="1200" b="0" i="0" u="none" strike="noStrike" kern="1200" dirty="0" err="1">
+                <a:solidFill>
+                  <a:schemeClr val="tx1"/>
+                </a:solidFill>
+                <a:effectLst/>
+                <a:latin typeface="+mn-lt"/>
+                <a:ea typeface="+mn-ea"/>
+                <a:cs typeface="+mn-cs"/>
+              </a:rPr>
+              <a:t>PlantUML</a:t>
+            </a:r>
+            <a:r>
+              <a:rPr lang="en-US" sz="1200" b="0" i="0" u="none" strike="noStrike" kern="1200" dirty="0">
+                <a:solidFill>
+                  <a:schemeClr val="tx1"/>
+                </a:solidFill>
+                <a:effectLst/>
+                <a:latin typeface="+mn-lt"/>
+                <a:ea typeface="+mn-ea"/>
+                <a:cs typeface="+mn-cs"/>
+              </a:rPr>
+              <a:t>](http://</a:t>
+            </a:r>
+            <a:r>
+              <a:rPr lang="en-US" sz="1200" b="0" i="0" u="none" strike="noStrike" kern="1200" dirty="0" err="1">
+                <a:solidFill>
+                  <a:schemeClr val="tx1"/>
+                </a:solidFill>
+                <a:effectLst/>
+                <a:latin typeface="+mn-lt"/>
+                <a:ea typeface="+mn-ea"/>
+                <a:cs typeface="+mn-cs"/>
+              </a:rPr>
+              <a:t>plantuml.com</a:t>
+            </a:r>
+            <a:r>
+              <a:rPr lang="en-US" sz="1200" b="0" i="0" u="none" strike="noStrike" kern="1200" dirty="0">
+                <a:solidFill>
+                  <a:schemeClr val="tx1"/>
+                </a:solidFill>
+                <a:effectLst/>
+                <a:latin typeface="+mn-lt"/>
+                <a:ea typeface="+mn-ea"/>
+                <a:cs typeface="+mn-cs"/>
+              </a:rPr>
+              <a:t>/) is a good tool for text-based architecture diagrams.</a:t>
+            </a:r>
+            <a:endParaRPr lang="en-US" b="0" dirty="0">
+              <a:effectLst/>
+            </a:endParaRPr>
+          </a:p>
+        </p:txBody>
+      </p:sp>
+      <p:sp>
+        <p:nvSpPr>
+          <p:cNvPr id="4" name="Slide Number Placeholder 3"/>
+          <p:cNvSpPr>
+            <a:spLocks noGrp="1"/>
+          </p:cNvSpPr>
+          <p:nvPr>
+            <p:ph type="sldNum" sz="quarter" idx="10"/>
           </p:nvPr>
         </p:nvSpPr>
         <p:spPr/>
@@ -1481,47 +1610,7 @@
           <a:bodyPr/>
           <a:lstStyle/>
           <a:p>
-            <a:r>
-              <a:rPr lang="en-US" dirty="0"/>
-              <a:t>What about wikis?</a:t>
-            </a:r>
-          </a:p>
-          <a:p>
-            <a:r>
-              <a:rPr lang="en-US" dirty="0"/>
-              <a:t>Lots of people use wikis to try to document these types of decisions, which is better than nothing</a:t>
-            </a:r>
-          </a:p>
-          <a:p>
-            <a:r>
-              <a:rPr lang="en-US" dirty="0"/>
-              <a:t>But, there is a disconnect (usually) between the code and the wiki, and in most places, wikis are where documents go to die</a:t>
-            </a:r>
-          </a:p>
-          <a:p>
-            <a:r>
-              <a:rPr lang="en-US" dirty="0"/>
-              <a:t>That being said, well maintained wikis can be great, and ADRs can exist on wikis (but I wouldn’t recommend it)</a:t>
-            </a:r>
-          </a:p>
-        </p:txBody>
-      </p:sp>
-      <p:sp>
-        <p:nvSpPr>
-          <p:cNvPr id="4" name="Slide Number Placeholder 3"/>
-          <p:cNvSpPr>
-            <a:spLocks noGrp="1"/>
-          </p:cNvSpPr>
-          <p:nvPr>
-            <p:ph type="sldNum" sz="quarter" idx="5"/>
-          </p:nvPr>
-        </p:nvSpPr>
-        <p:spPr/>
-        <p:txBody>
-          <a:bodyPr/>
-          <a:lstStyle/>
-          <a:p>
-            <a:fld id="{E42DF656-43DD-C647-8193-729F56EE6E13}" type="slidenum">
+            <a:fld id="{096F4AFB-61BD-1340-90B6-0FECED04B0A2}" type="slidenum">
               <a:rPr lang="en-US" smtClean="0"/>
               <a:t>16</a:t>
             </a:fld>
@@ -1532,7 +1621,7 @@
     </p:spTree>
     <p:extLst>
       <p:ext uri="{BB962C8B-B14F-4D97-AF65-F5344CB8AC3E}">
-        <p14:creationId xmlns:p14="http://schemas.microsoft.com/office/powerpoint/2010/main" val="1056821985"/>
+        <p14:creationId xmlns:p14="http://schemas.microsoft.com/office/powerpoint/2010/main" val="1951235224"/>
       </p:ext>
     </p:extLst>
   </p:cSld>
@@ -1569,7 +1658,122 @@
             <p:ph type="sldImg"/>
           </p:nvPr>
         </p:nvSpPr>
+        <p:spPr>
+          <a:xfrm>
+            <a:off x="1371600" y="1143000"/>
+            <a:ext cx="4114800" cy="3086100"/>
+          </a:xfrm>
+        </p:spPr>
+      </p:sp>
+      <p:sp>
+        <p:nvSpPr>
+          <p:cNvPr id="3" name="Notes Placeholder 2"/>
+          <p:cNvSpPr>
+            <a:spLocks noGrp="1"/>
+          </p:cNvSpPr>
+          <p:nvPr>
+            <p:ph type="body" idx="1"/>
+          </p:nvPr>
+        </p:nvSpPr>
         <p:spPr/>
+        <p:txBody>
+          <a:bodyPr/>
+          <a:lstStyle/>
+          <a:p>
+            <a:r>
+              <a:rPr lang="en-US" dirty="0"/>
+              <a:t>What about wikis, where documentation goes to die?</a:t>
+            </a:r>
+          </a:p>
+          <a:p>
+            <a:endParaRPr lang="en-US" dirty="0"/>
+          </a:p>
+          <a:p>
+            <a:r>
+              <a:rPr lang="en-US" dirty="0"/>
+              <a:t>Lots of people use wikis to try to document these types of decisions, which is better than nothing</a:t>
+            </a:r>
+          </a:p>
+          <a:p>
+            <a:endParaRPr lang="en-US" dirty="0"/>
+          </a:p>
+          <a:p>
+            <a:r>
+              <a:rPr lang="en-US" dirty="0"/>
+              <a:t>But, there is a disconnect (usually) between the code and the wiki, and keeping the decisions next to the code increases the odds of it being updated</a:t>
+            </a:r>
+          </a:p>
+        </p:txBody>
+      </p:sp>
+      <p:sp>
+        <p:nvSpPr>
+          <p:cNvPr id="4" name="Slide Number Placeholder 3"/>
+          <p:cNvSpPr>
+            <a:spLocks noGrp="1"/>
+          </p:cNvSpPr>
+          <p:nvPr>
+            <p:ph type="sldNum" sz="quarter" idx="5"/>
+          </p:nvPr>
+        </p:nvSpPr>
+        <p:spPr/>
+        <p:txBody>
+          <a:bodyPr/>
+          <a:lstStyle/>
+          <a:p>
+            <a:fld id="{E42DF656-43DD-C647-8193-729F56EE6E13}" type="slidenum">
+              <a:rPr lang="en-US" smtClean="0"/>
+              <a:t>17</a:t>
+            </a:fld>
+            <a:endParaRPr lang="en-US"/>
+          </a:p>
+        </p:txBody>
+      </p:sp>
+    </p:spTree>
+    <p:extLst>
+      <p:ext uri="{BB962C8B-B14F-4D97-AF65-F5344CB8AC3E}">
+        <p14:creationId xmlns:p14="http://schemas.microsoft.com/office/powerpoint/2010/main" val="1056821985"/>
+      </p:ext>
+    </p:extLst>
+  </p:cSld>
+  <p:clrMapOvr>
+    <a:masterClrMapping/>
+  </p:clrMapOvr>
+</p:notes>
+</file>
+
+<file path=ppt/notesSlides/notesSlide18.xml><?xml version="1.0" encoding="utf-8"?>
+<p:notes xmlns:a="http://schemas.openxmlformats.org/drawingml/2006/main" xmlns:r="http://schemas.openxmlformats.org/officeDocument/2006/relationships" xmlns:p="http://schemas.openxmlformats.org/presentationml/2006/main">
+  <p:cSld>
+    <p:spTree>
+      <p:nvGrpSpPr>
+        <p:cNvPr id="1" name=""/>
+        <p:cNvGrpSpPr/>
+        <p:nvPr/>
+      </p:nvGrpSpPr>
+      <p:grpSpPr>
+        <a:xfrm>
+          <a:off x="0" y="0"/>
+          <a:ext cx="0" cy="0"/>
+          <a:chOff x="0" y="0"/>
+          <a:chExt cx="0" cy="0"/>
+        </a:xfrm>
+      </p:grpSpPr>
+      <p:sp>
+        <p:nvSpPr>
+          <p:cNvPr id="2" name="Slide Image Placeholder 1"/>
+          <p:cNvSpPr>
+            <a:spLocks noGrp="1" noRot="1" noChangeAspect="1"/>
+          </p:cNvSpPr>
+          <p:nvPr>
+            <p:ph type="sldImg"/>
+          </p:nvPr>
+        </p:nvSpPr>
+        <p:spPr>
+          <a:xfrm>
+            <a:off x="1371600" y="1143000"/>
+            <a:ext cx="4114800" cy="3086100"/>
+          </a:xfrm>
+        </p:spPr>
       </p:sp>
       <p:sp>
         <p:nvSpPr>
@@ -1585,6 +1789,25 @@
         <p:txBody>
           <a:bodyPr/>
           <a:lstStyle/>
+          <a:p>
+            <a:pPr fontAlgn="base"/>
+            <a:r>
+              <a:rPr lang="en-US" i="0" dirty="0">
+                <a:solidFill>
+                  <a:schemeClr val="bg1"/>
+                </a:solidFill>
+              </a:rPr>
+              <a:t>I love this quote:</a:t>
+            </a:r>
+          </a:p>
+          <a:p>
+            <a:pPr fontAlgn="base"/>
+            <a:endParaRPr lang="en-US" i="1" dirty="0">
+              <a:solidFill>
+                <a:schemeClr val="bg1"/>
+              </a:solidFill>
+            </a:endParaRPr>
+          </a:p>
           <a:p>
             <a:pPr fontAlgn="base"/>
             <a:r>
@@ -1691,7 +1914,7 @@
           <a:p>
             <a:fld id="{E42DF656-43DD-C647-8193-729F56EE6E13}" type="slidenum">
               <a:rPr lang="en-US" smtClean="0"/>
-              <a:t>17</a:t>
+              <a:t>18</a:t>
             </a:fld>
             <a:endParaRPr lang="en-US"/>
           </a:p>
@@ -1701,148 +1924,6 @@
     <p:extLst>
       <p:ext uri="{BB962C8B-B14F-4D97-AF65-F5344CB8AC3E}">
         <p14:creationId xmlns:p14="http://schemas.microsoft.com/office/powerpoint/2010/main" val="1719158090"/>
-      </p:ext>
-    </p:extLst>
-  </p:cSld>
-  <p:clrMapOvr>
-    <a:masterClrMapping/>
-  </p:clrMapOvr>
-</p:notes>
-</file>
-
-<file path=ppt/notesSlides/notesSlide18.xml><?xml version="1.0" encoding="utf-8"?>
-<p:notes xmlns:a="http://schemas.openxmlformats.org/drawingml/2006/main" xmlns:r="http://schemas.openxmlformats.org/officeDocument/2006/relationships" xmlns:p="http://schemas.openxmlformats.org/presentationml/2006/main">
-  <p:cSld>
-    <p:spTree>
-      <p:nvGrpSpPr>
-        <p:cNvPr id="1" name=""/>
-        <p:cNvGrpSpPr/>
-        <p:nvPr/>
-      </p:nvGrpSpPr>
-      <p:grpSpPr>
-        <a:xfrm>
-          <a:off x="0" y="0"/>
-          <a:ext cx="0" cy="0"/>
-          <a:chOff x="0" y="0"/>
-          <a:chExt cx="0" cy="0"/>
-        </a:xfrm>
-      </p:grpSpPr>
-      <p:sp>
-        <p:nvSpPr>
-          <p:cNvPr id="2" name="Slide Image Placeholder 1"/>
-          <p:cNvSpPr>
-            <a:spLocks noGrp="1" noRot="1" noChangeAspect="1"/>
-          </p:cNvSpPr>
-          <p:nvPr>
-            <p:ph type="sldImg"/>
-          </p:nvPr>
-        </p:nvSpPr>
-        <p:spPr/>
-      </p:sp>
-      <p:sp>
-        <p:nvSpPr>
-          <p:cNvPr id="3" name="Notes Placeholder 2"/>
-          <p:cNvSpPr>
-            <a:spLocks noGrp="1"/>
-          </p:cNvSpPr>
-          <p:nvPr>
-            <p:ph type="body" idx="1"/>
-          </p:nvPr>
-        </p:nvSpPr>
-        <p:spPr/>
-        <p:txBody>
-          <a:bodyPr/>
-          <a:lstStyle/>
-          <a:p>
-            <a:pPr marL="171450" indent="-171450">
-              <a:buFontTx/>
-              <a:buChar char="-"/>
-            </a:pPr>
-            <a:endParaRPr lang="en-US" dirty="0"/>
-          </a:p>
-          <a:p>
-            <a:pPr marL="0" marR="0" lvl="0" indent="0" algn="l" defTabSz="914400" rtl="0" eaLnBrk="1" fontAlgn="auto" latinLnBrk="0" hangingPunct="1">
-              <a:lnSpc>
-                <a:spcPct val="100000"/>
-              </a:lnSpc>
-              <a:spcBef>
-                <a:spcPts val="0"/>
-              </a:spcBef>
-              <a:spcAft>
-                <a:spcPts val="0"/>
-              </a:spcAft>
-              <a:buClrTx/>
-              <a:buSzTx/>
-              <a:buFontTx/>
-              <a:buNone/>
-              <a:tabLst/>
-              <a:defRPr/>
-            </a:pPr>
-            <a:r>
-              <a:rPr lang="en-US" dirty="0"/>
-              <a:t>New people joining the team can better understand the thought processes that lead to current state</a:t>
-            </a:r>
-          </a:p>
-          <a:p>
-            <a:endParaRPr lang="en-US" dirty="0"/>
-          </a:p>
-          <a:p>
-            <a:r>
-              <a:rPr lang="en-US" dirty="0"/>
-              <a:t>Stops people from repeating the sins of the past</a:t>
-            </a:r>
-          </a:p>
-          <a:p>
-            <a:r>
-              <a:rPr lang="en-US" dirty="0"/>
-              <a:t>    How many times have we said "I swear we looked at that, but I don’t really remember”</a:t>
-            </a:r>
-          </a:p>
-          <a:p>
-            <a:endParaRPr lang="en-US" dirty="0"/>
-          </a:p>
-          <a:p>
-            <a:r>
-              <a:rPr lang="en-US" dirty="0"/>
-              <a:t>Informs current decision making processes - by looking at all of the decisions that were made in a project, one can get a sense for the types of decisions that are made, which in itself is informative and provides context</a:t>
-            </a:r>
-          </a:p>
-          <a:p>
-            <a:pPr marL="171450" indent="-171450">
-              <a:buFontTx/>
-              <a:buChar char="-"/>
-            </a:pPr>
-            <a:endParaRPr lang="en-US" dirty="0"/>
-          </a:p>
-        </p:txBody>
-      </p:sp>
-      <p:sp>
-        <p:nvSpPr>
-          <p:cNvPr id="4" name="Slide Number Placeholder 3"/>
-          <p:cNvSpPr>
-            <a:spLocks noGrp="1"/>
-          </p:cNvSpPr>
-          <p:nvPr>
-            <p:ph type="sldNum" sz="quarter" idx="5"/>
-          </p:nvPr>
-        </p:nvSpPr>
-        <p:spPr/>
-        <p:txBody>
-          <a:bodyPr/>
-          <a:lstStyle/>
-          <a:p>
-            <a:fld id="{E42DF656-43DD-C647-8193-729F56EE6E13}" type="slidenum">
-              <a:rPr lang="en-US" smtClean="0"/>
-              <a:t>18</a:t>
-            </a:fld>
-            <a:endParaRPr lang="en-US"/>
-          </a:p>
-        </p:txBody>
-      </p:sp>
-    </p:spTree>
-    <p:extLst>
-      <p:ext uri="{BB962C8B-B14F-4D97-AF65-F5344CB8AC3E}">
-        <p14:creationId xmlns:p14="http://schemas.microsoft.com/office/powerpoint/2010/main" val="2945286139"/>
       </p:ext>
     </p:extLst>
   </p:cSld>
@@ -1881,8 +1962,8 @@
         </p:nvSpPr>
         <p:spPr>
           <a:xfrm>
-            <a:off x="685800" y="1143000"/>
-            <a:ext cx="5486400" cy="3086100"/>
+            <a:off x="1371600" y="1143000"/>
+            <a:ext cx="4114800" cy="3086100"/>
           </a:xfrm>
         </p:spPr>
       </p:sp>
@@ -1901,43 +1982,11 @@
           <a:bodyPr/>
           <a:lstStyle/>
           <a:p>
-            <a:pPr rtl="0"/>
-            <a:r>
-              <a:rPr lang="en-US" sz="1200" b="0" i="0" u="none" strike="noStrike" kern="1200" dirty="0">
-                <a:solidFill>
-                  <a:schemeClr val="tx1"/>
-                </a:solidFill>
-                <a:effectLst/>
-                <a:latin typeface="+mn-lt"/>
-                <a:ea typeface="+mn-ea"/>
-                <a:cs typeface="+mn-cs"/>
-              </a:rPr>
-              <a:t>Has anyone heard of this? </a:t>
-            </a:r>
-            <a:r>
-              <a:rPr lang="en-US" sz="1200" b="0" i="0" u="none" strike="noStrike" kern="1200" dirty="0" err="1">
-                <a:solidFill>
-                  <a:schemeClr val="tx1"/>
-                </a:solidFill>
-                <a:effectLst/>
-                <a:latin typeface="+mn-lt"/>
-                <a:ea typeface="+mn-ea"/>
-                <a:cs typeface="+mn-cs"/>
-              </a:rPr>
-              <a:t>Thoughworks</a:t>
-            </a:r>
-            <a:r>
-              <a:rPr lang="en-US" sz="1200" b="0" i="0" u="none" strike="noStrike" kern="1200" dirty="0">
-                <a:solidFill>
-                  <a:schemeClr val="tx1"/>
-                </a:solidFill>
-                <a:effectLst/>
-                <a:latin typeface="+mn-lt"/>
-                <a:ea typeface="+mn-ea"/>
-                <a:cs typeface="+mn-cs"/>
-              </a:rPr>
-              <a:t> puts this together every six months based on what they are seeing in the marketplace.</a:t>
-            </a:r>
+            <a:pPr marL="171450" indent="-171450">
+              <a:buFontTx/>
+              <a:buChar char="-"/>
+            </a:pPr>
+            <a:endParaRPr lang="en-US" dirty="0"/>
           </a:p>
           <a:p>
             <a:pPr marL="0" marR="0" lvl="0" indent="0" algn="l" defTabSz="914400" rtl="0" eaLnBrk="1" fontAlgn="auto" latinLnBrk="0" hangingPunct="1">
@@ -1958,19 +2007,40 @@
               <a:defRPr/>
             </a:pPr>
             <a:r>
-              <a:rPr lang="en-US" dirty="0" err="1"/>
-              <a:t>Thoughtworks</a:t>
-            </a:r>
-            <a:r>
               <a:rPr lang="en-US" dirty="0"/>
-              <a:t> has also moved ADRs into “Adopt” in their technology radar, so the idea of using ADRs is gaining momentum in the world.</a:t>
-            </a:r>
-          </a:p>
-          <a:p>
-            <a:pPr rtl="0"/>
-            <a:endParaRPr lang="en-US" b="0" dirty="0">
-              <a:effectLst/>
-            </a:endParaRPr>
+              <a:t>New people joining the team can better understand the thought processes that lead to current state</a:t>
+            </a:r>
+          </a:p>
+          <a:p>
+            <a:endParaRPr lang="en-US" dirty="0"/>
+          </a:p>
+          <a:p>
+            <a:r>
+              <a:rPr lang="en-US" dirty="0"/>
+              <a:t>Stops people from repeating the sins of the past</a:t>
+            </a:r>
+          </a:p>
+          <a:p>
+            <a:r>
+              <a:rPr lang="en-US" dirty="0"/>
+              <a:t>    How many times have we said "I swear we looked at that, but I don’t really remember”</a:t>
+            </a:r>
+          </a:p>
+          <a:p>
+            <a:endParaRPr lang="en-US" dirty="0"/>
+          </a:p>
+          <a:p>
+            <a:r>
+              <a:rPr lang="en-US" dirty="0"/>
+              <a:t>Informs current decision making processes - by looking at all of the decisions that were made in a project, one can get a sense for the types of decisions that are made, which in itself is informative and provides context</a:t>
+            </a:r>
+          </a:p>
+          <a:p>
+            <a:pPr marL="171450" indent="-171450">
+              <a:buFontTx/>
+              <a:buChar char="-"/>
+            </a:pPr>
+            <a:endParaRPr lang="en-US" dirty="0"/>
           </a:p>
         </p:txBody>
       </p:sp>
@@ -1981,7 +2051,7 @@
             <a:spLocks noGrp="1"/>
           </p:cNvSpPr>
           <p:nvPr>
-            <p:ph type="sldNum" sz="quarter" idx="10"/>
+            <p:ph type="sldNum" sz="quarter" idx="5"/>
           </p:nvPr>
         </p:nvSpPr>
         <p:spPr/>
@@ -1989,7 +2059,7 @@
           <a:bodyPr/>
           <a:lstStyle/>
           <a:p>
-            <a:fld id="{096F4AFB-61BD-1340-90B6-0FECED04B0A2}" type="slidenum">
+            <a:fld id="{E42DF656-43DD-C647-8193-729F56EE6E13}" type="slidenum">
               <a:rPr lang="en-US" smtClean="0"/>
               <a:t>19</a:t>
             </a:fld>
@@ -2000,7 +2070,7 @@
     </p:spTree>
     <p:extLst>
       <p:ext uri="{BB962C8B-B14F-4D97-AF65-F5344CB8AC3E}">
-        <p14:creationId xmlns:p14="http://schemas.microsoft.com/office/powerpoint/2010/main" val="1799776136"/>
+        <p14:creationId xmlns:p14="http://schemas.microsoft.com/office/powerpoint/2010/main" val="2945286139"/>
       </p:ext>
     </p:extLst>
   </p:cSld>
@@ -2037,7 +2107,12 @@
             <p:ph type="sldImg"/>
           </p:nvPr>
         </p:nvSpPr>
-        <p:spPr/>
+        <p:spPr>
+          <a:xfrm>
+            <a:off x="1371600" y="1143000"/>
+            <a:ext cx="4114800" cy="3086100"/>
+          </a:xfrm>
+        </p:spPr>
       </p:sp>
       <p:sp>
         <p:nvSpPr>
@@ -2066,41 +2141,6 @@
             <a:r>
               <a:rPr lang="en-US" dirty="0"/>
               <a:t>These decisions can be made by one person, or made by the team</a:t>
-            </a:r>
-          </a:p>
-          <a:p>
-            <a:endParaRPr lang="en-US" dirty="0"/>
-          </a:p>
-          <a:p>
-            <a:r>
-              <a:rPr lang="en-US" dirty="0"/>
-              <a:t>Most of us do a great job and carefully thinking through these decisions:</a:t>
-            </a:r>
-          </a:p>
-          <a:p>
-            <a:r>
-              <a:rPr lang="en-US" dirty="0"/>
-              <a:t>	Taking into account all of the pros and cons of the many different options</a:t>
-            </a:r>
-          </a:p>
-          <a:p>
-            <a:r>
-              <a:rPr lang="en-US" dirty="0"/>
-              <a:t>	Discussing these options with the team</a:t>
-            </a:r>
-          </a:p>
-          <a:p>
-            <a:r>
-              <a:rPr lang="en-US" dirty="0"/>
-              <a:t>	Perhaps doing a spike or a "</a:t>
-            </a:r>
-            <a:r>
-              <a:rPr lang="en-US" dirty="0" err="1"/>
-              <a:t>pepsi</a:t>
-            </a:r>
-            <a:r>
-              <a:rPr lang="en-US" dirty="0"/>
-              <a:t> challenge" to determine a "best fit" for a particular decision</a:t>
             </a:r>
           </a:p>
         </p:txBody>
@@ -2168,22 +2208,121 @@
             <p:ph type="sldImg"/>
           </p:nvPr>
         </p:nvSpPr>
+        <p:spPr>
+          <a:xfrm>
+            <a:off x="1371600" y="1143000"/>
+            <a:ext cx="4114800" cy="3086100"/>
+          </a:xfrm>
+        </p:spPr>
+      </p:sp>
+      <p:sp>
+        <p:nvSpPr>
+          <p:cNvPr id="3" name="Notes Placeholder 2"/>
+          <p:cNvSpPr>
+            <a:spLocks noGrp="1"/>
+          </p:cNvSpPr>
+          <p:nvPr>
+            <p:ph type="body" idx="1"/>
+          </p:nvPr>
+        </p:nvSpPr>
         <p:spPr/>
-      </p:sp>
-      <p:sp>
-        <p:nvSpPr>
-          <p:cNvPr id="3" name="Notes Placeholder 2"/>
-          <p:cNvSpPr>
-            <a:spLocks noGrp="1"/>
-          </p:cNvSpPr>
-          <p:nvPr>
-            <p:ph type="body" idx="1"/>
-          </p:nvPr>
-        </p:nvSpPr>
-        <p:spPr/>
         <p:txBody>
           <a:bodyPr/>
           <a:lstStyle/>
+          <a:p>
+            <a:pPr rtl="0"/>
+            <a:r>
+              <a:rPr lang="en-US" sz="1200" b="0" i="0" u="none" strike="noStrike" kern="1200" dirty="0" err="1">
+                <a:solidFill>
+                  <a:schemeClr val="tx1"/>
+                </a:solidFill>
+                <a:effectLst/>
+                <a:latin typeface="+mn-lt"/>
+                <a:ea typeface="+mn-ea"/>
+                <a:cs typeface="+mn-cs"/>
+              </a:rPr>
+              <a:t>Thoughtworks</a:t>
+            </a:r>
+            <a:r>
+              <a:rPr lang="en-US" sz="1200" b="0" i="0" u="none" strike="noStrike" kern="1200" dirty="0">
+                <a:solidFill>
+                  <a:schemeClr val="tx1"/>
+                </a:solidFill>
+                <a:effectLst/>
+                <a:latin typeface="+mn-lt"/>
+                <a:ea typeface="+mn-ea"/>
+                <a:cs typeface="+mn-cs"/>
+              </a:rPr>
+              <a:t> (Martin Fowler’s Home) puts together a technology radar once a quarter to examine technology trends.</a:t>
+            </a:r>
+          </a:p>
+          <a:p>
+            <a:pPr marL="0" marR="0" lvl="0" indent="0" algn="l" defTabSz="914400" rtl="0" eaLnBrk="1" fontAlgn="auto" latinLnBrk="0" hangingPunct="1">
+              <a:lnSpc>
+                <a:spcPct val="100000"/>
+              </a:lnSpc>
+              <a:spcBef>
+                <a:spcPts val="0"/>
+              </a:spcBef>
+              <a:spcAft>
+                <a:spcPts val="0"/>
+              </a:spcAft>
+              <a:buClrTx/>
+              <a:buSzTx/>
+              <a:buFontTx/>
+              <a:buNone/>
+              <a:tabLst/>
+              <a:defRPr/>
+            </a:pPr>
+            <a:endParaRPr lang="en-US" dirty="0"/>
+          </a:p>
+          <a:p>
+            <a:pPr marL="0" marR="0" lvl="0" indent="0" algn="l" defTabSz="914400" rtl="0" eaLnBrk="1" fontAlgn="auto" latinLnBrk="0" hangingPunct="1">
+              <a:lnSpc>
+                <a:spcPct val="100000"/>
+              </a:lnSpc>
+              <a:spcBef>
+                <a:spcPts val="0"/>
+              </a:spcBef>
+              <a:spcAft>
+                <a:spcPts val="0"/>
+              </a:spcAft>
+              <a:buClrTx/>
+              <a:buSzTx/>
+              <a:buFontTx/>
+              <a:buNone/>
+              <a:tabLst/>
+              <a:defRPr/>
+            </a:pPr>
+            <a:r>
+              <a:rPr lang="en-US" dirty="0" err="1"/>
+              <a:t>Thoughtworks</a:t>
+            </a:r>
+            <a:r>
+              <a:rPr lang="en-US" dirty="0"/>
+              <a:t> has moved ADRs into “Adopt” in their technology radar, so the idea of using ADRs is gaining momentum in the world.</a:t>
+            </a:r>
+          </a:p>
+          <a:p>
+            <a:pPr marL="0" marR="0" lvl="0" indent="0" algn="l" defTabSz="914400" rtl="0" eaLnBrk="1" fontAlgn="auto" latinLnBrk="0" hangingPunct="1">
+              <a:lnSpc>
+                <a:spcPct val="100000"/>
+              </a:lnSpc>
+              <a:spcBef>
+                <a:spcPts val="0"/>
+              </a:spcBef>
+              <a:spcAft>
+                <a:spcPts val="0"/>
+              </a:spcAft>
+              <a:buClrTx/>
+              <a:buSzTx/>
+              <a:buFontTx/>
+              <a:buNone/>
+              <a:tabLst/>
+              <a:defRPr/>
+            </a:pPr>
+            <a:endParaRPr lang="en-US" dirty="0"/>
+          </a:p>
           <a:p>
             <a:r>
               <a:rPr lang="en-US" dirty="0"/>
@@ -2199,6 +2338,32 @@
               <a:t>Thanks everyone for your time, have a great rest of the conference!</a:t>
             </a:r>
           </a:p>
+          <a:p>
+            <a:pPr marL="0" marR="0" lvl="0" indent="0" algn="l" defTabSz="914400" rtl="0" eaLnBrk="1" fontAlgn="auto" latinLnBrk="0" hangingPunct="1">
+              <a:lnSpc>
+                <a:spcPct val="100000"/>
+              </a:lnSpc>
+              <a:spcBef>
+                <a:spcPts val="0"/>
+              </a:spcBef>
+              <a:spcAft>
+                <a:spcPts val="0"/>
+              </a:spcAft>
+              <a:buClrTx/>
+              <a:buSzTx/>
+              <a:buFontTx/>
+              <a:buNone/>
+              <a:tabLst/>
+              <a:defRPr/>
+            </a:pPr>
+            <a:endParaRPr lang="en-US" dirty="0"/>
+          </a:p>
+          <a:p>
+            <a:pPr rtl="0"/>
+            <a:endParaRPr lang="en-US" b="0" dirty="0">
+              <a:effectLst/>
+            </a:endParaRPr>
+          </a:p>
         </p:txBody>
       </p:sp>
       <p:sp>
@@ -2208,7 +2373,7 @@
             <a:spLocks noGrp="1"/>
           </p:cNvSpPr>
           <p:nvPr>
-            <p:ph type="sldNum" sz="quarter" idx="5"/>
+            <p:ph type="sldNum" sz="quarter" idx="10"/>
           </p:nvPr>
         </p:nvSpPr>
         <p:spPr/>
@@ -2216,7 +2381,7 @@
           <a:bodyPr/>
           <a:lstStyle/>
           <a:p>
-            <a:fld id="{E42DF656-43DD-C647-8193-729F56EE6E13}" type="slidenum">
+            <a:fld id="{096F4AFB-61BD-1340-90B6-0FECED04B0A2}" type="slidenum">
               <a:rPr lang="en-US" smtClean="0"/>
               <a:t>20</a:t>
             </a:fld>
@@ -2227,7 +2392,7 @@
     </p:spTree>
     <p:extLst>
       <p:ext uri="{BB962C8B-B14F-4D97-AF65-F5344CB8AC3E}">
-        <p14:creationId xmlns:p14="http://schemas.microsoft.com/office/powerpoint/2010/main" val="3737030522"/>
+        <p14:creationId xmlns:p14="http://schemas.microsoft.com/office/powerpoint/2010/main" val="1799776136"/>
       </p:ext>
     </p:extLst>
   </p:cSld>
@@ -2264,100 +2429,58 @@
             <p:ph type="sldImg"/>
           </p:nvPr>
         </p:nvSpPr>
+        <p:spPr>
+          <a:xfrm>
+            <a:off x="1371600" y="1143000"/>
+            <a:ext cx="4114800" cy="3086100"/>
+          </a:xfrm>
+        </p:spPr>
+      </p:sp>
+      <p:sp>
+        <p:nvSpPr>
+          <p:cNvPr id="3" name="Notes Placeholder 2"/>
+          <p:cNvSpPr>
+            <a:spLocks noGrp="1"/>
+          </p:cNvSpPr>
+          <p:nvPr>
+            <p:ph type="body" idx="1"/>
+          </p:nvPr>
+        </p:nvSpPr>
         <p:spPr/>
-      </p:sp>
-      <p:sp>
-        <p:nvSpPr>
-          <p:cNvPr id="3" name="Notes Placeholder 2"/>
-          <p:cNvSpPr>
-            <a:spLocks noGrp="1"/>
-          </p:cNvSpPr>
-          <p:nvPr>
-            <p:ph type="body" idx="1"/>
-          </p:nvPr>
-        </p:nvSpPr>
-        <p:spPr/>
         <p:txBody>
           <a:bodyPr/>
           <a:lstStyle/>
           <a:p>
             <a:r>
               <a:rPr lang="en-US" dirty="0"/>
-              <a:t>And then we go about implementing it</a:t>
-            </a:r>
-          </a:p>
-          <a:p>
-            <a:endParaRPr lang="en-US" dirty="0"/>
+              <a:t>Most of us do a great job and carefully thinking through these decisions:</a:t>
+            </a:r>
           </a:p>
           <a:p>
             <a:r>
               <a:rPr lang="en-US" dirty="0"/>
-              <a:t>Maybe we update a user story with some of the information that led to the decision.</a:t>
-            </a:r>
-          </a:p>
-          <a:p>
-            <a:endParaRPr lang="en-US" dirty="0"/>
+              <a:t>	Taking into account all of the pros and cons of the many different options</a:t>
+            </a:r>
           </a:p>
           <a:p>
             <a:r>
               <a:rPr lang="en-US" dirty="0"/>
-              <a:t>Maybe we put some information on a wiki page.</a:t>
-            </a:r>
-          </a:p>
-          <a:p>
-            <a:endParaRPr lang="en-US" dirty="0"/>
+              <a:t>	Discussing these options with the team</a:t>
+            </a:r>
           </a:p>
           <a:p>
             <a:r>
               <a:rPr lang="en-US" dirty="0"/>
-              <a:t>Usually though, none of these things are done.</a:t>
-            </a:r>
-          </a:p>
-          <a:p>
-            <a:pPr marL="0" marR="0" lvl="0" indent="0" algn="l" defTabSz="914400" rtl="0" eaLnBrk="1" fontAlgn="auto" latinLnBrk="0" hangingPunct="1">
-              <a:lnSpc>
-                <a:spcPct val="100000"/>
-              </a:lnSpc>
-              <a:spcBef>
-                <a:spcPts val="0"/>
-              </a:spcBef>
-              <a:spcAft>
-                <a:spcPts val="0"/>
-              </a:spcAft>
-              <a:buClrTx/>
-              <a:buSzTx/>
-              <a:buFontTx/>
-              <a:buNone/>
-              <a:tabLst/>
-              <a:defRPr/>
-            </a:pPr>
-            <a:endParaRPr lang="en-US" dirty="0"/>
-          </a:p>
-          <a:p>
-            <a:pPr marL="0" marR="0" lvl="0" indent="0" algn="l" defTabSz="914400" rtl="0" eaLnBrk="1" fontAlgn="auto" latinLnBrk="0" hangingPunct="1">
-              <a:lnSpc>
-                <a:spcPct val="100000"/>
-              </a:lnSpc>
-              <a:spcBef>
-                <a:spcPts val="0"/>
-              </a:spcBef>
-              <a:spcAft>
-                <a:spcPts val="0"/>
-              </a:spcAft>
-              <a:buClrTx/>
-              <a:buSzTx/>
-              <a:buFontTx/>
-              <a:buNone/>
-              <a:tabLst/>
-              <a:defRPr/>
-            </a:pPr>
+              <a:t>	Perhaps doing a spike or a "</a:t>
+            </a:r>
+            <a:r>
+              <a:rPr lang="en-US" dirty="0" err="1"/>
+              <a:t>pepsi</a:t>
+            </a:r>
             <a:r>
               <a:rPr lang="en-US" dirty="0"/>
-              <a:t>And all of that context is lost</a:t>
-            </a:r>
-          </a:p>
-          <a:p>
-            <a:endParaRPr lang="en-US" dirty="0"/>
+              <a:t> challenge" to determine a "best fit" for a particular decision</a:t>
+            </a:r>
           </a:p>
         </p:txBody>
       </p:sp>
@@ -2387,7 +2510,7 @@
     </p:spTree>
     <p:extLst>
       <p:ext uri="{BB962C8B-B14F-4D97-AF65-F5344CB8AC3E}">
-        <p14:creationId xmlns:p14="http://schemas.microsoft.com/office/powerpoint/2010/main" val="2367754036"/>
+        <p14:creationId xmlns:p14="http://schemas.microsoft.com/office/powerpoint/2010/main" val="669356557"/>
       </p:ext>
     </p:extLst>
   </p:cSld>
@@ -2426,8 +2549,173 @@
         </p:nvSpPr>
         <p:spPr>
           <a:xfrm>
-            <a:off x="685800" y="1143000"/>
-            <a:ext cx="5486400" cy="3086100"/>
+            <a:off x="1371600" y="1143000"/>
+            <a:ext cx="4114800" cy="3086100"/>
+          </a:xfrm>
+        </p:spPr>
+      </p:sp>
+      <p:sp>
+        <p:nvSpPr>
+          <p:cNvPr id="3" name="Notes Placeholder 2"/>
+          <p:cNvSpPr>
+            <a:spLocks noGrp="1"/>
+          </p:cNvSpPr>
+          <p:nvPr>
+            <p:ph type="body" idx="1"/>
+          </p:nvPr>
+        </p:nvSpPr>
+        <p:spPr/>
+        <p:txBody>
+          <a:bodyPr/>
+          <a:lstStyle/>
+          <a:p>
+            <a:r>
+              <a:rPr lang="en-US" dirty="0"/>
+              <a:t>And then we go about implementing it</a:t>
+            </a:r>
+          </a:p>
+          <a:p>
+            <a:endParaRPr lang="en-US" dirty="0"/>
+          </a:p>
+          <a:p>
+            <a:r>
+              <a:rPr lang="en-US" dirty="0"/>
+              <a:t>Maybe we update a user story with some of the information that led to the decision.</a:t>
+            </a:r>
+          </a:p>
+          <a:p>
+            <a:endParaRPr lang="en-US" dirty="0"/>
+          </a:p>
+          <a:p>
+            <a:r>
+              <a:rPr lang="en-US" dirty="0"/>
+              <a:t>Maybe we put some information on a wiki page.</a:t>
+            </a:r>
+          </a:p>
+          <a:p>
+            <a:endParaRPr lang="en-US" dirty="0"/>
+          </a:p>
+          <a:p>
+            <a:r>
+              <a:rPr lang="en-US" dirty="0"/>
+              <a:t>Usually though, none of these things are done.</a:t>
+            </a:r>
+          </a:p>
+          <a:p>
+            <a:pPr marL="0" marR="0" lvl="0" indent="0" algn="l" defTabSz="914400" rtl="0" eaLnBrk="1" fontAlgn="auto" latinLnBrk="0" hangingPunct="1">
+              <a:lnSpc>
+                <a:spcPct val="100000"/>
+              </a:lnSpc>
+              <a:spcBef>
+                <a:spcPts val="0"/>
+              </a:spcBef>
+              <a:spcAft>
+                <a:spcPts val="0"/>
+              </a:spcAft>
+              <a:buClrTx/>
+              <a:buSzTx/>
+              <a:buFontTx/>
+              <a:buNone/>
+              <a:tabLst/>
+              <a:defRPr/>
+            </a:pPr>
+            <a:endParaRPr lang="en-US" dirty="0"/>
+          </a:p>
+          <a:p>
+            <a:pPr marL="0" marR="0" lvl="0" indent="0" algn="l" defTabSz="914400" rtl="0" eaLnBrk="1" fontAlgn="auto" latinLnBrk="0" hangingPunct="1">
+              <a:lnSpc>
+                <a:spcPct val="100000"/>
+              </a:lnSpc>
+              <a:spcBef>
+                <a:spcPts val="0"/>
+              </a:spcBef>
+              <a:spcAft>
+                <a:spcPts val="0"/>
+              </a:spcAft>
+              <a:buClrTx/>
+              <a:buSzTx/>
+              <a:buFontTx/>
+              <a:buNone/>
+              <a:tabLst/>
+              <a:defRPr/>
+            </a:pPr>
+            <a:r>
+              <a:rPr lang="en-US" dirty="0"/>
+              <a:t>And all of that context is lost</a:t>
+            </a:r>
+          </a:p>
+          <a:p>
+            <a:endParaRPr lang="en-US" dirty="0"/>
+          </a:p>
+        </p:txBody>
+      </p:sp>
+      <p:sp>
+        <p:nvSpPr>
+          <p:cNvPr id="4" name="Slide Number Placeholder 3"/>
+          <p:cNvSpPr>
+            <a:spLocks noGrp="1"/>
+          </p:cNvSpPr>
+          <p:nvPr>
+            <p:ph type="sldNum" sz="quarter" idx="5"/>
+          </p:nvPr>
+        </p:nvSpPr>
+        <p:spPr/>
+        <p:txBody>
+          <a:bodyPr/>
+          <a:lstStyle/>
+          <a:p>
+            <a:fld id="{E42DF656-43DD-C647-8193-729F56EE6E13}" type="slidenum">
+              <a:rPr lang="en-US" smtClean="0"/>
+              <a:t>4</a:t>
+            </a:fld>
+            <a:endParaRPr lang="en-US"/>
+          </a:p>
+        </p:txBody>
+      </p:sp>
+    </p:spTree>
+    <p:extLst>
+      <p:ext uri="{BB962C8B-B14F-4D97-AF65-F5344CB8AC3E}">
+        <p14:creationId xmlns:p14="http://schemas.microsoft.com/office/powerpoint/2010/main" val="2367754036"/>
+      </p:ext>
+    </p:extLst>
+  </p:cSld>
+  <p:clrMapOvr>
+    <a:masterClrMapping/>
+  </p:clrMapOvr>
+</p:notes>
+</file>
+
+<file path=ppt/notesSlides/notesSlide5.xml><?xml version="1.0" encoding="utf-8"?>
+<p:notes xmlns:a="http://schemas.openxmlformats.org/drawingml/2006/main" xmlns:r="http://schemas.openxmlformats.org/officeDocument/2006/relationships" xmlns:p="http://schemas.openxmlformats.org/presentationml/2006/main">
+  <p:cSld>
+    <p:spTree>
+      <p:nvGrpSpPr>
+        <p:cNvPr id="1" name=""/>
+        <p:cNvGrpSpPr/>
+        <p:nvPr/>
+      </p:nvGrpSpPr>
+      <p:grpSpPr>
+        <a:xfrm>
+          <a:off x="0" y="0"/>
+          <a:ext cx="0" cy="0"/>
+          <a:chOff x="0" y="0"/>
+          <a:chExt cx="0" cy="0"/>
+        </a:xfrm>
+      </p:grpSpPr>
+      <p:sp>
+        <p:nvSpPr>
+          <p:cNvPr id="2" name="Slide Image Placeholder 1"/>
+          <p:cNvSpPr>
+            <a:spLocks noGrp="1" noRot="1" noChangeAspect="1"/>
+          </p:cNvSpPr>
+          <p:nvPr>
+            <p:ph type="sldImg"/>
+          </p:nvPr>
+        </p:nvSpPr>
+        <p:spPr>
+          <a:xfrm>
+            <a:off x="1371600" y="1143000"/>
+            <a:ext cx="4114800" cy="3086100"/>
           </a:xfrm>
         </p:spPr>
       </p:sp>
@@ -2690,7 +2978,7 @@
           <a:p>
             <a:fld id="{096F4AFB-61BD-1340-90B6-0FECED04B0A2}" type="slidenum">
               <a:rPr lang="en-US" smtClean="0"/>
-              <a:t>4</a:t>
+              <a:t>5</a:t>
             </a:fld>
             <a:endParaRPr lang="en-US"/>
           </a:p>
@@ -2700,214 +2988,6 @@
     <p:extLst>
       <p:ext uri="{BB962C8B-B14F-4D97-AF65-F5344CB8AC3E}">
         <p14:creationId xmlns:p14="http://schemas.microsoft.com/office/powerpoint/2010/main" val="725239612"/>
-      </p:ext>
-    </p:extLst>
-  </p:cSld>
-  <p:clrMapOvr>
-    <a:masterClrMapping/>
-  </p:clrMapOvr>
-</p:notes>
-</file>
-
-<file path=ppt/notesSlides/notesSlide5.xml><?xml version="1.0" encoding="utf-8"?>
-<p:notes xmlns:a="http://schemas.openxmlformats.org/drawingml/2006/main" xmlns:r="http://schemas.openxmlformats.org/officeDocument/2006/relationships" xmlns:p="http://schemas.openxmlformats.org/presentationml/2006/main">
-  <p:cSld>
-    <p:spTree>
-      <p:nvGrpSpPr>
-        <p:cNvPr id="1" name=""/>
-        <p:cNvGrpSpPr/>
-        <p:nvPr/>
-      </p:nvGrpSpPr>
-      <p:grpSpPr>
-        <a:xfrm>
-          <a:off x="0" y="0"/>
-          <a:ext cx="0" cy="0"/>
-          <a:chOff x="0" y="0"/>
-          <a:chExt cx="0" cy="0"/>
-        </a:xfrm>
-      </p:grpSpPr>
-      <p:sp>
-        <p:nvSpPr>
-          <p:cNvPr id="2" name="Slide Image Placeholder 1"/>
-          <p:cNvSpPr>
-            <a:spLocks noGrp="1" noRot="1" noChangeAspect="1"/>
-          </p:cNvSpPr>
-          <p:nvPr>
-            <p:ph type="sldImg"/>
-          </p:nvPr>
-        </p:nvSpPr>
-        <p:spPr/>
-      </p:sp>
-      <p:sp>
-        <p:nvSpPr>
-          <p:cNvPr id="3" name="Notes Placeholder 2"/>
-          <p:cNvSpPr>
-            <a:spLocks noGrp="1"/>
-          </p:cNvSpPr>
-          <p:nvPr>
-            <p:ph type="body" idx="1"/>
-          </p:nvPr>
-        </p:nvSpPr>
-        <p:spPr/>
-        <p:txBody>
-          <a:bodyPr/>
-          <a:lstStyle/>
-          <a:p>
-            <a:pPr rtl="0"/>
-            <a:r>
-              <a:rPr lang="en-US" sz="1200" b="0" i="0" u="none" strike="noStrike" kern="1200" dirty="0">
-                <a:solidFill>
-                  <a:schemeClr val="tx1"/>
-                </a:solidFill>
-                <a:effectLst/>
-                <a:latin typeface="+mn-lt"/>
-                <a:ea typeface="+mn-ea"/>
-                <a:cs typeface="+mn-cs"/>
-              </a:rPr>
-              <a:t>First proposed by Michael Nygard (consultant, author, speaker), Architectural Decision Records provide a way to capture these decisions as part of the codebase that's being working on; where the rubber meets the road.</a:t>
-            </a:r>
-          </a:p>
-          <a:p>
-            <a:pPr rtl="0"/>
-            <a:endParaRPr lang="en-US" sz="1200" b="0" i="0" u="none" strike="noStrike" kern="1200" dirty="0">
-              <a:solidFill>
-                <a:schemeClr val="tx1"/>
-              </a:solidFill>
-              <a:effectLst/>
-              <a:latin typeface="+mn-lt"/>
-              <a:ea typeface="+mn-ea"/>
-              <a:cs typeface="+mn-cs"/>
-            </a:endParaRPr>
-          </a:p>
-          <a:p>
-            <a:pPr marL="0" marR="0" lvl="0" indent="0" algn="l" defTabSz="914400" rtl="0" eaLnBrk="1" fontAlgn="auto" latinLnBrk="0" hangingPunct="1">
-              <a:lnSpc>
-                <a:spcPct val="100000"/>
-              </a:lnSpc>
-              <a:spcBef>
-                <a:spcPts val="0"/>
-              </a:spcBef>
-              <a:spcAft>
-                <a:spcPts val="0"/>
-              </a:spcAft>
-              <a:buClrTx/>
-              <a:buSzTx/>
-              <a:buFontTx/>
-              <a:buNone/>
-              <a:tabLst/>
-              <a:defRPr/>
-            </a:pPr>
-            <a:r>
-              <a:rPr lang="en-US" dirty="0"/>
-              <a:t>In the blog post introducing ADRs, Michael said: “</a:t>
-            </a:r>
-            <a:r>
-              <a:rPr lang="en-US" i="1" dirty="0">
-                <a:solidFill>
-                  <a:schemeClr val="bg1"/>
-                </a:solidFill>
-              </a:rPr>
-              <a:t>“Large documents are never kept up to date. Small, modular documents have at least a chance at being updated.” </a:t>
-            </a:r>
-            <a:r>
-              <a:rPr lang="en-US" i="0" dirty="0">
-                <a:solidFill>
-                  <a:schemeClr val="bg1"/>
-                </a:solidFill>
-              </a:rPr>
-              <a:t>And he’s right.</a:t>
-            </a:r>
-            <a:endParaRPr lang="en-US" dirty="0"/>
-          </a:p>
-          <a:p>
-            <a:endParaRPr lang="en-US" dirty="0"/>
-          </a:p>
-          <a:p>
-            <a:pPr rtl="0"/>
-            <a:r>
-              <a:rPr lang="en-US" sz="1200" b="0" i="0" u="none" strike="noStrike" kern="1200" dirty="0">
-                <a:solidFill>
-                  <a:schemeClr val="tx1"/>
-                </a:solidFill>
-                <a:effectLst/>
-                <a:latin typeface="+mn-lt"/>
-                <a:ea typeface="+mn-ea"/>
-                <a:cs typeface="+mn-cs"/>
-              </a:rPr>
-              <a:t>- Lightweight, text based solution, usually written in Markdown</a:t>
-            </a:r>
-          </a:p>
-          <a:p>
-            <a:pPr rtl="0"/>
-            <a:r>
-              <a:rPr lang="en-US" sz="1200" b="0" i="0" u="none" strike="noStrike" kern="1200" dirty="0">
-                <a:solidFill>
-                  <a:schemeClr val="tx1"/>
-                </a:solidFill>
-                <a:effectLst/>
-                <a:latin typeface="+mn-lt"/>
-                <a:ea typeface="+mn-ea"/>
-                <a:cs typeface="+mn-cs"/>
-              </a:rPr>
-              <a:t>Markdown allows "pretty" rendering when used with </a:t>
-            </a:r>
-            <a:r>
-              <a:rPr lang="en-US" sz="1200" b="0" i="0" u="none" strike="noStrike" kern="1200" dirty="0" err="1">
-                <a:solidFill>
-                  <a:schemeClr val="tx1"/>
-                </a:solidFill>
-                <a:effectLst/>
-                <a:latin typeface="+mn-lt"/>
-                <a:ea typeface="+mn-ea"/>
-                <a:cs typeface="+mn-cs"/>
-              </a:rPr>
-              <a:t>Github</a:t>
-            </a:r>
-            <a:r>
-              <a:rPr lang="en-US" sz="1200" b="0" i="0" u="none" strike="noStrike" kern="1200" dirty="0">
-                <a:solidFill>
-                  <a:schemeClr val="tx1"/>
-                </a:solidFill>
-                <a:effectLst/>
-                <a:latin typeface="+mn-lt"/>
-                <a:ea typeface="+mn-ea"/>
-                <a:cs typeface="+mn-cs"/>
-              </a:rPr>
-              <a:t>, Gitlab &amp; others, still human readable</a:t>
-            </a:r>
-          </a:p>
-          <a:p>
-            <a:endParaRPr lang="en-US" dirty="0"/>
-          </a:p>
-        </p:txBody>
-      </p:sp>
-      <p:sp>
-        <p:nvSpPr>
-          <p:cNvPr id="4" name="Slide Number Placeholder 3"/>
-          <p:cNvSpPr>
-            <a:spLocks noGrp="1"/>
-          </p:cNvSpPr>
-          <p:nvPr>
-            <p:ph type="sldNum" sz="quarter" idx="5"/>
-          </p:nvPr>
-        </p:nvSpPr>
-        <p:spPr/>
-        <p:txBody>
-          <a:bodyPr/>
-          <a:lstStyle/>
-          <a:p>
-            <a:fld id="{E42DF656-43DD-C647-8193-729F56EE6E13}" type="slidenum">
-              <a:rPr lang="en-US" smtClean="0"/>
-              <a:t>5</a:t>
-            </a:fld>
-            <a:endParaRPr lang="en-US"/>
-          </a:p>
-        </p:txBody>
-      </p:sp>
-    </p:spTree>
-    <p:extLst>
-      <p:ext uri="{BB962C8B-B14F-4D97-AF65-F5344CB8AC3E}">
-        <p14:creationId xmlns:p14="http://schemas.microsoft.com/office/powerpoint/2010/main" val="1426769949"/>
       </p:ext>
     </p:extLst>
   </p:cSld>
@@ -2946,8 +3026,8 @@
         </p:nvSpPr>
         <p:spPr>
           <a:xfrm>
-            <a:off x="685800" y="1143000"/>
-            <a:ext cx="5486400" cy="3086100"/>
+            <a:off x="1371600" y="1143000"/>
+            <a:ext cx="4114800" cy="3086100"/>
           </a:xfrm>
         </p:spPr>
       </p:sp>
@@ -2965,6 +3045,33 @@
         <p:txBody>
           <a:bodyPr/>
           <a:lstStyle/>
+          <a:p>
+            <a:pPr rtl="0"/>
+            <a:r>
+              <a:rPr lang="en-US" sz="1200" b="0" i="0" u="none" strike="noStrike" kern="1200" dirty="0">
+                <a:solidFill>
+                  <a:schemeClr val="tx1"/>
+                </a:solidFill>
+                <a:effectLst/>
+                <a:latin typeface="+mn-lt"/>
+                <a:ea typeface="+mn-ea"/>
+                <a:cs typeface="+mn-cs"/>
+              </a:rPr>
+              <a:t>First proposed by Michael Nygard (consultant, author, speaker), Architectural Decision Records provide a way to capture these decisions as part of the codebase that's being working on; where the rubber meets the road.</a:t>
+            </a:r>
+          </a:p>
+          <a:p>
+            <a:pPr rtl="0"/>
+            <a:endParaRPr lang="en-US" sz="1200" b="0" i="0" u="none" strike="noStrike" kern="1200" dirty="0">
+              <a:solidFill>
+                <a:schemeClr val="tx1"/>
+              </a:solidFill>
+              <a:effectLst/>
+              <a:latin typeface="+mn-lt"/>
+              <a:ea typeface="+mn-ea"/>
+              <a:cs typeface="+mn-cs"/>
+            </a:endParaRPr>
+          </a:p>
           <a:p>
             <a:pPr marL="0" marR="0" lvl="0" indent="0" algn="l" defTabSz="914400" rtl="0" eaLnBrk="1" fontAlgn="auto" latinLnBrk="0" hangingPunct="1">
               <a:lnSpc>
@@ -2984,47 +3091,29 @@
               <a:defRPr/>
             </a:pPr>
             <a:r>
-              <a:rPr lang="en-US" sz="1200" b="0" i="0" u="none" strike="noStrike" kern="1200" dirty="0">
-                <a:solidFill>
-                  <a:schemeClr val="tx1"/>
-                </a:solidFill>
-                <a:effectLst/>
-                <a:latin typeface="+mn-lt"/>
-                <a:ea typeface="+mn-ea"/>
-                <a:cs typeface="+mn-cs"/>
+              <a:rPr lang="en-US" dirty="0"/>
+              <a:t>In the blog post introducing ADRs, Michael said: “</a:t>
+            </a:r>
+            <a:r>
+              <a:rPr lang="en-US" i="1" dirty="0">
+                <a:solidFill>
+                  <a:schemeClr val="bg1"/>
+                </a:solidFill>
               </a:rPr>
-              <a:t>Each decision is stored in a separate file, with an incrementing sequence; so the first decision on a project is 0001, the second is 0002, </a:t>
-            </a:r>
-            <a:r>
-              <a:rPr lang="en-US" sz="1200" b="0" i="0" u="none" strike="noStrike" kern="1200" dirty="0" err="1">
-                <a:solidFill>
-                  <a:schemeClr val="tx1"/>
-                </a:solidFill>
-                <a:effectLst/>
-                <a:latin typeface="+mn-lt"/>
-                <a:ea typeface="+mn-ea"/>
-                <a:cs typeface="+mn-cs"/>
+              <a:t>Large documents are never kept up to date. Small, modular documents have at least a chance at being updated.” </a:t>
+            </a:r>
+            <a:r>
+              <a:rPr lang="en-US" i="0" dirty="0">
+                <a:solidFill>
+                  <a:schemeClr val="bg1"/>
+                </a:solidFill>
               </a:rPr>
-              <a:t>etc</a:t>
-            </a:r>
-            <a:r>
-              <a:rPr lang="en-US" sz="1200" b="0" i="0" u="none" strike="noStrike" kern="1200" dirty="0">
-                <a:solidFill>
-                  <a:schemeClr val="tx1"/>
-                </a:solidFill>
-                <a:effectLst/>
-                <a:latin typeface="+mn-lt"/>
-                <a:ea typeface="+mn-ea"/>
-                <a:cs typeface="+mn-cs"/>
-              </a:rPr>
-              <a:t>, and saved with the project you’re working on, in a top-level ADR directory.</a:t>
-            </a:r>
-          </a:p>
-          <a:p>
-            <a:pPr rtl="0"/>
-            <a:endParaRPr lang="en-US" b="0" dirty="0">
-              <a:effectLst/>
-            </a:endParaRPr>
+              <a:t>And he’s right.</a:t>
+            </a:r>
+            <a:endParaRPr lang="en-US" dirty="0"/>
+          </a:p>
+          <a:p>
+            <a:endParaRPr lang="en-US" dirty="0"/>
           </a:p>
         </p:txBody>
       </p:sp>
@@ -3035,7 +3124,7 @@
             <a:spLocks noGrp="1"/>
           </p:cNvSpPr>
           <p:nvPr>
-            <p:ph type="sldNum" sz="quarter" idx="10"/>
+            <p:ph type="sldNum" sz="quarter" idx="5"/>
           </p:nvPr>
         </p:nvSpPr>
         <p:spPr/>
@@ -3043,7 +3132,7 @@
           <a:bodyPr/>
           <a:lstStyle/>
           <a:p>
-            <a:fld id="{096F4AFB-61BD-1340-90B6-0FECED04B0A2}" type="slidenum">
+            <a:fld id="{E42DF656-43DD-C647-8193-729F56EE6E13}" type="slidenum">
               <a:rPr lang="en-US" smtClean="0"/>
               <a:t>6</a:t>
             </a:fld>
@@ -3054,7 +3143,7 @@
     </p:spTree>
     <p:extLst>
       <p:ext uri="{BB962C8B-B14F-4D97-AF65-F5344CB8AC3E}">
-        <p14:creationId xmlns:p14="http://schemas.microsoft.com/office/powerpoint/2010/main" val="3858374650"/>
+        <p14:creationId xmlns:p14="http://schemas.microsoft.com/office/powerpoint/2010/main" val="1426769949"/>
       </p:ext>
     </p:extLst>
   </p:cSld>
@@ -3093,8 +3182,8 @@
         </p:nvSpPr>
         <p:spPr>
           <a:xfrm>
-            <a:off x="685800" y="1143000"/>
-            <a:ext cx="5486400" cy="3086100"/>
+            <a:off x="1371600" y="1143000"/>
+            <a:ext cx="4114800" cy="3086100"/>
           </a:xfrm>
         </p:spPr>
       </p:sp>
@@ -3113,10 +3202,182 @@
           <a:bodyPr/>
           <a:lstStyle/>
           <a:p>
-            <a:r>
-              <a:rPr lang="en-US" dirty="0"/>
-              <a:t>Here’s an example ADR, which records our decision to use Markdown when creating ADRs. Meta enough?</a:t>
-            </a:r>
+            <a:pPr marL="0" marR="0" lvl="0" indent="0" algn="l" defTabSz="914400" rtl="0" eaLnBrk="1" fontAlgn="auto" latinLnBrk="0" hangingPunct="1">
+              <a:lnSpc>
+                <a:spcPct val="100000"/>
+              </a:lnSpc>
+              <a:spcBef>
+                <a:spcPts val="0"/>
+              </a:spcBef>
+              <a:spcAft>
+                <a:spcPts val="0"/>
+              </a:spcAft>
+              <a:buClrTx/>
+              <a:buSzTx/>
+              <a:buFontTx/>
+              <a:buNone/>
+              <a:tabLst/>
+              <a:defRPr/>
+            </a:pPr>
+            <a:r>
+              <a:rPr lang="en-US" sz="1200" b="0" i="0" u="none" strike="noStrike" kern="1200" dirty="0">
+                <a:solidFill>
+                  <a:schemeClr val="tx1"/>
+                </a:solidFill>
+                <a:effectLst/>
+                <a:latin typeface="+mn-lt"/>
+                <a:ea typeface="+mn-ea"/>
+                <a:cs typeface="+mn-cs"/>
+              </a:rPr>
+              <a:t>Each decision is stored in a separate file, </a:t>
+            </a:r>
+          </a:p>
+          <a:p>
+            <a:pPr marL="0" marR="0" lvl="0" indent="0" algn="l" defTabSz="914400" rtl="0" eaLnBrk="1" fontAlgn="auto" latinLnBrk="0" hangingPunct="1">
+              <a:lnSpc>
+                <a:spcPct val="100000"/>
+              </a:lnSpc>
+              <a:spcBef>
+                <a:spcPts val="0"/>
+              </a:spcBef>
+              <a:spcAft>
+                <a:spcPts val="0"/>
+              </a:spcAft>
+              <a:buClrTx/>
+              <a:buSzTx/>
+              <a:buFontTx/>
+              <a:buNone/>
+              <a:tabLst/>
+              <a:defRPr/>
+            </a:pPr>
+            <a:r>
+              <a:rPr lang="en-US" sz="1200" b="0" i="0" u="none" strike="noStrike" kern="1200" dirty="0">
+                <a:solidFill>
+                  <a:schemeClr val="tx1"/>
+                </a:solidFill>
+                <a:effectLst/>
+                <a:latin typeface="+mn-lt"/>
+                <a:ea typeface="+mn-ea"/>
+                <a:cs typeface="+mn-cs"/>
+              </a:rPr>
+              <a:t>with an incrementing sequence; </a:t>
+            </a:r>
+          </a:p>
+          <a:p>
+            <a:pPr marL="0" marR="0" lvl="0" indent="0" algn="l" defTabSz="914400" rtl="0" eaLnBrk="1" fontAlgn="auto" latinLnBrk="0" hangingPunct="1">
+              <a:lnSpc>
+                <a:spcPct val="100000"/>
+              </a:lnSpc>
+              <a:spcBef>
+                <a:spcPts val="0"/>
+              </a:spcBef>
+              <a:spcAft>
+                <a:spcPts val="0"/>
+              </a:spcAft>
+              <a:buClrTx/>
+              <a:buSzTx/>
+              <a:buFontTx/>
+              <a:buNone/>
+              <a:tabLst/>
+              <a:defRPr/>
+            </a:pPr>
+            <a:r>
+              <a:rPr lang="en-US" sz="1200" b="0" i="0" u="none" strike="noStrike" kern="1200" dirty="0">
+                <a:solidFill>
+                  <a:schemeClr val="tx1"/>
+                </a:solidFill>
+                <a:effectLst/>
+                <a:latin typeface="+mn-lt"/>
+                <a:ea typeface="+mn-ea"/>
+                <a:cs typeface="+mn-cs"/>
+              </a:rPr>
+              <a:t>so the first decision on a project is 0001, the second is 0002, </a:t>
+            </a:r>
+            <a:r>
+              <a:rPr lang="en-US" sz="1200" b="0" i="0" u="none" strike="noStrike" kern="1200" dirty="0" err="1">
+                <a:solidFill>
+                  <a:schemeClr val="tx1"/>
+                </a:solidFill>
+                <a:effectLst/>
+                <a:latin typeface="+mn-lt"/>
+                <a:ea typeface="+mn-ea"/>
+                <a:cs typeface="+mn-cs"/>
+              </a:rPr>
+              <a:t>etc</a:t>
+            </a:r>
+            <a:r>
+              <a:rPr lang="en-US" sz="1200" b="0" i="0" u="none" strike="noStrike" kern="1200" dirty="0">
+                <a:solidFill>
+                  <a:schemeClr val="tx1"/>
+                </a:solidFill>
+                <a:effectLst/>
+                <a:latin typeface="+mn-lt"/>
+                <a:ea typeface="+mn-ea"/>
+                <a:cs typeface="+mn-cs"/>
+              </a:rPr>
+              <a:t>, and saved with the project you’re working on, in a top-level ADR directory, </a:t>
+            </a:r>
+          </a:p>
+          <a:p>
+            <a:pPr marL="0" marR="0" lvl="0" indent="0" algn="l" defTabSz="914400" rtl="0" eaLnBrk="1" fontAlgn="auto" latinLnBrk="0" hangingPunct="1">
+              <a:lnSpc>
+                <a:spcPct val="100000"/>
+              </a:lnSpc>
+              <a:spcBef>
+                <a:spcPts val="0"/>
+              </a:spcBef>
+              <a:spcAft>
+                <a:spcPts val="0"/>
+              </a:spcAft>
+              <a:buClrTx/>
+              <a:buSzTx/>
+              <a:buFontTx/>
+              <a:buNone/>
+              <a:tabLst/>
+              <a:defRPr/>
+            </a:pPr>
+            <a:r>
+              <a:rPr lang="en-US" sz="1200" b="0" i="0" u="none" strike="noStrike" kern="1200" dirty="0">
+                <a:solidFill>
+                  <a:schemeClr val="tx1"/>
+                </a:solidFill>
+                <a:effectLst/>
+                <a:latin typeface="+mn-lt"/>
+                <a:ea typeface="+mn-ea"/>
+                <a:cs typeface="+mn-cs"/>
+              </a:rPr>
+              <a:t>and written in Markdown, which is rendered nicely by </a:t>
+            </a:r>
+            <a:r>
+              <a:rPr lang="en-US" sz="1200" b="0" i="0" u="none" strike="noStrike" kern="1200" dirty="0" err="1">
+                <a:solidFill>
+                  <a:schemeClr val="tx1"/>
+                </a:solidFill>
+                <a:effectLst/>
+                <a:latin typeface="+mn-lt"/>
+                <a:ea typeface="+mn-ea"/>
+                <a:cs typeface="+mn-cs"/>
+              </a:rPr>
+              <a:t>github</a:t>
+            </a:r>
+            <a:r>
+              <a:rPr lang="en-US" sz="1200" b="0" i="0" u="none" strike="noStrike" kern="1200" dirty="0">
+                <a:solidFill>
+                  <a:schemeClr val="tx1"/>
+                </a:solidFill>
+                <a:effectLst/>
+                <a:latin typeface="+mn-lt"/>
+                <a:ea typeface="+mn-ea"/>
+                <a:cs typeface="+mn-cs"/>
+              </a:rPr>
+              <a:t> and other source control tools</a:t>
+            </a:r>
+          </a:p>
+          <a:p>
+            <a:pPr rtl="0"/>
+            <a:endParaRPr lang="en-US" b="0" dirty="0">
+              <a:effectLst/>
+            </a:endParaRPr>
           </a:p>
         </p:txBody>
       </p:sp>
@@ -3146,7 +3407,7 @@
     </p:spTree>
     <p:extLst>
       <p:ext uri="{BB962C8B-B14F-4D97-AF65-F5344CB8AC3E}">
-        <p14:creationId xmlns:p14="http://schemas.microsoft.com/office/powerpoint/2010/main" val="3980653159"/>
+        <p14:creationId xmlns:p14="http://schemas.microsoft.com/office/powerpoint/2010/main" val="3858374650"/>
       </p:ext>
     </p:extLst>
   </p:cSld>
@@ -3185,8 +3446,8 @@
         </p:nvSpPr>
         <p:spPr>
           <a:xfrm>
-            <a:off x="685800" y="1143000"/>
-            <a:ext cx="5486400" cy="3086100"/>
+            <a:off x="1371600" y="1143000"/>
+            <a:ext cx="4114800" cy="3086100"/>
           </a:xfrm>
         </p:spPr>
       </p:sp>
@@ -3205,85 +3466,10 @@
           <a:bodyPr/>
           <a:lstStyle/>
           <a:p>
-            <a:pPr rtl="0"/>
-            <a:r>
-              <a:rPr lang="en-US" sz="1200" b="0" i="0" u="none" strike="noStrike" kern="1200" dirty="0">
-                <a:solidFill>
-                  <a:schemeClr val="tx1"/>
-                </a:solidFill>
-                <a:effectLst/>
-                <a:latin typeface="+mn-lt"/>
-                <a:ea typeface="+mn-ea"/>
-                <a:cs typeface="+mn-cs"/>
-              </a:rPr>
-              <a:t>Titles are usually best expressed as simple noun phrases:</a:t>
-            </a:r>
-            <a:endParaRPr lang="en-US" b="0" dirty="0">
-              <a:effectLst/>
-            </a:endParaRPr>
-          </a:p>
-          <a:p>
-            <a:pPr marL="171450" indent="-171450" rtl="0">
-              <a:buFont typeface="Arial" panose="020B0604020202020204" pitchFamily="34" charset="0"/>
-              <a:buChar char="•"/>
-            </a:pPr>
-            <a:r>
-              <a:rPr lang="en-US" sz="1200" b="0" i="0" u="none" strike="noStrike" kern="1200" dirty="0">
-                <a:solidFill>
-                  <a:schemeClr val="tx1"/>
-                </a:solidFill>
-                <a:effectLst/>
-                <a:latin typeface="+mn-lt"/>
-                <a:ea typeface="+mn-ea"/>
-                <a:cs typeface="+mn-cs"/>
-              </a:rPr>
-              <a:t>"Git for version control"</a:t>
-            </a:r>
-            <a:endParaRPr lang="en-US" b="0" dirty="0">
-              <a:effectLst/>
-            </a:endParaRPr>
-          </a:p>
-          <a:p>
-            <a:pPr marL="171450" indent="-171450" rtl="0">
-              <a:buFont typeface="Arial" panose="020B0604020202020204" pitchFamily="34" charset="0"/>
-              <a:buChar char="•"/>
-            </a:pPr>
-            <a:r>
-              <a:rPr lang="en-US" sz="1200" b="0" i="0" u="none" strike="noStrike" kern="1200" dirty="0">
-                <a:solidFill>
-                  <a:schemeClr val="tx1"/>
-                </a:solidFill>
-                <a:effectLst/>
-                <a:latin typeface="+mn-lt"/>
-                <a:ea typeface="+mn-ea"/>
-                <a:cs typeface="+mn-cs"/>
-              </a:rPr>
-              <a:t>"LDAP for authentication"</a:t>
-            </a:r>
-            <a:endParaRPr lang="en-US" b="0" dirty="0">
-              <a:effectLst/>
-            </a:endParaRPr>
-          </a:p>
-          <a:p>
-            <a:pPr marL="171450" indent="-171450" rtl="0">
-              <a:buFont typeface="Arial" panose="020B0604020202020204" pitchFamily="34" charset="0"/>
-              <a:buChar char="•"/>
-            </a:pPr>
-            <a:r>
-              <a:rPr lang="en-US" sz="1200" b="0" i="0" u="none" strike="noStrike" kern="1200" dirty="0">
-                <a:solidFill>
-                  <a:schemeClr val="tx1"/>
-                </a:solidFill>
-                <a:effectLst/>
-                <a:latin typeface="+mn-lt"/>
-                <a:ea typeface="+mn-ea"/>
-                <a:cs typeface="+mn-cs"/>
-              </a:rPr>
-              <a:t>"Spring MVC for web development"</a:t>
-            </a:r>
-            <a:endParaRPr lang="en-US" b="0" dirty="0">
-              <a:effectLst/>
-            </a:endParaRPr>
+            <a:r>
+              <a:rPr lang="en-US" dirty="0"/>
+              <a:t>Here’s an example ADR, which records our decision to use Markdown when creating ADRs. Meta enough?</a:t>
+            </a:r>
           </a:p>
         </p:txBody>
       </p:sp>
@@ -3313,7 +3499,7 @@
     </p:spTree>
     <p:extLst>
       <p:ext uri="{BB962C8B-B14F-4D97-AF65-F5344CB8AC3E}">
-        <p14:creationId xmlns:p14="http://schemas.microsoft.com/office/powerpoint/2010/main" val="1374742106"/>
+        <p14:creationId xmlns:p14="http://schemas.microsoft.com/office/powerpoint/2010/main" val="3980653159"/>
       </p:ext>
     </p:extLst>
   </p:cSld>
@@ -3352,8 +3538,8 @@
         </p:nvSpPr>
         <p:spPr>
           <a:xfrm>
-            <a:off x="685800" y="1143000"/>
-            <a:ext cx="5486400" cy="3086100"/>
+            <a:off x="1371600" y="1143000"/>
+            <a:ext cx="4114800" cy="3086100"/>
           </a:xfrm>
         </p:spPr>
       </p:sp>
@@ -3383,8 +3569,11 @@
                 <a:ea typeface="+mn-ea"/>
                 <a:cs typeface="+mn-cs"/>
               </a:rPr>
-              <a:t>One of</a:t>
-            </a:r>
+              <a:t>Titles are usually best expressed as simple noun phrases:</a:t>
+            </a:r>
+            <a:endParaRPr lang="en-US" b="0" dirty="0">
+              <a:effectLst/>
+            </a:endParaRPr>
           </a:p>
           <a:p>
             <a:pPr marL="171450" indent="-171450" rtl="0">
@@ -3401,8 +3590,11 @@
                 <a:ea typeface="+mn-ea"/>
                 <a:cs typeface="+mn-cs"/>
               </a:rPr>
-              <a:t>Proposed</a:t>
-            </a:r>
+              <a:t>"Git for version control"</a:t>
+            </a:r>
+            <a:endParaRPr lang="en-US" b="0" dirty="0">
+              <a:effectLst/>
+            </a:endParaRPr>
           </a:p>
           <a:p>
             <a:pPr marL="171450" indent="-171450" rtl="0">
@@ -3419,8 +3611,11 @@
                 <a:ea typeface="+mn-ea"/>
                 <a:cs typeface="+mn-cs"/>
               </a:rPr>
-              <a:t>Accepted</a:t>
-            </a:r>
+              <a:t>"LDAP for authentication"</a:t>
+            </a:r>
+            <a:endParaRPr lang="en-US" b="0" dirty="0">
+              <a:effectLst/>
+            </a:endParaRPr>
           </a:p>
           <a:p>
             <a:pPr marL="171450" indent="-171450" rtl="0">
@@ -3437,70 +3632,7 @@
                 <a:ea typeface="+mn-ea"/>
                 <a:cs typeface="+mn-cs"/>
               </a:rPr>
-              <a:t>Superseded</a:t>
-            </a:r>
-          </a:p>
-          <a:p>
-            <a:pPr marL="171450" indent="-171450" rtl="0">
-              <a:buFont typeface="Arial" panose="020B0604020202020204" pitchFamily="34" charset="0"/>
-              <a:buChar char="•"/>
-            </a:pPr>
-            <a:r>
-              <a:rPr lang="en-US" sz="1200" b="0" i="0" u="none" strike="noStrike" kern="1200" dirty="0">
-                <a:solidFill>
-                  <a:schemeClr val="tx1"/>
-                </a:solidFill>
-                <a:effectLst/>
-                <a:latin typeface="+mn-lt"/>
-                <a:ea typeface="+mn-ea"/>
-                <a:cs typeface="+mn-cs"/>
-              </a:rPr>
-              <a:t>Deprecated</a:t>
-            </a:r>
-          </a:p>
-          <a:p>
-            <a:pPr marL="171450" indent="-171450" rtl="0">
-              <a:buFont typeface="Arial" panose="020B0604020202020204" pitchFamily="34" charset="0"/>
-              <a:buChar char="•"/>
-            </a:pPr>
-            <a:endParaRPr lang="en-US" sz="1200" b="0" i="0" u="none" strike="noStrike" kern="1200" dirty="0">
-              <a:solidFill>
-                <a:schemeClr val="tx1"/>
-              </a:solidFill>
-              <a:effectLst/>
-              <a:latin typeface="+mn-lt"/>
-              <a:ea typeface="+mn-ea"/>
-              <a:cs typeface="+mn-cs"/>
-            </a:endParaRPr>
-          </a:p>
-          <a:p>
-            <a:pPr rtl="0"/>
-            <a:r>
-              <a:rPr lang="en-US" sz="1200" b="0" i="0" u="none" strike="noStrike" kern="1200" dirty="0">
-                <a:solidFill>
-                  <a:schemeClr val="tx1"/>
-                </a:solidFill>
-                <a:effectLst/>
-                <a:latin typeface="+mn-lt"/>
-                <a:ea typeface="+mn-ea"/>
-                <a:cs typeface="+mn-cs"/>
-              </a:rPr>
-              <a:t>Side note: The original idea around ADRs was that they were immutable.</a:t>
-            </a:r>
-          </a:p>
-          <a:p>
-            <a:pPr rtl="0"/>
-            <a:r>
-              <a:rPr lang="en-US" sz="1200" b="0" i="0" u="none" strike="noStrike" kern="1200" dirty="0">
-                <a:solidFill>
-                  <a:schemeClr val="tx1"/>
-                </a:solidFill>
-                <a:effectLst/>
-                <a:latin typeface="+mn-lt"/>
-                <a:ea typeface="+mn-ea"/>
-                <a:cs typeface="+mn-cs"/>
-              </a:rPr>
-              <a:t>This is one area where, in the past, we have deviated from the original ideas around ADRs. For superseded &amp; deprecated ADRs, we either just changed the ADR itself, or moved it to an "archive" directory, to reduce the signal-to-noise ratio. Changing ADRs is fine, if you're storing them in source control.</a:t>
+              <a:t>"Spring MVC for web development"</a:t>
             </a:r>
             <a:endParaRPr lang="en-US" b="0" dirty="0">
               <a:effectLst/>
@@ -3534,7 +3666,7 @@
     </p:spTree>
     <p:extLst>
       <p:ext uri="{BB962C8B-B14F-4D97-AF65-F5344CB8AC3E}">
-        <p14:creationId xmlns:p14="http://schemas.microsoft.com/office/powerpoint/2010/main" val="350237593"/>
+        <p14:creationId xmlns:p14="http://schemas.microsoft.com/office/powerpoint/2010/main" val="1374742106"/>
       </p:ext>
     </p:extLst>
   </p:cSld>
@@ -3579,15 +3711,15 @@
         </p:nvSpPr>
         <p:spPr>
           <a:xfrm>
-            <a:off x="1524000" y="1122363"/>
-            <a:ext cx="9144000" cy="2387600"/>
+            <a:off x="1143000" y="1122363"/>
+            <a:ext cx="6858000" cy="2387600"/>
           </a:xfrm>
         </p:spPr>
         <p:txBody>
           <a:bodyPr anchor="b"/>
           <a:lstStyle>
             <a:lvl1pPr algn="ctr">
-              <a:defRPr sz="6000"/>
+              <a:defRPr sz="4500"/>
             </a:lvl1pPr>
           </a:lstStyle>
           <a:p>
@@ -3616,8 +3748,8 @@
         </p:nvSpPr>
         <p:spPr>
           <a:xfrm>
-            <a:off x="1524000" y="3602038"/>
-            <a:ext cx="9144000" cy="1655762"/>
+            <a:off x="1143000" y="3602040"/>
+            <a:ext cx="6858000" cy="1655763"/>
           </a:xfrm>
         </p:spPr>
         <p:txBody>
@@ -3625,39 +3757,39 @@
           <a:lstStyle>
             <a:lvl1pPr marL="0" indent="0" algn="ctr">
               <a:buNone/>
-              <a:defRPr sz="2400"/>
+              <a:defRPr sz="1800"/>
             </a:lvl1pPr>
-            <a:lvl2pPr marL="457200" indent="0" algn="ctr">
+            <a:lvl2pPr marL="342875" indent="0" algn="ctr">
               <a:buNone/>
-              <a:defRPr sz="2000"/>
+              <a:defRPr sz="1500"/>
             </a:lvl2pPr>
-            <a:lvl3pPr marL="914400" indent="0" algn="ctr">
+            <a:lvl3pPr marL="685749" indent="0" algn="ctr">
               <a:buNone/>
-              <a:defRPr sz="1800"/>
+              <a:defRPr sz="1350"/>
             </a:lvl3pPr>
-            <a:lvl4pPr marL="1371600" indent="0" algn="ctr">
+            <a:lvl4pPr marL="1028624" indent="0" algn="ctr">
               <a:buNone/>
-              <a:defRPr sz="1600"/>
+              <a:defRPr sz="1200"/>
             </a:lvl4pPr>
-            <a:lvl5pPr marL="1828800" indent="0" algn="ctr">
+            <a:lvl5pPr marL="1371498" indent="0" algn="ctr">
               <a:buNone/>
-              <a:defRPr sz="1600"/>
+              <a:defRPr sz="1200"/>
             </a:lvl5pPr>
-            <a:lvl6pPr marL="2286000" indent="0" algn="ctr">
+            <a:lvl6pPr marL="1714373" indent="0" algn="ctr">
               <a:buNone/>
-              <a:defRPr sz="1600"/>
+              <a:defRPr sz="1200"/>
             </a:lvl6pPr>
-            <a:lvl7pPr marL="2743200" indent="0" algn="ctr">
+            <a:lvl7pPr marL="2057246" indent="0" algn="ctr">
               <a:buNone/>
-              <a:defRPr sz="1600"/>
+              <a:defRPr sz="1200"/>
             </a:lvl7pPr>
-            <a:lvl8pPr marL="3200400" indent="0" algn="ctr">
+            <a:lvl8pPr marL="2400120" indent="0" algn="ctr">
               <a:buNone/>
-              <a:defRPr sz="1600"/>
+              <a:defRPr sz="1200"/>
             </a:lvl8pPr>
-            <a:lvl9pPr marL="3657600" indent="0" algn="ctr">
+            <a:lvl9pPr marL="2742995" indent="0" algn="ctr">
               <a:buNone/>
-              <a:defRPr sz="1600"/>
+              <a:defRPr sz="1200"/>
             </a:lvl9pPr>
           </a:lstStyle>
           <a:p>
@@ -3691,7 +3823,7 @@
           <a:p>
             <a:fld id="{5387A2D6-595D-DA44-B145-80F30058C334}" type="datetimeFigureOut">
               <a:rPr lang="en-US" smtClean="0"/>
-              <a:t>1/11/19</a:t>
+              <a:t>1/21/19</a:t>
             </a:fld>
             <a:endParaRPr lang="en-US"/>
           </a:p>
@@ -3761,6 +3893,14 @@
   <p:clrMapOvr>
     <a:masterClrMapping/>
   </p:clrMapOvr>
+  <mc:AlternateContent xmlns:mc="http://schemas.openxmlformats.org/markup-compatibility/2006" xmlns:p14="http://schemas.microsoft.com/office/powerpoint/2010/main">
+    <mc:Choice Requires="p14">
+      <p:transition spd="slow" p14:dur="2000" advClick="0" advTm="15000"/>
+    </mc:Choice>
+    <mc:Fallback xmlns="">
+      <p:transition spd="slow" advClick="0" advTm="15000"/>
+    </mc:Fallback>
+  </mc:AlternateContent>
 </p:sldLayout>
 </file>
 
@@ -3889,7 +4029,7 @@
           <a:p>
             <a:fld id="{5387A2D6-595D-DA44-B145-80F30058C334}" type="datetimeFigureOut">
               <a:rPr lang="en-US" smtClean="0"/>
-              <a:t>1/11/19</a:t>
+              <a:t>1/21/19</a:t>
             </a:fld>
             <a:endParaRPr lang="en-US"/>
           </a:p>
@@ -3959,6 +4099,14 @@
   <p:clrMapOvr>
     <a:masterClrMapping/>
   </p:clrMapOvr>
+  <mc:AlternateContent xmlns:mc="http://schemas.openxmlformats.org/markup-compatibility/2006" xmlns:p14="http://schemas.microsoft.com/office/powerpoint/2010/main">
+    <mc:Choice Requires="p14">
+      <p:transition spd="slow" p14:dur="2000" advClick="0" advTm="15000"/>
+    </mc:Choice>
+    <mc:Fallback xmlns="">
+      <p:transition spd="slow" advClick="0" advTm="15000"/>
+    </mc:Fallback>
+  </mc:AlternateContent>
 </p:sldLayout>
 </file>
 
@@ -3997,8 +4145,8 @@
         </p:nvSpPr>
         <p:spPr>
           <a:xfrm>
-            <a:off x="8724900" y="365125"/>
-            <a:ext cx="2628900" cy="5811838"/>
+            <a:off x="6543676" y="365129"/>
+            <a:ext cx="1971675" cy="5811839"/>
           </a:xfrm>
         </p:spPr>
         <p:txBody>
@@ -4030,8 +4178,8 @@
         </p:nvSpPr>
         <p:spPr>
           <a:xfrm>
-            <a:off x="838200" y="365125"/>
-            <a:ext cx="7734300" cy="5811838"/>
+            <a:off x="628652" y="365129"/>
+            <a:ext cx="5800725" cy="5811839"/>
           </a:xfrm>
         </p:spPr>
         <p:txBody>
@@ -4097,7 +4245,7 @@
           <a:p>
             <a:fld id="{5387A2D6-595D-DA44-B145-80F30058C334}" type="datetimeFigureOut">
               <a:rPr lang="en-US" smtClean="0"/>
-              <a:t>1/11/19</a:t>
+              <a:t>1/21/19</a:t>
             </a:fld>
             <a:endParaRPr lang="en-US"/>
           </a:p>
@@ -4167,6 +4315,14 @@
   <p:clrMapOvr>
     <a:masterClrMapping/>
   </p:clrMapOvr>
+  <mc:AlternateContent xmlns:mc="http://schemas.openxmlformats.org/markup-compatibility/2006" xmlns:p14="http://schemas.microsoft.com/office/powerpoint/2010/main">
+    <mc:Choice Requires="p14">
+      <p:transition spd="slow" p14:dur="2000" advClick="0" advTm="15000"/>
+    </mc:Choice>
+    <mc:Fallback xmlns="">
+      <p:transition spd="slow" advClick="0" advTm="15000"/>
+    </mc:Fallback>
+  </mc:AlternateContent>
 </p:sldLayout>
 </file>
 
@@ -4295,7 +4451,7 @@
           <a:p>
             <a:fld id="{5387A2D6-595D-DA44-B145-80F30058C334}" type="datetimeFigureOut">
               <a:rPr lang="en-US" smtClean="0"/>
-              <a:t>1/11/19</a:t>
+              <a:t>1/21/19</a:t>
             </a:fld>
             <a:endParaRPr lang="en-US"/>
           </a:p>
@@ -4365,6 +4521,14 @@
   <p:clrMapOvr>
     <a:masterClrMapping/>
   </p:clrMapOvr>
+  <mc:AlternateContent xmlns:mc="http://schemas.openxmlformats.org/markup-compatibility/2006" xmlns:p14="http://schemas.microsoft.com/office/powerpoint/2010/main">
+    <mc:Choice Requires="p14">
+      <p:transition spd="slow" p14:dur="2000" advClick="0" advTm="15000"/>
+    </mc:Choice>
+    <mc:Fallback xmlns="">
+      <p:transition spd="slow" advClick="0" advTm="15000"/>
+    </mc:Fallback>
+  </mc:AlternateContent>
 </p:sldLayout>
 </file>
 
@@ -4403,15 +4567,15 @@
         </p:nvSpPr>
         <p:spPr>
           <a:xfrm>
-            <a:off x="831850" y="1709738"/>
-            <a:ext cx="10515600" cy="2852737"/>
+            <a:off x="623888" y="1709744"/>
+            <a:ext cx="7886700" cy="2852737"/>
           </a:xfrm>
         </p:spPr>
         <p:txBody>
           <a:bodyPr anchor="b"/>
           <a:lstStyle>
             <a:lvl1pPr>
-              <a:defRPr sz="6000"/>
+              <a:defRPr sz="4500"/>
             </a:lvl1pPr>
           </a:lstStyle>
           <a:p>
@@ -4440,8 +4604,8 @@
         </p:nvSpPr>
         <p:spPr>
           <a:xfrm>
-            <a:off x="831850" y="4589463"/>
-            <a:ext cx="10515600" cy="1500187"/>
+            <a:off x="623888" y="4589468"/>
+            <a:ext cx="7886700" cy="1500187"/>
           </a:xfrm>
         </p:spPr>
         <p:txBody>
@@ -4449,7 +4613,7 @@
           <a:lstStyle>
             <a:lvl1pPr marL="0" indent="0">
               <a:buNone/>
-              <a:defRPr sz="2400">
+              <a:defRPr sz="1800">
                 <a:solidFill>
                   <a:schemeClr val="tx1">
                     <a:tint val="75000"/>
@@ -4457,9 +4621,9 @@
                 </a:solidFill>
               </a:defRPr>
             </a:lvl1pPr>
-            <a:lvl2pPr marL="457200" indent="0">
+            <a:lvl2pPr marL="342875" indent="0">
               <a:buNone/>
-              <a:defRPr sz="2000">
+              <a:defRPr sz="1500">
                 <a:solidFill>
                   <a:schemeClr val="tx1">
                     <a:tint val="75000"/>
@@ -4467,9 +4631,9 @@
                 </a:solidFill>
               </a:defRPr>
             </a:lvl2pPr>
-            <a:lvl3pPr marL="914400" indent="0">
+            <a:lvl3pPr marL="685749" indent="0">
               <a:buNone/>
-              <a:defRPr sz="1800">
+              <a:defRPr sz="1350">
                 <a:solidFill>
                   <a:schemeClr val="tx1">
                     <a:tint val="75000"/>
@@ -4477,9 +4641,9 @@
                 </a:solidFill>
               </a:defRPr>
             </a:lvl3pPr>
-            <a:lvl4pPr marL="1371600" indent="0">
+            <a:lvl4pPr marL="1028624" indent="0">
               <a:buNone/>
-              <a:defRPr sz="1600">
+              <a:defRPr sz="1200">
                 <a:solidFill>
                   <a:schemeClr val="tx1">
                     <a:tint val="75000"/>
@@ -4487,9 +4651,9 @@
                 </a:solidFill>
               </a:defRPr>
             </a:lvl4pPr>
-            <a:lvl5pPr marL="1828800" indent="0">
+            <a:lvl5pPr marL="1371498" indent="0">
               <a:buNone/>
-              <a:defRPr sz="1600">
+              <a:defRPr sz="1200">
                 <a:solidFill>
                   <a:schemeClr val="tx1">
                     <a:tint val="75000"/>
@@ -4497,9 +4661,9 @@
                 </a:solidFill>
               </a:defRPr>
             </a:lvl5pPr>
-            <a:lvl6pPr marL="2286000" indent="0">
+            <a:lvl6pPr marL="1714373" indent="0">
               <a:buNone/>
-              <a:defRPr sz="1600">
+              <a:defRPr sz="1200">
                 <a:solidFill>
                   <a:schemeClr val="tx1">
                     <a:tint val="75000"/>
@@ -4507,9 +4671,9 @@
                 </a:solidFill>
               </a:defRPr>
             </a:lvl6pPr>
-            <a:lvl7pPr marL="2743200" indent="0">
+            <a:lvl7pPr marL="2057246" indent="0">
               <a:buNone/>
-              <a:defRPr sz="1600">
+              <a:defRPr sz="1200">
                 <a:solidFill>
                   <a:schemeClr val="tx1">
                     <a:tint val="75000"/>
@@ -4517,9 +4681,9 @@
                 </a:solidFill>
               </a:defRPr>
             </a:lvl7pPr>
-            <a:lvl8pPr marL="3200400" indent="0">
+            <a:lvl8pPr marL="2400120" indent="0">
               <a:buNone/>
-              <a:defRPr sz="1600">
+              <a:defRPr sz="1200">
                 <a:solidFill>
                   <a:schemeClr val="tx1">
                     <a:tint val="75000"/>
@@ -4527,9 +4691,9 @@
                 </a:solidFill>
               </a:defRPr>
             </a:lvl8pPr>
-            <a:lvl9pPr marL="3657600" indent="0">
+            <a:lvl9pPr marL="2742995" indent="0">
               <a:buNone/>
-              <a:defRPr sz="1600">
+              <a:defRPr sz="1200">
                 <a:solidFill>
                   <a:schemeClr val="tx1">
                     <a:tint val="75000"/>
@@ -4570,7 +4734,7 @@
           <a:p>
             <a:fld id="{5387A2D6-595D-DA44-B145-80F30058C334}" type="datetimeFigureOut">
               <a:rPr lang="en-US" smtClean="0"/>
-              <a:t>1/11/19</a:t>
+              <a:t>1/21/19</a:t>
             </a:fld>
             <a:endParaRPr lang="en-US"/>
           </a:p>
@@ -4640,6 +4804,14 @@
   <p:clrMapOvr>
     <a:masterClrMapping/>
   </p:clrMapOvr>
+  <mc:AlternateContent xmlns:mc="http://schemas.openxmlformats.org/markup-compatibility/2006" xmlns:p14="http://schemas.microsoft.com/office/powerpoint/2010/main">
+    <mc:Choice Requires="p14">
+      <p:transition spd="slow" p14:dur="2000" advClick="0" advTm="15000"/>
+    </mc:Choice>
+    <mc:Fallback xmlns="">
+      <p:transition spd="slow" advClick="0" advTm="15000"/>
+    </mc:Fallback>
+  </mc:AlternateContent>
 </p:sldLayout>
 </file>
 
@@ -4706,8 +4878,8 @@
         </p:nvSpPr>
         <p:spPr>
           <a:xfrm>
-            <a:off x="838200" y="1825625"/>
-            <a:ext cx="5181600" cy="4351338"/>
+            <a:off x="628650" y="1825625"/>
+            <a:ext cx="3886200" cy="4351339"/>
           </a:xfrm>
         </p:spPr>
         <p:txBody>
@@ -4768,8 +4940,8 @@
         </p:nvSpPr>
         <p:spPr>
           <a:xfrm>
-            <a:off x="6172200" y="1825625"/>
-            <a:ext cx="5181600" cy="4351338"/>
+            <a:off x="4629150" y="1825625"/>
+            <a:ext cx="3886200" cy="4351339"/>
           </a:xfrm>
         </p:spPr>
         <p:txBody>
@@ -4835,7 +5007,7 @@
           <a:p>
             <a:fld id="{5387A2D6-595D-DA44-B145-80F30058C334}" type="datetimeFigureOut">
               <a:rPr lang="en-US" smtClean="0"/>
-              <a:t>1/11/19</a:t>
+              <a:t>1/21/19</a:t>
             </a:fld>
             <a:endParaRPr lang="en-US"/>
           </a:p>
@@ -4905,6 +5077,14 @@
   <p:clrMapOvr>
     <a:masterClrMapping/>
   </p:clrMapOvr>
+  <mc:AlternateContent xmlns:mc="http://schemas.openxmlformats.org/markup-compatibility/2006" xmlns:p14="http://schemas.microsoft.com/office/powerpoint/2010/main">
+    <mc:Choice Requires="p14">
+      <p:transition spd="slow" p14:dur="2000" advClick="0" advTm="15000"/>
+    </mc:Choice>
+    <mc:Fallback xmlns="">
+      <p:transition spd="slow" advClick="0" advTm="15000"/>
+    </mc:Fallback>
+  </mc:AlternateContent>
 </p:sldLayout>
 </file>
 
@@ -4943,8 +5123,8 @@
         </p:nvSpPr>
         <p:spPr>
           <a:xfrm>
-            <a:off x="839788" y="365125"/>
-            <a:ext cx="10515600" cy="1325563"/>
+            <a:off x="629841" y="365128"/>
+            <a:ext cx="7886700" cy="1325563"/>
           </a:xfrm>
         </p:spPr>
         <p:txBody>
@@ -4976,8 +5156,8 @@
         </p:nvSpPr>
         <p:spPr>
           <a:xfrm>
-            <a:off x="839788" y="1681163"/>
-            <a:ext cx="5157787" cy="823912"/>
+            <a:off x="629842" y="1681163"/>
+            <a:ext cx="3868340" cy="823912"/>
           </a:xfrm>
         </p:spPr>
         <p:txBody>
@@ -4985,39 +5165,39 @@
           <a:lstStyle>
             <a:lvl1pPr marL="0" indent="0">
               <a:buNone/>
-              <a:defRPr sz="2400" b="1"/>
+              <a:defRPr sz="1800" b="1"/>
             </a:lvl1pPr>
-            <a:lvl2pPr marL="457200" indent="0">
+            <a:lvl2pPr marL="342875" indent="0">
               <a:buNone/>
-              <a:defRPr sz="2000" b="1"/>
+              <a:defRPr sz="1500" b="1"/>
             </a:lvl2pPr>
-            <a:lvl3pPr marL="914400" indent="0">
+            <a:lvl3pPr marL="685749" indent="0">
               <a:buNone/>
-              <a:defRPr sz="1800" b="1"/>
+              <a:defRPr sz="1350" b="1"/>
             </a:lvl3pPr>
-            <a:lvl4pPr marL="1371600" indent="0">
+            <a:lvl4pPr marL="1028624" indent="0">
               <a:buNone/>
-              <a:defRPr sz="1600" b="1"/>
+              <a:defRPr sz="1200" b="1"/>
             </a:lvl4pPr>
-            <a:lvl5pPr marL="1828800" indent="0">
+            <a:lvl5pPr marL="1371498" indent="0">
               <a:buNone/>
-              <a:defRPr sz="1600" b="1"/>
+              <a:defRPr sz="1200" b="1"/>
             </a:lvl5pPr>
-            <a:lvl6pPr marL="2286000" indent="0">
+            <a:lvl6pPr marL="1714373" indent="0">
               <a:buNone/>
-              <a:defRPr sz="1600" b="1"/>
+              <a:defRPr sz="1200" b="1"/>
             </a:lvl6pPr>
-            <a:lvl7pPr marL="2743200" indent="0">
+            <a:lvl7pPr marL="2057246" indent="0">
               <a:buNone/>
-              <a:defRPr sz="1600" b="1"/>
+              <a:defRPr sz="1200" b="1"/>
             </a:lvl7pPr>
-            <a:lvl8pPr marL="3200400" indent="0">
+            <a:lvl8pPr marL="2400120" indent="0">
               <a:buNone/>
-              <a:defRPr sz="1600" b="1"/>
+              <a:defRPr sz="1200" b="1"/>
             </a:lvl8pPr>
-            <a:lvl9pPr marL="3657600" indent="0">
+            <a:lvl9pPr marL="2742995" indent="0">
               <a:buNone/>
-              <a:defRPr sz="1600" b="1"/>
+              <a:defRPr sz="1200" b="1"/>
             </a:lvl9pPr>
           </a:lstStyle>
           <a:p>
@@ -5047,8 +5227,8 @@
         </p:nvSpPr>
         <p:spPr>
           <a:xfrm>
-            <a:off x="839788" y="2505075"/>
-            <a:ext cx="5157787" cy="3684588"/>
+            <a:off x="629842" y="2505077"/>
+            <a:ext cx="3868340" cy="3684588"/>
           </a:xfrm>
         </p:spPr>
         <p:txBody>
@@ -5109,8 +5289,8 @@
         </p:nvSpPr>
         <p:spPr>
           <a:xfrm>
-            <a:off x="6172200" y="1681163"/>
-            <a:ext cx="5183188" cy="823912"/>
+            <a:off x="4629152" y="1681163"/>
+            <a:ext cx="3887391" cy="823912"/>
           </a:xfrm>
         </p:spPr>
         <p:txBody>
@@ -5118,39 +5298,39 @@
           <a:lstStyle>
             <a:lvl1pPr marL="0" indent="0">
               <a:buNone/>
-              <a:defRPr sz="2400" b="1"/>
+              <a:defRPr sz="1800" b="1"/>
             </a:lvl1pPr>
-            <a:lvl2pPr marL="457200" indent="0">
+            <a:lvl2pPr marL="342875" indent="0">
               <a:buNone/>
-              <a:defRPr sz="2000" b="1"/>
+              <a:defRPr sz="1500" b="1"/>
             </a:lvl2pPr>
-            <a:lvl3pPr marL="914400" indent="0">
+            <a:lvl3pPr marL="685749" indent="0">
               <a:buNone/>
-              <a:defRPr sz="1800" b="1"/>
+              <a:defRPr sz="1350" b="1"/>
             </a:lvl3pPr>
-            <a:lvl4pPr marL="1371600" indent="0">
+            <a:lvl4pPr marL="1028624" indent="0">
               <a:buNone/>
-              <a:defRPr sz="1600" b="1"/>
+              <a:defRPr sz="1200" b="1"/>
             </a:lvl4pPr>
-            <a:lvl5pPr marL="1828800" indent="0">
+            <a:lvl5pPr marL="1371498" indent="0">
               <a:buNone/>
-              <a:defRPr sz="1600" b="1"/>
+              <a:defRPr sz="1200" b="1"/>
             </a:lvl5pPr>
-            <a:lvl6pPr marL="2286000" indent="0">
+            <a:lvl6pPr marL="1714373" indent="0">
               <a:buNone/>
-              <a:defRPr sz="1600" b="1"/>
+              <a:defRPr sz="1200" b="1"/>
             </a:lvl6pPr>
-            <a:lvl7pPr marL="2743200" indent="0">
+            <a:lvl7pPr marL="2057246" indent="0">
               <a:buNone/>
-              <a:defRPr sz="1600" b="1"/>
+              <a:defRPr sz="1200" b="1"/>
             </a:lvl7pPr>
-            <a:lvl8pPr marL="3200400" indent="0">
+            <a:lvl8pPr marL="2400120" indent="0">
               <a:buNone/>
-              <a:defRPr sz="1600" b="1"/>
+              <a:defRPr sz="1200" b="1"/>
             </a:lvl8pPr>
-            <a:lvl9pPr marL="3657600" indent="0">
+            <a:lvl9pPr marL="2742995" indent="0">
               <a:buNone/>
-              <a:defRPr sz="1600" b="1"/>
+              <a:defRPr sz="1200" b="1"/>
             </a:lvl9pPr>
           </a:lstStyle>
           <a:p>
@@ -5180,8 +5360,8 @@
         </p:nvSpPr>
         <p:spPr>
           <a:xfrm>
-            <a:off x="6172200" y="2505075"/>
-            <a:ext cx="5183188" cy="3684588"/>
+            <a:off x="4629152" y="2505077"/>
+            <a:ext cx="3887391" cy="3684588"/>
           </a:xfrm>
         </p:spPr>
         <p:txBody>
@@ -5247,7 +5427,7 @@
           <a:p>
             <a:fld id="{5387A2D6-595D-DA44-B145-80F30058C334}" type="datetimeFigureOut">
               <a:rPr lang="en-US" smtClean="0"/>
-              <a:t>1/11/19</a:t>
+              <a:t>1/21/19</a:t>
             </a:fld>
             <a:endParaRPr lang="en-US"/>
           </a:p>
@@ -5317,6 +5497,14 @@
   <p:clrMapOvr>
     <a:masterClrMapping/>
   </p:clrMapOvr>
+  <mc:AlternateContent xmlns:mc="http://schemas.openxmlformats.org/markup-compatibility/2006" xmlns:p14="http://schemas.microsoft.com/office/powerpoint/2010/main">
+    <mc:Choice Requires="p14">
+      <p:transition spd="slow" p14:dur="2000" advClick="0" advTm="15000"/>
+    </mc:Choice>
+    <mc:Fallback xmlns="">
+      <p:transition spd="slow" advClick="0" advTm="15000"/>
+    </mc:Fallback>
+  </mc:AlternateContent>
 </p:sldLayout>
 </file>
 
@@ -5388,7 +5576,7 @@
           <a:p>
             <a:fld id="{5387A2D6-595D-DA44-B145-80F30058C334}" type="datetimeFigureOut">
               <a:rPr lang="en-US" smtClean="0"/>
-              <a:t>1/11/19</a:t>
+              <a:t>1/21/19</a:t>
             </a:fld>
             <a:endParaRPr lang="en-US"/>
           </a:p>
@@ -5458,6 +5646,14 @@
   <p:clrMapOvr>
     <a:masterClrMapping/>
   </p:clrMapOvr>
+  <mc:AlternateContent xmlns:mc="http://schemas.openxmlformats.org/markup-compatibility/2006" xmlns:p14="http://schemas.microsoft.com/office/powerpoint/2010/main">
+    <mc:Choice Requires="p14">
+      <p:transition spd="slow" p14:dur="2000" advClick="0" advTm="15000"/>
+    </mc:Choice>
+    <mc:Fallback xmlns="">
+      <p:transition spd="slow" advClick="0" advTm="15000"/>
+    </mc:Fallback>
+  </mc:AlternateContent>
 </p:sldLayout>
 </file>
 
@@ -5501,7 +5697,7 @@
           <a:p>
             <a:fld id="{5387A2D6-595D-DA44-B145-80F30058C334}" type="datetimeFigureOut">
               <a:rPr lang="en-US" smtClean="0"/>
-              <a:t>1/11/19</a:t>
+              <a:t>1/21/19</a:t>
             </a:fld>
             <a:endParaRPr lang="en-US"/>
           </a:p>
@@ -5571,6 +5767,14 @@
   <p:clrMapOvr>
     <a:masterClrMapping/>
   </p:clrMapOvr>
+  <mc:AlternateContent xmlns:mc="http://schemas.openxmlformats.org/markup-compatibility/2006" xmlns:p14="http://schemas.microsoft.com/office/powerpoint/2010/main">
+    <mc:Choice Requires="p14">
+      <p:transition spd="slow" p14:dur="2000" advClick="0" advTm="15000"/>
+    </mc:Choice>
+    <mc:Fallback xmlns="">
+      <p:transition spd="slow" advClick="0" advTm="15000"/>
+    </mc:Fallback>
+  </mc:AlternateContent>
 </p:sldLayout>
 </file>
 
@@ -5609,15 +5813,15 @@
         </p:nvSpPr>
         <p:spPr>
           <a:xfrm>
-            <a:off x="839788" y="457200"/>
-            <a:ext cx="3932237" cy="1600200"/>
+            <a:off x="629841" y="457200"/>
+            <a:ext cx="2949178" cy="1600200"/>
           </a:xfrm>
         </p:spPr>
         <p:txBody>
           <a:bodyPr anchor="b"/>
           <a:lstStyle>
             <a:lvl1pPr>
-              <a:defRPr sz="3200"/>
+              <a:defRPr sz="2400"/>
             </a:lvl1pPr>
           </a:lstStyle>
           <a:p>
@@ -5646,39 +5850,39 @@
         </p:nvSpPr>
         <p:spPr>
           <a:xfrm>
-            <a:off x="5183188" y="987425"/>
-            <a:ext cx="6172200" cy="4873625"/>
+            <a:off x="3887391" y="987431"/>
+            <a:ext cx="4629150" cy="4873625"/>
           </a:xfrm>
         </p:spPr>
         <p:txBody>
           <a:bodyPr/>
           <a:lstStyle>
             <a:lvl1pPr>
-              <a:defRPr sz="3200"/>
+              <a:defRPr sz="2400"/>
             </a:lvl1pPr>
             <a:lvl2pPr>
-              <a:defRPr sz="2800"/>
+              <a:defRPr sz="2100"/>
             </a:lvl2pPr>
             <a:lvl3pPr>
-              <a:defRPr sz="2400"/>
+              <a:defRPr sz="1800"/>
             </a:lvl3pPr>
             <a:lvl4pPr>
-              <a:defRPr sz="2000"/>
+              <a:defRPr sz="1500"/>
             </a:lvl4pPr>
             <a:lvl5pPr>
-              <a:defRPr sz="2000"/>
+              <a:defRPr sz="1500"/>
             </a:lvl5pPr>
             <a:lvl6pPr>
-              <a:defRPr sz="2000"/>
+              <a:defRPr sz="1500"/>
             </a:lvl6pPr>
             <a:lvl7pPr>
-              <a:defRPr sz="2000"/>
+              <a:defRPr sz="1500"/>
             </a:lvl7pPr>
             <a:lvl8pPr>
-              <a:defRPr sz="2000"/>
+              <a:defRPr sz="1500"/>
             </a:lvl8pPr>
             <a:lvl9pPr>
-              <a:defRPr sz="2000"/>
+              <a:defRPr sz="1500"/>
             </a:lvl9pPr>
           </a:lstStyle>
           <a:p>
@@ -5736,8 +5940,8 @@
         </p:nvSpPr>
         <p:spPr>
           <a:xfrm>
-            <a:off x="839788" y="2057400"/>
-            <a:ext cx="3932237" cy="3811588"/>
+            <a:off x="629841" y="2057401"/>
+            <a:ext cx="2949178" cy="3811588"/>
           </a:xfrm>
         </p:spPr>
         <p:txBody>
@@ -5745,39 +5949,39 @@
           <a:lstStyle>
             <a:lvl1pPr marL="0" indent="0">
               <a:buNone/>
-              <a:defRPr sz="1600"/>
+              <a:defRPr sz="1200"/>
             </a:lvl1pPr>
-            <a:lvl2pPr marL="457200" indent="0">
+            <a:lvl2pPr marL="342875" indent="0">
               <a:buNone/>
-              <a:defRPr sz="1400"/>
+              <a:defRPr sz="1050"/>
             </a:lvl2pPr>
-            <a:lvl3pPr marL="914400" indent="0">
+            <a:lvl3pPr marL="685749" indent="0">
               <a:buNone/>
-              <a:defRPr sz="1200"/>
+              <a:defRPr sz="900"/>
             </a:lvl3pPr>
-            <a:lvl4pPr marL="1371600" indent="0">
+            <a:lvl4pPr marL="1028624" indent="0">
               <a:buNone/>
-              <a:defRPr sz="1000"/>
+              <a:defRPr sz="750"/>
             </a:lvl4pPr>
-            <a:lvl5pPr marL="1828800" indent="0">
+            <a:lvl5pPr marL="1371498" indent="0">
               <a:buNone/>
-              <a:defRPr sz="1000"/>
+              <a:defRPr sz="750"/>
             </a:lvl5pPr>
-            <a:lvl6pPr marL="2286000" indent="0">
+            <a:lvl6pPr marL="1714373" indent="0">
               <a:buNone/>
-              <a:defRPr sz="1000"/>
+              <a:defRPr sz="750"/>
             </a:lvl6pPr>
-            <a:lvl7pPr marL="2743200" indent="0">
+            <a:lvl7pPr marL="2057246" indent="0">
               <a:buNone/>
-              <a:defRPr sz="1000"/>
+              <a:defRPr sz="750"/>
             </a:lvl7pPr>
-            <a:lvl8pPr marL="3200400" indent="0">
+            <a:lvl8pPr marL="2400120" indent="0">
               <a:buNone/>
-              <a:defRPr sz="1000"/>
+              <a:defRPr sz="750"/>
             </a:lvl8pPr>
-            <a:lvl9pPr marL="3657600" indent="0">
+            <a:lvl9pPr marL="2742995" indent="0">
               <a:buNone/>
-              <a:defRPr sz="1000"/>
+              <a:defRPr sz="750"/>
             </a:lvl9pPr>
           </a:lstStyle>
           <a:p>
@@ -5812,7 +6016,7 @@
           <a:p>
             <a:fld id="{5387A2D6-595D-DA44-B145-80F30058C334}" type="datetimeFigureOut">
               <a:rPr lang="en-US" smtClean="0"/>
-              <a:t>1/11/19</a:t>
+              <a:t>1/21/19</a:t>
             </a:fld>
             <a:endParaRPr lang="en-US"/>
           </a:p>
@@ -5882,6 +6086,14 @@
   <p:clrMapOvr>
     <a:masterClrMapping/>
   </p:clrMapOvr>
+  <mc:AlternateContent xmlns:mc="http://schemas.openxmlformats.org/markup-compatibility/2006" xmlns:p14="http://schemas.microsoft.com/office/powerpoint/2010/main">
+    <mc:Choice Requires="p14">
+      <p:transition spd="slow" p14:dur="2000" advClick="0" advTm="15000"/>
+    </mc:Choice>
+    <mc:Fallback xmlns="">
+      <p:transition spd="slow" advClick="0" advTm="15000"/>
+    </mc:Fallback>
+  </mc:AlternateContent>
 </p:sldLayout>
 </file>
 
@@ -5920,15 +6132,15 @@
         </p:nvSpPr>
         <p:spPr>
           <a:xfrm>
-            <a:off x="839788" y="457200"/>
-            <a:ext cx="3932237" cy="1600200"/>
+            <a:off x="629841" y="457200"/>
+            <a:ext cx="2949178" cy="1600200"/>
           </a:xfrm>
         </p:spPr>
         <p:txBody>
           <a:bodyPr anchor="b"/>
           <a:lstStyle>
             <a:lvl1pPr>
-              <a:defRPr sz="3200"/>
+              <a:defRPr sz="2400"/>
             </a:lvl1pPr>
           </a:lstStyle>
           <a:p>
@@ -5957,8 +6169,8 @@
         </p:nvSpPr>
         <p:spPr>
           <a:xfrm>
-            <a:off x="5183188" y="987425"/>
-            <a:ext cx="6172200" cy="4873625"/>
+            <a:off x="3887391" y="987431"/>
+            <a:ext cx="4629150" cy="4873625"/>
           </a:xfrm>
         </p:spPr>
         <p:txBody>
@@ -5966,39 +6178,39 @@
           <a:lstStyle>
             <a:lvl1pPr marL="0" indent="0">
               <a:buNone/>
-              <a:defRPr sz="3200"/>
+              <a:defRPr sz="2400"/>
             </a:lvl1pPr>
-            <a:lvl2pPr marL="457200" indent="0">
+            <a:lvl2pPr marL="342875" indent="0">
               <a:buNone/>
-              <a:defRPr sz="2800"/>
+              <a:defRPr sz="2100"/>
             </a:lvl2pPr>
-            <a:lvl3pPr marL="914400" indent="0">
+            <a:lvl3pPr marL="685749" indent="0">
               <a:buNone/>
-              <a:defRPr sz="2400"/>
+              <a:defRPr sz="1800"/>
             </a:lvl3pPr>
-            <a:lvl4pPr marL="1371600" indent="0">
+            <a:lvl4pPr marL="1028624" indent="0">
               <a:buNone/>
-              <a:defRPr sz="2000"/>
+              <a:defRPr sz="1500"/>
             </a:lvl4pPr>
-            <a:lvl5pPr marL="1828800" indent="0">
+            <a:lvl5pPr marL="1371498" indent="0">
               <a:buNone/>
-              <a:defRPr sz="2000"/>
+              <a:defRPr sz="1500"/>
             </a:lvl5pPr>
-            <a:lvl6pPr marL="2286000" indent="0">
+            <a:lvl6pPr marL="1714373" indent="0">
               <a:buNone/>
-              <a:defRPr sz="2000"/>
+              <a:defRPr sz="1500"/>
             </a:lvl6pPr>
-            <a:lvl7pPr marL="2743200" indent="0">
+            <a:lvl7pPr marL="2057246" indent="0">
               <a:buNone/>
-              <a:defRPr sz="2000"/>
+              <a:defRPr sz="1500"/>
             </a:lvl7pPr>
-            <a:lvl8pPr marL="3200400" indent="0">
+            <a:lvl8pPr marL="2400120" indent="0">
               <a:buNone/>
-              <a:defRPr sz="2000"/>
+              <a:defRPr sz="1500"/>
             </a:lvl8pPr>
-            <a:lvl9pPr marL="3657600" indent="0">
+            <a:lvl9pPr marL="2742995" indent="0">
               <a:buNone/>
-              <a:defRPr sz="2000"/>
+              <a:defRPr sz="1500"/>
             </a:lvl9pPr>
           </a:lstStyle>
           <a:p>
@@ -6024,8 +6236,8 @@
         </p:nvSpPr>
         <p:spPr>
           <a:xfrm>
-            <a:off x="839788" y="2057400"/>
-            <a:ext cx="3932237" cy="3811588"/>
+            <a:off x="629841" y="2057401"/>
+            <a:ext cx="2949178" cy="3811588"/>
           </a:xfrm>
         </p:spPr>
         <p:txBody>
@@ -6033,39 +6245,39 @@
           <a:lstStyle>
             <a:lvl1pPr marL="0" indent="0">
               <a:buNone/>
-              <a:defRPr sz="1600"/>
+              <a:defRPr sz="1200"/>
             </a:lvl1pPr>
-            <a:lvl2pPr marL="457200" indent="0">
+            <a:lvl2pPr marL="342875" indent="0">
               <a:buNone/>
-              <a:defRPr sz="1400"/>
+              <a:defRPr sz="1050"/>
             </a:lvl2pPr>
-            <a:lvl3pPr marL="914400" indent="0">
+            <a:lvl3pPr marL="685749" indent="0">
               <a:buNone/>
-              <a:defRPr sz="1200"/>
+              <a:defRPr sz="900"/>
             </a:lvl3pPr>
-            <a:lvl4pPr marL="1371600" indent="0">
+            <a:lvl4pPr marL="1028624" indent="0">
               <a:buNone/>
-              <a:defRPr sz="1000"/>
+              <a:defRPr sz="750"/>
             </a:lvl4pPr>
-            <a:lvl5pPr marL="1828800" indent="0">
+            <a:lvl5pPr marL="1371498" indent="0">
               <a:buNone/>
-              <a:defRPr sz="1000"/>
+              <a:defRPr sz="750"/>
             </a:lvl5pPr>
-            <a:lvl6pPr marL="2286000" indent="0">
+            <a:lvl6pPr marL="1714373" indent="0">
               <a:buNone/>
-              <a:defRPr sz="1000"/>
+              <a:defRPr sz="750"/>
             </a:lvl6pPr>
-            <a:lvl7pPr marL="2743200" indent="0">
+            <a:lvl7pPr marL="2057246" indent="0">
               <a:buNone/>
-              <a:defRPr sz="1000"/>
+              <a:defRPr sz="750"/>
             </a:lvl7pPr>
-            <a:lvl8pPr marL="3200400" indent="0">
+            <a:lvl8pPr marL="2400120" indent="0">
               <a:buNone/>
-              <a:defRPr sz="1000"/>
+              <a:defRPr sz="750"/>
             </a:lvl8pPr>
-            <a:lvl9pPr marL="3657600" indent="0">
+            <a:lvl9pPr marL="2742995" indent="0">
               <a:buNone/>
-              <a:defRPr sz="1000"/>
+              <a:defRPr sz="750"/>
             </a:lvl9pPr>
           </a:lstStyle>
           <a:p>
@@ -6100,7 +6312,7 @@
           <a:p>
             <a:fld id="{5387A2D6-595D-DA44-B145-80F30058C334}" type="datetimeFigureOut">
               <a:rPr lang="en-US" smtClean="0"/>
-              <a:t>1/11/19</a:t>
+              <a:t>1/21/19</a:t>
             </a:fld>
             <a:endParaRPr lang="en-US"/>
           </a:p>
@@ -6170,6 +6382,14 @@
   <p:clrMapOvr>
     <a:masterClrMapping/>
   </p:clrMapOvr>
+  <mc:AlternateContent xmlns:mc="http://schemas.openxmlformats.org/markup-compatibility/2006" xmlns:p14="http://schemas.microsoft.com/office/powerpoint/2010/main">
+    <mc:Choice Requires="p14">
+      <p:transition spd="slow" p14:dur="2000" advClick="0" advTm="15000"/>
+    </mc:Choice>
+    <mc:Fallback xmlns="">
+      <p:transition spd="slow" advClick="0" advTm="15000"/>
+    </mc:Fallback>
+  </mc:AlternateContent>
 </p:sldLayout>
 </file>
 
@@ -6216,8 +6436,8 @@
         </p:nvSpPr>
         <p:spPr>
           <a:xfrm>
-            <a:off x="838200" y="365125"/>
-            <a:ext cx="10515600" cy="1325563"/>
+            <a:off x="628650" y="365128"/>
+            <a:ext cx="7886700" cy="1325563"/>
           </a:xfrm>
           <a:prstGeom prst="rect">
             <a:avLst/>
@@ -6254,8 +6474,8 @@
         </p:nvSpPr>
         <p:spPr>
           <a:xfrm>
-            <a:off x="838200" y="1825625"/>
-            <a:ext cx="10515600" cy="4351338"/>
+            <a:off x="628650" y="1825625"/>
+            <a:ext cx="7886700" cy="4351339"/>
           </a:xfrm>
           <a:prstGeom prst="rect">
             <a:avLst/>
@@ -6321,8 +6541,8 @@
         </p:nvSpPr>
         <p:spPr>
           <a:xfrm>
-            <a:off x="838200" y="6356350"/>
-            <a:ext cx="2743200" cy="365125"/>
+            <a:off x="628650" y="6356355"/>
+            <a:ext cx="2057400" cy="365125"/>
           </a:xfrm>
           <a:prstGeom prst="rect">
             <a:avLst/>
@@ -6332,7 +6552,7 @@
           <a:bodyPr vert="horz" lIns="91440" tIns="45720" rIns="91440" bIns="45720" rtlCol="0" anchor="ctr"/>
           <a:lstStyle>
             <a:lvl1pPr algn="l">
-              <a:defRPr sz="1200">
+              <a:defRPr sz="900">
                 <a:solidFill>
                   <a:schemeClr val="tx1">
                     <a:tint val="75000"/>
@@ -6344,7 +6564,7 @@
           <a:p>
             <a:fld id="{5387A2D6-595D-DA44-B145-80F30058C334}" type="datetimeFigureOut">
               <a:rPr lang="en-US" smtClean="0"/>
-              <a:t>1/11/19</a:t>
+              <a:t>1/21/19</a:t>
             </a:fld>
             <a:endParaRPr lang="en-US"/>
           </a:p>
@@ -6368,8 +6588,8 @@
         </p:nvSpPr>
         <p:spPr>
           <a:xfrm>
-            <a:off x="4038600" y="6356350"/>
-            <a:ext cx="4114800" cy="365125"/>
+            <a:off x="3028950" y="6356355"/>
+            <a:ext cx="3086100" cy="365125"/>
           </a:xfrm>
           <a:prstGeom prst="rect">
             <a:avLst/>
@@ -6379,7 +6599,7 @@
           <a:bodyPr vert="horz" lIns="91440" tIns="45720" rIns="91440" bIns="45720" rtlCol="0" anchor="ctr"/>
           <a:lstStyle>
             <a:lvl1pPr algn="ctr">
-              <a:defRPr sz="1200">
+              <a:defRPr sz="900">
                 <a:solidFill>
                   <a:schemeClr val="tx1">
                     <a:tint val="75000"/>
@@ -6411,8 +6631,8 @@
         </p:nvSpPr>
         <p:spPr>
           <a:xfrm>
-            <a:off x="8610600" y="6356350"/>
-            <a:ext cx="2743200" cy="365125"/>
+            <a:off x="6457950" y="6356355"/>
+            <a:ext cx="2057400" cy="365125"/>
           </a:xfrm>
           <a:prstGeom prst="rect">
             <a:avLst/>
@@ -6422,7 +6642,7 @@
           <a:bodyPr vert="horz" lIns="91440" tIns="45720" rIns="91440" bIns="45720" rtlCol="0" anchor="ctr"/>
           <a:lstStyle>
             <a:lvl1pPr algn="r">
-              <a:defRPr sz="1200">
+              <a:defRPr sz="900">
                 <a:solidFill>
                   <a:schemeClr val="tx1">
                     <a:tint val="75000"/>
@@ -6461,9 +6681,17 @@
     <p:sldLayoutId id="2147483658" r:id="rId10"/>
     <p:sldLayoutId id="2147483659" r:id="rId11"/>
   </p:sldLayoutIdLst>
+  <mc:AlternateContent xmlns:mc="http://schemas.openxmlformats.org/markup-compatibility/2006" xmlns:p14="http://schemas.microsoft.com/office/powerpoint/2010/main">
+    <mc:Choice Requires="p14">
+      <p:transition spd="slow" p14:dur="2000" advClick="0" advTm="15000"/>
+    </mc:Choice>
+    <mc:Fallback xmlns="">
+      <p:transition spd="slow" advClick="0" advTm="15000"/>
+    </mc:Fallback>
+  </mc:AlternateContent>
   <p:txStyles>
     <p:titleStyle>
-      <a:lvl1pPr algn="l" defTabSz="914400" rtl="0" eaLnBrk="1" latinLnBrk="0" hangingPunct="1">
+      <a:lvl1pPr algn="l" defTabSz="685749" rtl="0" eaLnBrk="1" latinLnBrk="0" hangingPunct="1">
         <a:lnSpc>
           <a:spcPct val="90000"/>
         </a:lnSpc>
@@ -6471,7 +6699,7 @@
           <a:spcPct val="0"/>
         </a:spcBef>
         <a:buNone/>
-        <a:defRPr sz="4400" kern="1200">
+        <a:defRPr sz="3300" kern="1200">
           <a:solidFill>
             <a:schemeClr val="bg1"/>
           </a:solidFill>
@@ -6482,16 +6710,16 @@
       </a:lvl1pPr>
     </p:titleStyle>
     <p:bodyStyle>
-      <a:lvl1pPr marL="228600" indent="-228600" algn="l" defTabSz="914400" rtl="0" eaLnBrk="1" latinLnBrk="0" hangingPunct="1">
+      <a:lvl1pPr marL="171438" indent="-171438" algn="l" defTabSz="685749" rtl="0" eaLnBrk="1" latinLnBrk="0" hangingPunct="1">
         <a:lnSpc>
           <a:spcPct val="90000"/>
         </a:lnSpc>
         <a:spcBef>
-          <a:spcPts val="1000"/>
+          <a:spcPts val="750"/>
         </a:spcBef>
         <a:buFont typeface="Arial" panose="020B0604020202020204" pitchFamily="34" charset="0"/>
         <a:buChar char="•"/>
-        <a:defRPr sz="2800" kern="1200">
+        <a:defRPr sz="2100" kern="1200">
           <a:solidFill>
             <a:schemeClr val="bg1"/>
           </a:solidFill>
@@ -6500,48 +6728,12 @@
           <a:cs typeface="+mn-cs"/>
         </a:defRPr>
       </a:lvl1pPr>
-      <a:lvl2pPr marL="685800" indent="-228600" algn="l" defTabSz="914400" rtl="0" eaLnBrk="1" latinLnBrk="0" hangingPunct="1">
+      <a:lvl2pPr marL="514313" indent="-171438" algn="l" defTabSz="685749" rtl="0" eaLnBrk="1" latinLnBrk="0" hangingPunct="1">
         <a:lnSpc>
           <a:spcPct val="90000"/>
         </a:lnSpc>
         <a:spcBef>
-          <a:spcPts val="500"/>
-        </a:spcBef>
-        <a:buFont typeface="Arial" panose="020B0604020202020204" pitchFamily="34" charset="0"/>
-        <a:buChar char="•"/>
-        <a:defRPr sz="2400" kern="1200">
-          <a:solidFill>
-            <a:schemeClr val="bg1"/>
-          </a:solidFill>
-          <a:latin typeface="+mn-lt"/>
-          <a:ea typeface="+mn-ea"/>
-          <a:cs typeface="+mn-cs"/>
-        </a:defRPr>
-      </a:lvl2pPr>
-      <a:lvl3pPr marL="1143000" indent="-228600" algn="l" defTabSz="914400" rtl="0" eaLnBrk="1" latinLnBrk="0" hangingPunct="1">
-        <a:lnSpc>
-          <a:spcPct val="90000"/>
-        </a:lnSpc>
-        <a:spcBef>
-          <a:spcPts val="500"/>
-        </a:spcBef>
-        <a:buFont typeface="Arial" panose="020B0604020202020204" pitchFamily="34" charset="0"/>
-        <a:buChar char="•"/>
-        <a:defRPr sz="2000" kern="1200">
-          <a:solidFill>
-            <a:schemeClr val="bg1"/>
-          </a:solidFill>
-          <a:latin typeface="+mn-lt"/>
-          <a:ea typeface="+mn-ea"/>
-          <a:cs typeface="+mn-cs"/>
-        </a:defRPr>
-      </a:lvl3pPr>
-      <a:lvl4pPr marL="1600200" indent="-228600" algn="l" defTabSz="914400" rtl="0" eaLnBrk="1" latinLnBrk="0" hangingPunct="1">
-        <a:lnSpc>
-          <a:spcPct val="90000"/>
-        </a:lnSpc>
-        <a:spcBef>
-          <a:spcPts val="500"/>
+          <a:spcPts val="375"/>
         </a:spcBef>
         <a:buFont typeface="Arial" panose="020B0604020202020204" pitchFamily="34" charset="0"/>
         <a:buChar char="•"/>
@@ -6553,17 +6745,53 @@
           <a:ea typeface="+mn-ea"/>
           <a:cs typeface="+mn-cs"/>
         </a:defRPr>
-      </a:lvl4pPr>
-      <a:lvl5pPr marL="2057400" indent="-228600" algn="l" defTabSz="914400" rtl="0" eaLnBrk="1" latinLnBrk="0" hangingPunct="1">
+      </a:lvl2pPr>
+      <a:lvl3pPr marL="857186" indent="-171438" algn="l" defTabSz="685749" rtl="0" eaLnBrk="1" latinLnBrk="0" hangingPunct="1">
         <a:lnSpc>
           <a:spcPct val="90000"/>
         </a:lnSpc>
         <a:spcBef>
-          <a:spcPts val="500"/>
+          <a:spcPts val="375"/>
         </a:spcBef>
         <a:buFont typeface="Arial" panose="020B0604020202020204" pitchFamily="34" charset="0"/>
         <a:buChar char="•"/>
-        <a:defRPr sz="1800" kern="1200">
+        <a:defRPr sz="1500" kern="1200">
+          <a:solidFill>
+            <a:schemeClr val="bg1"/>
+          </a:solidFill>
+          <a:latin typeface="+mn-lt"/>
+          <a:ea typeface="+mn-ea"/>
+          <a:cs typeface="+mn-cs"/>
+        </a:defRPr>
+      </a:lvl3pPr>
+      <a:lvl4pPr marL="1200060" indent="-171438" algn="l" defTabSz="685749" rtl="0" eaLnBrk="1" latinLnBrk="0" hangingPunct="1">
+        <a:lnSpc>
+          <a:spcPct val="90000"/>
+        </a:lnSpc>
+        <a:spcBef>
+          <a:spcPts val="375"/>
+        </a:spcBef>
+        <a:buFont typeface="Arial" panose="020B0604020202020204" pitchFamily="34" charset="0"/>
+        <a:buChar char="•"/>
+        <a:defRPr sz="1350" kern="1200">
+          <a:solidFill>
+            <a:schemeClr val="bg1"/>
+          </a:solidFill>
+          <a:latin typeface="+mn-lt"/>
+          <a:ea typeface="+mn-ea"/>
+          <a:cs typeface="+mn-cs"/>
+        </a:defRPr>
+      </a:lvl4pPr>
+      <a:lvl5pPr marL="1542935" indent="-171438" algn="l" defTabSz="685749" rtl="0" eaLnBrk="1" latinLnBrk="0" hangingPunct="1">
+        <a:lnSpc>
+          <a:spcPct val="90000"/>
+        </a:lnSpc>
+        <a:spcBef>
+          <a:spcPts val="375"/>
+        </a:spcBef>
+        <a:buFont typeface="Arial" panose="020B0604020202020204" pitchFamily="34" charset="0"/>
+        <a:buChar char="•"/>
+        <a:defRPr sz="1350" kern="1200">
           <a:solidFill>
             <a:schemeClr val="bg1"/>
           </a:solidFill>
@@ -6572,16 +6800,16 @@
           <a:cs typeface="+mn-cs"/>
         </a:defRPr>
       </a:lvl5pPr>
-      <a:lvl6pPr marL="2514600" indent="-228600" algn="l" defTabSz="914400" rtl="0" eaLnBrk="1" latinLnBrk="0" hangingPunct="1">
+      <a:lvl6pPr marL="1885809" indent="-171438" algn="l" defTabSz="685749" rtl="0" eaLnBrk="1" latinLnBrk="0" hangingPunct="1">
         <a:lnSpc>
           <a:spcPct val="90000"/>
         </a:lnSpc>
         <a:spcBef>
-          <a:spcPts val="500"/>
+          <a:spcPts val="375"/>
         </a:spcBef>
         <a:buFont typeface="Arial" panose="020B0604020202020204" pitchFamily="34" charset="0"/>
         <a:buChar char="•"/>
-        <a:defRPr sz="1800" kern="1200">
+        <a:defRPr sz="1350" kern="1200">
           <a:solidFill>
             <a:schemeClr val="tx1"/>
           </a:solidFill>
@@ -6590,16 +6818,16 @@
           <a:cs typeface="+mn-cs"/>
         </a:defRPr>
       </a:lvl6pPr>
-      <a:lvl7pPr marL="2971800" indent="-228600" algn="l" defTabSz="914400" rtl="0" eaLnBrk="1" latinLnBrk="0" hangingPunct="1">
+      <a:lvl7pPr marL="2228684" indent="-171438" algn="l" defTabSz="685749" rtl="0" eaLnBrk="1" latinLnBrk="0" hangingPunct="1">
         <a:lnSpc>
           <a:spcPct val="90000"/>
         </a:lnSpc>
         <a:spcBef>
-          <a:spcPts val="500"/>
+          <a:spcPts val="375"/>
         </a:spcBef>
         <a:buFont typeface="Arial" panose="020B0604020202020204" pitchFamily="34" charset="0"/>
         <a:buChar char="•"/>
-        <a:defRPr sz="1800" kern="1200">
+        <a:defRPr sz="1350" kern="1200">
           <a:solidFill>
             <a:schemeClr val="tx1"/>
           </a:solidFill>
@@ -6608,16 +6836,16 @@
           <a:cs typeface="+mn-cs"/>
         </a:defRPr>
       </a:lvl7pPr>
-      <a:lvl8pPr marL="3429000" indent="-228600" algn="l" defTabSz="914400" rtl="0" eaLnBrk="1" latinLnBrk="0" hangingPunct="1">
+      <a:lvl8pPr marL="2571558" indent="-171438" algn="l" defTabSz="685749" rtl="0" eaLnBrk="1" latinLnBrk="0" hangingPunct="1">
         <a:lnSpc>
           <a:spcPct val="90000"/>
         </a:lnSpc>
         <a:spcBef>
-          <a:spcPts val="500"/>
+          <a:spcPts val="375"/>
         </a:spcBef>
         <a:buFont typeface="Arial" panose="020B0604020202020204" pitchFamily="34" charset="0"/>
         <a:buChar char="•"/>
-        <a:defRPr sz="1800" kern="1200">
+        <a:defRPr sz="1350" kern="1200">
           <a:solidFill>
             <a:schemeClr val="tx1"/>
           </a:solidFill>
@@ -6626,16 +6854,16 @@
           <a:cs typeface="+mn-cs"/>
         </a:defRPr>
       </a:lvl8pPr>
-      <a:lvl9pPr marL="3886200" indent="-228600" algn="l" defTabSz="914400" rtl="0" eaLnBrk="1" latinLnBrk="0" hangingPunct="1">
+      <a:lvl9pPr marL="2914433" indent="-171438" algn="l" defTabSz="685749" rtl="0" eaLnBrk="1" latinLnBrk="0" hangingPunct="1">
         <a:lnSpc>
           <a:spcPct val="90000"/>
         </a:lnSpc>
         <a:spcBef>
-          <a:spcPts val="500"/>
+          <a:spcPts val="375"/>
         </a:spcBef>
         <a:buFont typeface="Arial" panose="020B0604020202020204" pitchFamily="34" charset="0"/>
         <a:buChar char="•"/>
-        <a:defRPr sz="1800" kern="1200">
+        <a:defRPr sz="1350" kern="1200">
           <a:solidFill>
             <a:schemeClr val="tx1"/>
           </a:solidFill>
@@ -6649,8 +6877,8 @@
       <a:defPPr>
         <a:defRPr lang="en-US"/>
       </a:defPPr>
-      <a:lvl1pPr marL="0" algn="l" defTabSz="914400" rtl="0" eaLnBrk="1" latinLnBrk="0" hangingPunct="1">
-        <a:defRPr sz="1800" kern="1200">
+      <a:lvl1pPr marL="0" algn="l" defTabSz="685749" rtl="0" eaLnBrk="1" latinLnBrk="0" hangingPunct="1">
+        <a:defRPr sz="1350" kern="1200">
           <a:solidFill>
             <a:schemeClr val="tx1"/>
           </a:solidFill>
@@ -6659,8 +6887,8 @@
           <a:cs typeface="+mn-cs"/>
         </a:defRPr>
       </a:lvl1pPr>
-      <a:lvl2pPr marL="457200" algn="l" defTabSz="914400" rtl="0" eaLnBrk="1" latinLnBrk="0" hangingPunct="1">
-        <a:defRPr sz="1800" kern="1200">
+      <a:lvl2pPr marL="342875" algn="l" defTabSz="685749" rtl="0" eaLnBrk="1" latinLnBrk="0" hangingPunct="1">
+        <a:defRPr sz="1350" kern="1200">
           <a:solidFill>
             <a:schemeClr val="tx1"/>
           </a:solidFill>
@@ -6669,8 +6897,8 @@
           <a:cs typeface="+mn-cs"/>
         </a:defRPr>
       </a:lvl2pPr>
-      <a:lvl3pPr marL="914400" algn="l" defTabSz="914400" rtl="0" eaLnBrk="1" latinLnBrk="0" hangingPunct="1">
-        <a:defRPr sz="1800" kern="1200">
+      <a:lvl3pPr marL="685749" algn="l" defTabSz="685749" rtl="0" eaLnBrk="1" latinLnBrk="0" hangingPunct="1">
+        <a:defRPr sz="1350" kern="1200">
           <a:solidFill>
             <a:schemeClr val="tx1"/>
           </a:solidFill>
@@ -6679,8 +6907,8 @@
           <a:cs typeface="+mn-cs"/>
         </a:defRPr>
       </a:lvl3pPr>
-      <a:lvl4pPr marL="1371600" algn="l" defTabSz="914400" rtl="0" eaLnBrk="1" latinLnBrk="0" hangingPunct="1">
-        <a:defRPr sz="1800" kern="1200">
+      <a:lvl4pPr marL="1028624" algn="l" defTabSz="685749" rtl="0" eaLnBrk="1" latinLnBrk="0" hangingPunct="1">
+        <a:defRPr sz="1350" kern="1200">
           <a:solidFill>
             <a:schemeClr val="tx1"/>
           </a:solidFill>
@@ -6689,8 +6917,8 @@
           <a:cs typeface="+mn-cs"/>
         </a:defRPr>
       </a:lvl4pPr>
-      <a:lvl5pPr marL="1828800" algn="l" defTabSz="914400" rtl="0" eaLnBrk="1" latinLnBrk="0" hangingPunct="1">
-        <a:defRPr sz="1800" kern="1200">
+      <a:lvl5pPr marL="1371498" algn="l" defTabSz="685749" rtl="0" eaLnBrk="1" latinLnBrk="0" hangingPunct="1">
+        <a:defRPr sz="1350" kern="1200">
           <a:solidFill>
             <a:schemeClr val="tx1"/>
           </a:solidFill>
@@ -6699,8 +6927,8 @@
           <a:cs typeface="+mn-cs"/>
         </a:defRPr>
       </a:lvl5pPr>
-      <a:lvl6pPr marL="2286000" algn="l" defTabSz="914400" rtl="0" eaLnBrk="1" latinLnBrk="0" hangingPunct="1">
-        <a:defRPr sz="1800" kern="1200">
+      <a:lvl6pPr marL="1714373" algn="l" defTabSz="685749" rtl="0" eaLnBrk="1" latinLnBrk="0" hangingPunct="1">
+        <a:defRPr sz="1350" kern="1200">
           <a:solidFill>
             <a:schemeClr val="tx1"/>
           </a:solidFill>
@@ -6709,8 +6937,8 @@
           <a:cs typeface="+mn-cs"/>
         </a:defRPr>
       </a:lvl6pPr>
-      <a:lvl7pPr marL="2743200" algn="l" defTabSz="914400" rtl="0" eaLnBrk="1" latinLnBrk="0" hangingPunct="1">
-        <a:defRPr sz="1800" kern="1200">
+      <a:lvl7pPr marL="2057246" algn="l" defTabSz="685749" rtl="0" eaLnBrk="1" latinLnBrk="0" hangingPunct="1">
+        <a:defRPr sz="1350" kern="1200">
           <a:solidFill>
             <a:schemeClr val="tx1"/>
           </a:solidFill>
@@ -6719,8 +6947,8 @@
           <a:cs typeface="+mn-cs"/>
         </a:defRPr>
       </a:lvl7pPr>
-      <a:lvl8pPr marL="3200400" algn="l" defTabSz="914400" rtl="0" eaLnBrk="1" latinLnBrk="0" hangingPunct="1">
-        <a:defRPr sz="1800" kern="1200">
+      <a:lvl8pPr marL="2400120" algn="l" defTabSz="685749" rtl="0" eaLnBrk="1" latinLnBrk="0" hangingPunct="1">
+        <a:defRPr sz="1350" kern="1200">
           <a:solidFill>
             <a:schemeClr val="tx1"/>
           </a:solidFill>
@@ -6729,8 +6957,8 @@
           <a:cs typeface="+mn-cs"/>
         </a:defRPr>
       </a:lvl8pPr>
-      <a:lvl9pPr marL="3657600" algn="l" defTabSz="914400" rtl="0" eaLnBrk="1" latinLnBrk="0" hangingPunct="1">
-        <a:defRPr sz="1800" kern="1200">
+      <a:lvl9pPr marL="2742995" algn="l" defTabSz="685749" rtl="0" eaLnBrk="1" latinLnBrk="0" hangingPunct="1">
+        <a:defRPr sz="1350" kern="1200">
           <a:solidFill>
             <a:schemeClr val="tx1"/>
           </a:solidFill>
@@ -6779,13 +7007,13 @@
         </p:nvSpPr>
         <p:spPr>
           <a:xfrm>
-            <a:off x="1524000" y="173198"/>
-            <a:ext cx="9144000" cy="741193"/>
+            <a:off x="1138238" y="1314042"/>
+            <a:ext cx="6858000" cy="555895"/>
           </a:xfrm>
         </p:spPr>
         <p:txBody>
           <a:bodyPr>
-            <a:normAutofit/>
+            <a:noAutofit/>
           </a:bodyPr>
           <a:lstStyle/>
           <a:p>
@@ -6810,8 +7038,8 @@
         </p:nvSpPr>
         <p:spPr>
           <a:xfrm>
-            <a:off x="1599325" y="670035"/>
-            <a:ext cx="4643819" cy="1631216"/>
+            <a:off x="1199494" y="1801213"/>
+            <a:ext cx="3482864" cy="1246495"/>
           </a:xfrm>
           <a:prstGeom prst="rect">
             <a:avLst/>
@@ -6824,7 +7052,7 @@
           </a:bodyPr>
           <a:lstStyle/>
           <a:p>
-            <a:endParaRPr lang="en-US" sz="2000" dirty="0">
+            <a:endParaRPr lang="en-US" sz="1500" dirty="0">
               <a:solidFill>
                 <a:schemeClr val="bg1"/>
               </a:solidFill>
@@ -6832,7 +7060,7 @@
           </a:p>
           <a:p>
             <a:r>
-              <a:rPr lang="en-US" sz="2000" dirty="0">
+              <a:rPr lang="en-US" sz="1500" dirty="0">
                 <a:solidFill>
                   <a:schemeClr val="bg1"/>
                 </a:solidFill>
@@ -6842,7 +7070,7 @@
           </a:p>
           <a:p>
             <a:r>
-              <a:rPr lang="en-US" sz="2000" dirty="0">
+              <a:rPr lang="en-US" sz="1500" dirty="0">
                 <a:solidFill>
                   <a:schemeClr val="bg1"/>
                 </a:solidFill>
@@ -6851,7 +7079,7 @@
             </a:r>
           </a:p>
           <a:p>
-            <a:endParaRPr lang="en-US" sz="2000" dirty="0">
+            <a:endParaRPr lang="en-US" sz="1500" dirty="0">
               <a:solidFill>
                 <a:schemeClr val="bg1"/>
               </a:solidFill>
@@ -6859,7 +7087,7 @@
           </a:p>
           <a:p>
             <a:r>
-              <a:rPr lang="en-US" sz="2000" dirty="0">
+              <a:rPr lang="en-US" sz="1500" dirty="0">
                 <a:solidFill>
                   <a:schemeClr val="bg1"/>
                 </a:solidFill>
@@ -6883,8 +7111,8 @@
         </p:nvGrpSpPr>
         <p:grpSpPr>
           <a:xfrm>
-            <a:off x="7422063" y="819797"/>
-            <a:ext cx="4006187" cy="962571"/>
+            <a:off x="5566549" y="1913533"/>
+            <a:ext cx="3004640" cy="721928"/>
             <a:chOff x="6318469" y="914391"/>
             <a:chExt cx="4006187" cy="962571"/>
           </a:xfrm>
@@ -6947,8 +7175,8 @@
           </p:nvSpPr>
           <p:spPr>
             <a:xfrm>
-              <a:off x="7267898" y="1173833"/>
-              <a:ext cx="3056758" cy="461665"/>
+              <a:off x="7267898" y="1173832"/>
+              <a:ext cx="3056758" cy="492443"/>
             </a:xfrm>
             <a:prstGeom prst="rect">
               <a:avLst/>
@@ -6962,7 +7190,7 @@
             <a:lstStyle/>
             <a:p>
               <a:r>
-                <a:rPr lang="en-US" sz="2400" dirty="0">
+                <a:rPr lang="en-US" dirty="0">
                   <a:solidFill>
                     <a:schemeClr val="bg1"/>
                   </a:solidFill>
@@ -6970,14 +7198,14 @@
                 <a:t>@</a:t>
               </a:r>
               <a:r>
-                <a:rPr lang="en-US" sz="2400" dirty="0" err="1">
+                <a:rPr lang="en-US" dirty="0" err="1">
                   <a:solidFill>
                     <a:schemeClr val="bg1"/>
                   </a:solidFill>
                 </a:rPr>
                 <a:t>iamagiantnerd</a:t>
               </a:r>
-              <a:endParaRPr lang="en-US" sz="2400" dirty="0">
+              <a:endParaRPr lang="en-US" dirty="0">
                 <a:solidFill>
                   <a:schemeClr val="bg1"/>
                 </a:solidFill>
@@ -7002,15 +7230,15 @@
         </p:nvSpPr>
         <p:spPr>
           <a:xfrm>
-            <a:off x="831850" y="2112591"/>
-            <a:ext cx="10515600" cy="1596326"/>
+            <a:off x="623888" y="3214214"/>
+            <a:ext cx="7886700" cy="1197245"/>
           </a:xfrm>
           <a:prstGeom prst="rect">
             <a:avLst/>
           </a:prstGeom>
         </p:spPr>
         <p:txBody>
-          <a:bodyPr vert="horz" lIns="91440" tIns="45720" rIns="91440" bIns="45720" rtlCol="0" anchor="b">
+          <a:bodyPr vert="horz" lIns="68580" tIns="34290" rIns="68580" bIns="34290" rtlCol="0" anchor="b">
             <a:normAutofit/>
           </a:bodyPr>
           <a:lstStyle>
@@ -7034,14 +7262,14 @@
           </a:lstStyle>
           <a:p>
             <a:r>
-              <a:rPr lang="en-US" sz="8000" b="1">
+              <a:rPr lang="en-US" b="1">
                 <a:solidFill>
                   <a:schemeClr val="accent4"/>
                 </a:solidFill>
               </a:rPr>
               <a:t>The Problem</a:t>
             </a:r>
-            <a:endParaRPr lang="en-US" sz="8000" b="1" dirty="0">
+            <a:endParaRPr lang="en-US" b="1" dirty="0">
               <a:solidFill>
                 <a:schemeClr val="accent4"/>
               </a:solidFill>
@@ -7065,15 +7293,15 @@
         </p:nvSpPr>
         <p:spPr>
           <a:xfrm>
-            <a:off x="2204795" y="3776337"/>
-            <a:ext cx="7769709" cy="1500187"/>
+            <a:off x="1653597" y="4462021"/>
+            <a:ext cx="5827282" cy="1125140"/>
           </a:xfrm>
           <a:prstGeom prst="rect">
             <a:avLst/>
           </a:prstGeom>
         </p:spPr>
         <p:txBody>
-          <a:bodyPr vert="horz" lIns="91440" tIns="45720" rIns="91440" bIns="45720" rtlCol="0">
+          <a:bodyPr vert="horz" lIns="68580" tIns="34290" rIns="68580" bIns="34290" rtlCol="0">
             <a:normAutofit/>
           </a:bodyPr>
           <a:lstStyle>
@@ -7242,13 +7470,13 @@
           </a:lstStyle>
           <a:p>
             <a:r>
-              <a:rPr lang="en-US" i="1" dirty="0"/>
+              <a:rPr lang="en-US" sz="3600" i="1" dirty="0"/>
               <a:t>“Why did we do it this way?”</a:t>
             </a:r>
           </a:p>
           <a:p>
             <a:r>
-              <a:rPr lang="en-US" dirty="0"/>
+              <a:rPr lang="en-US" sz="1800" dirty="0"/>
               <a:t>— Every developer in history, at some point in their career</a:t>
             </a:r>
           </a:p>
@@ -7264,6 +7492,14 @@
   <p:clrMapOvr>
     <a:masterClrMapping/>
   </p:clrMapOvr>
+  <mc:AlternateContent xmlns:mc="http://schemas.openxmlformats.org/markup-compatibility/2006" xmlns:p14="http://schemas.microsoft.com/office/powerpoint/2010/main">
+    <mc:Choice Requires="p14">
+      <p:transition spd="slow" p14:dur="2000" advClick="0" advTm="15000"/>
+    </mc:Choice>
+    <mc:Fallback xmlns="">
+      <p:transition spd="slow" advClick="0" advTm="15000"/>
+    </mc:Fallback>
+  </mc:AlternateContent>
 </p:sld>
 </file>
 
@@ -7318,8 +7554,8 @@
         </p:blipFill>
         <p:spPr>
           <a:xfrm>
-            <a:off x="2202831" y="0"/>
-            <a:ext cx="7786339" cy="6858000"/>
+            <a:off x="1652125" y="857250"/>
+            <a:ext cx="5839754" cy="5143500"/>
           </a:xfrm>
           <a:prstGeom prst="rect">
             <a:avLst/>
@@ -7342,13 +7578,13 @@
         </p:nvPicPr>
         <p:blipFill rotWithShape="1">
           <a:blip r:embed="rId4"/>
-          <a:srcRect t="27313" b="36774"/>
+          <a:srcRect t="14410" b="72687"/>
           <a:stretch/>
         </p:blipFill>
         <p:spPr>
           <a:xfrm>
-            <a:off x="2202831" y="1873044"/>
-            <a:ext cx="7786339" cy="2462981"/>
+            <a:off x="1652125" y="1598360"/>
+            <a:ext cx="5839754" cy="663677"/>
           </a:xfrm>
           <a:prstGeom prst="rect">
             <a:avLst/>
@@ -7369,8 +7605,8 @@
         </p:nvSpPr>
         <p:spPr>
           <a:xfrm>
-            <a:off x="7996510" y="1805415"/>
-            <a:ext cx="2105063" cy="769441"/>
+            <a:off x="4194392" y="1475265"/>
+            <a:ext cx="1217000" cy="600164"/>
           </a:xfrm>
           <a:prstGeom prst="rect">
             <a:avLst/>
@@ -7384,8 +7620,8 @@
           <a:lstStyle/>
           <a:p>
             <a:r>
-              <a:rPr lang="en-US" sz="4400" dirty="0"/>
-              <a:t>Context</a:t>
+              <a:rPr lang="en-US" sz="3300" dirty="0"/>
+              <a:t>Status</a:t>
             </a:r>
           </a:p>
         </p:txBody>
@@ -7404,8 +7640,8 @@
         </p:nvSpPr>
         <p:spPr>
           <a:xfrm>
-            <a:off x="5969826" y="1525828"/>
-            <a:ext cx="1917291" cy="1328616"/>
+            <a:off x="2652259" y="1265572"/>
+            <a:ext cx="1437968" cy="996462"/>
           </a:xfrm>
           <a:prstGeom prst="leftArrow">
             <a:avLst/>
@@ -7432,20 +7668,28 @@
           <a:lstStyle/>
           <a:p>
             <a:pPr algn="ctr"/>
-            <a:endParaRPr lang="en-US"/>
+            <a:endParaRPr lang="en-US" sz="1053"/>
           </a:p>
         </p:txBody>
       </p:sp>
     </p:spTree>
     <p:extLst>
       <p:ext uri="{BB962C8B-B14F-4D97-AF65-F5344CB8AC3E}">
-        <p14:creationId xmlns:p14="http://schemas.microsoft.com/office/powerpoint/2010/main" val="2698434900"/>
+        <p14:creationId xmlns:p14="http://schemas.microsoft.com/office/powerpoint/2010/main" val="982979819"/>
       </p:ext>
     </p:extLst>
   </p:cSld>
   <p:clrMapOvr>
     <a:masterClrMapping/>
   </p:clrMapOvr>
+  <mc:AlternateContent xmlns:mc="http://schemas.openxmlformats.org/markup-compatibility/2006" xmlns:p14="http://schemas.microsoft.com/office/powerpoint/2010/main">
+    <mc:Choice Requires="p14">
+      <p:transition spd="slow" p14:dur="2000" advClick="0" advTm="15000"/>
+    </mc:Choice>
+    <mc:Fallback xmlns="">
+      <p:transition spd="slow" advClick="0" advTm="15000"/>
+    </mc:Fallback>
+  </mc:AlternateContent>
 </p:sld>
 </file>
 
@@ -7500,8 +7744,8 @@
         </p:blipFill>
         <p:spPr>
           <a:xfrm>
-            <a:off x="2202831" y="0"/>
-            <a:ext cx="7786339" cy="6858000"/>
+            <a:off x="1652125" y="857250"/>
+            <a:ext cx="5839754" cy="5143500"/>
           </a:xfrm>
           <a:prstGeom prst="rect">
             <a:avLst/>
@@ -7524,13 +7768,13 @@
         </p:nvPicPr>
         <p:blipFill rotWithShape="1">
           <a:blip r:embed="rId4"/>
-          <a:srcRect t="63871" b="24086"/>
+          <a:srcRect t="27313" b="36774"/>
           <a:stretch/>
         </p:blipFill>
         <p:spPr>
           <a:xfrm>
-            <a:off x="2202831" y="4380271"/>
-            <a:ext cx="7786339" cy="825910"/>
+            <a:off x="1652125" y="2262033"/>
+            <a:ext cx="5839754" cy="1847236"/>
           </a:xfrm>
           <a:prstGeom prst="rect">
             <a:avLst/>
@@ -7551,8 +7795,8 @@
         </p:nvSpPr>
         <p:spPr>
           <a:xfrm>
-            <a:off x="5563026" y="2875789"/>
-            <a:ext cx="2182008" cy="769441"/>
+            <a:off x="5997382" y="2211314"/>
+            <a:ext cx="1625766" cy="600164"/>
           </a:xfrm>
           <a:prstGeom prst="rect">
             <a:avLst/>
@@ -7566,8 +7810,8 @@
           <a:lstStyle/>
           <a:p>
             <a:r>
-              <a:rPr lang="en-US" sz="4400" dirty="0"/>
-              <a:t>Decision</a:t>
+              <a:rPr lang="en-US" sz="3300" dirty="0"/>
+              <a:t>Context</a:t>
             </a:r>
           </a:p>
         </p:txBody>
@@ -7585,9 +7829,9 @@
           <p:nvPr/>
         </p:nvSpPr>
         <p:spPr>
-          <a:xfrm rot="19817367">
-            <a:off x="3728072" y="3263582"/>
-            <a:ext cx="1917291" cy="1328616"/>
+          <a:xfrm>
+            <a:off x="4477372" y="2001621"/>
+            <a:ext cx="1437968" cy="996462"/>
           </a:xfrm>
           <a:prstGeom prst="leftArrow">
             <a:avLst/>
@@ -7614,20 +7858,28 @@
           <a:lstStyle/>
           <a:p>
             <a:pPr algn="ctr"/>
-            <a:endParaRPr lang="en-US"/>
+            <a:endParaRPr lang="en-US" sz="1053"/>
           </a:p>
         </p:txBody>
       </p:sp>
     </p:spTree>
     <p:extLst>
       <p:ext uri="{BB962C8B-B14F-4D97-AF65-F5344CB8AC3E}">
-        <p14:creationId xmlns:p14="http://schemas.microsoft.com/office/powerpoint/2010/main" val="3289402013"/>
+        <p14:creationId xmlns:p14="http://schemas.microsoft.com/office/powerpoint/2010/main" val="2698434900"/>
       </p:ext>
     </p:extLst>
   </p:cSld>
   <p:clrMapOvr>
     <a:masterClrMapping/>
   </p:clrMapOvr>
+  <mc:AlternateContent xmlns:mc="http://schemas.openxmlformats.org/markup-compatibility/2006" xmlns:p14="http://schemas.microsoft.com/office/powerpoint/2010/main">
+    <mc:Choice Requires="p14">
+      <p:transition spd="slow" p14:dur="2000" advClick="0" advTm="15000"/>
+    </mc:Choice>
+    <mc:Fallback xmlns="">
+      <p:transition spd="slow" advClick="0" advTm="15000"/>
+    </mc:Fallback>
+  </mc:AlternateContent>
 </p:sld>
 </file>
 
@@ -7682,8 +7934,8 @@
         </p:blipFill>
         <p:spPr>
           <a:xfrm>
-            <a:off x="2202831" y="0"/>
-            <a:ext cx="7786339" cy="6858000"/>
+            <a:off x="1652125" y="857250"/>
+            <a:ext cx="5839754" cy="5143500"/>
           </a:xfrm>
           <a:prstGeom prst="rect">
             <a:avLst/>
@@ -7706,13 +7958,13 @@
         </p:nvPicPr>
         <p:blipFill rotWithShape="1">
           <a:blip r:embed="rId4"/>
-          <a:srcRect t="76560" b="2365"/>
+          <a:srcRect t="63871" b="24086"/>
           <a:stretch/>
         </p:blipFill>
         <p:spPr>
           <a:xfrm>
-            <a:off x="2202831" y="5250426"/>
-            <a:ext cx="7786339" cy="1445341"/>
+            <a:off x="1652125" y="4142456"/>
+            <a:ext cx="5839754" cy="619433"/>
           </a:xfrm>
           <a:prstGeom prst="rect">
             <a:avLst/>
@@ -7733,8 +7985,8 @@
         </p:nvSpPr>
         <p:spPr>
           <a:xfrm>
-            <a:off x="6096000" y="3880942"/>
-            <a:ext cx="3515706" cy="769441"/>
+            <a:off x="4172271" y="3014095"/>
+            <a:ext cx="1685077" cy="600164"/>
           </a:xfrm>
           <a:prstGeom prst="rect">
             <a:avLst/>
@@ -7748,8 +8000,8 @@
           <a:lstStyle/>
           <a:p>
             <a:r>
-              <a:rPr lang="en-US" sz="4400" dirty="0"/>
-              <a:t>Consequences</a:t>
+              <a:rPr lang="en-US" sz="3300" dirty="0"/>
+              <a:t>Decision</a:t>
             </a:r>
           </a:p>
         </p:txBody>
@@ -7768,8 +8020,8 @@
         </p:nvSpPr>
         <p:spPr>
           <a:xfrm rot="19817367">
-            <a:off x="3975489" y="4170607"/>
-            <a:ext cx="1917291" cy="1328616"/>
+            <a:off x="2796055" y="3304937"/>
+            <a:ext cx="1437968" cy="996462"/>
           </a:xfrm>
           <a:prstGeom prst="leftArrow">
             <a:avLst/>
@@ -7796,20 +8048,28 @@
           <a:lstStyle/>
           <a:p>
             <a:pPr algn="ctr"/>
-            <a:endParaRPr lang="en-US"/>
+            <a:endParaRPr lang="en-US" sz="1053"/>
           </a:p>
         </p:txBody>
       </p:sp>
     </p:spTree>
     <p:extLst>
       <p:ext uri="{BB962C8B-B14F-4D97-AF65-F5344CB8AC3E}">
-        <p14:creationId xmlns:p14="http://schemas.microsoft.com/office/powerpoint/2010/main" val="3896413311"/>
+        <p14:creationId xmlns:p14="http://schemas.microsoft.com/office/powerpoint/2010/main" val="3289402013"/>
       </p:ext>
     </p:extLst>
   </p:cSld>
   <p:clrMapOvr>
     <a:masterClrMapping/>
   </p:clrMapOvr>
+  <mc:AlternateContent xmlns:mc="http://schemas.openxmlformats.org/markup-compatibility/2006" xmlns:p14="http://schemas.microsoft.com/office/powerpoint/2010/main">
+    <mc:Choice Requires="p14">
+      <p:transition spd="slow" p14:dur="2000" advClick="0" advTm="15000"/>
+    </mc:Choice>
+    <mc:Fallback xmlns="">
+      <p:transition spd="slow" advClick="0" advTm="15000"/>
+    </mc:Fallback>
+  </mc:AlternateContent>
 </p:sld>
 </file>
 
@@ -7830,12 +8090,83 @@
           <a:chExt cx="0" cy="0"/>
         </a:xfrm>
       </p:grpSpPr>
-      <p:sp>
-        <p:nvSpPr>
-          <p:cNvPr id="4" name="TextBox 3">
-            <a:extLst>
-              <a:ext uri="{FF2B5EF4-FFF2-40B4-BE49-F238E27FC236}">
-                <a16:creationId xmlns:a16="http://schemas.microsoft.com/office/drawing/2014/main" id="{D9E06190-A811-FA4A-8DFF-25F7864A68C3}"/>
+      <p:pic>
+        <p:nvPicPr>
+          <p:cNvPr id="4" name="Picture 3">
+            <a:extLst>
+              <a:ext uri="{FF2B5EF4-FFF2-40B4-BE49-F238E27FC236}">
+                <a16:creationId xmlns:a16="http://schemas.microsoft.com/office/drawing/2014/main" id="{B66986D0-EB48-794D-BB7E-C84315408B86}"/>
+              </a:ext>
+            </a:extLst>
+          </p:cNvPr>
+          <p:cNvPicPr>
+            <a:picLocks noChangeAspect="1"/>
+          </p:cNvPicPr>
+          <p:nvPr/>
+        </p:nvPicPr>
+        <p:blipFill>
+          <a:blip r:embed="rId3">
+            <a:extLst>
+              <a:ext uri="{BEBA8EAE-BF5A-486C-A8C5-ECC9F3942E4B}">
+                <a14:imgProps xmlns:a14="http://schemas.microsoft.com/office/drawing/2010/main">
+                  <a14:imgLayer>
+                    <a14:imgEffect>
+                      <a14:artisticBlur/>
+                    </a14:imgEffect>
+                  </a14:imgLayer>
+                </a14:imgProps>
+              </a:ext>
+            </a:extLst>
+          </a:blip>
+          <a:stretch>
+            <a:fillRect/>
+          </a:stretch>
+        </p:blipFill>
+        <p:spPr>
+          <a:xfrm>
+            <a:off x="1652125" y="857250"/>
+            <a:ext cx="5839754" cy="5143500"/>
+          </a:xfrm>
+          <a:prstGeom prst="rect">
+            <a:avLst/>
+          </a:prstGeom>
+        </p:spPr>
+      </p:pic>
+      <p:pic>
+        <p:nvPicPr>
+          <p:cNvPr id="2" name="Picture 1">
+            <a:extLst>
+              <a:ext uri="{FF2B5EF4-FFF2-40B4-BE49-F238E27FC236}">
+                <a16:creationId xmlns:a16="http://schemas.microsoft.com/office/drawing/2014/main" id="{BD0230DF-A64A-E947-8F63-21C8D2534883}"/>
+              </a:ext>
+            </a:extLst>
+          </p:cNvPr>
+          <p:cNvPicPr>
+            <a:picLocks noChangeAspect="1"/>
+          </p:cNvPicPr>
+          <p:nvPr/>
+        </p:nvPicPr>
+        <p:blipFill rotWithShape="1">
+          <a:blip r:embed="rId4"/>
+          <a:srcRect t="76560" b="2365"/>
+          <a:stretch/>
+        </p:blipFill>
+        <p:spPr>
+          <a:xfrm>
+            <a:off x="1652125" y="4795071"/>
+            <a:ext cx="5839754" cy="1084006"/>
+          </a:xfrm>
+          <a:prstGeom prst="rect">
+            <a:avLst/>
+          </a:prstGeom>
+        </p:spPr>
+      </p:pic>
+      <p:sp>
+        <p:nvSpPr>
+          <p:cNvPr id="5" name="TextBox 4">
+            <a:extLst>
+              <a:ext uri="{FF2B5EF4-FFF2-40B4-BE49-F238E27FC236}">
+                <a16:creationId xmlns:a16="http://schemas.microsoft.com/office/drawing/2014/main" id="{D84897DD-3562-C143-A690-430146840081}"/>
               </a:ext>
             </a:extLst>
           </p:cNvPr>
@@ -7844,8 +8175,8 @@
         </p:nvSpPr>
         <p:spPr>
           <a:xfrm>
-            <a:off x="2855013" y="2515913"/>
-            <a:ext cx="6420026" cy="1754326"/>
+            <a:off x="4572000" y="3767960"/>
+            <a:ext cx="2683748" cy="600164"/>
           </a:xfrm>
           <a:prstGeom prst="rect">
             <a:avLst/>
@@ -7858,39 +8189,77 @@
           </a:bodyPr>
           <a:lstStyle/>
           <a:p>
+            <a:r>
+              <a:rPr lang="en-US" sz="3300" dirty="0"/>
+              <a:t>Consequences</a:t>
+            </a:r>
+          </a:p>
+        </p:txBody>
+      </p:sp>
+      <p:sp>
+        <p:nvSpPr>
+          <p:cNvPr id="8" name="Left Arrow 7">
+            <a:extLst>
+              <a:ext uri="{FF2B5EF4-FFF2-40B4-BE49-F238E27FC236}">
+                <a16:creationId xmlns:a16="http://schemas.microsoft.com/office/drawing/2014/main" id="{F5BA64AF-9A79-5E4C-8FDC-FB51331AE991}"/>
+              </a:ext>
+            </a:extLst>
+          </p:cNvPr>
+          <p:cNvSpPr/>
+          <p:nvPr/>
+        </p:nvSpPr>
+        <p:spPr>
+          <a:xfrm rot="19817367">
+            <a:off x="2981617" y="3985205"/>
+            <a:ext cx="1437968" cy="996462"/>
+          </a:xfrm>
+          <a:prstGeom prst="leftArrow">
+            <a:avLst/>
+          </a:prstGeom>
+        </p:spPr>
+        <p:style>
+          <a:lnRef idx="2">
+            <a:schemeClr val="accent1">
+              <a:shade val="50000"/>
+            </a:schemeClr>
+          </a:lnRef>
+          <a:fillRef idx="1">
+            <a:schemeClr val="accent1"/>
+          </a:fillRef>
+          <a:effectRef idx="0">
+            <a:schemeClr val="accent1"/>
+          </a:effectRef>
+          <a:fontRef idx="minor">
+            <a:schemeClr val="lt1"/>
+          </a:fontRef>
+        </p:style>
+        <p:txBody>
+          <a:bodyPr rtlCol="0" anchor="ctr"/>
+          <a:lstStyle/>
+          <a:p>
             <a:pPr algn="ctr"/>
-            <a:r>
-              <a:rPr lang="en-US" sz="5400" dirty="0">
-                <a:solidFill>
-                  <a:schemeClr val="bg1"/>
-                </a:solidFill>
-              </a:rPr>
-              <a:t>Leverage your existing</a:t>
-            </a:r>
-          </a:p>
-          <a:p>
-            <a:pPr algn="ctr"/>
-            <a:r>
-              <a:rPr lang="en-US" sz="5400" dirty="0">
-                <a:solidFill>
-                  <a:schemeClr val="bg1"/>
-                </a:solidFill>
-              </a:rPr>
-              <a:t>workflow!</a:t>
-            </a:r>
+            <a:endParaRPr lang="en-US" sz="1053"/>
           </a:p>
         </p:txBody>
       </p:sp>
     </p:spTree>
     <p:extLst>
       <p:ext uri="{BB962C8B-B14F-4D97-AF65-F5344CB8AC3E}">
-        <p14:creationId xmlns:p14="http://schemas.microsoft.com/office/powerpoint/2010/main" val="1655217425"/>
+        <p14:creationId xmlns:p14="http://schemas.microsoft.com/office/powerpoint/2010/main" val="3896413311"/>
       </p:ext>
     </p:extLst>
   </p:cSld>
   <p:clrMapOvr>
     <a:masterClrMapping/>
   </p:clrMapOvr>
+  <mc:AlternateContent xmlns:mc="http://schemas.openxmlformats.org/markup-compatibility/2006" xmlns:p14="http://schemas.microsoft.com/office/powerpoint/2010/main">
+    <mc:Choice Requires="p14">
+      <p:transition spd="slow" p14:dur="2000" advClick="0" advTm="15000"/>
+    </mc:Choice>
+    <mc:Fallback xmlns="">
+      <p:transition spd="slow" advClick="0" advTm="15000"/>
+    </mc:Fallback>
+  </mc:AlternateContent>
 </p:sld>
 </file>
 
@@ -7925,8 +8294,8 @@
         </p:nvSpPr>
         <p:spPr>
           <a:xfrm>
-            <a:off x="2950456" y="2515913"/>
-            <a:ext cx="6229141" cy="1754326"/>
+            <a:off x="1857153" y="1563104"/>
+            <a:ext cx="5429692" cy="3731791"/>
           </a:xfrm>
           <a:prstGeom prst="rect">
             <a:avLst/>
@@ -7941,23 +8310,42 @@
           <a:p>
             <a:pPr algn="ctr"/>
             <a:r>
-              <a:rPr lang="en-US" sz="5400" dirty="0">
+              <a:rPr lang="en-US" sz="4050" dirty="0">
                 <a:solidFill>
                   <a:schemeClr val="bg1"/>
                 </a:solidFill>
               </a:rPr>
-              <a:t>What should require </a:t>
+              <a:t>Leverage your existing</a:t>
             </a:r>
           </a:p>
           <a:p>
             <a:pPr algn="ctr"/>
             <a:r>
-              <a:rPr lang="en-US" sz="5400" dirty="0">
+              <a:rPr lang="en-US" sz="4050" dirty="0">
                 <a:solidFill>
                   <a:schemeClr val="bg1"/>
                 </a:solidFill>
               </a:rPr>
-              <a:t>an ADR?</a:t>
+              <a:t>workflow!</a:t>
+            </a:r>
+          </a:p>
+          <a:p>
+            <a:pPr algn="ctr"/>
+            <a:endParaRPr lang="en-US" sz="4050" dirty="0">
+              <a:solidFill>
+                <a:schemeClr val="bg1"/>
+              </a:solidFill>
+            </a:endParaRPr>
+          </a:p>
+          <a:p>
+            <a:pPr algn="ctr"/>
+            <a:r>
+              <a:rPr lang="en-US" sz="11500" dirty="0">
+                <a:solidFill>
+                  <a:schemeClr val="bg1"/>
+                </a:solidFill>
+              </a:rPr>
+              <a:t>📜 ➡ 📄</a:t>
             </a:r>
           </a:p>
         </p:txBody>
@@ -7965,13 +8353,21 @@
     </p:spTree>
     <p:extLst>
       <p:ext uri="{BB962C8B-B14F-4D97-AF65-F5344CB8AC3E}">
-        <p14:creationId xmlns:p14="http://schemas.microsoft.com/office/powerpoint/2010/main" val="3831942716"/>
+        <p14:creationId xmlns:p14="http://schemas.microsoft.com/office/powerpoint/2010/main" val="1655217425"/>
       </p:ext>
     </p:extLst>
   </p:cSld>
   <p:clrMapOvr>
     <a:masterClrMapping/>
   </p:clrMapOvr>
+  <mc:AlternateContent xmlns:mc="http://schemas.openxmlformats.org/markup-compatibility/2006" xmlns:p14="http://schemas.microsoft.com/office/powerpoint/2010/main">
+    <mc:Choice Requires="p14">
+      <p:transition spd="slow" p14:dur="2000" advClick="0" advTm="15000"/>
+    </mc:Choice>
+    <mc:Fallback xmlns="">
+      <p:transition spd="slow" advClick="0" advTm="15000"/>
+    </mc:Fallback>
+  </mc:AlternateContent>
 </p:sld>
 </file>
 
@@ -7994,36 +8390,70 @@
       </p:grpSpPr>
       <p:sp>
         <p:nvSpPr>
-          <p:cNvPr id="2" name="Title 1">
-            <a:extLst>
-              <a:ext uri="{FF2B5EF4-FFF2-40B4-BE49-F238E27FC236}">
-                <a16:creationId xmlns:a16="http://schemas.microsoft.com/office/drawing/2014/main" id="{C409FD33-6233-7C49-9918-532E7EC05AB5}"/>
-              </a:ext>
-            </a:extLst>
-          </p:cNvPr>
-          <p:cNvSpPr>
-            <a:spLocks noGrp="1"/>
-          </p:cNvSpPr>
-          <p:nvPr>
-            <p:ph type="title"/>
-          </p:nvPr>
+          <p:cNvPr id="4" name="TextBox 3">
+            <a:extLst>
+              <a:ext uri="{FF2B5EF4-FFF2-40B4-BE49-F238E27FC236}">
+                <a16:creationId xmlns:a16="http://schemas.microsoft.com/office/drawing/2014/main" id="{D9E06190-A811-FA4A-8DFF-25F7864A68C3}"/>
+              </a:ext>
+            </a:extLst>
+          </p:cNvPr>
+          <p:cNvSpPr txBox="1"/>
+          <p:nvPr/>
         </p:nvSpPr>
         <p:spPr>
           <a:xfrm>
-            <a:off x="838200" y="2365324"/>
-            <a:ext cx="10515600" cy="2127352"/>
+            <a:off x="2202601" y="1563104"/>
+            <a:ext cx="4738798" cy="3731791"/>
           </a:xfrm>
+          <a:prstGeom prst="rect">
+            <a:avLst/>
+          </a:prstGeom>
+          <a:noFill/>
         </p:spPr>
         <p:txBody>
-          <a:bodyPr>
-            <a:noAutofit/>
+          <a:bodyPr wrap="none" rtlCol="0">
+            <a:spAutoFit/>
           </a:bodyPr>
           <a:lstStyle/>
           <a:p>
             <a:pPr algn="ctr"/>
             <a:r>
-              <a:rPr lang="en-US" sz="5400" dirty="0"/>
-              <a:t>But what about overarching concerns that apply to more than one project?</a:t>
+              <a:rPr lang="en-US" sz="4050" dirty="0">
+                <a:solidFill>
+                  <a:schemeClr val="bg1"/>
+                </a:solidFill>
+              </a:rPr>
+              <a:t>What should require </a:t>
+            </a:r>
+          </a:p>
+          <a:p>
+            <a:pPr algn="ctr"/>
+            <a:r>
+              <a:rPr lang="en-US" sz="4050" dirty="0">
+                <a:solidFill>
+                  <a:schemeClr val="bg1"/>
+                </a:solidFill>
+              </a:rPr>
+              <a:t>an ADR?</a:t>
+            </a:r>
+          </a:p>
+          <a:p>
+            <a:pPr algn="ctr"/>
+            <a:endParaRPr lang="en-US" sz="4050" dirty="0">
+              <a:solidFill>
+                <a:schemeClr val="bg1"/>
+              </a:solidFill>
+            </a:endParaRPr>
+          </a:p>
+          <a:p>
+            <a:pPr algn="ctr"/>
+            <a:r>
+              <a:rPr lang="en-US" sz="11500" dirty="0">
+                <a:solidFill>
+                  <a:schemeClr val="bg1"/>
+                </a:solidFill>
+              </a:rPr>
+              <a:t>❓⁉️❓</a:t>
             </a:r>
           </a:p>
         </p:txBody>
@@ -8031,13 +8461,21 @@
     </p:spTree>
     <p:extLst>
       <p:ext uri="{BB962C8B-B14F-4D97-AF65-F5344CB8AC3E}">
-        <p14:creationId xmlns:p14="http://schemas.microsoft.com/office/powerpoint/2010/main" val="2868284583"/>
+        <p14:creationId xmlns:p14="http://schemas.microsoft.com/office/powerpoint/2010/main" val="3831942716"/>
       </p:ext>
     </p:extLst>
   </p:cSld>
   <p:clrMapOvr>
     <a:masterClrMapping/>
   </p:clrMapOvr>
+  <mc:AlternateContent xmlns:mc="http://schemas.openxmlformats.org/markup-compatibility/2006" xmlns:p14="http://schemas.microsoft.com/office/powerpoint/2010/main">
+    <mc:Choice Requires="p14">
+      <p:transition spd="slow" p14:dur="2000" advClick="0" advTm="15000"/>
+    </mc:Choice>
+    <mc:Fallback xmlns="">
+      <p:transition spd="slow" advClick="0" advTm="15000"/>
+    </mc:Fallback>
+  </mc:AlternateContent>
 </p:sld>
 </file>
 
@@ -8060,65 +8498,69 @@
       </p:grpSpPr>
       <p:sp>
         <p:nvSpPr>
-          <p:cNvPr id="4" name="TextBox 3">
-            <a:extLst>
-              <a:ext uri="{FF2B5EF4-FFF2-40B4-BE49-F238E27FC236}">
-                <a16:creationId xmlns:a16="http://schemas.microsoft.com/office/drawing/2014/main" id="{D9E06190-A811-FA4A-8DFF-25F7864A68C3}"/>
-              </a:ext>
-            </a:extLst>
-          </p:cNvPr>
-          <p:cNvSpPr txBox="1"/>
-          <p:nvPr/>
+          <p:cNvPr id="2" name="Title 1">
+            <a:extLst>
+              <a:ext uri="{FF2B5EF4-FFF2-40B4-BE49-F238E27FC236}">
+                <a16:creationId xmlns:a16="http://schemas.microsoft.com/office/drawing/2014/main" id="{C409FD33-6233-7C49-9918-532E7EC05AB5}"/>
+              </a:ext>
+            </a:extLst>
+          </p:cNvPr>
+          <p:cNvSpPr>
+            <a:spLocks noGrp="1"/>
+          </p:cNvSpPr>
+          <p:nvPr>
+            <p:ph type="title"/>
+          </p:nvPr>
         </p:nvSpPr>
         <p:spPr>
           <a:xfrm>
-            <a:off x="2928304" y="2159451"/>
-            <a:ext cx="6335452" cy="1754326"/>
+            <a:off x="628650" y="2631243"/>
+            <a:ext cx="7886700" cy="1595514"/>
           </a:xfrm>
-          <a:prstGeom prst="rect">
-            <a:avLst/>
-          </a:prstGeom>
-          <a:noFill/>
         </p:spPr>
         <p:txBody>
-          <a:bodyPr wrap="none" rtlCol="0">
-            <a:spAutoFit/>
+          <a:bodyPr>
+            <a:noAutofit/>
           </a:bodyPr>
           <a:lstStyle/>
           <a:p>
             <a:pPr algn="ctr"/>
             <a:r>
-              <a:rPr lang="en-US" sz="5400" dirty="0">
-                <a:solidFill>
-                  <a:schemeClr val="bg1"/>
-                </a:solidFill>
-              </a:rPr>
-              <a:t>Wait, but what about </a:t>
-            </a:r>
-          </a:p>
-          <a:p>
-            <a:pPr algn="ctr"/>
-            <a:r>
-              <a:rPr lang="en-US" sz="5400" dirty="0">
-                <a:solidFill>
-                  <a:schemeClr val="bg1"/>
-                </a:solidFill>
-              </a:rPr>
-              <a:t>Wikis?</a:t>
-            </a:r>
+              <a:rPr lang="en-US" sz="4050" dirty="0"/>
+              <a:t>But what about overarching concerns that apply to more than one project?</a:t>
+            </a:r>
+            <a:br>
+              <a:rPr lang="en-US" sz="4050" dirty="0"/>
+            </a:br>
+            <a:br>
+              <a:rPr lang="en-US" sz="4050" dirty="0"/>
+            </a:br>
+            <a:r>
+              <a:rPr lang="en-US" sz="13800" dirty="0"/>
+              <a:t>🤔</a:t>
+            </a:r>
+            <a:endParaRPr lang="en-US" sz="4050" dirty="0"/>
           </a:p>
         </p:txBody>
       </p:sp>
     </p:spTree>
     <p:extLst>
       <p:ext uri="{BB962C8B-B14F-4D97-AF65-F5344CB8AC3E}">
-        <p14:creationId xmlns:p14="http://schemas.microsoft.com/office/powerpoint/2010/main" val="3070033270"/>
+        <p14:creationId xmlns:p14="http://schemas.microsoft.com/office/powerpoint/2010/main" val="2868284583"/>
       </p:ext>
     </p:extLst>
   </p:cSld>
   <p:clrMapOvr>
     <a:masterClrMapping/>
   </p:clrMapOvr>
+  <mc:AlternateContent xmlns:mc="http://schemas.openxmlformats.org/markup-compatibility/2006" xmlns:p14="http://schemas.microsoft.com/office/powerpoint/2010/main">
+    <mc:Choice Requires="p14">
+      <p:transition spd="slow" p14:dur="2000" advClick="0" advTm="15000"/>
+    </mc:Choice>
+    <mc:Fallback xmlns="">
+      <p:transition spd="slow" advClick="0" advTm="15000"/>
+    </mc:Fallback>
+  </mc:AlternateContent>
 </p:sld>
 </file>
 
@@ -8141,163 +8583,92 @@
       </p:grpSpPr>
       <p:sp>
         <p:nvSpPr>
-          <p:cNvPr id="2" name="Title 1">
-            <a:extLst>
-              <a:ext uri="{FF2B5EF4-FFF2-40B4-BE49-F238E27FC236}">
-                <a16:creationId xmlns:a16="http://schemas.microsoft.com/office/drawing/2014/main" id="{CF233AD3-CDB6-CE4C-A630-82980BA1D0E8}"/>
-              </a:ext>
-            </a:extLst>
-          </p:cNvPr>
-          <p:cNvSpPr>
-            <a:spLocks noGrp="1"/>
-          </p:cNvSpPr>
-          <p:nvPr>
-            <p:ph type="title"/>
-          </p:nvPr>
+          <p:cNvPr id="4" name="TextBox 3">
+            <a:extLst>
+              <a:ext uri="{FF2B5EF4-FFF2-40B4-BE49-F238E27FC236}">
+                <a16:creationId xmlns:a16="http://schemas.microsoft.com/office/drawing/2014/main" id="{D9E06190-A811-FA4A-8DFF-25F7864A68C3}"/>
+              </a:ext>
+            </a:extLst>
+          </p:cNvPr>
+          <p:cNvSpPr txBox="1"/>
+          <p:nvPr/>
         </p:nvSpPr>
         <p:spPr>
           <a:xfrm>
-            <a:off x="831850" y="914399"/>
-            <a:ext cx="10515600" cy="1596326"/>
-          </a:xfrm>
-        </p:spPr>
-        <p:txBody>
-          <a:bodyPr>
-            <a:normAutofit/>
-          </a:bodyPr>
-          <a:lstStyle/>
-          <a:p>
-            <a:pPr algn="ctr"/>
-            <a:r>
-              <a:rPr lang="en-US" sz="8000" b="1" dirty="0">
-                <a:solidFill>
-                  <a:schemeClr val="accent4"/>
-                </a:solidFill>
-              </a:rPr>
-              <a:t>The Benefits</a:t>
-            </a:r>
-          </a:p>
-        </p:txBody>
-      </p:sp>
-      <p:sp>
-        <p:nvSpPr>
-          <p:cNvPr id="3" name="Text Placeholder 2">
-            <a:extLst>
-              <a:ext uri="{FF2B5EF4-FFF2-40B4-BE49-F238E27FC236}">
-                <a16:creationId xmlns:a16="http://schemas.microsoft.com/office/drawing/2014/main" id="{F3EFA1D7-5C02-5C46-8D14-AC78C6316567}"/>
-              </a:ext>
-            </a:extLst>
-          </p:cNvPr>
-          <p:cNvSpPr>
-            <a:spLocks noGrp="1"/>
-          </p:cNvSpPr>
-          <p:nvPr>
-            <p:ph type="body" idx="1"/>
-          </p:nvPr>
-        </p:nvSpPr>
-        <p:spPr>
-          <a:xfrm>
-            <a:off x="1747595" y="3225612"/>
-            <a:ext cx="8684109" cy="1500187"/>
-          </a:xfrm>
-        </p:spPr>
-        <p:txBody>
-          <a:bodyPr/>
-          <a:lstStyle/>
-          <a:p>
-            <a:pPr fontAlgn="base"/>
-            <a:r>
-              <a:rPr lang="en-US" i="1" dirty="0">
-                <a:solidFill>
-                  <a:schemeClr val="bg1"/>
-                </a:solidFill>
-              </a:rPr>
-              <a:t>“Incorrect documentation is often worse than no documentation.”</a:t>
-            </a:r>
-          </a:p>
-          <a:p>
-            <a:pPr fontAlgn="base"/>
-            <a:r>
-              <a:rPr lang="en-US" dirty="0">
-                <a:solidFill>
-                  <a:schemeClr val="bg1"/>
-                </a:solidFill>
-              </a:rPr>
-              <a:t>— Bertrand Meyer</a:t>
-            </a:r>
-          </a:p>
-        </p:txBody>
-      </p:sp>
-      <p:sp>
-        <p:nvSpPr>
-          <p:cNvPr id="4" name="Title 1">
-            <a:extLst>
-              <a:ext uri="{FF2B5EF4-FFF2-40B4-BE49-F238E27FC236}">
-                <a16:creationId xmlns:a16="http://schemas.microsoft.com/office/drawing/2014/main" id="{E5E145E0-8A6D-BA43-ABD6-2C9CAE44E411}"/>
-              </a:ext>
-            </a:extLst>
-          </p:cNvPr>
-          <p:cNvSpPr txBox="1">
-            <a:spLocks/>
-          </p:cNvSpPr>
-          <p:nvPr/>
-        </p:nvSpPr>
-        <p:spPr>
-          <a:xfrm>
-            <a:off x="838200" y="4162593"/>
-            <a:ext cx="10515600" cy="2127352"/>
+            <a:off x="2148901" y="1386133"/>
+            <a:ext cx="4846198" cy="4085734"/>
           </a:xfrm>
           <a:prstGeom prst="rect">
             <a:avLst/>
           </a:prstGeom>
+          <a:noFill/>
         </p:spPr>
         <p:txBody>
-          <a:bodyPr vert="horz" lIns="91440" tIns="45720" rIns="91440" bIns="45720" rtlCol="0" anchor="b">
-            <a:noAutofit/>
+          <a:bodyPr wrap="none" rtlCol="0">
+            <a:spAutoFit/>
           </a:bodyPr>
-          <a:lstStyle>
-            <a:lvl1pPr algn="l" defTabSz="914400" rtl="0" eaLnBrk="1" latinLnBrk="0" hangingPunct="1">
-              <a:lnSpc>
-                <a:spcPct val="90000"/>
-              </a:lnSpc>
-              <a:spcBef>
-                <a:spcPct val="0"/>
-              </a:spcBef>
-              <a:buNone/>
-              <a:defRPr sz="6000" kern="1200">
+          <a:lstStyle/>
+          <a:p>
+            <a:pPr algn="ctr"/>
+            <a:r>
+              <a:rPr lang="en-US" sz="4050" dirty="0">
                 <a:solidFill>
                   <a:schemeClr val="bg1"/>
                 </a:solidFill>
-                <a:latin typeface="+mj-lt"/>
-                <a:ea typeface="+mj-ea"/>
-                <a:cs typeface="+mj-cs"/>
-              </a:defRPr>
-            </a:lvl1pPr>
-          </a:lstStyle>
+              </a:rPr>
+              <a:t>Wait, but what about </a:t>
+            </a:r>
+          </a:p>
           <a:p>
             <a:pPr algn="ctr"/>
             <a:r>
-              <a:rPr lang="en-US" sz="6600"/>
-              <a:t>ADRs = </a:t>
-            </a:r>
-            <a:r>
-              <a:rPr lang="en-US" sz="9600"/>
-              <a:t>👍🏽</a:t>
-            </a:r>
-            <a:endParaRPr lang="en-US" sz="9600" dirty="0"/>
+              <a:rPr lang="en-US" sz="4050" dirty="0">
+                <a:solidFill>
+                  <a:schemeClr val="bg1"/>
+                </a:solidFill>
+              </a:rPr>
+              <a:t>Wikis?</a:t>
+            </a:r>
+          </a:p>
+          <a:p>
+            <a:pPr algn="ctr"/>
+            <a:endParaRPr lang="en-US" sz="4050" dirty="0">
+              <a:solidFill>
+                <a:schemeClr val="bg1"/>
+              </a:solidFill>
+            </a:endParaRPr>
+          </a:p>
+          <a:p>
+            <a:pPr algn="ctr"/>
+            <a:r>
+              <a:rPr lang="en-US" sz="13800" dirty="0">
+                <a:solidFill>
+                  <a:schemeClr val="bg1"/>
+                </a:solidFill>
+              </a:rPr>
+              <a:t>🤦🏽‍♂️</a:t>
+            </a:r>
           </a:p>
         </p:txBody>
       </p:sp>
     </p:spTree>
     <p:extLst>
       <p:ext uri="{BB962C8B-B14F-4D97-AF65-F5344CB8AC3E}">
-        <p14:creationId xmlns:p14="http://schemas.microsoft.com/office/powerpoint/2010/main" val="2346709893"/>
+        <p14:creationId xmlns:p14="http://schemas.microsoft.com/office/powerpoint/2010/main" val="3070033270"/>
       </p:ext>
     </p:extLst>
   </p:cSld>
   <p:clrMapOvr>
     <a:masterClrMapping/>
   </p:clrMapOvr>
+  <mc:AlternateContent xmlns:mc="http://schemas.openxmlformats.org/markup-compatibility/2006" xmlns:p14="http://schemas.microsoft.com/office/powerpoint/2010/main">
+    <mc:Choice Requires="p14">
+      <p:transition spd="slow" p14:dur="2000" advClick="0" advTm="15000"/>
+    </mc:Choice>
+    <mc:Fallback xmlns="">
+      <p:transition spd="slow" advClick="0" advTm="15000"/>
+    </mc:Fallback>
+  </mc:AlternateContent>
 </p:sld>
 </file>
 
@@ -8320,85 +8691,173 @@
       </p:grpSpPr>
       <p:sp>
         <p:nvSpPr>
-          <p:cNvPr id="4" name="TextBox 3">
-            <a:extLst>
-              <a:ext uri="{FF2B5EF4-FFF2-40B4-BE49-F238E27FC236}">
-                <a16:creationId xmlns:a16="http://schemas.microsoft.com/office/drawing/2014/main" id="{D9E06190-A811-FA4A-8DFF-25F7864A68C3}"/>
-              </a:ext>
-            </a:extLst>
-          </p:cNvPr>
-          <p:cNvSpPr txBox="1"/>
-          <p:nvPr/>
+          <p:cNvPr id="2" name="Title 1">
+            <a:extLst>
+              <a:ext uri="{FF2B5EF4-FFF2-40B4-BE49-F238E27FC236}">
+                <a16:creationId xmlns:a16="http://schemas.microsoft.com/office/drawing/2014/main" id="{CF233AD3-CDB6-CE4C-A630-82980BA1D0E8}"/>
+              </a:ext>
+            </a:extLst>
+          </p:cNvPr>
+          <p:cNvSpPr>
+            <a:spLocks noGrp="1"/>
+          </p:cNvSpPr>
+          <p:nvPr>
+            <p:ph type="title"/>
+          </p:nvPr>
         </p:nvSpPr>
         <p:spPr>
           <a:xfrm>
-            <a:off x="499365" y="482161"/>
-            <a:ext cx="11193270" cy="5170646"/>
+            <a:off x="623888" y="1543052"/>
+            <a:ext cx="7886700" cy="1197245"/>
+          </a:xfrm>
+        </p:spPr>
+        <p:txBody>
+          <a:bodyPr>
+            <a:normAutofit/>
+          </a:bodyPr>
+          <a:lstStyle/>
+          <a:p>
+            <a:pPr algn="ctr"/>
+            <a:r>
+              <a:rPr lang="en-US" sz="6000" b="1" dirty="0">
+                <a:solidFill>
+                  <a:schemeClr val="accent4"/>
+                </a:solidFill>
+              </a:rPr>
+              <a:t>The Benefits</a:t>
+            </a:r>
+          </a:p>
+        </p:txBody>
+      </p:sp>
+      <p:sp>
+        <p:nvSpPr>
+          <p:cNvPr id="3" name="Text Placeholder 2">
+            <a:extLst>
+              <a:ext uri="{FF2B5EF4-FFF2-40B4-BE49-F238E27FC236}">
+                <a16:creationId xmlns:a16="http://schemas.microsoft.com/office/drawing/2014/main" id="{F3EFA1D7-5C02-5C46-8D14-AC78C6316567}"/>
+              </a:ext>
+            </a:extLst>
+          </p:cNvPr>
+          <p:cNvSpPr>
+            <a:spLocks noGrp="1"/>
+          </p:cNvSpPr>
+          <p:nvPr>
+            <p:ph type="body" idx="1"/>
+          </p:nvPr>
+        </p:nvSpPr>
+        <p:spPr>
+          <a:xfrm>
+            <a:off x="1504661" y="2903574"/>
+            <a:ext cx="6513082" cy="1125140"/>
+          </a:xfrm>
+        </p:spPr>
+        <p:txBody>
+          <a:bodyPr>
+            <a:normAutofit fontScale="92500" lnSpcReduction="20000"/>
+          </a:bodyPr>
+          <a:lstStyle/>
+          <a:p>
+            <a:pPr fontAlgn="base"/>
+            <a:r>
+              <a:rPr lang="en-US" sz="2800" i="1" dirty="0">
+                <a:solidFill>
+                  <a:schemeClr val="bg1"/>
+                </a:solidFill>
+              </a:rPr>
+              <a:t>“Incorrect documentation is often worse than no documentation.”</a:t>
+            </a:r>
+          </a:p>
+          <a:p>
+            <a:pPr fontAlgn="base"/>
+            <a:r>
+              <a:rPr lang="en-US" sz="2800" dirty="0">
+                <a:solidFill>
+                  <a:schemeClr val="bg1"/>
+                </a:solidFill>
+              </a:rPr>
+              <a:t>— Bertrand Meyer</a:t>
+            </a:r>
+          </a:p>
+        </p:txBody>
+      </p:sp>
+      <p:sp>
+        <p:nvSpPr>
+          <p:cNvPr id="4" name="Title 1">
+            <a:extLst>
+              <a:ext uri="{FF2B5EF4-FFF2-40B4-BE49-F238E27FC236}">
+                <a16:creationId xmlns:a16="http://schemas.microsoft.com/office/drawing/2014/main" id="{E5E145E0-8A6D-BA43-ABD6-2C9CAE44E411}"/>
+              </a:ext>
+            </a:extLst>
+          </p:cNvPr>
+          <p:cNvSpPr txBox="1">
+            <a:spLocks/>
+          </p:cNvSpPr>
+          <p:nvPr/>
+        </p:nvSpPr>
+        <p:spPr>
+          <a:xfrm>
+            <a:off x="628650" y="3979195"/>
+            <a:ext cx="7886700" cy="1595514"/>
           </a:xfrm>
           <a:prstGeom prst="rect">
             <a:avLst/>
           </a:prstGeom>
-          <a:noFill/>
         </p:spPr>
         <p:txBody>
-          <a:bodyPr wrap="square" rtlCol="0">
-            <a:spAutoFit/>
+          <a:bodyPr vert="horz" lIns="68580" tIns="34290" rIns="68580" bIns="34290" rtlCol="0" anchor="b">
+            <a:noAutofit/>
           </a:bodyPr>
-          <a:lstStyle/>
-          <a:p>
-            <a:pPr marL="685800" indent="-685800">
-              <a:buFont typeface="Arial" panose="020B0604020202020204" pitchFamily="34" charset="0"/>
-              <a:buChar char="•"/>
-            </a:pPr>
-            <a:r>
-              <a:rPr lang="en-US" sz="6600" dirty="0">
+          <a:lstStyle>
+            <a:lvl1pPr algn="l" defTabSz="914400" rtl="0" eaLnBrk="1" latinLnBrk="0" hangingPunct="1">
+              <a:lnSpc>
+                <a:spcPct val="90000"/>
+              </a:lnSpc>
+              <a:spcBef>
+                <a:spcPct val="0"/>
+              </a:spcBef>
+              <a:buNone/>
+              <a:defRPr sz="6000" kern="1200">
                 <a:solidFill>
                   <a:schemeClr val="bg1"/>
                 </a:solidFill>
-              </a:rPr>
-              <a:t>New team member onboarding</a:t>
-            </a:r>
-          </a:p>
-          <a:p>
-            <a:pPr marL="685800" indent="-685800">
-              <a:buFont typeface="Arial" panose="020B0604020202020204" pitchFamily="34" charset="0"/>
-              <a:buChar char="•"/>
-            </a:pPr>
-            <a:r>
-              <a:rPr lang="en-US" sz="6600" dirty="0">
-                <a:solidFill>
-                  <a:schemeClr val="bg1"/>
-                </a:solidFill>
-              </a:rPr>
-              <a:t>Save people from themselves</a:t>
-            </a:r>
-          </a:p>
-          <a:p>
-            <a:pPr marL="685800" indent="-685800">
-              <a:buFont typeface="Arial" panose="020B0604020202020204" pitchFamily="34" charset="0"/>
-              <a:buChar char="•"/>
-            </a:pPr>
-            <a:r>
-              <a:rPr lang="en-US" sz="6600" dirty="0">
-                <a:solidFill>
-                  <a:schemeClr val="bg1"/>
-                </a:solidFill>
-              </a:rPr>
-              <a:t>Informs decision making process</a:t>
-            </a:r>
+                <a:latin typeface="+mj-lt"/>
+                <a:ea typeface="+mj-ea"/>
+                <a:cs typeface="+mj-cs"/>
+              </a:defRPr>
+            </a:lvl1pPr>
+          </a:lstStyle>
+          <a:p>
+            <a:pPr algn="ctr"/>
+            <a:r>
+              <a:rPr lang="en-US" sz="4950"/>
+              <a:t>ADRs = </a:t>
+            </a:r>
+            <a:r>
+              <a:rPr lang="en-US" sz="7200"/>
+              <a:t>👍🏽</a:t>
+            </a:r>
+            <a:endParaRPr lang="en-US" sz="7200" dirty="0"/>
           </a:p>
         </p:txBody>
       </p:sp>
     </p:spTree>
     <p:extLst>
       <p:ext uri="{BB962C8B-B14F-4D97-AF65-F5344CB8AC3E}">
-        <p14:creationId xmlns:p14="http://schemas.microsoft.com/office/powerpoint/2010/main" val="459259026"/>
+        <p14:creationId xmlns:p14="http://schemas.microsoft.com/office/powerpoint/2010/main" val="2346709893"/>
       </p:ext>
     </p:extLst>
   </p:cSld>
   <p:clrMapOvr>
     <a:masterClrMapping/>
   </p:clrMapOvr>
+  <mc:AlternateContent xmlns:mc="http://schemas.openxmlformats.org/markup-compatibility/2006" xmlns:p14="http://schemas.microsoft.com/office/powerpoint/2010/main">
+    <mc:Choice Requires="p14">
+      <p:transition spd="slow" p14:dur="2000" advClick="0" advTm="15000"/>
+    </mc:Choice>
+    <mc:Fallback xmlns="">
+      <p:transition spd="slow" advClick="0" advTm="15000"/>
+    </mc:Fallback>
+  </mc:AlternateContent>
 </p:sld>
 </file>
 
@@ -8421,97 +8880,20 @@
       </p:grpSpPr>
       <p:sp>
         <p:nvSpPr>
-          <p:cNvPr id="2" name="Title 1">
-            <a:extLst>
-              <a:ext uri="{FF2B5EF4-FFF2-40B4-BE49-F238E27FC236}">
-                <a16:creationId xmlns:a16="http://schemas.microsoft.com/office/drawing/2014/main" id="{C409FD33-6233-7C49-9918-532E7EC05AB5}"/>
-              </a:ext>
-            </a:extLst>
-          </p:cNvPr>
-          <p:cNvSpPr>
-            <a:spLocks noGrp="1"/>
-          </p:cNvSpPr>
-          <p:nvPr>
-            <p:ph type="title"/>
-          </p:nvPr>
+          <p:cNvPr id="4" name="TextBox 3">
+            <a:extLst>
+              <a:ext uri="{FF2B5EF4-FFF2-40B4-BE49-F238E27FC236}">
+                <a16:creationId xmlns:a16="http://schemas.microsoft.com/office/drawing/2014/main" id="{D9E06190-A811-FA4A-8DFF-25F7864A68C3}"/>
+              </a:ext>
+            </a:extLst>
+          </p:cNvPr>
+          <p:cNvSpPr txBox="1"/>
+          <p:nvPr/>
         </p:nvSpPr>
         <p:spPr>
           <a:xfrm>
-            <a:off x="838199" y="44735"/>
-            <a:ext cx="10515600" cy="1090382"/>
-          </a:xfrm>
-        </p:spPr>
-        <p:txBody>
-          <a:bodyPr>
-            <a:noAutofit/>
-          </a:bodyPr>
-          <a:lstStyle/>
-          <a:p>
-            <a:pPr algn="ctr"/>
-            <a:r>
-              <a:rPr lang="en-US" sz="3600" dirty="0"/>
-              <a:t>More praise for ADRs:</a:t>
-            </a:r>
-            <a:br>
-              <a:rPr lang="en-US" sz="3600" dirty="0"/>
-            </a:br>
-            <a:r>
-              <a:rPr lang="en-US" sz="3600" dirty="0" err="1"/>
-              <a:t>ThoughtWorks</a:t>
-            </a:r>
-            <a:r>
-              <a:rPr lang="en-US" sz="3600" dirty="0"/>
-              <a:t> Technology Radar</a:t>
-            </a:r>
-          </a:p>
-        </p:txBody>
-      </p:sp>
-      <p:pic>
-        <p:nvPicPr>
-          <p:cNvPr id="3" name="Picture 2">
-            <a:extLst>
-              <a:ext uri="{FF2B5EF4-FFF2-40B4-BE49-F238E27FC236}">
-                <a16:creationId xmlns:a16="http://schemas.microsoft.com/office/drawing/2014/main" id="{745EEC11-94B0-9944-A277-0EE4A9EC1456}"/>
-              </a:ext>
-            </a:extLst>
-          </p:cNvPr>
-          <p:cNvPicPr>
-            <a:picLocks noChangeAspect="1"/>
-          </p:cNvPicPr>
-          <p:nvPr/>
-        </p:nvPicPr>
-        <p:blipFill>
-          <a:blip r:embed="rId3"/>
-          <a:stretch>
-            <a:fillRect/>
-          </a:stretch>
-        </p:blipFill>
-        <p:spPr>
-          <a:xfrm>
-            <a:off x="2923983" y="1135117"/>
-            <a:ext cx="6344034" cy="5308816"/>
-          </a:xfrm>
-          <a:prstGeom prst="rect">
-            <a:avLst/>
-          </a:prstGeom>
-        </p:spPr>
-      </p:pic>
-      <p:sp>
-        <p:nvSpPr>
-          <p:cNvPr id="4" name="TextBox 3">
-            <a:extLst>
-              <a:ext uri="{FF2B5EF4-FFF2-40B4-BE49-F238E27FC236}">
-                <a16:creationId xmlns:a16="http://schemas.microsoft.com/office/drawing/2014/main" id="{B34BF978-8B84-984D-BC27-943E5A8E16E1}"/>
-              </a:ext>
-            </a:extLst>
-          </p:cNvPr>
-          <p:cNvSpPr txBox="1"/>
-          <p:nvPr/>
-        </p:nvSpPr>
-        <p:spPr>
-          <a:xfrm>
-            <a:off x="3707364" y="6443933"/>
-            <a:ext cx="4777270" cy="369332"/>
+            <a:off x="374527" y="1218871"/>
+            <a:ext cx="8394953" cy="3901068"/>
           </a:xfrm>
           <a:prstGeom prst="rect">
             <a:avLst/>
@@ -8519,35 +8901,50 @@
           <a:noFill/>
         </p:spPr>
         <p:txBody>
-          <a:bodyPr wrap="none" rtlCol="0">
+          <a:bodyPr wrap="square" rtlCol="0">
             <a:spAutoFit/>
           </a:bodyPr>
           <a:lstStyle/>
           <a:p>
-            <a:pPr algn="ctr"/>
-            <a:r>
-              <a:rPr lang="en-US" dirty="0">
+            <a:pPr marL="514313" indent="-514313">
+              <a:buFont typeface="Arial" panose="020B0604020202020204" pitchFamily="34" charset="0"/>
+              <a:buChar char="•"/>
+            </a:pPr>
+            <a:r>
+              <a:rPr lang="en-US" sz="4950" dirty="0">
                 <a:solidFill>
                   <a:schemeClr val="bg1"/>
                 </a:solidFill>
               </a:rPr>
-              <a:t>https://</a:t>
-            </a:r>
-            <a:r>
-              <a:rPr lang="en-US" dirty="0" err="1">
+              <a:t>New team member onboarding</a:t>
+            </a:r>
+          </a:p>
+          <a:p>
+            <a:pPr marL="514313" indent="-514313">
+              <a:buFont typeface="Arial" panose="020B0604020202020204" pitchFamily="34" charset="0"/>
+              <a:buChar char="•"/>
+            </a:pPr>
+            <a:r>
+              <a:rPr lang="en-US" sz="4950" dirty="0">
                 <a:solidFill>
                   <a:schemeClr val="bg1"/>
                 </a:solidFill>
               </a:rPr>
-              <a:t>www.thoughtworks.com</a:t>
-            </a:r>
-            <a:r>
-              <a:rPr lang="en-US" dirty="0">
+              <a:t>Save people from themselves</a:t>
+            </a:r>
+          </a:p>
+          <a:p>
+            <a:pPr marL="514313" indent="-514313">
+              <a:buFont typeface="Arial" panose="020B0604020202020204" pitchFamily="34" charset="0"/>
+              <a:buChar char="•"/>
+            </a:pPr>
+            <a:r>
+              <a:rPr lang="en-US" sz="4950" dirty="0">
                 <a:solidFill>
                   <a:schemeClr val="bg1"/>
                 </a:solidFill>
               </a:rPr>
-              <a:t>/radar/techniques</a:t>
+              <a:t>Informs decision making process</a:t>
             </a:r>
           </a:p>
         </p:txBody>
@@ -8555,13 +8952,21 @@
     </p:spTree>
     <p:extLst>
       <p:ext uri="{BB962C8B-B14F-4D97-AF65-F5344CB8AC3E}">
-        <p14:creationId xmlns:p14="http://schemas.microsoft.com/office/powerpoint/2010/main" val="1477915063"/>
+        <p14:creationId xmlns:p14="http://schemas.microsoft.com/office/powerpoint/2010/main" val="459259026"/>
       </p:ext>
     </p:extLst>
   </p:cSld>
   <p:clrMapOvr>
     <a:masterClrMapping/>
   </p:clrMapOvr>
+  <mc:AlternateContent xmlns:mc="http://schemas.openxmlformats.org/markup-compatibility/2006" xmlns:p14="http://schemas.microsoft.com/office/powerpoint/2010/main">
+    <mc:Choice Requires="p14">
+      <p:transition spd="slow" p14:dur="2000" advClick="0" advTm="15000"/>
+    </mc:Choice>
+    <mc:Fallback xmlns="">
+      <p:transition spd="slow" advClick="0" advTm="15000"/>
+    </mc:Fallback>
+  </mc:AlternateContent>
 </p:sld>
 </file>
 
@@ -8596,8 +9001,8 @@
         </p:nvSpPr>
         <p:spPr>
           <a:xfrm>
-            <a:off x="3166352" y="1069455"/>
-            <a:ext cx="5859296" cy="1754326"/>
+            <a:off x="2350881" y="1274824"/>
+            <a:ext cx="4442242" cy="4085734"/>
           </a:xfrm>
           <a:prstGeom prst="rect">
             <a:avLst/>
@@ -8612,7 +9017,7 @@
           <a:p>
             <a:pPr algn="ctr"/>
             <a:r>
-              <a:rPr lang="en-US" sz="5400" dirty="0">
+              <a:rPr lang="en-US" sz="4050" dirty="0">
                 <a:solidFill>
                   <a:schemeClr val="bg1"/>
                 </a:solidFill>
@@ -8623,7 +9028,7 @@
           <a:p>
             <a:pPr algn="ctr"/>
             <a:r>
-              <a:rPr lang="en-US" sz="5400" dirty="0">
+              <a:rPr lang="en-US" sz="4050" dirty="0">
                 <a:solidFill>
                   <a:schemeClr val="bg1"/>
                 </a:solidFill>
@@ -8631,55 +9036,23 @@
               <a:t>every day!</a:t>
             </a:r>
           </a:p>
-        </p:txBody>
-      </p:sp>
-      <p:sp>
-        <p:nvSpPr>
-          <p:cNvPr id="3" name="TextBox 2">
-            <a:extLst>
-              <a:ext uri="{FF2B5EF4-FFF2-40B4-BE49-F238E27FC236}">
-                <a16:creationId xmlns:a16="http://schemas.microsoft.com/office/drawing/2014/main" id="{903E6380-1356-B44E-81F1-1BA0BFAB8F2E}"/>
-              </a:ext>
-            </a:extLst>
-          </p:cNvPr>
-          <p:cNvSpPr txBox="1"/>
-          <p:nvPr/>
-        </p:nvSpPr>
-        <p:spPr>
-          <a:xfrm>
-            <a:off x="2904293" y="3813495"/>
-            <a:ext cx="6383414" cy="1754326"/>
-          </a:xfrm>
-          <a:prstGeom prst="rect">
-            <a:avLst/>
-          </a:prstGeom>
-          <a:noFill/>
-        </p:spPr>
-        <p:txBody>
-          <a:bodyPr wrap="none" rtlCol="0">
-            <a:spAutoFit/>
-          </a:bodyPr>
-          <a:lstStyle/>
           <a:p>
             <a:pPr algn="ctr"/>
-            <a:r>
-              <a:rPr lang="en-US" sz="5400" dirty="0">
+            <a:endParaRPr lang="en-US" sz="4050" dirty="0">
+              <a:solidFill>
+                <a:schemeClr val="bg1"/>
+              </a:solidFill>
+            </a:endParaRPr>
+          </a:p>
+          <a:p>
+            <a:pPr algn="ctr"/>
+            <a:r>
+              <a:rPr lang="en-US" sz="13800" dirty="0">
                 <a:solidFill>
                   <a:schemeClr val="bg1"/>
                 </a:solidFill>
               </a:rPr>
-              <a:t>Most of us take these </a:t>
-            </a:r>
-          </a:p>
-          <a:p>
-            <a:pPr algn="ctr"/>
-            <a:r>
-              <a:rPr lang="en-US" sz="5400" dirty="0">
-                <a:solidFill>
-                  <a:schemeClr val="bg1"/>
-                </a:solidFill>
-              </a:rPr>
-              <a:t>decisions seriously!</a:t>
+              <a:t>⚖️</a:t>
             </a:r>
           </a:p>
         </p:txBody>
@@ -8694,6 +9067,14 @@
   <p:clrMapOvr>
     <a:masterClrMapping/>
   </p:clrMapOvr>
+  <mc:AlternateContent xmlns:mc="http://schemas.openxmlformats.org/markup-compatibility/2006" xmlns:p14="http://schemas.microsoft.com/office/powerpoint/2010/main">
+    <mc:Choice Requires="p14">
+      <p:transition spd="slow" p14:dur="2000" advClick="0" advTm="15000"/>
+    </mc:Choice>
+    <mc:Fallback xmlns="">
+      <p:transition spd="slow" advClick="0" advTm="15000"/>
+    </mc:Fallback>
+  </mc:AlternateContent>
 </p:sld>
 </file>
 
@@ -8719,31 +9100,227 @@
           <p:cNvPr id="2" name="Title 1">
             <a:extLst>
               <a:ext uri="{FF2B5EF4-FFF2-40B4-BE49-F238E27FC236}">
-                <a16:creationId xmlns:a16="http://schemas.microsoft.com/office/drawing/2014/main" id="{9F053D3E-4961-4145-82AD-E2410D863096}"/>
-              </a:ext>
-            </a:extLst>
-          </p:cNvPr>
-          <p:cNvSpPr>
-            <a:spLocks noGrp="1"/>
-          </p:cNvSpPr>
-          <p:nvPr>
-            <p:ph type="ctrTitle"/>
+                <a16:creationId xmlns:a16="http://schemas.microsoft.com/office/drawing/2014/main" id="{C409FD33-6233-7C49-9918-532E7EC05AB5}"/>
+              </a:ext>
+            </a:extLst>
+          </p:cNvPr>
+          <p:cNvSpPr>
+            <a:spLocks noGrp="1"/>
+          </p:cNvSpPr>
+          <p:nvPr>
+            <p:ph type="title"/>
           </p:nvPr>
         </p:nvSpPr>
         <p:spPr>
           <a:xfrm>
-            <a:off x="1524000" y="392789"/>
-            <a:ext cx="9144000" cy="1241458"/>
+            <a:off x="628651" y="1044522"/>
+            <a:ext cx="3025010" cy="817787"/>
           </a:xfrm>
         </p:spPr>
         <p:txBody>
           <a:bodyPr>
+            <a:noAutofit/>
+          </a:bodyPr>
+          <a:lstStyle/>
+          <a:p>
+            <a:pPr algn="ctr"/>
+            <a:r>
+              <a:rPr lang="en-US" sz="2400" dirty="0"/>
+              <a:t>More praise for ADRs:</a:t>
+            </a:r>
+            <a:br>
+              <a:rPr lang="en-US" sz="2400" dirty="0"/>
+            </a:br>
+            <a:r>
+              <a:rPr lang="en-US" sz="2400" dirty="0" err="1"/>
+              <a:t>ThoughtWorks</a:t>
+            </a:r>
+            <a:r>
+              <a:rPr lang="en-US" sz="2400" dirty="0"/>
+              <a:t> Technology Radar</a:t>
+            </a:r>
+          </a:p>
+        </p:txBody>
+      </p:sp>
+      <p:pic>
+        <p:nvPicPr>
+          <p:cNvPr id="3" name="Picture 2">
+            <a:extLst>
+              <a:ext uri="{FF2B5EF4-FFF2-40B4-BE49-F238E27FC236}">
+                <a16:creationId xmlns:a16="http://schemas.microsoft.com/office/drawing/2014/main" id="{745EEC11-94B0-9944-A277-0EE4A9EC1456}"/>
+              </a:ext>
+            </a:extLst>
+          </p:cNvPr>
+          <p:cNvPicPr>
+            <a:picLocks noChangeAspect="1"/>
+          </p:cNvPicPr>
+          <p:nvPr/>
+        </p:nvPicPr>
+        <p:blipFill>
+          <a:blip r:embed="rId3"/>
+          <a:stretch>
+            <a:fillRect/>
+          </a:stretch>
+        </p:blipFill>
+        <p:spPr>
+          <a:xfrm>
+            <a:off x="198219" y="1981734"/>
+            <a:ext cx="3883194" cy="3249536"/>
+          </a:xfrm>
+          <a:prstGeom prst="rect">
+            <a:avLst/>
+          </a:prstGeom>
+        </p:spPr>
+      </p:pic>
+      <p:sp>
+        <p:nvSpPr>
+          <p:cNvPr id="4" name="TextBox 3">
+            <a:extLst>
+              <a:ext uri="{FF2B5EF4-FFF2-40B4-BE49-F238E27FC236}">
+                <a16:creationId xmlns:a16="http://schemas.microsoft.com/office/drawing/2014/main" id="{B34BF978-8B84-984D-BC27-943E5A8E16E1}"/>
+              </a:ext>
+            </a:extLst>
+          </p:cNvPr>
+          <p:cNvSpPr txBox="1"/>
+          <p:nvPr/>
+        </p:nvSpPr>
+        <p:spPr>
+          <a:xfrm>
+            <a:off x="707911" y="5231270"/>
+            <a:ext cx="2866490" cy="254365"/>
+          </a:xfrm>
+          <a:prstGeom prst="rect">
+            <a:avLst/>
+          </a:prstGeom>
+          <a:noFill/>
+        </p:spPr>
+        <p:txBody>
+          <a:bodyPr wrap="none" rtlCol="0">
+            <a:spAutoFit/>
+          </a:bodyPr>
+          <a:lstStyle/>
+          <a:p>
+            <a:pPr algn="ctr"/>
+            <a:r>
+              <a:rPr lang="en-US" sz="1053" dirty="0">
+                <a:solidFill>
+                  <a:schemeClr val="bg1"/>
+                </a:solidFill>
+              </a:rPr>
+              <a:t>https://</a:t>
+            </a:r>
+            <a:r>
+              <a:rPr lang="en-US" sz="1053" dirty="0" err="1">
+                <a:solidFill>
+                  <a:schemeClr val="bg1"/>
+                </a:solidFill>
+              </a:rPr>
+              <a:t>www.thoughtworks.com</a:t>
+            </a:r>
+            <a:r>
+              <a:rPr lang="en-US" sz="1053" dirty="0">
+                <a:solidFill>
+                  <a:schemeClr val="bg1"/>
+                </a:solidFill>
+              </a:rPr>
+              <a:t>/radar/techniques</a:t>
+            </a:r>
+          </a:p>
+        </p:txBody>
+      </p:sp>
+      <p:cxnSp>
+        <p:nvCxnSpPr>
+          <p:cNvPr id="6" name="Straight Connector 5">
+            <a:extLst>
+              <a:ext uri="{FF2B5EF4-FFF2-40B4-BE49-F238E27FC236}">
+                <a16:creationId xmlns:a16="http://schemas.microsoft.com/office/drawing/2014/main" id="{16A03587-F249-CC45-A345-9EA7C4320C03}"/>
+              </a:ext>
+            </a:extLst>
+          </p:cNvPr>
+          <p:cNvCxnSpPr>
+            <a:cxnSpLocks/>
+          </p:cNvCxnSpPr>
+          <p:nvPr/>
+        </p:nvCxnSpPr>
+        <p:spPr>
+          <a:xfrm>
+            <a:off x="4315811" y="429491"/>
+            <a:ext cx="0" cy="5929745"/>
+          </a:xfrm>
+          <a:prstGeom prst="line">
+            <a:avLst/>
+          </a:prstGeom>
+          <a:ln w="63500">
+            <a:solidFill>
+              <a:schemeClr val="bg1"/>
+            </a:solidFill>
+          </a:ln>
+        </p:spPr>
+        <p:style>
+          <a:lnRef idx="1">
+            <a:schemeClr val="accent1"/>
+          </a:lnRef>
+          <a:fillRef idx="0">
+            <a:schemeClr val="accent1"/>
+          </a:fillRef>
+          <a:effectRef idx="0">
+            <a:schemeClr val="accent1"/>
+          </a:effectRef>
+          <a:fontRef idx="minor">
+            <a:schemeClr val="tx1"/>
+          </a:fontRef>
+        </p:style>
+      </p:cxnSp>
+      <p:sp>
+        <p:nvSpPr>
+          <p:cNvPr id="7" name="Title 1">
+            <a:extLst>
+              <a:ext uri="{FF2B5EF4-FFF2-40B4-BE49-F238E27FC236}">
+                <a16:creationId xmlns:a16="http://schemas.microsoft.com/office/drawing/2014/main" id="{425C9532-2F15-1A47-A362-6A4411235D40}"/>
+              </a:ext>
+            </a:extLst>
+          </p:cNvPr>
+          <p:cNvSpPr txBox="1">
+            <a:spLocks/>
+          </p:cNvSpPr>
+          <p:nvPr/>
+        </p:nvSpPr>
+        <p:spPr>
+          <a:xfrm>
+            <a:off x="4493172" y="1151842"/>
+            <a:ext cx="4301146" cy="931094"/>
+          </a:xfrm>
+          <a:prstGeom prst="rect">
+            <a:avLst/>
+          </a:prstGeom>
+        </p:spPr>
+        <p:txBody>
+          <a:bodyPr vert="horz" lIns="68580" tIns="34290" rIns="68580" bIns="34290" rtlCol="0" anchor="ctr">
             <a:normAutofit/>
           </a:bodyPr>
-          <a:lstStyle/>
-          <a:p>
-            <a:r>
-              <a:rPr lang="en-US" dirty="0"/>
+          <a:lstStyle>
+            <a:lvl1pPr algn="l" defTabSz="914400" rtl="0" eaLnBrk="1" latinLnBrk="0" hangingPunct="1">
+              <a:lnSpc>
+                <a:spcPct val="90000"/>
+              </a:lnSpc>
+              <a:spcBef>
+                <a:spcPct val="0"/>
+              </a:spcBef>
+              <a:buNone/>
+              <a:defRPr sz="4400" kern="1200">
+                <a:solidFill>
+                  <a:schemeClr val="bg1"/>
+                </a:solidFill>
+                <a:latin typeface="+mj-lt"/>
+                <a:ea typeface="+mj-ea"/>
+                <a:cs typeface="+mj-cs"/>
+              </a:defRPr>
+            </a:lvl1pPr>
+          </a:lstStyle>
+          <a:p>
+            <a:pPr algn="ctr"/>
+            <a:r>
+              <a:rPr lang="en-US" sz="3300" dirty="0"/>
               <a:t>Thanks for your time!</a:t>
             </a:r>
           </a:p>
@@ -8751,41 +9328,211 @@
       </p:sp>
       <p:sp>
         <p:nvSpPr>
-          <p:cNvPr id="3" name="Subtitle 2">
-            <a:extLst>
-              <a:ext uri="{FF2B5EF4-FFF2-40B4-BE49-F238E27FC236}">
-                <a16:creationId xmlns:a16="http://schemas.microsoft.com/office/drawing/2014/main" id="{9AA71D10-7137-C54A-B876-056F627A8F9D}"/>
-              </a:ext>
-            </a:extLst>
-          </p:cNvPr>
-          <p:cNvSpPr>
-            <a:spLocks noGrp="1"/>
-          </p:cNvSpPr>
-          <p:nvPr>
-            <p:ph type="subTitle" idx="1"/>
-          </p:nvPr>
+          <p:cNvPr id="8" name="Subtitle 2">
+            <a:extLst>
+              <a:ext uri="{FF2B5EF4-FFF2-40B4-BE49-F238E27FC236}">
+                <a16:creationId xmlns:a16="http://schemas.microsoft.com/office/drawing/2014/main" id="{E9FE9A72-5226-F441-AEBA-D08EE3616373}"/>
+              </a:ext>
+            </a:extLst>
+          </p:cNvPr>
+          <p:cNvSpPr txBox="1">
+            <a:spLocks/>
+          </p:cNvSpPr>
+          <p:nvPr/>
         </p:nvSpPr>
         <p:spPr>
           <a:xfrm>
-            <a:off x="1524000" y="2120629"/>
-            <a:ext cx="9144000" cy="3861881"/>
+            <a:off x="4493172" y="2447725"/>
+            <a:ext cx="4301146" cy="2896411"/>
           </a:xfrm>
+          <a:prstGeom prst="rect">
+            <a:avLst/>
+          </a:prstGeom>
         </p:spPr>
         <p:txBody>
           <a:bodyPr>
-            <a:normAutofit fontScale="92500" lnSpcReduction="20000"/>
+            <a:normAutofit fontScale="85000" lnSpcReduction="20000"/>
           </a:bodyPr>
-          <a:lstStyle/>
-          <a:p>
-            <a:r>
-              <a:rPr lang="en-US" sz="3200" dirty="0"/>
+          <a:lstStyle>
+            <a:lvl1pPr marL="228600" indent="-228600" algn="l" defTabSz="914400" rtl="0" eaLnBrk="1" latinLnBrk="0" hangingPunct="1">
+              <a:lnSpc>
+                <a:spcPct val="90000"/>
+              </a:lnSpc>
+              <a:spcBef>
+                <a:spcPts val="1000"/>
+              </a:spcBef>
+              <a:buFont typeface="Arial" panose="020B0604020202020204" pitchFamily="34" charset="0"/>
+              <a:buChar char="•"/>
+              <a:defRPr sz="2800" kern="1200">
+                <a:solidFill>
+                  <a:schemeClr val="bg1"/>
+                </a:solidFill>
+                <a:latin typeface="+mn-lt"/>
+                <a:ea typeface="+mn-ea"/>
+                <a:cs typeface="+mn-cs"/>
+              </a:defRPr>
+            </a:lvl1pPr>
+            <a:lvl2pPr marL="685800" indent="-228600" algn="l" defTabSz="914400" rtl="0" eaLnBrk="1" latinLnBrk="0" hangingPunct="1">
+              <a:lnSpc>
+                <a:spcPct val="90000"/>
+              </a:lnSpc>
+              <a:spcBef>
+                <a:spcPts val="500"/>
+              </a:spcBef>
+              <a:buFont typeface="Arial" panose="020B0604020202020204" pitchFamily="34" charset="0"/>
+              <a:buChar char="•"/>
+              <a:defRPr sz="2400" kern="1200">
+                <a:solidFill>
+                  <a:schemeClr val="bg1"/>
+                </a:solidFill>
+                <a:latin typeface="+mn-lt"/>
+                <a:ea typeface="+mn-ea"/>
+                <a:cs typeface="+mn-cs"/>
+              </a:defRPr>
+            </a:lvl2pPr>
+            <a:lvl3pPr marL="1143000" indent="-228600" algn="l" defTabSz="914400" rtl="0" eaLnBrk="1" latinLnBrk="0" hangingPunct="1">
+              <a:lnSpc>
+                <a:spcPct val="90000"/>
+              </a:lnSpc>
+              <a:spcBef>
+                <a:spcPts val="500"/>
+              </a:spcBef>
+              <a:buFont typeface="Arial" panose="020B0604020202020204" pitchFamily="34" charset="0"/>
+              <a:buChar char="•"/>
+              <a:defRPr sz="2000" kern="1200">
+                <a:solidFill>
+                  <a:schemeClr val="bg1"/>
+                </a:solidFill>
+                <a:latin typeface="+mn-lt"/>
+                <a:ea typeface="+mn-ea"/>
+                <a:cs typeface="+mn-cs"/>
+              </a:defRPr>
+            </a:lvl3pPr>
+            <a:lvl4pPr marL="1600200" indent="-228600" algn="l" defTabSz="914400" rtl="0" eaLnBrk="1" latinLnBrk="0" hangingPunct="1">
+              <a:lnSpc>
+                <a:spcPct val="90000"/>
+              </a:lnSpc>
+              <a:spcBef>
+                <a:spcPts val="500"/>
+              </a:spcBef>
+              <a:buFont typeface="Arial" panose="020B0604020202020204" pitchFamily="34" charset="0"/>
+              <a:buChar char="•"/>
+              <a:defRPr sz="1800" kern="1200">
+                <a:solidFill>
+                  <a:schemeClr val="bg1"/>
+                </a:solidFill>
+                <a:latin typeface="+mn-lt"/>
+                <a:ea typeface="+mn-ea"/>
+                <a:cs typeface="+mn-cs"/>
+              </a:defRPr>
+            </a:lvl4pPr>
+            <a:lvl5pPr marL="2057400" indent="-228600" algn="l" defTabSz="914400" rtl="0" eaLnBrk="1" latinLnBrk="0" hangingPunct="1">
+              <a:lnSpc>
+                <a:spcPct val="90000"/>
+              </a:lnSpc>
+              <a:spcBef>
+                <a:spcPts val="500"/>
+              </a:spcBef>
+              <a:buFont typeface="Arial" panose="020B0604020202020204" pitchFamily="34" charset="0"/>
+              <a:buChar char="•"/>
+              <a:defRPr sz="1800" kern="1200">
+                <a:solidFill>
+                  <a:schemeClr val="bg1"/>
+                </a:solidFill>
+                <a:latin typeface="+mn-lt"/>
+                <a:ea typeface="+mn-ea"/>
+                <a:cs typeface="+mn-cs"/>
+              </a:defRPr>
+            </a:lvl5pPr>
+            <a:lvl6pPr marL="2514600" indent="-228600" algn="l" defTabSz="914400" rtl="0" eaLnBrk="1" latinLnBrk="0" hangingPunct="1">
+              <a:lnSpc>
+                <a:spcPct val="90000"/>
+              </a:lnSpc>
+              <a:spcBef>
+                <a:spcPts val="500"/>
+              </a:spcBef>
+              <a:buFont typeface="Arial" panose="020B0604020202020204" pitchFamily="34" charset="0"/>
+              <a:buChar char="•"/>
+              <a:defRPr sz="1800" kern="1200">
+                <a:solidFill>
+                  <a:schemeClr val="tx1"/>
+                </a:solidFill>
+                <a:latin typeface="+mn-lt"/>
+                <a:ea typeface="+mn-ea"/>
+                <a:cs typeface="+mn-cs"/>
+              </a:defRPr>
+            </a:lvl6pPr>
+            <a:lvl7pPr marL="2971800" indent="-228600" algn="l" defTabSz="914400" rtl="0" eaLnBrk="1" latinLnBrk="0" hangingPunct="1">
+              <a:lnSpc>
+                <a:spcPct val="90000"/>
+              </a:lnSpc>
+              <a:spcBef>
+                <a:spcPts val="500"/>
+              </a:spcBef>
+              <a:buFont typeface="Arial" panose="020B0604020202020204" pitchFamily="34" charset="0"/>
+              <a:buChar char="•"/>
+              <a:defRPr sz="1800" kern="1200">
+                <a:solidFill>
+                  <a:schemeClr val="tx1"/>
+                </a:solidFill>
+                <a:latin typeface="+mn-lt"/>
+                <a:ea typeface="+mn-ea"/>
+                <a:cs typeface="+mn-cs"/>
+              </a:defRPr>
+            </a:lvl7pPr>
+            <a:lvl8pPr marL="3429000" indent="-228600" algn="l" defTabSz="914400" rtl="0" eaLnBrk="1" latinLnBrk="0" hangingPunct="1">
+              <a:lnSpc>
+                <a:spcPct val="90000"/>
+              </a:lnSpc>
+              <a:spcBef>
+                <a:spcPts val="500"/>
+              </a:spcBef>
+              <a:buFont typeface="Arial" panose="020B0604020202020204" pitchFamily="34" charset="0"/>
+              <a:buChar char="•"/>
+              <a:defRPr sz="1800" kern="1200">
+                <a:solidFill>
+                  <a:schemeClr val="tx1"/>
+                </a:solidFill>
+                <a:latin typeface="+mn-lt"/>
+                <a:ea typeface="+mn-ea"/>
+                <a:cs typeface="+mn-cs"/>
+              </a:defRPr>
+            </a:lvl8pPr>
+            <a:lvl9pPr marL="3886200" indent="-228600" algn="l" defTabSz="914400" rtl="0" eaLnBrk="1" latinLnBrk="0" hangingPunct="1">
+              <a:lnSpc>
+                <a:spcPct val="90000"/>
+              </a:lnSpc>
+              <a:spcBef>
+                <a:spcPts val="500"/>
+              </a:spcBef>
+              <a:buFont typeface="Arial" panose="020B0604020202020204" pitchFamily="34" charset="0"/>
+              <a:buChar char="•"/>
+              <a:defRPr sz="1800" kern="1200">
+                <a:solidFill>
+                  <a:schemeClr val="tx1"/>
+                </a:solidFill>
+                <a:latin typeface="+mn-lt"/>
+                <a:ea typeface="+mn-ea"/>
+                <a:cs typeface="+mn-cs"/>
+              </a:defRPr>
+            </a:lvl9pPr>
+          </a:lstStyle>
+          <a:p>
+            <a:pPr marL="0" indent="0" algn="ctr">
+              <a:buNone/>
+            </a:pPr>
+            <a:r>
+              <a:rPr lang="en-US" sz="2400" dirty="0"/>
               <a:t>Slides &amp; Information available at:</a:t>
             </a:r>
           </a:p>
           <a:p>
-            <a:r>
-              <a:rPr lang="en-US" sz="3200" dirty="0">
-                <a:hlinkClick r:id="rId3">
+            <a:pPr marL="0" indent="0" algn="ctr">
+              <a:buNone/>
+            </a:pPr>
+            <a:r>
+              <a:rPr lang="en-US" sz="2400" dirty="0">
+                <a:hlinkClick r:id="rId4">
                   <a:extLst>
                     <a:ext uri="{A12FA001-AC4F-418D-AE19-62706E023703}">
                       <ahyp:hlinkClr xmlns:ahyp="http://schemas.microsoft.com/office/drawing/2018/hyperlinkcolor" val="tx"/>
@@ -8795,104 +9542,84 @@
               </a:rPr>
               <a:t>https://github.com/davidaayers/adr-talk</a:t>
             </a:r>
-            <a:endParaRPr lang="en-US" sz="3200" dirty="0"/>
-          </a:p>
-          <a:p>
-            <a:endParaRPr lang="en-US" sz="3200" dirty="0"/>
-          </a:p>
-          <a:p>
-            <a:endParaRPr lang="en-US" sz="3200" dirty="0"/>
-          </a:p>
-          <a:p>
-            <a:r>
-              <a:rPr lang="en-US" sz="3200" dirty="0"/>
-              <a:t>David Ayers, Principal Architect, </a:t>
-            </a:r>
-            <a:r>
-              <a:rPr lang="en-US" sz="3200" dirty="0" err="1"/>
-              <a:t>Credera</a:t>
-            </a:r>
-            <a:endParaRPr lang="en-US" sz="3200" dirty="0"/>
-          </a:p>
-          <a:p>
-            <a:r>
-              <a:rPr lang="en-US" sz="3200" dirty="0">
-                <a:hlinkClick r:id="rId4"/>
+            <a:endParaRPr lang="en-US" sz="2400" dirty="0"/>
+          </a:p>
+          <a:p>
+            <a:pPr marL="0" indent="0" algn="ctr">
+              <a:buNone/>
+            </a:pPr>
+            <a:endParaRPr lang="en-US" sz="2400" dirty="0"/>
+          </a:p>
+          <a:p>
+            <a:pPr marL="0" indent="0" algn="ctr">
+              <a:buNone/>
+            </a:pPr>
+            <a:r>
+              <a:rPr lang="en-US" sz="2400" dirty="0"/>
+              <a:t>David Ayers, </a:t>
+            </a:r>
+          </a:p>
+          <a:p>
+            <a:pPr marL="0" indent="0" algn="ctr">
+              <a:buNone/>
+            </a:pPr>
+            <a:r>
+              <a:rPr lang="en-US" sz="2400" dirty="0"/>
+              <a:t>Principal Architect, Credera</a:t>
+            </a:r>
+          </a:p>
+          <a:p>
+            <a:pPr marL="0" indent="0" algn="ctr">
+              <a:buNone/>
+            </a:pPr>
+            <a:r>
+              <a:rPr lang="en-US" sz="2400" dirty="0">
+                <a:hlinkClick r:id="rId5"/>
               </a:rPr>
               <a:t>david.ayers@credera.com</a:t>
             </a:r>
-            <a:endParaRPr lang="en-US" sz="3200" dirty="0"/>
-          </a:p>
-          <a:p>
-            <a:endParaRPr lang="en-US" sz="3200" dirty="0"/>
-          </a:p>
-          <a:p>
-            <a:r>
-              <a:rPr lang="en-US" sz="3200" dirty="0"/>
-              <a:t>        @</a:t>
-            </a:r>
-            <a:r>
-              <a:rPr lang="en-US" sz="3200" dirty="0" err="1"/>
+            <a:endParaRPr lang="en-US" sz="2400" dirty="0"/>
+          </a:p>
+          <a:p>
+            <a:pPr marL="0" indent="0" algn="ctr">
+              <a:buNone/>
+            </a:pPr>
+            <a:endParaRPr lang="en-US" sz="2400" dirty="0"/>
+          </a:p>
+          <a:p>
+            <a:pPr marL="0" indent="0" algn="ctr">
+              <a:buNone/>
+            </a:pPr>
+            <a:r>
+              <a:rPr lang="en-US" sz="2400" dirty="0"/>
+              <a:t>@</a:t>
+            </a:r>
+            <a:r>
+              <a:rPr lang="en-US" sz="2400" dirty="0" err="1"/>
               <a:t>iamagiantnerd</a:t>
             </a:r>
-            <a:endParaRPr lang="en-US" sz="3200" dirty="0"/>
-          </a:p>
-        </p:txBody>
-      </p:sp>
-      <p:pic>
-        <p:nvPicPr>
-          <p:cNvPr id="5" name="Picture 4">
-            <a:extLst>
-              <a:ext uri="{FF2B5EF4-FFF2-40B4-BE49-F238E27FC236}">
-                <a16:creationId xmlns:a16="http://schemas.microsoft.com/office/drawing/2014/main" id="{C0E9D5B8-2BDF-6741-AAEA-75DD1637B1E8}"/>
-              </a:ext>
-            </a:extLst>
-          </p:cNvPr>
-          <p:cNvPicPr>
-            <a:picLocks noChangeAspect="1"/>
-          </p:cNvPicPr>
-          <p:nvPr/>
-        </p:nvPicPr>
-        <p:blipFill>
-          <a:blip r:embed="rId5">
-            <a:clrChange>
-              <a:clrFrom>
-                <a:srgbClr val="282F36">
-                  <a:alpha val="14902"/>
-                </a:srgbClr>
-              </a:clrFrom>
-              <a:clrTo>
-                <a:srgbClr val="282F36">
-                  <a:alpha val="0"/>
-                </a:srgbClr>
-              </a:clrTo>
-            </a:clrChange>
-            <a:alphaModFix/>
-          </a:blip>
-          <a:stretch>
-            <a:fillRect/>
-          </a:stretch>
-        </p:blipFill>
-        <p:spPr>
-          <a:xfrm>
-            <a:off x="4205907" y="4956875"/>
-            <a:ext cx="962571" cy="962571"/>
-          </a:xfrm>
-          <a:prstGeom prst="rect">
-            <a:avLst/>
-          </a:prstGeom>
-        </p:spPr>
-      </p:pic>
+            <a:endParaRPr lang="en-US" sz="2400" dirty="0"/>
+          </a:p>
+        </p:txBody>
+      </p:sp>
     </p:spTree>
     <p:extLst>
       <p:ext uri="{BB962C8B-B14F-4D97-AF65-F5344CB8AC3E}">
-        <p14:creationId xmlns:p14="http://schemas.microsoft.com/office/powerpoint/2010/main" val="3562064227"/>
+        <p14:creationId xmlns:p14="http://schemas.microsoft.com/office/powerpoint/2010/main" val="1477915063"/>
       </p:ext>
     </p:extLst>
   </p:cSld>
   <p:clrMapOvr>
     <a:masterClrMapping/>
   </p:clrMapOvr>
+  <mc:AlternateContent xmlns:mc="http://schemas.openxmlformats.org/markup-compatibility/2006" xmlns:p14="http://schemas.microsoft.com/office/powerpoint/2010/main">
+    <mc:Choice Requires="p14">
+      <p:transition spd="slow" p14:dur="2000" advClick="0" advTm="15000"/>
+    </mc:Choice>
+    <mc:Fallback xmlns="">
+      <p:transition spd="slow" advClick="0" advTm="15000"/>
+    </mc:Fallback>
+  </mc:AlternateContent>
 </p:sld>
 </file>
 
@@ -8915,10 +9642,10 @@
       </p:grpSpPr>
       <p:sp>
         <p:nvSpPr>
-          <p:cNvPr id="4" name="TextBox 3">
-            <a:extLst>
-              <a:ext uri="{FF2B5EF4-FFF2-40B4-BE49-F238E27FC236}">
-                <a16:creationId xmlns:a16="http://schemas.microsoft.com/office/drawing/2014/main" id="{D9E06190-A811-FA4A-8DFF-25F7864A68C3}"/>
+          <p:cNvPr id="3" name="TextBox 2">
+            <a:extLst>
+              <a:ext uri="{FF2B5EF4-FFF2-40B4-BE49-F238E27FC236}">
+                <a16:creationId xmlns:a16="http://schemas.microsoft.com/office/drawing/2014/main" id="{903E6380-1356-B44E-81F1-1BA0BFAB8F2E}"/>
               </a:ext>
             </a:extLst>
           </p:cNvPr>
@@ -8927,8 +9654,8 @@
         </p:nvSpPr>
         <p:spPr>
           <a:xfrm>
-            <a:off x="1907994" y="859065"/>
-            <a:ext cx="8376011" cy="5139869"/>
+            <a:off x="2136878" y="1563104"/>
+            <a:ext cx="4870244" cy="3731791"/>
           </a:xfrm>
           <a:prstGeom prst="rect">
             <a:avLst/>
@@ -8943,28 +9670,28 @@
           <a:p>
             <a:pPr algn="ctr"/>
             <a:r>
-              <a:rPr lang="en-US" sz="5400" dirty="0">
+              <a:rPr lang="en-US" sz="4050" dirty="0">
                 <a:solidFill>
                   <a:schemeClr val="bg1"/>
                 </a:solidFill>
               </a:rPr>
-              <a:t>Then we implement it…</a:t>
+              <a:t>Most of us take these </a:t>
             </a:r>
           </a:p>
           <a:p>
             <a:pPr algn="ctr"/>
             <a:r>
-              <a:rPr lang="en-US" sz="5400" dirty="0">
+              <a:rPr lang="en-US" sz="4050" dirty="0">
                 <a:solidFill>
                   <a:schemeClr val="bg1"/>
                 </a:solidFill>
               </a:rPr>
-              <a:t>And all of that context is lost</a:t>
+              <a:t>decisions seriously!</a:t>
             </a:r>
           </a:p>
           <a:p>
             <a:pPr algn="ctr"/>
-            <a:endParaRPr lang="en-US" sz="5400" dirty="0">
+            <a:endParaRPr lang="en-US" sz="4050" dirty="0">
               <a:solidFill>
                 <a:schemeClr val="bg1"/>
               </a:solidFill>
@@ -8973,14 +9700,14 @@
           <a:p>
             <a:pPr algn="ctr"/>
             <a:r>
-              <a:rPr lang="en-US" sz="16600" dirty="0">
+              <a:rPr lang="en-US" sz="11500" dirty="0">
                 <a:solidFill>
                   <a:schemeClr val="bg1"/>
                 </a:solidFill>
               </a:rPr>
-              <a:t>😪</a:t>
-            </a:r>
-            <a:endParaRPr lang="en-US" sz="5400" dirty="0">
+              <a:t>✅</a:t>
+            </a:r>
+            <a:endParaRPr lang="en-US" sz="4050" dirty="0">
               <a:solidFill>
                 <a:schemeClr val="bg1"/>
               </a:solidFill>
@@ -8991,13 +9718,21 @@
     </p:spTree>
     <p:extLst>
       <p:ext uri="{BB962C8B-B14F-4D97-AF65-F5344CB8AC3E}">
-        <p14:creationId xmlns:p14="http://schemas.microsoft.com/office/powerpoint/2010/main" val="2728934784"/>
+        <p14:creationId xmlns:p14="http://schemas.microsoft.com/office/powerpoint/2010/main" val="4229442564"/>
       </p:ext>
     </p:extLst>
   </p:cSld>
   <p:clrMapOvr>
     <a:masterClrMapping/>
   </p:clrMapOvr>
+  <mc:AlternateContent xmlns:mc="http://schemas.openxmlformats.org/markup-compatibility/2006" xmlns:p14="http://schemas.microsoft.com/office/powerpoint/2010/main">
+    <mc:Choice Requires="p14">
+      <p:transition spd="slow" p14:dur="2000" advClick="0" advTm="15000"/>
+    </mc:Choice>
+    <mc:Fallback xmlns="">
+      <p:transition spd="slow" advClick="0" advTm="15000"/>
+    </mc:Fallback>
+  </mc:AlternateContent>
 </p:sld>
 </file>
 
@@ -9020,6 +9755,119 @@
       </p:grpSpPr>
       <p:sp>
         <p:nvSpPr>
+          <p:cNvPr id="4" name="TextBox 3">
+            <a:extLst>
+              <a:ext uri="{FF2B5EF4-FFF2-40B4-BE49-F238E27FC236}">
+                <a16:creationId xmlns:a16="http://schemas.microsoft.com/office/drawing/2014/main" id="{D9E06190-A811-FA4A-8DFF-25F7864A68C3}"/>
+              </a:ext>
+            </a:extLst>
+          </p:cNvPr>
+          <p:cNvSpPr txBox="1"/>
+          <p:nvPr/>
+        </p:nvSpPr>
+        <p:spPr>
+          <a:xfrm>
+            <a:off x="1406710" y="1501552"/>
+            <a:ext cx="6330580" cy="3877985"/>
+          </a:xfrm>
+          <a:prstGeom prst="rect">
+            <a:avLst/>
+          </a:prstGeom>
+          <a:noFill/>
+        </p:spPr>
+        <p:txBody>
+          <a:bodyPr wrap="none" rtlCol="0">
+            <a:spAutoFit/>
+          </a:bodyPr>
+          <a:lstStyle/>
+          <a:p>
+            <a:pPr algn="ctr"/>
+            <a:r>
+              <a:rPr lang="en-US" sz="4050" dirty="0">
+                <a:solidFill>
+                  <a:schemeClr val="bg1"/>
+                </a:solidFill>
+              </a:rPr>
+              <a:t>Then we implement it…</a:t>
+            </a:r>
+          </a:p>
+          <a:p>
+            <a:pPr algn="ctr"/>
+            <a:r>
+              <a:rPr lang="en-US" sz="4050" dirty="0">
+                <a:solidFill>
+                  <a:schemeClr val="bg1"/>
+                </a:solidFill>
+              </a:rPr>
+              <a:t>And all of that context is lost</a:t>
+            </a:r>
+          </a:p>
+          <a:p>
+            <a:pPr algn="ctr"/>
+            <a:endParaRPr lang="en-US" sz="4050" dirty="0">
+              <a:solidFill>
+                <a:schemeClr val="bg1"/>
+              </a:solidFill>
+            </a:endParaRPr>
+          </a:p>
+          <a:p>
+            <a:pPr algn="ctr"/>
+            <a:r>
+              <a:rPr lang="en-US" sz="12450" dirty="0">
+                <a:solidFill>
+                  <a:schemeClr val="bg1"/>
+                </a:solidFill>
+              </a:rPr>
+              <a:t>😪</a:t>
+            </a:r>
+            <a:endParaRPr lang="en-US" sz="4050" dirty="0">
+              <a:solidFill>
+                <a:schemeClr val="bg1"/>
+              </a:solidFill>
+            </a:endParaRPr>
+          </a:p>
+        </p:txBody>
+      </p:sp>
+    </p:spTree>
+    <p:extLst>
+      <p:ext uri="{BB962C8B-B14F-4D97-AF65-F5344CB8AC3E}">
+        <p14:creationId xmlns:p14="http://schemas.microsoft.com/office/powerpoint/2010/main" val="2728934784"/>
+      </p:ext>
+    </p:extLst>
+  </p:cSld>
+  <p:clrMapOvr>
+    <a:masterClrMapping/>
+  </p:clrMapOvr>
+  <mc:AlternateContent xmlns:mc="http://schemas.openxmlformats.org/markup-compatibility/2006" xmlns:p14="http://schemas.microsoft.com/office/powerpoint/2010/main">
+    <mc:Choice Requires="p14">
+      <p:transition spd="slow" p14:dur="2000" advClick="0" advTm="15000"/>
+    </mc:Choice>
+    <mc:Fallback xmlns="">
+      <p:transition spd="slow" advClick="0" advTm="15000"/>
+    </mc:Fallback>
+  </mc:AlternateContent>
+</p:sld>
+</file>
+
+<file path=ppt/slides/slide5.xml><?xml version="1.0" encoding="utf-8"?>
+<p:sld xmlns:a="http://schemas.openxmlformats.org/drawingml/2006/main" xmlns:r="http://schemas.openxmlformats.org/officeDocument/2006/relationships" xmlns:p="http://schemas.openxmlformats.org/presentationml/2006/main">
+  <p:cSld>
+    <p:spTree>
+      <p:nvGrpSpPr>
+        <p:cNvPr id="1" name=""/>
+        <p:cNvGrpSpPr/>
+        <p:nvPr/>
+      </p:nvGrpSpPr>
+      <p:grpSpPr>
+        <a:xfrm>
+          <a:off x="0" y="0"/>
+          <a:ext cx="0" cy="0"/>
+          <a:chOff x="0" y="0"/>
+          <a:chExt cx="0" cy="0"/>
+        </a:xfrm>
+      </p:grpSpPr>
+      <p:sp>
+        <p:nvSpPr>
           <p:cNvPr id="3" name="Cloud Callout 2">
             <a:extLst>
               <a:ext uri="{FF2B5EF4-FFF2-40B4-BE49-F238E27FC236}">
@@ -9032,8 +9880,8 @@
         </p:nvSpPr>
         <p:spPr>
           <a:xfrm>
-            <a:off x="3535417" y="175460"/>
-            <a:ext cx="5121166" cy="1669108"/>
+            <a:off x="2651566" y="988847"/>
+            <a:ext cx="3840875" cy="1251831"/>
           </a:xfrm>
           <a:prstGeom prst="cloudCallout">
             <a:avLst>
@@ -9059,7 +9907,7 @@
           </a:fontRef>
         </p:style>
         <p:txBody>
-          <a:bodyPr rot="0" spcFirstLastPara="0" vertOverflow="overflow" horzOverflow="overflow" vert="horz" wrap="square" lIns="91440" tIns="45720" rIns="91440" bIns="45720" numCol="1" spcCol="0" rtlCol="0" fromWordArt="0" anchor="ctr" anchorCtr="0" forceAA="0" compatLnSpc="1">
+          <a:bodyPr rot="0" spcFirstLastPara="0" vertOverflow="overflow" horzOverflow="overflow" vert="horz" wrap="square" lIns="68580" tIns="34290" rIns="68580" bIns="34290" numCol="1" spcCol="0" rtlCol="0" fromWordArt="0" anchor="ctr" anchorCtr="0" forceAA="0" compatLnSpc="1">
             <a:prstTxWarp prst="textNoShape">
               <a:avLst/>
             </a:prstTxWarp>
@@ -9069,7 +9917,7 @@
           <a:p>
             <a:pPr algn="ctr"/>
             <a:r>
-              <a:rPr lang="en-US" sz="3200" dirty="0"/>
+              <a:rPr lang="en-US" sz="2400" dirty="0"/>
               <a:t>I’d like to make a change!</a:t>
             </a:r>
           </a:p>
@@ -9089,8 +9937,8 @@
         </p:nvSpPr>
         <p:spPr>
           <a:xfrm>
-            <a:off x="5426586" y="2709142"/>
-            <a:ext cx="1338828" cy="1477328"/>
+            <a:off x="4069940" y="2889109"/>
+            <a:ext cx="1050288" cy="1131079"/>
           </a:xfrm>
           <a:prstGeom prst="rect">
             <a:avLst/>
@@ -9104,7 +9952,7 @@
           <a:lstStyle/>
           <a:p>
             <a:r>
-              <a:rPr lang="en-US" sz="9000" dirty="0"/>
+              <a:rPr lang="en-US" sz="6750" dirty="0"/>
               <a:t>🙋‍♀️</a:t>
             </a:r>
           </a:p>
@@ -9124,8 +9972,8 @@
         </p:nvSpPr>
         <p:spPr>
           <a:xfrm>
-            <a:off x="413772" y="4675293"/>
-            <a:ext cx="5029200" cy="1371600"/>
+            <a:off x="310329" y="4363720"/>
+            <a:ext cx="3771900" cy="1028700"/>
           </a:xfrm>
           <a:prstGeom prst="cloudCallout">
             <a:avLst>
@@ -9154,7 +10002,7 @@
           </a:fontRef>
         </p:style>
         <p:txBody>
-          <a:bodyPr rot="0" spcFirstLastPara="0" vertOverflow="overflow" horzOverflow="overflow" vert="horz" wrap="square" lIns="91440" tIns="45720" rIns="91440" bIns="45720" numCol="1" spcCol="0" rtlCol="0" fromWordArt="0" anchor="ctr" anchorCtr="0" forceAA="0" compatLnSpc="1">
+          <a:bodyPr rot="0" spcFirstLastPara="0" vertOverflow="overflow" horzOverflow="overflow" vert="horz" wrap="square" lIns="68580" tIns="34290" rIns="68580" bIns="34290" numCol="1" spcCol="0" rtlCol="0" fromWordArt="0" anchor="ctr" anchorCtr="0" forceAA="0" compatLnSpc="1">
             <a:prstTxWarp prst="textNoShape">
               <a:avLst/>
             </a:prstTxWarp>
@@ -9164,7 +10012,7 @@
           <a:p>
             <a:pPr algn="ctr"/>
             <a:r>
-              <a:rPr lang="en-US" sz="3200" dirty="0"/>
+              <a:rPr lang="en-US" sz="2400" dirty="0"/>
               <a:t>Oh well, I guess they knew better</a:t>
             </a:r>
           </a:p>
@@ -9184,8 +10032,8 @@
         </p:nvSpPr>
         <p:spPr>
           <a:xfrm>
-            <a:off x="6657060" y="4675293"/>
-            <a:ext cx="5029200" cy="1371600"/>
+            <a:off x="4992795" y="4363720"/>
+            <a:ext cx="3771900" cy="1028700"/>
           </a:xfrm>
           <a:prstGeom prst="cloudCallout">
             <a:avLst>
@@ -9214,7 +10062,7 @@
           </a:fontRef>
         </p:style>
         <p:txBody>
-          <a:bodyPr rot="0" spcFirstLastPara="0" vertOverflow="overflow" horzOverflow="overflow" vert="horz" wrap="square" lIns="91440" tIns="45720" rIns="91440" bIns="45720" numCol="1" spcCol="0" rtlCol="0" fromWordArt="0" anchor="ctr" anchorCtr="0" forceAA="0" compatLnSpc="1">
+          <a:bodyPr rot="0" spcFirstLastPara="0" vertOverflow="overflow" horzOverflow="overflow" vert="horz" wrap="square" lIns="68580" tIns="34290" rIns="68580" bIns="34290" numCol="1" spcCol="0" rtlCol="0" fromWordArt="0" anchor="ctr" anchorCtr="0" forceAA="0" compatLnSpc="1">
             <a:prstTxWarp prst="textNoShape">
               <a:avLst/>
             </a:prstTxWarp>
@@ -9224,7 +10072,7 @@
           <a:p>
             <a:pPr algn="ctr"/>
             <a:r>
-              <a:rPr lang="en-US" sz="3200" dirty="0"/>
+              <a:rPr lang="en-US" sz="2400" dirty="0"/>
               <a:t>I’ll just go ahead and change things!</a:t>
             </a:r>
           </a:p>
@@ -9244,8 +10092,8 @@
         </p:nvSpPr>
         <p:spPr>
           <a:xfrm>
-            <a:off x="2258958" y="4305961"/>
-            <a:ext cx="1338828" cy="369332"/>
+            <a:off x="1694219" y="4086721"/>
+            <a:ext cx="1004121" cy="254365"/>
           </a:xfrm>
           <a:prstGeom prst="rect">
             <a:avLst/>
@@ -9259,7 +10107,7 @@
           <a:lstStyle/>
           <a:p>
             <a:r>
-              <a:rPr lang="en-US" dirty="0">
+              <a:rPr lang="en-US" sz="1053" dirty="0">
                 <a:solidFill>
                   <a:schemeClr val="bg1"/>
                 </a:solidFill>
@@ -9283,8 +10131,8 @@
         </p:nvSpPr>
         <p:spPr>
           <a:xfrm>
-            <a:off x="8502246" y="4305961"/>
-            <a:ext cx="1338828" cy="369332"/>
+            <a:off x="6376685" y="4086721"/>
+            <a:ext cx="1004121" cy="254365"/>
           </a:xfrm>
           <a:prstGeom prst="rect">
             <a:avLst/>
@@ -9298,7 +10146,7 @@
           <a:lstStyle/>
           <a:p>
             <a:r>
-              <a:rPr lang="en-US" dirty="0">
+              <a:rPr lang="en-US" sz="1053" dirty="0">
                 <a:solidFill>
                   <a:schemeClr val="bg1"/>
                 </a:solidFill>
@@ -9318,197 +10166,14 @@
   <p:clrMapOvr>
     <a:masterClrMapping/>
   </p:clrMapOvr>
-</p:sld>
-</file>
-
-<file path=ppt/slides/slide5.xml><?xml version="1.0" encoding="utf-8"?>
-<p:sld xmlns:a="http://schemas.openxmlformats.org/drawingml/2006/main" xmlns:r="http://schemas.openxmlformats.org/officeDocument/2006/relationships" xmlns:p="http://schemas.openxmlformats.org/presentationml/2006/main">
-  <p:cSld>
-    <p:spTree>
-      <p:nvGrpSpPr>
-        <p:cNvPr id="1" name=""/>
-        <p:cNvGrpSpPr/>
-        <p:nvPr/>
-      </p:nvGrpSpPr>
-      <p:grpSpPr>
-        <a:xfrm>
-          <a:off x="0" y="0"/>
-          <a:ext cx="0" cy="0"/>
-          <a:chOff x="0" y="0"/>
-          <a:chExt cx="0" cy="0"/>
-        </a:xfrm>
-      </p:grpSpPr>
-      <p:sp>
-        <p:nvSpPr>
-          <p:cNvPr id="2" name="Title 1">
-            <a:extLst>
-              <a:ext uri="{FF2B5EF4-FFF2-40B4-BE49-F238E27FC236}">
-                <a16:creationId xmlns:a16="http://schemas.microsoft.com/office/drawing/2014/main" id="{CF233AD3-CDB6-CE4C-A630-82980BA1D0E8}"/>
-              </a:ext>
-            </a:extLst>
-          </p:cNvPr>
-          <p:cNvSpPr>
-            <a:spLocks noGrp="1"/>
-          </p:cNvSpPr>
-          <p:nvPr>
-            <p:ph type="title"/>
-          </p:nvPr>
-        </p:nvSpPr>
-        <p:spPr>
-          <a:xfrm>
-            <a:off x="831850" y="173413"/>
-            <a:ext cx="10515600" cy="1596326"/>
-          </a:xfrm>
-        </p:spPr>
-        <p:txBody>
-          <a:bodyPr>
-            <a:normAutofit/>
-          </a:bodyPr>
-          <a:lstStyle/>
-          <a:p>
-            <a:pPr algn="ctr"/>
-            <a:r>
-              <a:rPr lang="en-US" sz="8000" b="1" dirty="0">
-                <a:solidFill>
-                  <a:schemeClr val="accent4"/>
-                </a:solidFill>
-              </a:rPr>
-              <a:t>The Solution:</a:t>
-            </a:r>
-          </a:p>
-        </p:txBody>
-      </p:sp>
-      <p:sp>
-        <p:nvSpPr>
-          <p:cNvPr id="3" name="Text Placeholder 2">
-            <a:extLst>
-              <a:ext uri="{FF2B5EF4-FFF2-40B4-BE49-F238E27FC236}">
-                <a16:creationId xmlns:a16="http://schemas.microsoft.com/office/drawing/2014/main" id="{F3EFA1D7-5C02-5C46-8D14-AC78C6316567}"/>
-              </a:ext>
-            </a:extLst>
-          </p:cNvPr>
-          <p:cNvSpPr>
-            <a:spLocks noGrp="1"/>
-          </p:cNvSpPr>
-          <p:nvPr>
-            <p:ph type="body" idx="1"/>
-          </p:nvPr>
-        </p:nvSpPr>
-        <p:spPr>
-          <a:xfrm>
-            <a:off x="838200" y="4930261"/>
-            <a:ext cx="10515600" cy="1500187"/>
-          </a:xfrm>
-        </p:spPr>
-        <p:txBody>
-          <a:bodyPr/>
-          <a:lstStyle/>
-          <a:p>
-            <a:r>
-              <a:rPr lang="en-US" i="1" dirty="0">
-                <a:solidFill>
-                  <a:schemeClr val="bg1"/>
-                </a:solidFill>
-              </a:rPr>
-              <a:t>“Large documents are never kept up to date. Small, modular documents have at least a chance at being updated.”</a:t>
-            </a:r>
-          </a:p>
-          <a:p>
-            <a:r>
-              <a:rPr lang="en-US" dirty="0">
-                <a:solidFill>
-                  <a:schemeClr val="bg1"/>
-                </a:solidFill>
-              </a:rPr>
-              <a:t>— Michael Nygard, </a:t>
-            </a:r>
-            <a:r>
-              <a:rPr lang="en-US" dirty="0">
-                <a:solidFill>
-                  <a:schemeClr val="bg1"/>
-                </a:solidFill>
-                <a:hlinkClick r:id="rId3">
-                  <a:extLst>
-                    <a:ext uri="{A12FA001-AC4F-418D-AE19-62706E023703}">
-                      <ahyp:hlinkClr xmlns:ahyp="http://schemas.microsoft.com/office/drawing/2018/hyperlinkcolor" val="tx"/>
-                    </a:ext>
-                  </a:extLst>
-                </a:hlinkClick>
-              </a:rPr>
-              <a:t>Documenting Architectural Decisions</a:t>
-            </a:r>
-            <a:r>
-              <a:rPr lang="en-US" dirty="0">
-                <a:solidFill>
-                  <a:schemeClr val="bg1"/>
-                </a:solidFill>
-              </a:rPr>
-              <a:t> Blog Post</a:t>
-            </a:r>
-          </a:p>
-        </p:txBody>
-      </p:sp>
-      <p:sp>
-        <p:nvSpPr>
-          <p:cNvPr id="4" name="TextBox 3">
-            <a:extLst>
-              <a:ext uri="{FF2B5EF4-FFF2-40B4-BE49-F238E27FC236}">
-                <a16:creationId xmlns:a16="http://schemas.microsoft.com/office/drawing/2014/main" id="{7678FDA1-B29F-1044-B947-9857B027DCC8}"/>
-              </a:ext>
-            </a:extLst>
-          </p:cNvPr>
-          <p:cNvSpPr txBox="1"/>
-          <p:nvPr/>
-        </p:nvSpPr>
-        <p:spPr>
-          <a:xfrm>
-            <a:off x="1584412" y="1674674"/>
-            <a:ext cx="9023176" cy="1754326"/>
-          </a:xfrm>
-          <a:prstGeom prst="rect">
-            <a:avLst/>
-          </a:prstGeom>
-          <a:noFill/>
-        </p:spPr>
-        <p:txBody>
-          <a:bodyPr wrap="none" rtlCol="0">
-            <a:spAutoFit/>
-          </a:bodyPr>
-          <a:lstStyle/>
-          <a:p>
-            <a:pPr algn="ctr"/>
-            <a:r>
-              <a:rPr lang="en-US" sz="5400" dirty="0">
-                <a:solidFill>
-                  <a:schemeClr val="bg1"/>
-                </a:solidFill>
-              </a:rPr>
-              <a:t>Architectural Decision Records</a:t>
-            </a:r>
-          </a:p>
-          <a:p>
-            <a:pPr algn="ctr"/>
-            <a:r>
-              <a:rPr lang="en-US" sz="5400" dirty="0">
-                <a:solidFill>
-                  <a:schemeClr val="bg1"/>
-                </a:solidFill>
-              </a:rPr>
-              <a:t>(ADRs)</a:t>
-            </a:r>
-          </a:p>
-        </p:txBody>
-      </p:sp>
-    </p:spTree>
-    <p:extLst>
-      <p:ext uri="{BB962C8B-B14F-4D97-AF65-F5344CB8AC3E}">
-        <p14:creationId xmlns:p14="http://schemas.microsoft.com/office/powerpoint/2010/main" val="588500398"/>
-      </p:ext>
-    </p:extLst>
-  </p:cSld>
-  <p:clrMapOvr>
-    <a:masterClrMapping/>
-  </p:clrMapOvr>
+  <mc:AlternateContent xmlns:mc="http://schemas.openxmlformats.org/markup-compatibility/2006" xmlns:p14="http://schemas.microsoft.com/office/powerpoint/2010/main">
+    <mc:Choice Requires="p14">
+      <p:transition spd="slow" p14:dur="2000" advClick="0" advTm="15000"/>
+    </mc:Choice>
+    <mc:Fallback xmlns="">
+      <p:transition spd="slow" advClick="0" advTm="15000"/>
+    </mc:Fallback>
+  </mc:AlternateContent>
 </p:sld>
 </file>
 
@@ -9534,7 +10199,7 @@
           <p:cNvPr id="2" name="Title 1">
             <a:extLst>
               <a:ext uri="{FF2B5EF4-FFF2-40B4-BE49-F238E27FC236}">
-                <a16:creationId xmlns:a16="http://schemas.microsoft.com/office/drawing/2014/main" id="{C409FD33-6233-7C49-9918-532E7EC05AB5}"/>
+                <a16:creationId xmlns:a16="http://schemas.microsoft.com/office/drawing/2014/main" id="{CF233AD3-CDB6-CE4C-A630-82980BA1D0E8}"/>
               </a:ext>
             </a:extLst>
           </p:cNvPr>
@@ -9547,94 +10212,169 @@
         </p:nvSpPr>
         <p:spPr>
           <a:xfrm>
-            <a:off x="852948" y="108821"/>
-            <a:ext cx="10515600" cy="2127352"/>
+            <a:off x="623888" y="987313"/>
+            <a:ext cx="7886700" cy="1197245"/>
           </a:xfrm>
         </p:spPr>
         <p:txBody>
           <a:bodyPr>
-            <a:noAutofit/>
+            <a:normAutofit/>
           </a:bodyPr>
           <a:lstStyle/>
           <a:p>
             <a:pPr algn="ctr"/>
             <a:r>
-              <a:rPr lang="en-US" sz="3600" i="1" dirty="0"/>
-              <a:t>ADRs are:</a:t>
-            </a:r>
-            <a:br>
-              <a:rPr lang="en-US" sz="3600" i="1" dirty="0"/>
-            </a:br>
-            <a:r>
-              <a:rPr lang="en-US" sz="3600" dirty="0"/>
-              <a:t>Saved </a:t>
-            </a:r>
-            <a:r>
-              <a:rPr lang="en-US" sz="3600" b="1" dirty="0"/>
-              <a:t>with</a:t>
-            </a:r>
-            <a:r>
-              <a:rPr lang="en-US" sz="3600" dirty="0"/>
-              <a:t> the project in a file with an </a:t>
-            </a:r>
-            <a:br>
-              <a:rPr lang="en-US" sz="3600" dirty="0"/>
-            </a:br>
-            <a:r>
-              <a:rPr lang="en-US" sz="3600" dirty="0"/>
-              <a:t>incrementing sequence:</a:t>
-            </a:r>
-            <a:br>
-              <a:rPr lang="en-US" sz="3600" dirty="0"/>
-            </a:br>
-            <a:r>
-              <a:rPr lang="en-US" sz="3600" b="1" dirty="0"/>
-              <a:t>0001-git-for-version-control.md</a:t>
-            </a:r>
-            <a:endParaRPr lang="en-US" sz="3600" dirty="0"/>
-          </a:p>
-        </p:txBody>
-      </p:sp>
-      <p:pic>
-        <p:nvPicPr>
-          <p:cNvPr id="3" name="Picture 2">
-            <a:extLst>
-              <a:ext uri="{FF2B5EF4-FFF2-40B4-BE49-F238E27FC236}">
-                <a16:creationId xmlns:a16="http://schemas.microsoft.com/office/drawing/2014/main" id="{B7499277-C951-994B-A389-7C7B4ABB0CC6}"/>
-              </a:ext>
-            </a:extLst>
-          </p:cNvPr>
-          <p:cNvPicPr>
-            <a:picLocks noChangeAspect="1"/>
-          </p:cNvPicPr>
-          <p:nvPr/>
-        </p:nvPicPr>
-        <p:blipFill>
-          <a:blip r:embed="rId3"/>
-          <a:stretch>
-            <a:fillRect/>
-          </a:stretch>
-        </p:blipFill>
+              <a:rPr lang="en-US" sz="6000" b="1" dirty="0">
+                <a:solidFill>
+                  <a:schemeClr val="accent4"/>
+                </a:solidFill>
+              </a:rPr>
+              <a:t>The Solution:</a:t>
+            </a:r>
+          </a:p>
+        </p:txBody>
+      </p:sp>
+      <p:sp>
+        <p:nvSpPr>
+          <p:cNvPr id="3" name="Text Placeholder 2">
+            <a:extLst>
+              <a:ext uri="{FF2B5EF4-FFF2-40B4-BE49-F238E27FC236}">
+                <a16:creationId xmlns:a16="http://schemas.microsoft.com/office/drawing/2014/main" id="{F3EFA1D7-5C02-5C46-8D14-AC78C6316567}"/>
+              </a:ext>
+            </a:extLst>
+          </p:cNvPr>
+          <p:cNvSpPr>
+            <a:spLocks noGrp="1"/>
+          </p:cNvSpPr>
+          <p:nvPr>
+            <p:ph type="body" idx="1"/>
+          </p:nvPr>
+        </p:nvSpPr>
         <p:spPr>
           <a:xfrm>
-            <a:off x="1828801" y="2354161"/>
-            <a:ext cx="8563897" cy="3934764"/>
+            <a:off x="628650" y="4554946"/>
+            <a:ext cx="7886700" cy="1125140"/>
+          </a:xfrm>
+        </p:spPr>
+        <p:txBody>
+          <a:bodyPr>
+            <a:normAutofit fontScale="92500" lnSpcReduction="10000"/>
+          </a:bodyPr>
+          <a:lstStyle/>
+          <a:p>
+            <a:r>
+              <a:rPr lang="en-US" sz="2800" i="1" dirty="0">
+                <a:solidFill>
+                  <a:schemeClr val="bg1"/>
+                </a:solidFill>
+              </a:rPr>
+              <a:t>“Large documents are never kept up to date. Small, modular documents have at least a chance at being updated.”</a:t>
+            </a:r>
+          </a:p>
+          <a:p>
+            <a:r>
+              <a:rPr lang="en-US" dirty="0">
+                <a:solidFill>
+                  <a:schemeClr val="bg1"/>
+                </a:solidFill>
+              </a:rPr>
+              <a:t>— Michael Nygard, </a:t>
+            </a:r>
+            <a:r>
+              <a:rPr lang="en-US" dirty="0">
+                <a:solidFill>
+                  <a:schemeClr val="bg1"/>
+                </a:solidFill>
+                <a:hlinkClick r:id="rId3">
+                  <a:extLst>
+                    <a:ext uri="{A12FA001-AC4F-418D-AE19-62706E023703}">
+                      <ahyp:hlinkClr xmlns:ahyp="http://schemas.microsoft.com/office/drawing/2018/hyperlinkcolor" val="tx"/>
+                    </a:ext>
+                  </a:extLst>
+                </a:hlinkClick>
+              </a:rPr>
+              <a:t>Documenting Architectural Decisions</a:t>
+            </a:r>
+            <a:r>
+              <a:rPr lang="en-US" dirty="0">
+                <a:solidFill>
+                  <a:schemeClr val="bg1"/>
+                </a:solidFill>
+              </a:rPr>
+              <a:t> Blog Post</a:t>
+            </a:r>
+          </a:p>
+        </p:txBody>
+      </p:sp>
+      <p:sp>
+        <p:nvSpPr>
+          <p:cNvPr id="4" name="TextBox 3">
+            <a:extLst>
+              <a:ext uri="{FF2B5EF4-FFF2-40B4-BE49-F238E27FC236}">
+                <a16:creationId xmlns:a16="http://schemas.microsoft.com/office/drawing/2014/main" id="{7678FDA1-B29F-1044-B947-9857B027DCC8}"/>
+              </a:ext>
+            </a:extLst>
+          </p:cNvPr>
+          <p:cNvSpPr txBox="1"/>
+          <p:nvPr/>
+        </p:nvSpPr>
+        <p:spPr>
+          <a:xfrm>
+            <a:off x="1164658" y="2113256"/>
+            <a:ext cx="6814686" cy="1338828"/>
           </a:xfrm>
           <a:prstGeom prst="rect">
             <a:avLst/>
           </a:prstGeom>
+          <a:noFill/>
         </p:spPr>
-      </p:pic>
+        <p:txBody>
+          <a:bodyPr wrap="none" rtlCol="0">
+            <a:spAutoFit/>
+          </a:bodyPr>
+          <a:lstStyle/>
+          <a:p>
+            <a:pPr algn="ctr"/>
+            <a:r>
+              <a:rPr lang="en-US" sz="4050" dirty="0">
+                <a:solidFill>
+                  <a:schemeClr val="bg1"/>
+                </a:solidFill>
+              </a:rPr>
+              <a:t>Architectural Decision Records</a:t>
+            </a:r>
+          </a:p>
+          <a:p>
+            <a:pPr algn="ctr"/>
+            <a:r>
+              <a:rPr lang="en-US" sz="4050" dirty="0">
+                <a:solidFill>
+                  <a:schemeClr val="bg1"/>
+                </a:solidFill>
+              </a:rPr>
+              <a:t>(ADRs)</a:t>
+            </a:r>
+          </a:p>
+        </p:txBody>
+      </p:sp>
     </p:spTree>
     <p:extLst>
       <p:ext uri="{BB962C8B-B14F-4D97-AF65-F5344CB8AC3E}">
-        <p14:creationId xmlns:p14="http://schemas.microsoft.com/office/powerpoint/2010/main" val="3413489322"/>
+        <p14:creationId xmlns:p14="http://schemas.microsoft.com/office/powerpoint/2010/main" val="588500398"/>
       </p:ext>
     </p:extLst>
   </p:cSld>
   <p:clrMapOvr>
     <a:masterClrMapping/>
   </p:clrMapOvr>
+  <mc:AlternateContent xmlns:mc="http://schemas.openxmlformats.org/markup-compatibility/2006" xmlns:p14="http://schemas.microsoft.com/office/powerpoint/2010/main">
+    <mc:Choice Requires="p14">
+      <p:transition spd="slow" p14:dur="2000" advClick="0" advTm="15000"/>
+    </mc:Choice>
+    <mc:Fallback xmlns="">
+      <p:transition spd="slow" advClick="0" advTm="15000"/>
+    </mc:Fallback>
+  </mc:AlternateContent>
 </p:sld>
 </file>
 
@@ -9655,12 +10395,78 @@
           <a:chExt cx="0" cy="0"/>
         </a:xfrm>
       </p:grpSpPr>
+      <p:sp>
+        <p:nvSpPr>
+          <p:cNvPr id="2" name="Title 1">
+            <a:extLst>
+              <a:ext uri="{FF2B5EF4-FFF2-40B4-BE49-F238E27FC236}">
+                <a16:creationId xmlns:a16="http://schemas.microsoft.com/office/drawing/2014/main" id="{C409FD33-6233-7C49-9918-532E7EC05AB5}"/>
+              </a:ext>
+            </a:extLst>
+          </p:cNvPr>
+          <p:cNvSpPr>
+            <a:spLocks noGrp="1"/>
+          </p:cNvSpPr>
+          <p:nvPr>
+            <p:ph type="title"/>
+          </p:nvPr>
+        </p:nvSpPr>
+        <p:spPr>
+          <a:xfrm>
+            <a:off x="639711" y="938866"/>
+            <a:ext cx="7886700" cy="1595514"/>
+          </a:xfrm>
+        </p:spPr>
+        <p:txBody>
+          <a:bodyPr>
+            <a:noAutofit/>
+          </a:bodyPr>
+          <a:lstStyle/>
+          <a:p>
+            <a:pPr algn="ctr"/>
+            <a:r>
+              <a:rPr lang="en-US" sz="2700" i="1" dirty="0"/>
+              <a:t>ADRs are:</a:t>
+            </a:r>
+            <a:br>
+              <a:rPr lang="en-US" sz="2700" i="1" dirty="0"/>
+            </a:br>
+            <a:r>
+              <a:rPr lang="en-US" sz="2700" dirty="0"/>
+              <a:t>Saved </a:t>
+            </a:r>
+            <a:r>
+              <a:rPr lang="en-US" sz="2700" b="1" dirty="0"/>
+              <a:t>with</a:t>
+            </a:r>
+            <a:r>
+              <a:rPr lang="en-US" sz="2700" dirty="0"/>
+              <a:t> the project in a file with an </a:t>
+            </a:r>
+            <a:br>
+              <a:rPr lang="en-US" sz="2700" dirty="0"/>
+            </a:br>
+            <a:r>
+              <a:rPr lang="en-US" sz="2700" dirty="0"/>
+              <a:t>incrementing sequence:</a:t>
+            </a:r>
+            <a:br>
+              <a:rPr lang="en-US" sz="2700" dirty="0"/>
+            </a:br>
+            <a:r>
+              <a:rPr lang="en-US" sz="2700" b="1" dirty="0"/>
+              <a:t>0001-git-for-version-control.md</a:t>
+            </a:r>
+            <a:endParaRPr lang="en-US" sz="2700" dirty="0"/>
+          </a:p>
+        </p:txBody>
+      </p:sp>
       <p:pic>
         <p:nvPicPr>
-          <p:cNvPr id="2" name="Picture 1">
-            <a:extLst>
-              <a:ext uri="{FF2B5EF4-FFF2-40B4-BE49-F238E27FC236}">
-                <a16:creationId xmlns:a16="http://schemas.microsoft.com/office/drawing/2014/main" id="{BD0230DF-A64A-E947-8F63-21C8D2534883}"/>
+          <p:cNvPr id="3" name="Picture 2">
+            <a:extLst>
+              <a:ext uri="{FF2B5EF4-FFF2-40B4-BE49-F238E27FC236}">
+                <a16:creationId xmlns:a16="http://schemas.microsoft.com/office/drawing/2014/main" id="{B7499277-C951-994B-A389-7C7B4ABB0CC6}"/>
               </a:ext>
             </a:extLst>
           </p:cNvPr>
@@ -9677,8 +10483,8 @@
         </p:blipFill>
         <p:spPr>
           <a:xfrm>
-            <a:off x="2202831" y="0"/>
-            <a:ext cx="7786339" cy="6858000"/>
+            <a:off x="1371604" y="2622872"/>
+            <a:ext cx="6422923" cy="2951073"/>
           </a:xfrm>
           <a:prstGeom prst="rect">
             <a:avLst/>
@@ -9688,13 +10494,21 @@
     </p:spTree>
     <p:extLst>
       <p:ext uri="{BB962C8B-B14F-4D97-AF65-F5344CB8AC3E}">
-        <p14:creationId xmlns:p14="http://schemas.microsoft.com/office/powerpoint/2010/main" val="2854162732"/>
+        <p14:creationId xmlns:p14="http://schemas.microsoft.com/office/powerpoint/2010/main" val="3413489322"/>
       </p:ext>
     </p:extLst>
   </p:cSld>
   <p:clrMapOvr>
     <a:masterClrMapping/>
   </p:clrMapOvr>
+  <mc:AlternateContent xmlns:mc="http://schemas.openxmlformats.org/markup-compatibility/2006" xmlns:p14="http://schemas.microsoft.com/office/powerpoint/2010/main">
+    <mc:Choice Requires="p14">
+      <p:transition spd="slow" p14:dur="2000" advClick="0" advTm="15000"/>
+    </mc:Choice>
+    <mc:Fallback xmlns="">
+      <p:transition spd="slow" advClick="0" advTm="15000"/>
+    </mc:Fallback>
+  </mc:AlternateContent>
 </p:sld>
 </file>
 
@@ -9717,10 +10531,10 @@
       </p:grpSpPr>
       <p:pic>
         <p:nvPicPr>
-          <p:cNvPr id="4" name="Picture 3">
-            <a:extLst>
-              <a:ext uri="{FF2B5EF4-FFF2-40B4-BE49-F238E27FC236}">
-                <a16:creationId xmlns:a16="http://schemas.microsoft.com/office/drawing/2014/main" id="{B66986D0-EB48-794D-BB7E-C84315408B86}"/>
+          <p:cNvPr id="2" name="Picture 1">
+            <a:extLst>
+              <a:ext uri="{FF2B5EF4-FFF2-40B4-BE49-F238E27FC236}">
+                <a16:creationId xmlns:a16="http://schemas.microsoft.com/office/drawing/2014/main" id="{BD0230DF-A64A-E947-8F63-21C8D2534883}"/>
               </a:ext>
             </a:extLst>
           </p:cNvPr>
@@ -9730,153 +10544,39 @@
           <p:nvPr/>
         </p:nvPicPr>
         <p:blipFill>
-          <a:blip r:embed="rId3">
-            <a:extLst>
-              <a:ext uri="{BEBA8EAE-BF5A-486C-A8C5-ECC9F3942E4B}">
-                <a14:imgProps xmlns:a14="http://schemas.microsoft.com/office/drawing/2010/main">
-                  <a14:imgLayer>
-                    <a14:imgEffect>
-                      <a14:artisticBlur/>
-                    </a14:imgEffect>
-                  </a14:imgLayer>
-                </a14:imgProps>
-              </a:ext>
-            </a:extLst>
-          </a:blip>
+          <a:blip r:embed="rId3"/>
           <a:stretch>
             <a:fillRect/>
           </a:stretch>
         </p:blipFill>
         <p:spPr>
           <a:xfrm>
-            <a:off x="2202831" y="0"/>
-            <a:ext cx="7786339" cy="6858000"/>
+            <a:off x="1652125" y="857250"/>
+            <a:ext cx="5839754" cy="5143500"/>
           </a:xfrm>
           <a:prstGeom prst="rect">
             <a:avLst/>
           </a:prstGeom>
         </p:spPr>
       </p:pic>
-      <p:pic>
-        <p:nvPicPr>
-          <p:cNvPr id="2" name="Picture 1">
-            <a:extLst>
-              <a:ext uri="{FF2B5EF4-FFF2-40B4-BE49-F238E27FC236}">
-                <a16:creationId xmlns:a16="http://schemas.microsoft.com/office/drawing/2014/main" id="{BD0230DF-A64A-E947-8F63-21C8D2534883}"/>
-              </a:ext>
-            </a:extLst>
-          </p:cNvPr>
-          <p:cNvPicPr>
-            <a:picLocks noChangeAspect="1"/>
-          </p:cNvPicPr>
-          <p:nvPr/>
-        </p:nvPicPr>
-        <p:blipFill rotWithShape="1">
-          <a:blip r:embed="rId4"/>
-          <a:srcRect b="92903"/>
-          <a:stretch/>
-        </p:blipFill>
-        <p:spPr>
-          <a:xfrm>
-            <a:off x="2202831" y="0"/>
-            <a:ext cx="7786339" cy="486697"/>
-          </a:xfrm>
-          <a:prstGeom prst="rect">
-            <a:avLst/>
-          </a:prstGeom>
-        </p:spPr>
-      </p:pic>
-      <p:sp>
-        <p:nvSpPr>
-          <p:cNvPr id="5" name="TextBox 4">
-            <a:extLst>
-              <a:ext uri="{FF2B5EF4-FFF2-40B4-BE49-F238E27FC236}">
-                <a16:creationId xmlns:a16="http://schemas.microsoft.com/office/drawing/2014/main" id="{D84897DD-3562-C143-A690-430146840081}"/>
-              </a:ext>
-            </a:extLst>
-          </p:cNvPr>
-          <p:cNvSpPr txBox="1"/>
-          <p:nvPr/>
-        </p:nvSpPr>
-        <p:spPr>
-          <a:xfrm>
-            <a:off x="6787143" y="1441713"/>
-            <a:ext cx="1231427" cy="769441"/>
-          </a:xfrm>
-          <a:prstGeom prst="rect">
-            <a:avLst/>
-          </a:prstGeom>
-          <a:noFill/>
-        </p:spPr>
-        <p:txBody>
-          <a:bodyPr wrap="none" rtlCol="0">
-            <a:spAutoFit/>
-          </a:bodyPr>
-          <a:lstStyle/>
-          <a:p>
-            <a:r>
-              <a:rPr lang="en-US" sz="4400" dirty="0"/>
-              <a:t>Title</a:t>
-            </a:r>
-          </a:p>
-        </p:txBody>
-      </p:sp>
-      <p:sp>
-        <p:nvSpPr>
-          <p:cNvPr id="8" name="Left Arrow 7">
-            <a:extLst>
-              <a:ext uri="{FF2B5EF4-FFF2-40B4-BE49-F238E27FC236}">
-                <a16:creationId xmlns:a16="http://schemas.microsoft.com/office/drawing/2014/main" id="{F5BA64AF-9A79-5E4C-8FDC-FB51331AE991}"/>
-              </a:ext>
-            </a:extLst>
-          </p:cNvPr>
-          <p:cNvSpPr/>
-          <p:nvPr/>
-        </p:nvSpPr>
-        <p:spPr>
-          <a:xfrm rot="1838549">
-            <a:off x="4999703" y="486697"/>
-            <a:ext cx="1917291" cy="1328616"/>
-          </a:xfrm>
-          <a:prstGeom prst="leftArrow">
-            <a:avLst/>
-          </a:prstGeom>
-        </p:spPr>
-        <p:style>
-          <a:lnRef idx="2">
-            <a:schemeClr val="accent1">
-              <a:shade val="50000"/>
-            </a:schemeClr>
-          </a:lnRef>
-          <a:fillRef idx="1">
-            <a:schemeClr val="accent1"/>
-          </a:fillRef>
-          <a:effectRef idx="0">
-            <a:schemeClr val="accent1"/>
-          </a:effectRef>
-          <a:fontRef idx="minor">
-            <a:schemeClr val="lt1"/>
-          </a:fontRef>
-        </p:style>
-        <p:txBody>
-          <a:bodyPr rtlCol="0" anchor="ctr"/>
-          <a:lstStyle/>
-          <a:p>
-            <a:pPr algn="ctr"/>
-            <a:endParaRPr lang="en-US"/>
-          </a:p>
-        </p:txBody>
-      </p:sp>
     </p:spTree>
     <p:extLst>
       <p:ext uri="{BB962C8B-B14F-4D97-AF65-F5344CB8AC3E}">
-        <p14:creationId xmlns:p14="http://schemas.microsoft.com/office/powerpoint/2010/main" val="18341643"/>
+        <p14:creationId xmlns:p14="http://schemas.microsoft.com/office/powerpoint/2010/main" val="2854162732"/>
       </p:ext>
     </p:extLst>
   </p:cSld>
   <p:clrMapOvr>
     <a:masterClrMapping/>
   </p:clrMapOvr>
+  <mc:AlternateContent xmlns:mc="http://schemas.openxmlformats.org/markup-compatibility/2006" xmlns:p14="http://schemas.microsoft.com/office/powerpoint/2010/main">
+    <mc:Choice Requires="p14">
+      <p:transition spd="slow" p14:dur="2000" advClick="0" advTm="15000"/>
+    </mc:Choice>
+    <mc:Fallback xmlns="">
+      <p:transition spd="slow" advClick="0" advTm="15000"/>
+    </mc:Fallback>
+  </mc:AlternateContent>
 </p:sld>
 </file>
 
@@ -9931,8 +10631,8 @@
         </p:blipFill>
         <p:spPr>
           <a:xfrm>
-            <a:off x="2202831" y="0"/>
-            <a:ext cx="7786339" cy="6858000"/>
+            <a:off x="1652125" y="857250"/>
+            <a:ext cx="5839754" cy="5143500"/>
           </a:xfrm>
           <a:prstGeom prst="rect">
             <a:avLst/>
@@ -9955,13 +10655,13 @@
         </p:nvPicPr>
         <p:blipFill rotWithShape="1">
           <a:blip r:embed="rId4"/>
-          <a:srcRect t="14410" b="72687"/>
+          <a:srcRect b="92903"/>
           <a:stretch/>
         </p:blipFill>
         <p:spPr>
           <a:xfrm>
-            <a:off x="2202831" y="988142"/>
-            <a:ext cx="7786339" cy="884903"/>
+            <a:off x="1652125" y="857253"/>
+            <a:ext cx="5839754" cy="365023"/>
           </a:xfrm>
           <a:prstGeom prst="rect">
             <a:avLst/>
@@ -9982,8 +10682,8 @@
         </p:nvSpPr>
         <p:spPr>
           <a:xfrm>
-            <a:off x="5592523" y="824016"/>
-            <a:ext cx="1556836" cy="769441"/>
+            <a:off x="5090361" y="1938538"/>
+            <a:ext cx="968535" cy="600164"/>
           </a:xfrm>
           <a:prstGeom prst="rect">
             <a:avLst/>
@@ -9997,8 +10697,8 @@
           <a:lstStyle/>
           <a:p>
             <a:r>
-              <a:rPr lang="en-US" sz="4400" dirty="0"/>
-              <a:t>Status</a:t>
+              <a:rPr lang="en-US" sz="3300" dirty="0"/>
+              <a:t>Title</a:t>
             </a:r>
           </a:p>
         </p:txBody>
@@ -10016,9 +10716,9 @@
           <p:nvPr/>
         </p:nvSpPr>
         <p:spPr>
-          <a:xfrm>
-            <a:off x="3536342" y="544429"/>
-            <a:ext cx="1917291" cy="1328616"/>
+          <a:xfrm rot="1838549">
+            <a:off x="3749779" y="1222273"/>
+            <a:ext cx="1437968" cy="996462"/>
           </a:xfrm>
           <a:prstGeom prst="leftArrow">
             <a:avLst/>
@@ -10045,20 +10745,28 @@
           <a:lstStyle/>
           <a:p>
             <a:pPr algn="ctr"/>
-            <a:endParaRPr lang="en-US"/>
+            <a:endParaRPr lang="en-US" sz="1053"/>
           </a:p>
         </p:txBody>
       </p:sp>
     </p:spTree>
     <p:extLst>
       <p:ext uri="{BB962C8B-B14F-4D97-AF65-F5344CB8AC3E}">
-        <p14:creationId xmlns:p14="http://schemas.microsoft.com/office/powerpoint/2010/main" val="982979819"/>
+        <p14:creationId xmlns:p14="http://schemas.microsoft.com/office/powerpoint/2010/main" val="18341643"/>
       </p:ext>
     </p:extLst>
   </p:cSld>
   <p:clrMapOvr>
     <a:masterClrMapping/>
   </p:clrMapOvr>
+  <mc:AlternateContent xmlns:mc="http://schemas.openxmlformats.org/markup-compatibility/2006" xmlns:p14="http://schemas.microsoft.com/office/powerpoint/2010/main">
+    <mc:Choice Requires="p14">
+      <p:transition spd="slow" p14:dur="2000" advClick="0" advTm="15000"/>
+    </mc:Choice>
+    <mc:Fallback xmlns="">
+      <p:transition spd="slow" advClick="0" advTm="15000"/>
+    </mc:Fallback>
+  </mc:AlternateContent>
 </p:sld>
 </file>
 
@@ -10321,7 +11029,7 @@
   <a:extraClrSchemeLst/>
   <a:extLst>
     <a:ext uri="{05A4C25C-085E-4340-85A3-A5531E510DB2}">
-      <thm15:themeFamily xmlns:thm15="http://schemas.microsoft.com/office/thememl/2012/main" name="Office Theme" id="{62F939B6-93AF-4DB8-9C6B-D6C7DFDC589F}" vid="{4A3C46E8-61CC-4603-A589-7422A47A8E4A}"/>
+      <thm15:themeFamily xmlns:thm15="http://schemas.microsoft.com/office/thememl/2012/main" name="recording-architectural-decisions-ignite" id="{6FF876E1-7E57-F040-930D-D4A8A501F66A}" vid="{2F79D2B5-A5DE-2048-8A93-DACB52193CA1}"/>
     </a:ext>
   </a:extLst>
 </a:theme>

--- a/recording-architectural-decisions-ignite.pptx
+++ b/recording-architectural-decisions-ignite.pptx
@@ -216,7 +216,7 @@
           <a:p>
             <a:fld id="{A6566DB2-42AF-8C42-9886-7B81646A09AD}" type="datetimeFigureOut">
               <a:rPr lang="en-US" smtClean="0"/>
-              <a:t>1/21/19</a:t>
+              <a:t>1/23/19</a:t>
             </a:fld>
             <a:endParaRPr lang="en-US"/>
           </a:p>
@@ -1691,16 +1691,7 @@
           <a:p>
             <a:r>
               <a:rPr lang="en-US" dirty="0"/>
-              <a:t>Lots of people use wikis to try to document these types of decisions, which is better than nothing</a:t>
-            </a:r>
-          </a:p>
-          <a:p>
-            <a:endParaRPr lang="en-US" dirty="0"/>
-          </a:p>
-          <a:p>
-            <a:r>
-              <a:rPr lang="en-US" dirty="0"/>
-              <a:t>But, there is a disconnect (usually) between the code and the wiki, and keeping the decisions next to the code increases the odds of it being updated</a:t>
+              <a:t>**ANY** documentation is going to require care and attention over time; keeping the decisions next to the code, instead of a wiki, increases the odds of it being updated over time.</a:t>
             </a:r>
           </a:p>
         </p:txBody>
@@ -3823,7 +3814,7 @@
           <a:p>
             <a:fld id="{5387A2D6-595D-DA44-B145-80F30058C334}" type="datetimeFigureOut">
               <a:rPr lang="en-US" smtClean="0"/>
-              <a:t>1/21/19</a:t>
+              <a:t>1/23/19</a:t>
             </a:fld>
             <a:endParaRPr lang="en-US"/>
           </a:p>
@@ -4029,7 +4020,7 @@
           <a:p>
             <a:fld id="{5387A2D6-595D-DA44-B145-80F30058C334}" type="datetimeFigureOut">
               <a:rPr lang="en-US" smtClean="0"/>
-              <a:t>1/21/19</a:t>
+              <a:t>1/23/19</a:t>
             </a:fld>
             <a:endParaRPr lang="en-US"/>
           </a:p>
@@ -4245,7 +4236,7 @@
           <a:p>
             <a:fld id="{5387A2D6-595D-DA44-B145-80F30058C334}" type="datetimeFigureOut">
               <a:rPr lang="en-US" smtClean="0"/>
-              <a:t>1/21/19</a:t>
+              <a:t>1/23/19</a:t>
             </a:fld>
             <a:endParaRPr lang="en-US"/>
           </a:p>
@@ -4451,7 +4442,7 @@
           <a:p>
             <a:fld id="{5387A2D6-595D-DA44-B145-80F30058C334}" type="datetimeFigureOut">
               <a:rPr lang="en-US" smtClean="0"/>
-              <a:t>1/21/19</a:t>
+              <a:t>1/23/19</a:t>
             </a:fld>
             <a:endParaRPr lang="en-US"/>
           </a:p>
@@ -4734,7 +4725,7 @@
           <a:p>
             <a:fld id="{5387A2D6-595D-DA44-B145-80F30058C334}" type="datetimeFigureOut">
               <a:rPr lang="en-US" smtClean="0"/>
-              <a:t>1/21/19</a:t>
+              <a:t>1/23/19</a:t>
             </a:fld>
             <a:endParaRPr lang="en-US"/>
           </a:p>
@@ -5007,7 +4998,7 @@
           <a:p>
             <a:fld id="{5387A2D6-595D-DA44-B145-80F30058C334}" type="datetimeFigureOut">
               <a:rPr lang="en-US" smtClean="0"/>
-              <a:t>1/21/19</a:t>
+              <a:t>1/23/19</a:t>
             </a:fld>
             <a:endParaRPr lang="en-US"/>
           </a:p>
@@ -5427,7 +5418,7 @@
           <a:p>
             <a:fld id="{5387A2D6-595D-DA44-B145-80F30058C334}" type="datetimeFigureOut">
               <a:rPr lang="en-US" smtClean="0"/>
-              <a:t>1/21/19</a:t>
+              <a:t>1/23/19</a:t>
             </a:fld>
             <a:endParaRPr lang="en-US"/>
           </a:p>
@@ -5576,7 +5567,7 @@
           <a:p>
             <a:fld id="{5387A2D6-595D-DA44-B145-80F30058C334}" type="datetimeFigureOut">
               <a:rPr lang="en-US" smtClean="0"/>
-              <a:t>1/21/19</a:t>
+              <a:t>1/23/19</a:t>
             </a:fld>
             <a:endParaRPr lang="en-US"/>
           </a:p>
@@ -5697,7 +5688,7 @@
           <a:p>
             <a:fld id="{5387A2D6-595D-DA44-B145-80F30058C334}" type="datetimeFigureOut">
               <a:rPr lang="en-US" smtClean="0"/>
-              <a:t>1/21/19</a:t>
+              <a:t>1/23/19</a:t>
             </a:fld>
             <a:endParaRPr lang="en-US"/>
           </a:p>
@@ -6016,7 +6007,7 @@
           <a:p>
             <a:fld id="{5387A2D6-595D-DA44-B145-80F30058C334}" type="datetimeFigureOut">
               <a:rPr lang="en-US" smtClean="0"/>
-              <a:t>1/21/19</a:t>
+              <a:t>1/23/19</a:t>
             </a:fld>
             <a:endParaRPr lang="en-US"/>
           </a:p>
@@ -6312,7 +6303,7 @@
           <a:p>
             <a:fld id="{5387A2D6-595D-DA44-B145-80F30058C334}" type="datetimeFigureOut">
               <a:rPr lang="en-US" smtClean="0"/>
-              <a:t>1/21/19</a:t>
+              <a:t>1/23/19</a:t>
             </a:fld>
             <a:endParaRPr lang="en-US"/>
           </a:p>
@@ -6564,7 +6555,7 @@
           <a:p>
             <a:fld id="{5387A2D6-595D-DA44-B145-80F30058C334}" type="datetimeFigureOut">
               <a:rPr lang="en-US" smtClean="0"/>
-              <a:t>1/21/19</a:t>
+              <a:t>1/23/19</a:t>
             </a:fld>
             <a:endParaRPr lang="en-US"/>
           </a:p>
